--- a/path_planing/研討會/碰撞風險評估討論.pptx
+++ b/path_planing/研討會/碰撞風險評估討論.pptx
@@ -717,13 +717,18 @@
             <a:endParaRPr lang="en-US" altLang="zh-TW" sz="1200" dirty="0"/>
           </a:p>
           <a:p>
-            <a:br>
+            <a:r>
+              <a:rPr lang="zh-TW" altLang="en-US" sz="1200" dirty="0"/>
+              <a:t>碰撞風險評估在自動駕駛、先進駕駛輔助系統</a:t>
+            </a:r>
+            <a:r>
               <a:rPr lang="en-US" altLang="zh-TW" sz="1200" dirty="0"/>
-            </a:br>
-            <a:endParaRPr lang="en-US" altLang="zh-TW" sz="1200" dirty="0"/>
-          </a:p>
-          <a:p>
-            <a:endParaRPr lang="zh-TW" altLang="en-US" sz="1200" dirty="0"/>
+              <a:t>ADAS</a:t>
+            </a:r>
+            <a:r>
+              <a:rPr lang="zh-TW" altLang="en-US" sz="1200" dirty="0"/>
+              <a:t>、移動式機器人避障等領域都被廣泛討論。基本上，這些自主化、或是自動化的移動載具都需要一套評估標準來量化周遭環境的風險。這些風險計算方式會隨著研究對象及目標而不同。以下將介紹一些我們實驗室使用或參考過的評估方法。</a:t>
+            </a:r>
           </a:p>
         </p:txBody>
       </p:sp>
@@ -750,6 +755,535 @@
     <p:extLst>
       <p:ext uri="{BB962C8B-B14F-4D97-AF65-F5344CB8AC3E}">
         <p14:creationId xmlns:p14="http://schemas.microsoft.com/office/powerpoint/2010/main" val="411807362"/>
+      </p:ext>
+    </p:extLst>
+  </p:cSld>
+  <p:clrMapOvr>
+    <a:masterClrMapping/>
+  </p:clrMapOvr>
+</p:notes>
+</file>
+
+<file path=ppt/notesSlides/notesSlide10.xml><?xml version="1.0" encoding="utf-8"?>
+<p:notes xmlns:a="http://schemas.openxmlformats.org/drawingml/2006/main" xmlns:r="http://schemas.openxmlformats.org/officeDocument/2006/relationships" xmlns:p="http://schemas.openxmlformats.org/presentationml/2006/main">
+  <p:cSld>
+    <p:spTree>
+      <p:nvGrpSpPr>
+        <p:cNvPr id="1" name=""/>
+        <p:cNvGrpSpPr/>
+        <p:nvPr/>
+      </p:nvGrpSpPr>
+      <p:grpSpPr>
+        <a:xfrm>
+          <a:off x="0" y="0"/>
+          <a:ext cx="0" cy="0"/>
+          <a:chOff x="0" y="0"/>
+          <a:chExt cx="0" cy="0"/>
+        </a:xfrm>
+      </p:grpSpPr>
+      <p:sp>
+        <p:nvSpPr>
+          <p:cNvPr id="2" name="投影片影像版面配置區 1"/>
+          <p:cNvSpPr>
+            <a:spLocks noGrp="1" noRot="1" noChangeAspect="1"/>
+          </p:cNvSpPr>
+          <p:nvPr>
+            <p:ph type="sldImg"/>
+          </p:nvPr>
+        </p:nvSpPr>
+        <p:spPr/>
+      </p:sp>
+      <mc:AlternateContent xmlns:mc="http://schemas.openxmlformats.org/markup-compatibility/2006">
+        <mc:Choice xmlns:a14="http://schemas.microsoft.com/office/drawing/2010/main" Requires="a14">
+          <p:sp>
+            <p:nvSpPr>
+              <p:cNvPr id="3" name="備忘稿版面配置區 2"/>
+              <p:cNvSpPr>
+                <a:spLocks noGrp="1"/>
+              </p:cNvSpPr>
+              <p:nvPr>
+                <p:ph type="body" idx="1"/>
+              </p:nvPr>
+            </p:nvSpPr>
+            <p:spPr/>
+            <p:txBody>
+              <a:bodyPr/>
+              <a:lstStyle/>
+              <a:p>
+                <a:r>
+                  <a:rPr lang="zh-TW" altLang="en-US" dirty="0"/>
+                  <a:t>最後，來分析一下以高斯分布模型作為機率風險的量化方法之優缺點。</a:t>
+                </a:r>
+                <a:endParaRPr lang="en-US" altLang="zh-TW" dirty="0"/>
+              </a:p>
+              <a:p>
+                <a:pPr marL="0" marR="0" lvl="0" indent="0" algn="l" defTabSz="914400" rtl="0" eaLnBrk="1" fontAlgn="auto" latinLnBrk="0" hangingPunct="1">
+                  <a:lnSpc>
+                    <a:spcPct val="100000"/>
+                  </a:lnSpc>
+                  <a:spcBef>
+                    <a:spcPts val="0"/>
+                  </a:spcBef>
+                  <a:spcAft>
+                    <a:spcPts val="0"/>
+                  </a:spcAft>
+                  <a:buClrTx/>
+                  <a:buSzTx/>
+                  <a:buFontTx/>
+                  <a:buNone/>
+                  <a:tabLst/>
+                  <a:defRPr/>
+                </a:pPr>
+                <a:r>
+                  <a:rPr lang="zh-TW" altLang="en-US" dirty="0"/>
+                  <a:t>採用此風險量化法的最大優點是座標轉換容易。面對各位置的障礙物，系統可以透過轉換矩陣來轉換座標系，且任兩車輛模型都可構成一個整合的分佈模型。</a:t>
+                </a:r>
+                <a:endParaRPr lang="en-US" altLang="zh-TW" dirty="0"/>
+              </a:p>
+              <a:p>
+                <a:pPr marL="0" marR="0" lvl="0" indent="0" algn="l" defTabSz="914400" rtl="0" eaLnBrk="1" fontAlgn="auto" latinLnBrk="0" hangingPunct="1">
+                  <a:lnSpc>
+                    <a:spcPct val="100000"/>
+                  </a:lnSpc>
+                  <a:spcBef>
+                    <a:spcPts val="0"/>
+                  </a:spcBef>
+                  <a:spcAft>
+                    <a:spcPts val="0"/>
+                  </a:spcAft>
+                  <a:buClrTx/>
+                  <a:buSzTx/>
+                  <a:buFontTx/>
+                  <a:buNone/>
+                  <a:tabLst/>
+                  <a:defRPr/>
+                </a:pPr>
+                <a:r>
+                  <a:rPr lang="zh-TW" altLang="en-US" dirty="0"/>
+                  <a:t>但是，高斯分布模型有下列問題</a:t>
+                </a:r>
+                <a:r>
+                  <a:rPr lang="en-US" altLang="zh-TW" dirty="0"/>
+                  <a:t>:</a:t>
+                </a:r>
+              </a:p>
+              <a:p>
+                <a:pPr marL="0" marR="0" lvl="0" indent="0" algn="l" defTabSz="914400" rtl="0" eaLnBrk="1" fontAlgn="auto" latinLnBrk="0" hangingPunct="1">
+                  <a:lnSpc>
+                    <a:spcPct val="100000"/>
+                  </a:lnSpc>
+                  <a:spcBef>
+                    <a:spcPts val="0"/>
+                  </a:spcBef>
+                  <a:spcAft>
+                    <a:spcPts val="0"/>
+                  </a:spcAft>
+                  <a:buClrTx/>
+                  <a:buSzTx/>
+                  <a:buFontTx/>
+                  <a:buNone/>
+                  <a:tabLst/>
+                  <a:defRPr/>
+                </a:pPr>
+                <a:r>
+                  <a:rPr lang="zh-TW" altLang="en-US" dirty="0"/>
+                  <a:t>第一，測試車輛在遭遇不同大小的障礙物體時，自架系統可能沒辦法準確知道該物體的中心位置，造成變異數矩陣</a:t>
+                </a:r>
+                <a14:m>
+                  <m:oMath xmlns:m="http://schemas.openxmlformats.org/officeDocument/2006/math">
+                    <m:r>
+                      <a:rPr lang="en-US" altLang="zh-TW" b="1" i="1" dirty="0" smtClean="0">
+                        <a:latin typeface="Cambria Math" panose="02040503050406030204" pitchFamily="18" charset="0"/>
+                      </a:rPr>
+                      <m:t>𝑪</m:t>
+                    </m:r>
+                  </m:oMath>
+                </a14:m>
+                <a:r>
+                  <a:rPr lang="zh-TW" altLang="en-US" dirty="0"/>
+                  <a:t>的設定問題。</a:t>
+                </a:r>
+                <a:endParaRPr lang="en-US" altLang="zh-TW" dirty="0"/>
+              </a:p>
+              <a:p>
+                <a:pPr marL="0" marR="0" lvl="0" indent="0" algn="l" defTabSz="914400" rtl="0" eaLnBrk="1" fontAlgn="auto" latinLnBrk="0" hangingPunct="1">
+                  <a:lnSpc>
+                    <a:spcPct val="100000"/>
+                  </a:lnSpc>
+                  <a:spcBef>
+                    <a:spcPts val="0"/>
+                  </a:spcBef>
+                  <a:spcAft>
+                    <a:spcPts val="0"/>
+                  </a:spcAft>
+                  <a:buClrTx/>
+                  <a:buSzTx/>
+                  <a:buFontTx/>
+                  <a:buNone/>
+                  <a:tabLst/>
+                  <a:defRPr/>
+                </a:pPr>
+                <a:r>
+                  <a:rPr lang="zh-TW" altLang="en-US" dirty="0"/>
+                  <a:t>第二，此方法忽略了運動學參數。這個風險量化方式僅透過物體的位置來計算高斯風險分布，沒有考慮移動物體的行為，忽略不同的運動下帶來的風險。</a:t>
+                </a:r>
+              </a:p>
+              <a:p>
+                <a:pPr marL="0" marR="0" lvl="0" indent="0" algn="l" defTabSz="914400" rtl="0" eaLnBrk="1" fontAlgn="auto" latinLnBrk="0" hangingPunct="1">
+                  <a:lnSpc>
+                    <a:spcPct val="100000"/>
+                  </a:lnSpc>
+                  <a:spcBef>
+                    <a:spcPts val="0"/>
+                  </a:spcBef>
+                  <a:spcAft>
+                    <a:spcPts val="0"/>
+                  </a:spcAft>
+                  <a:buClrTx/>
+                  <a:buSzTx/>
+                  <a:buFontTx/>
+                  <a:buNone/>
+                  <a:tabLst/>
+                  <a:defRPr/>
+                </a:pPr>
+                <a:endParaRPr lang="en-US" altLang="zh-TW" dirty="0"/>
+              </a:p>
+              <a:p>
+                <a:pPr marL="0" marR="0" lvl="0" indent="0" algn="l" defTabSz="914400" rtl="0" eaLnBrk="1" fontAlgn="auto" latinLnBrk="0" hangingPunct="1">
+                  <a:lnSpc>
+                    <a:spcPct val="100000"/>
+                  </a:lnSpc>
+                  <a:spcBef>
+                    <a:spcPts val="0"/>
+                  </a:spcBef>
+                  <a:spcAft>
+                    <a:spcPts val="0"/>
+                  </a:spcAft>
+                  <a:buClrTx/>
+                  <a:buSzTx/>
+                  <a:buFontTx/>
+                  <a:buNone/>
+                  <a:tabLst/>
+                  <a:defRPr/>
+                </a:pPr>
+                <a:endParaRPr lang="zh-TW" altLang="en-US" dirty="0"/>
+              </a:p>
+              <a:p>
+                <a:endParaRPr lang="zh-TW" altLang="en-US" dirty="0"/>
+              </a:p>
+            </p:txBody>
+          </p:sp>
+        </mc:Choice>
+        <mc:Fallback>
+          <p:sp>
+            <p:nvSpPr>
+              <p:cNvPr id="3" name="備忘稿版面配置區 2"/>
+              <p:cNvSpPr>
+                <a:spLocks noGrp="1"/>
+              </p:cNvSpPr>
+              <p:nvPr>
+                <p:ph type="body" idx="1"/>
+              </p:nvPr>
+            </p:nvSpPr>
+            <p:spPr/>
+            <p:txBody>
+              <a:bodyPr/>
+              <a:lstStyle/>
+              <a:p>
+                <a:r>
+                  <a:rPr lang="zh-TW" altLang="en-US" dirty="0"/>
+                  <a:t>最後，來分析一下以高斯分布模型作為機率風險的量化方法之優缺點。</a:t>
+                </a:r>
+                <a:endParaRPr lang="en-US" altLang="zh-TW" dirty="0"/>
+              </a:p>
+              <a:p>
+                <a:pPr marL="0" marR="0" lvl="0" indent="0" algn="l" defTabSz="914400" rtl="0" eaLnBrk="1" fontAlgn="auto" latinLnBrk="0" hangingPunct="1">
+                  <a:lnSpc>
+                    <a:spcPct val="100000"/>
+                  </a:lnSpc>
+                  <a:spcBef>
+                    <a:spcPts val="0"/>
+                  </a:spcBef>
+                  <a:spcAft>
+                    <a:spcPts val="0"/>
+                  </a:spcAft>
+                  <a:buClrTx/>
+                  <a:buSzTx/>
+                  <a:buFontTx/>
+                  <a:buNone/>
+                  <a:tabLst/>
+                  <a:defRPr/>
+                </a:pPr>
+                <a:r>
+                  <a:rPr lang="zh-TW" altLang="en-US" dirty="0"/>
+                  <a:t>採用此風險量化法的最大優點是座標轉換容易。面對各位置的障礙物，系統可以透過轉換矩陣來轉換座標系，且任兩車輛模型都可構成一個整合的分佈模型。</a:t>
+                </a:r>
+                <a:endParaRPr lang="en-US" altLang="zh-TW" dirty="0"/>
+              </a:p>
+              <a:p>
+                <a:pPr marL="0" marR="0" lvl="0" indent="0" algn="l" defTabSz="914400" rtl="0" eaLnBrk="1" fontAlgn="auto" latinLnBrk="0" hangingPunct="1">
+                  <a:lnSpc>
+                    <a:spcPct val="100000"/>
+                  </a:lnSpc>
+                  <a:spcBef>
+                    <a:spcPts val="0"/>
+                  </a:spcBef>
+                  <a:spcAft>
+                    <a:spcPts val="0"/>
+                  </a:spcAft>
+                  <a:buClrTx/>
+                  <a:buSzTx/>
+                  <a:buFontTx/>
+                  <a:buNone/>
+                  <a:tabLst/>
+                  <a:defRPr/>
+                </a:pPr>
+                <a:r>
+                  <a:rPr lang="zh-TW" altLang="en-US" dirty="0"/>
+                  <a:t>但是，高斯分布模型有下列問題</a:t>
+                </a:r>
+                <a:r>
+                  <a:rPr lang="en-US" altLang="zh-TW" dirty="0"/>
+                  <a:t>:</a:t>
+                </a:r>
+              </a:p>
+              <a:p>
+                <a:pPr marL="0" marR="0" lvl="0" indent="0" algn="l" defTabSz="914400" rtl="0" eaLnBrk="1" fontAlgn="auto" latinLnBrk="0" hangingPunct="1">
+                  <a:lnSpc>
+                    <a:spcPct val="100000"/>
+                  </a:lnSpc>
+                  <a:spcBef>
+                    <a:spcPts val="0"/>
+                  </a:spcBef>
+                  <a:spcAft>
+                    <a:spcPts val="0"/>
+                  </a:spcAft>
+                  <a:buClrTx/>
+                  <a:buSzTx/>
+                  <a:buFontTx/>
+                  <a:buNone/>
+                  <a:tabLst/>
+                  <a:defRPr/>
+                </a:pPr>
+                <a:r>
+                  <a:rPr lang="zh-TW" altLang="en-US" dirty="0"/>
+                  <a:t>第一，測試車輛在遭遇不同大小的障礙物體時，自架系統可能沒辦法準確知道該物體的中心位置，造成變異數矩陣</a:t>
+                </a:r>
+                <a:r>
+                  <a:rPr lang="en-US" altLang="zh-TW" b="1" i="0" dirty="0">
+                    <a:latin typeface="Cambria Math" panose="02040503050406030204" pitchFamily="18" charset="0"/>
+                  </a:rPr>
+                  <a:t>𝑪</a:t>
+                </a:r>
+                <a:r>
+                  <a:rPr lang="zh-TW" altLang="en-US" dirty="0"/>
+                  <a:t>的設定問題。</a:t>
+                </a:r>
+                <a:endParaRPr lang="en-US" altLang="zh-TW" dirty="0"/>
+              </a:p>
+              <a:p>
+                <a:pPr marL="0" marR="0" lvl="0" indent="0" algn="l" defTabSz="914400" rtl="0" eaLnBrk="1" fontAlgn="auto" latinLnBrk="0" hangingPunct="1">
+                  <a:lnSpc>
+                    <a:spcPct val="100000"/>
+                  </a:lnSpc>
+                  <a:spcBef>
+                    <a:spcPts val="0"/>
+                  </a:spcBef>
+                  <a:spcAft>
+                    <a:spcPts val="0"/>
+                  </a:spcAft>
+                  <a:buClrTx/>
+                  <a:buSzTx/>
+                  <a:buFontTx/>
+                  <a:buNone/>
+                  <a:tabLst/>
+                  <a:defRPr/>
+                </a:pPr>
+                <a:r>
+                  <a:rPr lang="zh-TW" altLang="en-US" dirty="0"/>
+                  <a:t>第二，此方法忽略了運動學參數。這個風險量化方式僅透過物體的位置來計算高斯風險分布，沒有考慮移動物體的行為，忽略不同的運動下帶來的風險。</a:t>
+                </a:r>
+              </a:p>
+              <a:p>
+                <a:pPr marL="0" marR="0" lvl="0" indent="0" algn="l" defTabSz="914400" rtl="0" eaLnBrk="1" fontAlgn="auto" latinLnBrk="0" hangingPunct="1">
+                  <a:lnSpc>
+                    <a:spcPct val="100000"/>
+                  </a:lnSpc>
+                  <a:spcBef>
+                    <a:spcPts val="0"/>
+                  </a:spcBef>
+                  <a:spcAft>
+                    <a:spcPts val="0"/>
+                  </a:spcAft>
+                  <a:buClrTx/>
+                  <a:buSzTx/>
+                  <a:buFontTx/>
+                  <a:buNone/>
+                  <a:tabLst/>
+                  <a:defRPr/>
+                </a:pPr>
+                <a:endParaRPr lang="en-US" altLang="zh-TW" dirty="0"/>
+              </a:p>
+              <a:p>
+                <a:pPr marL="0" marR="0" lvl="0" indent="0" algn="l" defTabSz="914400" rtl="0" eaLnBrk="1" fontAlgn="auto" latinLnBrk="0" hangingPunct="1">
+                  <a:lnSpc>
+                    <a:spcPct val="100000"/>
+                  </a:lnSpc>
+                  <a:spcBef>
+                    <a:spcPts val="0"/>
+                  </a:spcBef>
+                  <a:spcAft>
+                    <a:spcPts val="0"/>
+                  </a:spcAft>
+                  <a:buClrTx/>
+                  <a:buSzTx/>
+                  <a:buFontTx/>
+                  <a:buNone/>
+                  <a:tabLst/>
+                  <a:defRPr/>
+                </a:pPr>
+                <a:endParaRPr lang="zh-TW" altLang="en-US" dirty="0"/>
+              </a:p>
+              <a:p>
+                <a:endParaRPr lang="zh-TW" altLang="en-US" dirty="0"/>
+              </a:p>
+            </p:txBody>
+          </p:sp>
+        </mc:Fallback>
+      </mc:AlternateContent>
+      <p:sp>
+        <p:nvSpPr>
+          <p:cNvPr id="4" name="日期版面配置區 3"/>
+          <p:cNvSpPr>
+            <a:spLocks noGrp="1"/>
+          </p:cNvSpPr>
+          <p:nvPr>
+            <p:ph type="dt" idx="1"/>
+          </p:nvPr>
+        </p:nvSpPr>
+        <p:spPr/>
+        <p:txBody>
+          <a:bodyPr/>
+          <a:lstStyle/>
+          <a:p>
+            <a:endParaRPr lang="zh-TW" altLang="en-US"/>
+          </a:p>
+        </p:txBody>
+      </p:sp>
+    </p:spTree>
+    <p:extLst>
+      <p:ext uri="{BB962C8B-B14F-4D97-AF65-F5344CB8AC3E}">
+        <p14:creationId xmlns:p14="http://schemas.microsoft.com/office/powerpoint/2010/main" val="409847489"/>
+      </p:ext>
+    </p:extLst>
+  </p:cSld>
+  <p:clrMapOvr>
+    <a:masterClrMapping/>
+  </p:clrMapOvr>
+</p:notes>
+</file>
+
+<file path=ppt/notesSlides/notesSlide11.xml><?xml version="1.0" encoding="utf-8"?>
+<p:notes xmlns:a="http://schemas.openxmlformats.org/drawingml/2006/main" xmlns:r="http://schemas.openxmlformats.org/officeDocument/2006/relationships" xmlns:p="http://schemas.openxmlformats.org/presentationml/2006/main">
+  <p:cSld>
+    <p:spTree>
+      <p:nvGrpSpPr>
+        <p:cNvPr id="1" name=""/>
+        <p:cNvGrpSpPr/>
+        <p:nvPr/>
+      </p:nvGrpSpPr>
+      <p:grpSpPr>
+        <a:xfrm>
+          <a:off x="0" y="0"/>
+          <a:ext cx="0" cy="0"/>
+          <a:chOff x="0" y="0"/>
+          <a:chExt cx="0" cy="0"/>
+        </a:xfrm>
+      </p:grpSpPr>
+      <p:sp>
+        <p:nvSpPr>
+          <p:cNvPr id="2" name="投影片影像版面配置區 1"/>
+          <p:cNvSpPr>
+            <a:spLocks noGrp="1" noRot="1" noChangeAspect="1"/>
+          </p:cNvSpPr>
+          <p:nvPr>
+            <p:ph type="sldImg"/>
+          </p:nvPr>
+        </p:nvSpPr>
+        <p:spPr/>
+      </p:sp>
+      <p:sp>
+        <p:nvSpPr>
+          <p:cNvPr id="3" name="備忘稿版面配置區 2"/>
+          <p:cNvSpPr>
+            <a:spLocks noGrp="1"/>
+          </p:cNvSpPr>
+          <p:nvPr>
+            <p:ph type="body" idx="1"/>
+          </p:nvPr>
+        </p:nvSpPr>
+        <p:spPr/>
+        <p:txBody>
+          <a:bodyPr/>
+          <a:lstStyle/>
+          <a:p>
+            <a:r>
+              <a:rPr lang="zh-TW" altLang="en-US" dirty="0"/>
+              <a:t>引入安全閥值的觀念，將𝜏秒內會造成的碰撞視為應避免事件，在此之後的碰撞暫不考慮。如此，</a:t>
+            </a:r>
+            <a:r>
+              <a:rPr lang="en-US" altLang="zh-TW" dirty="0"/>
+              <a:t>CC_(A,B) </a:t>
+            </a:r>
+            <a:r>
+              <a:rPr lang="zh-TW" altLang="en-US" dirty="0"/>
+              <a:t>的尖端面積便會被修剪掉一弧形區域。象徵著物體</a:t>
+            </a:r>
+            <a:r>
+              <a:rPr lang="en-US" altLang="zh-TW" dirty="0"/>
+              <a:t>A</a:t>
+            </a:r>
+            <a:r>
+              <a:rPr lang="zh-TW" altLang="en-US" dirty="0"/>
+              <a:t>應避免造成相對速度𝑣</a:t>
+            </a:r>
+            <a:r>
+              <a:rPr lang="en-US" altLang="zh-TW" dirty="0"/>
+              <a:t>_</a:t>
+            </a:r>
+            <a:r>
+              <a:rPr lang="zh-TW" altLang="en-US" dirty="0"/>
+              <a:t>𝐴𝐵落入該區內，即可避免𝜏秒內碰撞。</a:t>
+            </a:r>
+          </a:p>
+          <a:p>
+            <a:endParaRPr lang="zh-TW" altLang="en-US" dirty="0"/>
+          </a:p>
+        </p:txBody>
+      </p:sp>
+      <p:sp>
+        <p:nvSpPr>
+          <p:cNvPr id="4" name="日期版面配置區 3"/>
+          <p:cNvSpPr>
+            <a:spLocks noGrp="1"/>
+          </p:cNvSpPr>
+          <p:nvPr>
+            <p:ph type="dt" idx="1"/>
+          </p:nvPr>
+        </p:nvSpPr>
+        <p:spPr/>
+        <p:txBody>
+          <a:bodyPr/>
+          <a:lstStyle/>
+          <a:p>
+            <a:endParaRPr lang="zh-TW" altLang="en-US"/>
+          </a:p>
+        </p:txBody>
+      </p:sp>
+    </p:spTree>
+    <p:extLst>
+      <p:ext uri="{BB962C8B-B14F-4D97-AF65-F5344CB8AC3E}">
+        <p14:creationId xmlns:p14="http://schemas.microsoft.com/office/powerpoint/2010/main" val="1650038270"/>
       </p:ext>
     </p:extLst>
   </p:cSld>
@@ -899,6 +1433,114 @@
               <a:buFont typeface="Arial" panose="020B0604020202020204" pitchFamily="34" charset="0"/>
               <a:buNone/>
             </a:pPr>
+            <a:r>
+              <a:rPr lang="zh-TW" altLang="en-US" sz="1200" b="0" kern="1200" dirty="0">
+                <a:solidFill>
+                  <a:schemeClr val="tx1"/>
+                </a:solidFill>
+                <a:effectLst/>
+                <a:latin typeface="+mn-lt"/>
+                <a:ea typeface="+mn-ea"/>
+                <a:cs typeface="+mn-cs"/>
+              </a:rPr>
+              <a:t>大致上，我將它們分為一維或二維的風險評估。一維風險評估雖然直觀，但是由於忽略了物體橫向運動的可能，所以適用範圍較為限縮。大多被應用在</a:t>
+            </a:r>
+            <a:r>
+              <a:rPr lang="en-US" altLang="zh-TW" sz="1200" b="0" kern="1200" dirty="0">
+                <a:solidFill>
+                  <a:schemeClr val="tx1"/>
+                </a:solidFill>
+                <a:effectLst/>
+                <a:latin typeface="+mn-lt"/>
+                <a:ea typeface="+mn-ea"/>
+                <a:cs typeface="+mn-cs"/>
+              </a:rPr>
+              <a:t>AEB(</a:t>
+            </a:r>
+            <a:r>
+              <a:rPr lang="zh-TW" altLang="en-US" sz="1200" b="0" kern="1200" dirty="0">
+                <a:solidFill>
+                  <a:schemeClr val="tx1"/>
+                </a:solidFill>
+                <a:effectLst/>
+                <a:latin typeface="+mn-lt"/>
+                <a:ea typeface="+mn-ea"/>
+                <a:cs typeface="+mn-cs"/>
+              </a:rPr>
+              <a:t>自動緊急煞車系統</a:t>
+            </a:r>
+            <a:r>
+              <a:rPr lang="en-US" altLang="zh-TW" sz="1200" b="0" kern="1200" dirty="0">
+                <a:solidFill>
+                  <a:schemeClr val="tx1"/>
+                </a:solidFill>
+                <a:effectLst/>
+                <a:latin typeface="+mn-lt"/>
+                <a:ea typeface="+mn-ea"/>
+                <a:cs typeface="+mn-cs"/>
+              </a:rPr>
+              <a:t>)</a:t>
+            </a:r>
+            <a:r>
+              <a:rPr lang="zh-TW" altLang="en-US" sz="1200" b="0" kern="1200" dirty="0">
+                <a:solidFill>
+                  <a:schemeClr val="tx1"/>
+                </a:solidFill>
+                <a:effectLst/>
+                <a:latin typeface="+mn-lt"/>
+                <a:ea typeface="+mn-ea"/>
+                <a:cs typeface="+mn-cs"/>
+              </a:rPr>
+              <a:t>或</a:t>
+            </a:r>
+            <a:r>
+              <a:rPr lang="en-US" altLang="zh-TW" sz="1200" b="0" kern="1200" dirty="0">
+                <a:solidFill>
+                  <a:schemeClr val="tx1"/>
+                </a:solidFill>
+                <a:effectLst/>
+                <a:latin typeface="+mn-lt"/>
+                <a:ea typeface="+mn-ea"/>
+                <a:cs typeface="+mn-cs"/>
+              </a:rPr>
+              <a:t>ACC(</a:t>
+            </a:r>
+            <a:r>
+              <a:rPr lang="zh-TW" altLang="en-US" sz="1200" b="0" kern="1200" dirty="0">
+                <a:solidFill>
+                  <a:schemeClr val="tx1"/>
+                </a:solidFill>
+                <a:effectLst/>
+                <a:latin typeface="+mn-lt"/>
+                <a:ea typeface="+mn-ea"/>
+                <a:cs typeface="+mn-cs"/>
+              </a:rPr>
+              <a:t>自動跟車巡航系統</a:t>
+            </a:r>
+            <a:r>
+              <a:rPr lang="en-US" altLang="zh-TW" sz="1200" b="0" kern="1200" dirty="0">
+                <a:solidFill>
+                  <a:schemeClr val="tx1"/>
+                </a:solidFill>
+                <a:effectLst/>
+                <a:latin typeface="+mn-lt"/>
+                <a:ea typeface="+mn-ea"/>
+                <a:cs typeface="+mn-cs"/>
+              </a:rPr>
+              <a:t>)</a:t>
+            </a:r>
+            <a:r>
+              <a:rPr lang="zh-TW" altLang="en-US" sz="1200" b="0" kern="1200" dirty="0">
+                <a:solidFill>
+                  <a:schemeClr val="tx1"/>
+                </a:solidFill>
+                <a:effectLst/>
+                <a:latin typeface="+mn-lt"/>
+                <a:ea typeface="+mn-ea"/>
+                <a:cs typeface="+mn-cs"/>
+              </a:rPr>
+              <a:t>等，用來對應發生在同一個車道上的事件。而二維風險評估則會有較為嚴苛的假設 和 更多的參數需求來形成更複雜的風險指標，但是能夠應對全方位的障礙物。</a:t>
+            </a:r>
             <a:endParaRPr lang="en-US" altLang="zh-TW" sz="1200" b="0" kern="1200" dirty="0">
               <a:solidFill>
                 <a:schemeClr val="tx1"/>
@@ -934,6 +1576,1558 @@
     <p:extLst>
       <p:ext uri="{BB962C8B-B14F-4D97-AF65-F5344CB8AC3E}">
         <p14:creationId xmlns:p14="http://schemas.microsoft.com/office/powerpoint/2010/main" val="3853990903"/>
+      </p:ext>
+    </p:extLst>
+  </p:cSld>
+  <p:clrMapOvr>
+    <a:masterClrMapping/>
+  </p:clrMapOvr>
+</p:notes>
+</file>
+
+<file path=ppt/notesSlides/notesSlide4.xml><?xml version="1.0" encoding="utf-8"?>
+<p:notes xmlns:a="http://schemas.openxmlformats.org/drawingml/2006/main" xmlns:r="http://schemas.openxmlformats.org/officeDocument/2006/relationships" xmlns:p="http://schemas.openxmlformats.org/presentationml/2006/main">
+  <p:cSld>
+    <p:spTree>
+      <p:nvGrpSpPr>
+        <p:cNvPr id="1" name=""/>
+        <p:cNvGrpSpPr/>
+        <p:nvPr/>
+      </p:nvGrpSpPr>
+      <p:grpSpPr>
+        <a:xfrm>
+          <a:off x="0" y="0"/>
+          <a:ext cx="0" cy="0"/>
+          <a:chOff x="0" y="0"/>
+          <a:chExt cx="0" cy="0"/>
+        </a:xfrm>
+      </p:grpSpPr>
+      <p:sp>
+        <p:nvSpPr>
+          <p:cNvPr id="2" name="投影片影像版面配置區 1"/>
+          <p:cNvSpPr>
+            <a:spLocks noGrp="1" noRot="1" noChangeAspect="1"/>
+          </p:cNvSpPr>
+          <p:nvPr>
+            <p:ph type="sldImg"/>
+          </p:nvPr>
+        </p:nvSpPr>
+        <p:spPr/>
+      </p:sp>
+      <p:sp>
+        <p:nvSpPr>
+          <p:cNvPr id="3" name="備忘稿版面配置區 2"/>
+          <p:cNvSpPr>
+            <a:spLocks noGrp="1"/>
+          </p:cNvSpPr>
+          <p:nvPr>
+            <p:ph type="body" idx="1"/>
+          </p:nvPr>
+        </p:nvSpPr>
+        <p:spPr/>
+        <p:txBody>
+          <a:bodyPr/>
+          <a:lstStyle/>
+          <a:p>
+            <a:r>
+              <a:rPr lang="zh-TW" altLang="en-US" dirty="0"/>
+              <a:t>第一個要介紹的量化風險方式是</a:t>
+            </a:r>
+            <a:r>
+              <a:rPr lang="en-US" altLang="zh-TW" dirty="0"/>
+              <a:t>TTC</a:t>
+            </a:r>
+            <a:r>
+              <a:rPr lang="zh-TW" altLang="en-US" dirty="0"/>
+              <a:t>。 </a:t>
+            </a:r>
+            <a:r>
+              <a:rPr lang="en-US" altLang="zh-TW" dirty="0"/>
+              <a:t>TTC</a:t>
+            </a:r>
+            <a:r>
+              <a:rPr lang="zh-TW" altLang="en-US" dirty="0"/>
+              <a:t>就是</a:t>
+            </a:r>
+            <a:r>
+              <a:rPr lang="en-US" altLang="zh-TW" dirty="0"/>
+              <a:t>time to collision</a:t>
+            </a:r>
+            <a:r>
+              <a:rPr lang="zh-TW" altLang="en-US" dirty="0"/>
+              <a:t>，系統會去計算，若是自身車輛與前方物體維持當下的運動狀態，多久會造成碰撞，算是一種運動學指標的風險。而運動學指標的方法基本上是依照車輛當下能夠 </a:t>
+            </a:r>
+            <a:r>
+              <a:rPr lang="en-US" altLang="zh-TW" dirty="0"/>
+              <a:t>”</a:t>
+            </a:r>
+            <a:r>
+              <a:rPr lang="zh-TW" altLang="en-US" dirty="0"/>
+              <a:t>阻止碰撞的裕度</a:t>
+            </a:r>
+            <a:r>
+              <a:rPr lang="en-US" altLang="zh-TW" dirty="0"/>
+              <a:t>”</a:t>
+            </a:r>
+            <a:r>
+              <a:rPr lang="zh-TW" altLang="en-US" dirty="0"/>
+              <a:t> 來評斷碰撞的風險。以</a:t>
+            </a:r>
+            <a:r>
+              <a:rPr lang="en-US" altLang="zh-TW" dirty="0"/>
+              <a:t>TTC</a:t>
+            </a:r>
+            <a:r>
+              <a:rPr lang="zh-TW" altLang="en-US" dirty="0"/>
+              <a:t>來說，這個裕度就是時間。</a:t>
+            </a:r>
+            <a:endParaRPr lang="en-US" altLang="zh-TW" dirty="0"/>
+          </a:p>
+          <a:p>
+            <a:r>
+              <a:rPr lang="en-US" altLang="zh-TW" dirty="0"/>
+              <a:t>TTC</a:t>
+            </a:r>
+            <a:r>
+              <a:rPr lang="zh-TW" altLang="en-US" dirty="0"/>
+              <a:t>是一個常見、被廣為使用的交通風險評估參數，特別是在自動駕駛、先進駕駛輔助系統 </a:t>
+            </a:r>
+            <a:r>
+              <a:rPr lang="en-US" altLang="zh-TW" dirty="0"/>
+              <a:t>(ADAS)</a:t>
+            </a:r>
+            <a:r>
+              <a:rPr lang="zh-TW" altLang="en-US" dirty="0"/>
+              <a:t>、移動機器人避障等領域都被眾多論文引用和討論。</a:t>
+            </a:r>
+            <a:endParaRPr lang="en-US" altLang="zh-TW" dirty="0"/>
+          </a:p>
+          <a:p>
+            <a:r>
+              <a:rPr lang="en-US" altLang="zh-TW" dirty="0"/>
+              <a:t>TTC</a:t>
+            </a:r>
+            <a:r>
+              <a:rPr lang="zh-TW" altLang="en-US" dirty="0"/>
+              <a:t>的基本公式就如同其概念，用兩車之相對距離除上他們的相對速度便可得知碰撞衝突將發生在多久之後。一般來說，</a:t>
+            </a:r>
+            <a:r>
+              <a:rPr lang="zh-TW" altLang="en-US" sz="1200" dirty="0"/>
+              <a:t>使用</a:t>
+            </a:r>
+            <a:r>
+              <a:rPr lang="en-US" altLang="zh-TW" sz="1200" dirty="0"/>
+              <a:t>TTC</a:t>
+            </a:r>
+            <a:r>
+              <a:rPr lang="zh-TW" altLang="en-US" sz="1200" dirty="0"/>
+              <a:t>作為系統中風險量化的參數時，會設立一個</a:t>
+            </a:r>
+            <a:r>
+              <a:rPr lang="zh-TW" altLang="en-US" sz="1200" b="1" dirty="0"/>
+              <a:t>安全閥值，</a:t>
+            </a:r>
+            <a:r>
+              <a:rPr lang="zh-TW" altLang="en-US" sz="1200" dirty="0"/>
+              <a:t>比方說</a:t>
+            </a:r>
+            <a:r>
+              <a:rPr lang="en-US" altLang="zh-TW" sz="1200" dirty="0"/>
+              <a:t>2 second</a:t>
+            </a:r>
+            <a:r>
+              <a:rPr lang="zh-TW" altLang="en-US" sz="1200" dirty="0"/>
+              <a:t>。當</a:t>
+            </a:r>
+            <a:r>
+              <a:rPr lang="en-US" altLang="zh-TW" sz="1200" dirty="0"/>
+              <a:t>TTC</a:t>
+            </a:r>
+            <a:r>
+              <a:rPr lang="zh-TW" altLang="en-US" sz="1200" dirty="0"/>
+              <a:t>小於閥值時則視為有碰撞風險，應當立即採取行為，例如趕緊煞車。</a:t>
+            </a:r>
+            <a:endParaRPr lang="zh-TW" altLang="en-US" dirty="0"/>
+          </a:p>
+        </p:txBody>
+      </p:sp>
+      <p:sp>
+        <p:nvSpPr>
+          <p:cNvPr id="4" name="日期版面配置區 3"/>
+          <p:cNvSpPr>
+            <a:spLocks noGrp="1"/>
+          </p:cNvSpPr>
+          <p:nvPr>
+            <p:ph type="dt" idx="1"/>
+          </p:nvPr>
+        </p:nvSpPr>
+        <p:spPr/>
+        <p:txBody>
+          <a:bodyPr/>
+          <a:lstStyle/>
+          <a:p>
+            <a:endParaRPr lang="zh-TW" altLang="en-US"/>
+          </a:p>
+        </p:txBody>
+      </p:sp>
+    </p:spTree>
+    <p:extLst>
+      <p:ext uri="{BB962C8B-B14F-4D97-AF65-F5344CB8AC3E}">
+        <p14:creationId xmlns:p14="http://schemas.microsoft.com/office/powerpoint/2010/main" val="1646614244"/>
+      </p:ext>
+    </p:extLst>
+  </p:cSld>
+  <p:clrMapOvr>
+    <a:masterClrMapping/>
+  </p:clrMapOvr>
+</p:notes>
+</file>
+
+<file path=ppt/notesSlides/notesSlide5.xml><?xml version="1.0" encoding="utf-8"?>
+<p:notes xmlns:a="http://schemas.openxmlformats.org/drawingml/2006/main" xmlns:r="http://schemas.openxmlformats.org/officeDocument/2006/relationships" xmlns:p="http://schemas.openxmlformats.org/presentationml/2006/main">
+  <p:cSld>
+    <p:spTree>
+      <p:nvGrpSpPr>
+        <p:cNvPr id="1" name=""/>
+        <p:cNvGrpSpPr/>
+        <p:nvPr/>
+      </p:nvGrpSpPr>
+      <p:grpSpPr>
+        <a:xfrm>
+          <a:off x="0" y="0"/>
+          <a:ext cx="0" cy="0"/>
+          <a:chOff x="0" y="0"/>
+          <a:chExt cx="0" cy="0"/>
+        </a:xfrm>
+      </p:grpSpPr>
+      <p:sp>
+        <p:nvSpPr>
+          <p:cNvPr id="2" name="投影片影像版面配置區 1"/>
+          <p:cNvSpPr>
+            <a:spLocks noGrp="1" noRot="1" noChangeAspect="1"/>
+          </p:cNvSpPr>
+          <p:nvPr>
+            <p:ph type="sldImg"/>
+          </p:nvPr>
+        </p:nvSpPr>
+        <p:spPr/>
+      </p:sp>
+      <p:sp>
+        <p:nvSpPr>
+          <p:cNvPr id="3" name="備忘稿版面配置區 2"/>
+          <p:cNvSpPr>
+            <a:spLocks noGrp="1"/>
+          </p:cNvSpPr>
+          <p:nvPr>
+            <p:ph type="body" idx="1"/>
+          </p:nvPr>
+        </p:nvSpPr>
+        <p:spPr/>
+        <p:txBody>
+          <a:bodyPr/>
+          <a:lstStyle/>
+          <a:p>
+            <a:r>
+              <a:rPr lang="zh-TW" altLang="en-US" dirty="0"/>
+              <a:t>這邊對</a:t>
+            </a:r>
+            <a:r>
+              <a:rPr lang="en-US" altLang="zh-TW" dirty="0"/>
+              <a:t>TTC</a:t>
+            </a:r>
+            <a:r>
+              <a:rPr lang="zh-TW" altLang="en-US" dirty="0"/>
+              <a:t>這個風險評估法做簡單的分析。</a:t>
+            </a:r>
+            <a:endParaRPr lang="en-US" altLang="zh-TW" dirty="0"/>
+          </a:p>
+          <a:p>
+            <a:pPr marL="0" marR="0" lvl="0" indent="0" algn="l" defTabSz="914400" rtl="0" eaLnBrk="1" fontAlgn="auto" latinLnBrk="0" hangingPunct="1">
+              <a:lnSpc>
+                <a:spcPct val="100000"/>
+              </a:lnSpc>
+              <a:spcBef>
+                <a:spcPts val="0"/>
+              </a:spcBef>
+              <a:spcAft>
+                <a:spcPts val="0"/>
+              </a:spcAft>
+              <a:buClrTx/>
+              <a:buSzTx/>
+              <a:buFontTx/>
+              <a:buNone/>
+              <a:tabLst/>
+              <a:defRPr/>
+            </a:pPr>
+            <a:r>
+              <a:rPr lang="zh-TW" altLang="en-US" dirty="0"/>
+              <a:t>使用</a:t>
+            </a:r>
+            <a:r>
+              <a:rPr lang="en-US" altLang="zh-TW" dirty="0"/>
+              <a:t>TTC</a:t>
+            </a:r>
+            <a:r>
+              <a:rPr lang="zh-TW" altLang="en-US" dirty="0"/>
+              <a:t>作為風險參數的優勢在於</a:t>
+            </a:r>
+            <a:r>
+              <a:rPr lang="en-US" altLang="zh-TW" dirty="0"/>
+              <a:t>:</a:t>
+            </a:r>
+          </a:p>
+          <a:p>
+            <a:pPr marL="0" marR="0" lvl="0" indent="0" algn="l" defTabSz="914400" rtl="0" eaLnBrk="1" fontAlgn="auto" latinLnBrk="0" hangingPunct="1">
+              <a:lnSpc>
+                <a:spcPct val="100000"/>
+              </a:lnSpc>
+              <a:spcBef>
+                <a:spcPts val="0"/>
+              </a:spcBef>
+              <a:spcAft>
+                <a:spcPts val="0"/>
+              </a:spcAft>
+              <a:buClrTx/>
+              <a:buSzTx/>
+              <a:buFontTx/>
+              <a:buNone/>
+              <a:tabLst/>
+              <a:defRPr/>
+            </a:pPr>
+            <a:r>
+              <a:rPr lang="zh-TW" altLang="en-US" dirty="0"/>
+              <a:t>第一，只需測量距離和速度即可計算，簡易直觀。對系統廠來說是一種很有效率的做法，只要安裝車前雷達之類的感測器，獲得前方物體、速度等資訊後，馬上就能生出一組風險數值做後續車內演算法的評斷。</a:t>
+            </a:r>
+            <a:endParaRPr lang="en-US" altLang="zh-TW" dirty="0"/>
+          </a:p>
+          <a:p>
+            <a:pPr marL="0" marR="0" lvl="0" indent="0" algn="l" defTabSz="914400" rtl="0" eaLnBrk="1" fontAlgn="auto" latinLnBrk="0" hangingPunct="1">
+              <a:lnSpc>
+                <a:spcPct val="100000"/>
+              </a:lnSpc>
+              <a:spcBef>
+                <a:spcPts val="0"/>
+              </a:spcBef>
+              <a:spcAft>
+                <a:spcPts val="0"/>
+              </a:spcAft>
+              <a:buClrTx/>
+              <a:buSzTx/>
+              <a:buFontTx/>
+              <a:buNone/>
+              <a:tabLst/>
+              <a:defRPr/>
+            </a:pPr>
+            <a:r>
+              <a:rPr lang="zh-TW" altLang="en-US" dirty="0"/>
+              <a:t>第二，</a:t>
+            </a:r>
+            <a:r>
+              <a:rPr lang="en-US" altLang="zh-TW" dirty="0"/>
+              <a:t>TTC</a:t>
+            </a:r>
+            <a:r>
+              <a:rPr lang="zh-TW" altLang="en-US" dirty="0"/>
+              <a:t>在獲取感測資訊後不用經過複雜運算，幾乎是同步就可以得到，這可以讓系統的決策不會出現延遲，適用於即時的風險監測。</a:t>
+            </a:r>
+            <a:endParaRPr lang="en-US" altLang="zh-TW" dirty="0"/>
+          </a:p>
+          <a:p>
+            <a:pPr marL="0" marR="0" lvl="0" indent="0" algn="l" defTabSz="914400" rtl="0" eaLnBrk="1" fontAlgn="auto" latinLnBrk="0" hangingPunct="1">
+              <a:lnSpc>
+                <a:spcPct val="100000"/>
+              </a:lnSpc>
+              <a:spcBef>
+                <a:spcPts val="0"/>
+              </a:spcBef>
+              <a:spcAft>
+                <a:spcPts val="0"/>
+              </a:spcAft>
+              <a:buClrTx/>
+              <a:buSzTx/>
+              <a:buFontTx/>
+              <a:buNone/>
+              <a:tabLst/>
+              <a:defRPr/>
+            </a:pPr>
+            <a:r>
+              <a:rPr lang="zh-TW" altLang="en-US" dirty="0"/>
+              <a:t>但是，</a:t>
+            </a:r>
+            <a:r>
+              <a:rPr lang="en-US" altLang="zh-TW" dirty="0"/>
+              <a:t>TTC</a:t>
+            </a:r>
+            <a:r>
+              <a:rPr lang="zh-TW" altLang="en-US" dirty="0"/>
+              <a:t>自身也有一些問題</a:t>
+            </a:r>
+            <a:r>
+              <a:rPr lang="en-US" altLang="zh-TW" dirty="0"/>
+              <a:t>:</a:t>
+            </a:r>
+          </a:p>
+          <a:p>
+            <a:pPr marL="0" marR="0" lvl="0" indent="0" algn="l" defTabSz="914400" rtl="0" eaLnBrk="1" fontAlgn="auto" latinLnBrk="0" hangingPunct="1">
+              <a:lnSpc>
+                <a:spcPct val="100000"/>
+              </a:lnSpc>
+              <a:spcBef>
+                <a:spcPts val="0"/>
+              </a:spcBef>
+              <a:spcAft>
+                <a:spcPts val="0"/>
+              </a:spcAft>
+              <a:buClrTx/>
+              <a:buSzTx/>
+              <a:buFontTx/>
+              <a:buNone/>
+              <a:tabLst/>
+              <a:defRPr/>
+            </a:pPr>
+            <a:r>
+              <a:rPr lang="zh-TW" altLang="en-US" dirty="0"/>
+              <a:t>傳統的</a:t>
+            </a:r>
+            <a:r>
+              <a:rPr lang="en-US" altLang="zh-TW" dirty="0"/>
+              <a:t>TTC</a:t>
+            </a:r>
+            <a:r>
+              <a:rPr lang="zh-TW" altLang="en-US" dirty="0"/>
+              <a:t>只能依據一維上前後方的位置及速度做評估，對</a:t>
+            </a:r>
+            <a:r>
+              <a:rPr lang="zh-TW" altLang="en-US" b="1" dirty="0"/>
+              <a:t>轉彎</a:t>
+            </a:r>
+            <a:r>
+              <a:rPr lang="zh-TW" altLang="en-US" dirty="0"/>
+              <a:t>、</a:t>
+            </a:r>
+            <a:r>
+              <a:rPr lang="zh-TW" altLang="en-US" b="1" dirty="0"/>
+              <a:t>多車道</a:t>
+            </a:r>
+            <a:r>
+              <a:rPr lang="zh-TW" altLang="en-US" dirty="0"/>
+              <a:t>，甚至是</a:t>
+            </a:r>
+            <a:r>
+              <a:rPr lang="zh-TW" altLang="en-US" b="1" dirty="0"/>
+              <a:t>開放性的場域</a:t>
+            </a:r>
+            <a:r>
+              <a:rPr lang="zh-TW" altLang="en-US" dirty="0"/>
+              <a:t>等場景適用性較低。</a:t>
+            </a:r>
+            <a:endParaRPr lang="en-US" altLang="zh-TW" dirty="0"/>
+          </a:p>
+          <a:p>
+            <a:pPr marL="0" marR="0" lvl="0" indent="0" algn="l" defTabSz="914400" rtl="0" eaLnBrk="1" fontAlgn="auto" latinLnBrk="0" hangingPunct="1">
+              <a:lnSpc>
+                <a:spcPct val="100000"/>
+              </a:lnSpc>
+              <a:spcBef>
+                <a:spcPts val="0"/>
+              </a:spcBef>
+              <a:spcAft>
+                <a:spcPts val="0"/>
+              </a:spcAft>
+              <a:buClrTx/>
+              <a:buSzTx/>
+              <a:buFontTx/>
+              <a:buNone/>
+              <a:tabLst/>
+              <a:defRPr/>
+            </a:pPr>
+            <a:r>
+              <a:rPr lang="zh-TW" altLang="en-US" dirty="0"/>
+              <a:t>第二點，實際上，任何移動物體的運動都有可能不斷變化。導致變動的環境下，</a:t>
+            </a:r>
+            <a:r>
+              <a:rPr lang="en-US" altLang="zh-TW" dirty="0"/>
+              <a:t>TTC</a:t>
+            </a:r>
+            <a:r>
+              <a:rPr lang="zh-TW" altLang="en-US" dirty="0"/>
+              <a:t>只評估當下狀態，未考慮運動變化將因此失去評斷效力。</a:t>
+            </a:r>
+            <a:endParaRPr lang="en-US" altLang="zh-TW" dirty="0"/>
+          </a:p>
+          <a:p>
+            <a:pPr marL="0" marR="0" lvl="0" indent="0" algn="l" defTabSz="914400" rtl="0" eaLnBrk="1" fontAlgn="auto" latinLnBrk="0" hangingPunct="1">
+              <a:lnSpc>
+                <a:spcPct val="100000"/>
+              </a:lnSpc>
+              <a:spcBef>
+                <a:spcPts val="0"/>
+              </a:spcBef>
+              <a:spcAft>
+                <a:spcPts val="0"/>
+              </a:spcAft>
+              <a:buClrTx/>
+              <a:buSzTx/>
+              <a:buFontTx/>
+              <a:buNone/>
+              <a:tabLst/>
+              <a:defRPr/>
+            </a:pPr>
+            <a:r>
+              <a:rPr lang="zh-TW" altLang="en-US" dirty="0"/>
+              <a:t>最後，</a:t>
+            </a:r>
+            <a:r>
+              <a:rPr lang="en-US" altLang="zh-TW" dirty="0"/>
+              <a:t>TTC</a:t>
+            </a:r>
+            <a:r>
+              <a:rPr lang="zh-TW" altLang="en-US" dirty="0"/>
+              <a:t>基本上需要預估出未來將有碰撞發生後才能進行風險評估，導致即便兩車相距極短，只要相對速度很小，</a:t>
+            </a:r>
+            <a:r>
+              <a:rPr lang="en-US" altLang="zh-TW" dirty="0"/>
+              <a:t>TTC</a:t>
+            </a:r>
+            <a:r>
+              <a:rPr lang="zh-TW" altLang="en-US" dirty="0"/>
+              <a:t>就顯示很安全；甚至是若速差為</a:t>
+            </a:r>
+            <a:r>
+              <a:rPr lang="en-US" altLang="zh-TW" dirty="0"/>
+              <a:t>0</a:t>
+            </a:r>
+            <a:r>
+              <a:rPr lang="zh-TW" altLang="en-US" dirty="0"/>
+              <a:t>或為負，便永遠不會有碰撞風險。這都顯示了</a:t>
+            </a:r>
+            <a:r>
+              <a:rPr lang="en-US" altLang="zh-TW" dirty="0"/>
+              <a:t>TTC</a:t>
+            </a:r>
+            <a:r>
+              <a:rPr lang="zh-TW" altLang="en-US" dirty="0"/>
+              <a:t>的風險量化能力存在不準確性。</a:t>
+            </a:r>
+            <a:endParaRPr lang="en-US" altLang="zh-TW" dirty="0"/>
+          </a:p>
+          <a:p>
+            <a:pPr marL="0" marR="0" lvl="0" indent="0" algn="l" defTabSz="914400" rtl="0" eaLnBrk="1" fontAlgn="auto" latinLnBrk="0" hangingPunct="1">
+              <a:lnSpc>
+                <a:spcPct val="100000"/>
+              </a:lnSpc>
+              <a:spcBef>
+                <a:spcPts val="0"/>
+              </a:spcBef>
+              <a:spcAft>
+                <a:spcPts val="0"/>
+              </a:spcAft>
+              <a:buClrTx/>
+              <a:buSzTx/>
+              <a:buFontTx/>
+              <a:buNone/>
+              <a:tabLst/>
+              <a:defRPr/>
+            </a:pPr>
+            <a:endParaRPr lang="en-US" altLang="zh-TW" dirty="0"/>
+          </a:p>
+          <a:p>
+            <a:pPr marL="0" marR="0" lvl="0" indent="0" algn="l" defTabSz="914400" rtl="0" eaLnBrk="1" fontAlgn="auto" latinLnBrk="0" hangingPunct="1">
+              <a:lnSpc>
+                <a:spcPct val="100000"/>
+              </a:lnSpc>
+              <a:spcBef>
+                <a:spcPts val="0"/>
+              </a:spcBef>
+              <a:spcAft>
+                <a:spcPts val="0"/>
+              </a:spcAft>
+              <a:buClrTx/>
+              <a:buSzTx/>
+              <a:buFontTx/>
+              <a:buNone/>
+              <a:tabLst/>
+              <a:defRPr/>
+            </a:pPr>
+            <a:endParaRPr lang="en-US" altLang="zh-TW" dirty="0"/>
+          </a:p>
+          <a:p>
+            <a:pPr marL="0" marR="0" lvl="0" indent="0" algn="l" defTabSz="914400" rtl="0" eaLnBrk="1" fontAlgn="auto" latinLnBrk="0" hangingPunct="1">
+              <a:lnSpc>
+                <a:spcPct val="100000"/>
+              </a:lnSpc>
+              <a:spcBef>
+                <a:spcPts val="0"/>
+              </a:spcBef>
+              <a:spcAft>
+                <a:spcPts val="0"/>
+              </a:spcAft>
+              <a:buClrTx/>
+              <a:buSzTx/>
+              <a:buFontTx/>
+              <a:buNone/>
+              <a:tabLst/>
+              <a:defRPr/>
+            </a:pPr>
+            <a:endParaRPr lang="zh-TW" altLang="en-US" dirty="0"/>
+          </a:p>
+        </p:txBody>
+      </p:sp>
+      <p:sp>
+        <p:nvSpPr>
+          <p:cNvPr id="4" name="日期版面配置區 3"/>
+          <p:cNvSpPr>
+            <a:spLocks noGrp="1"/>
+          </p:cNvSpPr>
+          <p:nvPr>
+            <p:ph type="dt" idx="1"/>
+          </p:nvPr>
+        </p:nvSpPr>
+        <p:spPr/>
+        <p:txBody>
+          <a:bodyPr/>
+          <a:lstStyle/>
+          <a:p>
+            <a:endParaRPr lang="zh-TW" altLang="en-US"/>
+          </a:p>
+        </p:txBody>
+      </p:sp>
+    </p:spTree>
+    <p:extLst>
+      <p:ext uri="{BB962C8B-B14F-4D97-AF65-F5344CB8AC3E}">
+        <p14:creationId xmlns:p14="http://schemas.microsoft.com/office/powerpoint/2010/main" val="1751851421"/>
+      </p:ext>
+    </p:extLst>
+  </p:cSld>
+  <p:clrMapOvr>
+    <a:masterClrMapping/>
+  </p:clrMapOvr>
+</p:notes>
+</file>
+
+<file path=ppt/notesSlides/notesSlide6.xml><?xml version="1.0" encoding="utf-8"?>
+<p:notes xmlns:a="http://schemas.openxmlformats.org/drawingml/2006/main" xmlns:r="http://schemas.openxmlformats.org/officeDocument/2006/relationships" xmlns:p="http://schemas.openxmlformats.org/presentationml/2006/main">
+  <p:cSld>
+    <p:spTree>
+      <p:nvGrpSpPr>
+        <p:cNvPr id="1" name=""/>
+        <p:cNvGrpSpPr/>
+        <p:nvPr/>
+      </p:nvGrpSpPr>
+      <p:grpSpPr>
+        <a:xfrm>
+          <a:off x="0" y="0"/>
+          <a:ext cx="0" cy="0"/>
+          <a:chOff x="0" y="0"/>
+          <a:chExt cx="0" cy="0"/>
+        </a:xfrm>
+      </p:grpSpPr>
+      <p:sp>
+        <p:nvSpPr>
+          <p:cNvPr id="2" name="投影片影像版面配置區 1"/>
+          <p:cNvSpPr>
+            <a:spLocks noGrp="1" noRot="1" noChangeAspect="1"/>
+          </p:cNvSpPr>
+          <p:nvPr>
+            <p:ph type="sldImg"/>
+          </p:nvPr>
+        </p:nvSpPr>
+        <p:spPr/>
+      </p:sp>
+      <p:sp>
+        <p:nvSpPr>
+          <p:cNvPr id="3" name="備忘稿版面配置區 2"/>
+          <p:cNvSpPr>
+            <a:spLocks noGrp="1"/>
+          </p:cNvSpPr>
+          <p:nvPr>
+            <p:ph type="body" idx="1"/>
+          </p:nvPr>
+        </p:nvSpPr>
+        <p:spPr/>
+        <p:txBody>
+          <a:bodyPr/>
+          <a:lstStyle/>
+          <a:p>
+            <a:r>
+              <a:rPr lang="zh-TW" altLang="en-US" dirty="0"/>
+              <a:t>接下來，我們進到二維風險評估。在這個領域裡，風險場是最被廣為使用的方法。風險場用於評估自主系統周圍可能存在的風險源，這些風險可以是動態障礙物、敵對對象或其他威脅。風險場通過評估風險源的危險程度、接近距離等資訊來量化風險，以便自主系統決策應採取的行動。</a:t>
+            </a:r>
+            <a:endParaRPr lang="en-US" altLang="zh-TW" dirty="0"/>
+          </a:p>
+          <a:p>
+            <a:r>
+              <a:rPr lang="zh-TW" altLang="en-US" dirty="0"/>
+              <a:t>而這類方法如同前面提到的一樣，通常會有一些較為嚴苛的假設。第一，我們會預設，車輛感測器能夠精準得知其他物體的運動狀態。比方說可以得知周遭車輛的中心位置、速度等。第二，有些方法甚至會因為障礙物的類型而有不同的參數計算法，因此有些假設也會預設說系統已知感測的物件為何種類型。</a:t>
+            </a:r>
+            <a:endParaRPr lang="en-US" altLang="zh-TW" dirty="0"/>
+          </a:p>
+          <a:p>
+            <a:pPr marL="0" marR="0" lvl="0" indent="0" algn="l" defTabSz="914400" rtl="0" eaLnBrk="1" fontAlgn="auto" latinLnBrk="0" hangingPunct="1">
+              <a:lnSpc>
+                <a:spcPct val="100000"/>
+              </a:lnSpc>
+              <a:spcBef>
+                <a:spcPts val="0"/>
+              </a:spcBef>
+              <a:spcAft>
+                <a:spcPts val="0"/>
+              </a:spcAft>
+              <a:buClrTx/>
+              <a:buSzTx/>
+              <a:buFontTx/>
+              <a:buNone/>
+              <a:tabLst/>
+              <a:defRPr/>
+            </a:pPr>
+            <a:r>
+              <a:rPr lang="zh-TW" altLang="en-US" dirty="0"/>
+              <a:t>接著，碰撞風險場理論主要可以分為兩類</a:t>
+            </a:r>
+            <a:r>
+              <a:rPr lang="en-US" altLang="zh-TW" dirty="0"/>
+              <a:t>: </a:t>
+            </a:r>
+            <a:r>
+              <a:rPr lang="zh-TW" altLang="en-US" dirty="0"/>
+              <a:t>力場風險與機率風險。力場風險考慮的是物體的運動方向和速度相關的風險，通常其所需要的參數類型有物體的中心位置、速度，以及障礙物類型。而機率風險則是基於碰撞事件發生的機率進行評估，其所需的資訊類型則有物體的中心位置、大小等。</a:t>
+            </a:r>
+            <a:endParaRPr lang="en-US" altLang="zh-TW" dirty="0"/>
+          </a:p>
+          <a:p>
+            <a:pPr marL="0" marR="0" lvl="0" indent="0" algn="l" defTabSz="914400" rtl="0" eaLnBrk="1" fontAlgn="auto" latinLnBrk="0" hangingPunct="1">
+              <a:lnSpc>
+                <a:spcPct val="100000"/>
+              </a:lnSpc>
+              <a:spcBef>
+                <a:spcPts val="0"/>
+              </a:spcBef>
+              <a:spcAft>
+                <a:spcPts val="0"/>
+              </a:spcAft>
+              <a:buClrTx/>
+              <a:buSzTx/>
+              <a:buFontTx/>
+              <a:buNone/>
+              <a:tabLst/>
+              <a:defRPr/>
+            </a:pPr>
+            <a:endParaRPr lang="zh-TW" altLang="en-US" dirty="0"/>
+          </a:p>
+          <a:p>
+            <a:endParaRPr lang="zh-TW" altLang="en-US" dirty="0"/>
+          </a:p>
+        </p:txBody>
+      </p:sp>
+      <p:sp>
+        <p:nvSpPr>
+          <p:cNvPr id="4" name="日期版面配置區 3"/>
+          <p:cNvSpPr>
+            <a:spLocks noGrp="1"/>
+          </p:cNvSpPr>
+          <p:nvPr>
+            <p:ph type="dt" idx="1"/>
+          </p:nvPr>
+        </p:nvSpPr>
+        <p:spPr/>
+        <p:txBody>
+          <a:bodyPr/>
+          <a:lstStyle/>
+          <a:p>
+            <a:endParaRPr lang="zh-TW" altLang="en-US"/>
+          </a:p>
+        </p:txBody>
+      </p:sp>
+    </p:spTree>
+    <p:extLst>
+      <p:ext uri="{BB962C8B-B14F-4D97-AF65-F5344CB8AC3E}">
+        <p14:creationId xmlns:p14="http://schemas.microsoft.com/office/powerpoint/2010/main" val="3540612700"/>
+      </p:ext>
+    </p:extLst>
+  </p:cSld>
+  <p:clrMapOvr>
+    <a:masterClrMapping/>
+  </p:clrMapOvr>
+</p:notes>
+</file>
+
+<file path=ppt/notesSlides/notesSlide7.xml><?xml version="1.0" encoding="utf-8"?>
+<p:notes xmlns:a="http://schemas.openxmlformats.org/drawingml/2006/main" xmlns:r="http://schemas.openxmlformats.org/officeDocument/2006/relationships" xmlns:p="http://schemas.openxmlformats.org/presentationml/2006/main">
+  <p:cSld>
+    <p:spTree>
+      <p:nvGrpSpPr>
+        <p:cNvPr id="1" name=""/>
+        <p:cNvGrpSpPr/>
+        <p:nvPr/>
+      </p:nvGrpSpPr>
+      <p:grpSpPr>
+        <a:xfrm>
+          <a:off x="0" y="0"/>
+          <a:ext cx="0" cy="0"/>
+          <a:chOff x="0" y="0"/>
+          <a:chExt cx="0" cy="0"/>
+        </a:xfrm>
+      </p:grpSpPr>
+      <p:sp>
+        <p:nvSpPr>
+          <p:cNvPr id="2" name="投影片影像版面配置區 1"/>
+          <p:cNvSpPr>
+            <a:spLocks noGrp="1" noRot="1" noChangeAspect="1"/>
+          </p:cNvSpPr>
+          <p:nvPr>
+            <p:ph type="sldImg"/>
+          </p:nvPr>
+        </p:nvSpPr>
+        <p:spPr/>
+      </p:sp>
+      <mc:AlternateContent xmlns:mc="http://schemas.openxmlformats.org/markup-compatibility/2006">
+        <mc:Choice xmlns:a14="http://schemas.microsoft.com/office/drawing/2010/main" Requires="a14">
+          <p:sp>
+            <p:nvSpPr>
+              <p:cNvPr id="3" name="備忘稿版面配置區 2"/>
+              <p:cNvSpPr>
+                <a:spLocks noGrp="1"/>
+              </p:cNvSpPr>
+              <p:nvPr>
+                <p:ph type="body" idx="1"/>
+              </p:nvPr>
+            </p:nvSpPr>
+            <p:spPr/>
+            <p:txBody>
+              <a:bodyPr/>
+              <a:lstStyle/>
+              <a:p>
+                <a:pPr marL="0" marR="0" lvl="0" indent="0" algn="l" defTabSz="914400" rtl="0" eaLnBrk="1" fontAlgn="auto" latinLnBrk="0" hangingPunct="1">
+                  <a:lnSpc>
+                    <a:spcPct val="100000"/>
+                  </a:lnSpc>
+                  <a:spcBef>
+                    <a:spcPts val="0"/>
+                  </a:spcBef>
+                  <a:spcAft>
+                    <a:spcPts val="0"/>
+                  </a:spcAft>
+                  <a:buClrTx/>
+                  <a:buSzTx/>
+                  <a:buFontTx/>
+                  <a:buNone/>
+                  <a:tabLst/>
+                  <a:defRPr/>
+                </a:pPr>
+                <a:r>
+                  <a:rPr lang="zh-TW" altLang="en-US" dirty="0"/>
+                  <a:t>首先介紹的是力場風險，它是參考了社會力模型</a:t>
+                </a:r>
+                <a:r>
+                  <a:rPr lang="en-US" altLang="zh-TW" dirty="0"/>
+                  <a:t>(Social Force Model, SFM)</a:t>
+                </a:r>
+                <a:r>
+                  <a:rPr lang="zh-TW" altLang="en-US" dirty="0"/>
+                  <a:t>的概念，由目標點產生吸引力場、障礙物給予排斥力場。風險場由移動物品、道路設施、交通控制設備等所建構。當</a:t>
+                </a:r>
+                <a14:m>
+                  <m:oMath xmlns:m="http://schemas.openxmlformats.org/officeDocument/2006/math">
+                    <m:sSub>
+                      <m:sSubPr>
+                        <m:ctrlPr>
+                          <a:rPr lang="en-US" altLang="zh-TW" i="1" dirty="0" smtClean="0">
+                            <a:latin typeface="Cambria Math" panose="02040503050406030204" pitchFamily="18" charset="0"/>
+                          </a:rPr>
+                        </m:ctrlPr>
+                      </m:sSubPr>
+                      <m:e>
+                        <m:r>
+                          <a:rPr lang="zh-TW" altLang="en-US" i="1" dirty="0" smtClean="0">
+                            <a:latin typeface="Cambria Math" panose="02040503050406030204" pitchFamily="18" charset="0"/>
+                          </a:rPr>
+                          <m:t>𝑈</m:t>
+                        </m:r>
+                      </m:e>
+                      <m:sub>
+                        <m:r>
+                          <a:rPr lang="zh-TW" altLang="en-US" i="1" dirty="0" smtClean="0">
+                            <a:latin typeface="Cambria Math" panose="02040503050406030204" pitchFamily="18" charset="0"/>
+                          </a:rPr>
+                          <m:t>𝑖</m:t>
+                        </m:r>
+                      </m:sub>
+                    </m:sSub>
+                  </m:oMath>
+                </a14:m>
+                <a:r>
+                  <a:rPr lang="zh-TW" altLang="en-US" dirty="0"/>
+                  <a:t>值越大，駕駛受到的排斥力便會增高，就如同下圖。</a:t>
+                </a:r>
+                <a:endParaRPr lang="en-US" altLang="zh-TW" dirty="0"/>
+              </a:p>
+              <a:p>
+                <a:pPr marL="0" marR="0" lvl="0" indent="0" algn="l" defTabSz="914400" rtl="0" eaLnBrk="1" fontAlgn="auto" latinLnBrk="0" hangingPunct="1">
+                  <a:lnSpc>
+                    <a:spcPct val="100000"/>
+                  </a:lnSpc>
+                  <a:spcBef>
+                    <a:spcPts val="0"/>
+                  </a:spcBef>
+                  <a:spcAft>
+                    <a:spcPts val="0"/>
+                  </a:spcAft>
+                  <a:buClrTx/>
+                  <a:buSzTx/>
+                  <a:buFontTx/>
+                  <a:buNone/>
+                  <a:tabLst/>
+                  <a:defRPr/>
+                </a:pPr>
+                <a:r>
+                  <a:rPr lang="zh-TW" altLang="en-US" dirty="0"/>
+                  <a:t>使用立場風險的優勢，是它考慮了障礙物的類型及動態行為，多方參考下，使風險參數量化更為靈活。</a:t>
+                </a:r>
+                <a:endParaRPr lang="en-US" altLang="zh-TW" dirty="0"/>
+              </a:p>
+              <a:p>
+                <a:pPr marL="0" marR="0" lvl="0" indent="0" algn="l" defTabSz="914400" rtl="0" eaLnBrk="1" fontAlgn="auto" latinLnBrk="0" hangingPunct="1">
+                  <a:lnSpc>
+                    <a:spcPct val="100000"/>
+                  </a:lnSpc>
+                  <a:spcBef>
+                    <a:spcPts val="0"/>
+                  </a:spcBef>
+                  <a:spcAft>
+                    <a:spcPts val="0"/>
+                  </a:spcAft>
+                  <a:buClrTx/>
+                  <a:buSzTx/>
+                  <a:buFontTx/>
+                  <a:buNone/>
+                  <a:tabLst/>
+                  <a:defRPr/>
+                </a:pPr>
+                <a:r>
+                  <a:rPr lang="zh-TW" altLang="en-US" dirty="0"/>
+                  <a:t>但是，這種作法本身有一些問題</a:t>
+                </a:r>
+                <a:r>
+                  <a:rPr lang="en-US" altLang="zh-TW" dirty="0"/>
+                  <a:t>:</a:t>
+                </a:r>
+              </a:p>
+              <a:p>
+                <a:pPr marL="0" marR="0" lvl="0" indent="0" algn="l" defTabSz="914400" rtl="0" eaLnBrk="1" fontAlgn="auto" latinLnBrk="0" hangingPunct="1">
+                  <a:lnSpc>
+                    <a:spcPct val="100000"/>
+                  </a:lnSpc>
+                  <a:spcBef>
+                    <a:spcPts val="0"/>
+                  </a:spcBef>
+                  <a:spcAft>
+                    <a:spcPts val="0"/>
+                  </a:spcAft>
+                  <a:buClrTx/>
+                  <a:buSzTx/>
+                  <a:buFontTx/>
+                  <a:buNone/>
+                  <a:tabLst/>
+                  <a:defRPr/>
+                </a:pPr>
+                <a:r>
+                  <a:rPr lang="zh-TW" altLang="en-US" dirty="0"/>
+                  <a:t>第一，這個力場的形成缺乏一個合理的評估過程，量化的風險程度是否合乎實際問題而備受討論。也就是計算過程中的參數是可以調整的，但是甚麼樣的情況下怎麼調整參數，缺乏一個合理的解釋，比較多需仰賴經驗法則。</a:t>
+                </a:r>
+                <a:endParaRPr lang="en-US" altLang="zh-TW" dirty="0"/>
+              </a:p>
+              <a:p>
+                <a:pPr marL="0" marR="0" lvl="0" indent="0" algn="l" defTabSz="914400" rtl="0" eaLnBrk="1" fontAlgn="auto" latinLnBrk="0" hangingPunct="1">
+                  <a:lnSpc>
+                    <a:spcPct val="100000"/>
+                  </a:lnSpc>
+                  <a:spcBef>
+                    <a:spcPts val="0"/>
+                  </a:spcBef>
+                  <a:spcAft>
+                    <a:spcPts val="0"/>
+                  </a:spcAft>
+                  <a:buClrTx/>
+                  <a:buSzTx/>
+                  <a:buFontTx/>
+                  <a:buNone/>
+                  <a:tabLst/>
+                  <a:defRPr/>
+                </a:pPr>
+                <a:r>
+                  <a:rPr lang="zh-TW" altLang="en-US" dirty="0"/>
+                  <a:t>第二就是局部最小值問題。理論上，立場風險會引導駕駛趨向斥力較小之位置，但是車輛一旦陷入局部斥力最小之區域便無法再改變。</a:t>
+                </a:r>
+                <a:endParaRPr lang="en-US" altLang="zh-TW" dirty="0"/>
+              </a:p>
+              <a:p>
+                <a:pPr marL="0" marR="0" lvl="0" indent="0" algn="l" defTabSz="914400" rtl="0" eaLnBrk="1" fontAlgn="auto" latinLnBrk="0" hangingPunct="1">
+                  <a:lnSpc>
+                    <a:spcPct val="100000"/>
+                  </a:lnSpc>
+                  <a:spcBef>
+                    <a:spcPts val="0"/>
+                  </a:spcBef>
+                  <a:spcAft>
+                    <a:spcPts val="0"/>
+                  </a:spcAft>
+                  <a:buClrTx/>
+                  <a:buSzTx/>
+                  <a:buFontTx/>
+                  <a:buNone/>
+                  <a:tabLst/>
+                  <a:defRPr/>
+                </a:pPr>
+                <a:endParaRPr lang="en-US" altLang="zh-TW" dirty="0"/>
+              </a:p>
+              <a:p>
+                <a:pPr marL="0" marR="0" lvl="0" indent="0" algn="l" defTabSz="914400" rtl="0" eaLnBrk="1" fontAlgn="auto" latinLnBrk="0" hangingPunct="1">
+                  <a:lnSpc>
+                    <a:spcPct val="100000"/>
+                  </a:lnSpc>
+                  <a:spcBef>
+                    <a:spcPts val="0"/>
+                  </a:spcBef>
+                  <a:spcAft>
+                    <a:spcPts val="0"/>
+                  </a:spcAft>
+                  <a:buClrTx/>
+                  <a:buSzTx/>
+                  <a:buFontTx/>
+                  <a:buNone/>
+                  <a:tabLst/>
+                  <a:defRPr/>
+                </a:pPr>
+                <a:endParaRPr lang="en-US" altLang="zh-TW" dirty="0"/>
+              </a:p>
+              <a:p>
+                <a:pPr marL="0" marR="0" lvl="0" indent="0" algn="l" defTabSz="914400" rtl="0" eaLnBrk="1" fontAlgn="auto" latinLnBrk="0" hangingPunct="1">
+                  <a:lnSpc>
+                    <a:spcPct val="100000"/>
+                  </a:lnSpc>
+                  <a:spcBef>
+                    <a:spcPts val="0"/>
+                  </a:spcBef>
+                  <a:spcAft>
+                    <a:spcPts val="0"/>
+                  </a:spcAft>
+                  <a:buClrTx/>
+                  <a:buSzTx/>
+                  <a:buFontTx/>
+                  <a:buNone/>
+                  <a:tabLst/>
+                  <a:defRPr/>
+                </a:pPr>
+                <a:endParaRPr lang="zh-TW" altLang="en-US" dirty="0"/>
+              </a:p>
+            </p:txBody>
+          </p:sp>
+        </mc:Choice>
+        <mc:Fallback>
+          <p:sp>
+            <p:nvSpPr>
+              <p:cNvPr id="3" name="備忘稿版面配置區 2"/>
+              <p:cNvSpPr>
+                <a:spLocks noGrp="1"/>
+              </p:cNvSpPr>
+              <p:nvPr>
+                <p:ph type="body" idx="1"/>
+              </p:nvPr>
+            </p:nvSpPr>
+            <p:spPr/>
+            <p:txBody>
+              <a:bodyPr/>
+              <a:lstStyle/>
+              <a:p>
+                <a:pPr marL="0" marR="0" lvl="0" indent="0" algn="l" defTabSz="914400" rtl="0" eaLnBrk="1" fontAlgn="auto" latinLnBrk="0" hangingPunct="1">
+                  <a:lnSpc>
+                    <a:spcPct val="100000"/>
+                  </a:lnSpc>
+                  <a:spcBef>
+                    <a:spcPts val="0"/>
+                  </a:spcBef>
+                  <a:spcAft>
+                    <a:spcPts val="0"/>
+                  </a:spcAft>
+                  <a:buClrTx/>
+                  <a:buSzTx/>
+                  <a:buFontTx/>
+                  <a:buNone/>
+                  <a:tabLst/>
+                  <a:defRPr/>
+                </a:pPr>
+                <a:r>
+                  <a:rPr lang="zh-TW" altLang="en-US" dirty="0"/>
+                  <a:t>首先介紹的是力場風險，它是參考了社會力模型</a:t>
+                </a:r>
+                <a:r>
+                  <a:rPr lang="en-US" altLang="zh-TW" dirty="0"/>
+                  <a:t>(Social Force Model, SFM)</a:t>
+                </a:r>
+                <a:r>
+                  <a:rPr lang="zh-TW" altLang="en-US" dirty="0"/>
+                  <a:t>的概念，由目標點產生吸引力場、障礙物給予排斥力場。風險場由移動物品、道路設施、交通控制設備等所建構。當</a:t>
+                </a:r>
+                <a:r>
+                  <a:rPr lang="zh-TW" altLang="en-US" i="0" dirty="0">
+                    <a:latin typeface="Cambria Math" panose="02040503050406030204" pitchFamily="18" charset="0"/>
+                  </a:rPr>
+                  <a:t>𝑈</a:t>
+                </a:r>
+                <a:r>
+                  <a:rPr lang="en-US" altLang="zh-TW" i="0" dirty="0">
+                    <a:latin typeface="Cambria Math" panose="02040503050406030204" pitchFamily="18" charset="0"/>
+                  </a:rPr>
+                  <a:t>_</a:t>
+                </a:r>
+                <a:r>
+                  <a:rPr lang="zh-TW" altLang="en-US" i="0" dirty="0">
+                    <a:latin typeface="Cambria Math" panose="02040503050406030204" pitchFamily="18" charset="0"/>
+                  </a:rPr>
+                  <a:t>𝑖</a:t>
+                </a:r>
+                <a:r>
+                  <a:rPr lang="zh-TW" altLang="en-US" dirty="0"/>
+                  <a:t>值越大，駕駛受到的排斥力便會增高，就如同下圖。</a:t>
+                </a:r>
+                <a:endParaRPr lang="en-US" altLang="zh-TW" dirty="0"/>
+              </a:p>
+              <a:p>
+                <a:pPr marL="0" marR="0" lvl="0" indent="0" algn="l" defTabSz="914400" rtl="0" eaLnBrk="1" fontAlgn="auto" latinLnBrk="0" hangingPunct="1">
+                  <a:lnSpc>
+                    <a:spcPct val="100000"/>
+                  </a:lnSpc>
+                  <a:spcBef>
+                    <a:spcPts val="0"/>
+                  </a:spcBef>
+                  <a:spcAft>
+                    <a:spcPts val="0"/>
+                  </a:spcAft>
+                  <a:buClrTx/>
+                  <a:buSzTx/>
+                  <a:buFontTx/>
+                  <a:buNone/>
+                  <a:tabLst/>
+                  <a:defRPr/>
+                </a:pPr>
+                <a:r>
+                  <a:rPr lang="zh-TW" altLang="en-US" dirty="0"/>
+                  <a:t>使用立場風險的優勢，是它考慮了障礙物的類型及動態行為，多方參考下，使風險參數量化更為靈活。</a:t>
+                </a:r>
+                <a:endParaRPr lang="en-US" altLang="zh-TW" dirty="0"/>
+              </a:p>
+              <a:p>
+                <a:pPr marL="0" marR="0" lvl="0" indent="0" algn="l" defTabSz="914400" rtl="0" eaLnBrk="1" fontAlgn="auto" latinLnBrk="0" hangingPunct="1">
+                  <a:lnSpc>
+                    <a:spcPct val="100000"/>
+                  </a:lnSpc>
+                  <a:spcBef>
+                    <a:spcPts val="0"/>
+                  </a:spcBef>
+                  <a:spcAft>
+                    <a:spcPts val="0"/>
+                  </a:spcAft>
+                  <a:buClrTx/>
+                  <a:buSzTx/>
+                  <a:buFontTx/>
+                  <a:buNone/>
+                  <a:tabLst/>
+                  <a:defRPr/>
+                </a:pPr>
+                <a:r>
+                  <a:rPr lang="zh-TW" altLang="en-US" dirty="0"/>
+                  <a:t>但是，這種作法本身有一些問題</a:t>
+                </a:r>
+                <a:r>
+                  <a:rPr lang="en-US" altLang="zh-TW" dirty="0"/>
+                  <a:t>:</a:t>
+                </a:r>
+              </a:p>
+              <a:p>
+                <a:pPr marL="0" marR="0" lvl="0" indent="0" algn="l" defTabSz="914400" rtl="0" eaLnBrk="1" fontAlgn="auto" latinLnBrk="0" hangingPunct="1">
+                  <a:lnSpc>
+                    <a:spcPct val="100000"/>
+                  </a:lnSpc>
+                  <a:spcBef>
+                    <a:spcPts val="0"/>
+                  </a:spcBef>
+                  <a:spcAft>
+                    <a:spcPts val="0"/>
+                  </a:spcAft>
+                  <a:buClrTx/>
+                  <a:buSzTx/>
+                  <a:buFontTx/>
+                  <a:buNone/>
+                  <a:tabLst/>
+                  <a:defRPr/>
+                </a:pPr>
+                <a:r>
+                  <a:rPr lang="zh-TW" altLang="en-US" dirty="0"/>
+                  <a:t>第一，這個力場的形成缺乏一個合理的評估過程，量化的風險程度是否合乎實際問題而備受討論。也就是計算過程中的參數是可以調整的，但是甚麼樣的情況下怎麼調整參數，缺乏一個合理的解釋，比較多需仰賴經驗法則。</a:t>
+                </a:r>
+                <a:endParaRPr lang="en-US" altLang="zh-TW" dirty="0"/>
+              </a:p>
+              <a:p>
+                <a:pPr marL="0" marR="0" lvl="0" indent="0" algn="l" defTabSz="914400" rtl="0" eaLnBrk="1" fontAlgn="auto" latinLnBrk="0" hangingPunct="1">
+                  <a:lnSpc>
+                    <a:spcPct val="100000"/>
+                  </a:lnSpc>
+                  <a:spcBef>
+                    <a:spcPts val="0"/>
+                  </a:spcBef>
+                  <a:spcAft>
+                    <a:spcPts val="0"/>
+                  </a:spcAft>
+                  <a:buClrTx/>
+                  <a:buSzTx/>
+                  <a:buFontTx/>
+                  <a:buNone/>
+                  <a:tabLst/>
+                  <a:defRPr/>
+                </a:pPr>
+                <a:r>
+                  <a:rPr lang="zh-TW" altLang="en-US" dirty="0"/>
+                  <a:t>第二就是局部最小值問題。理論上，立場風險會引導駕駛趨向斥力較小之位置，但是車輛一旦陷入局部斥力最小之區域便無法再改變。</a:t>
+                </a:r>
+                <a:endParaRPr lang="en-US" altLang="zh-TW" dirty="0"/>
+              </a:p>
+              <a:p>
+                <a:pPr marL="0" marR="0" lvl="0" indent="0" algn="l" defTabSz="914400" rtl="0" eaLnBrk="1" fontAlgn="auto" latinLnBrk="0" hangingPunct="1">
+                  <a:lnSpc>
+                    <a:spcPct val="100000"/>
+                  </a:lnSpc>
+                  <a:spcBef>
+                    <a:spcPts val="0"/>
+                  </a:spcBef>
+                  <a:spcAft>
+                    <a:spcPts val="0"/>
+                  </a:spcAft>
+                  <a:buClrTx/>
+                  <a:buSzTx/>
+                  <a:buFontTx/>
+                  <a:buNone/>
+                  <a:tabLst/>
+                  <a:defRPr/>
+                </a:pPr>
+                <a:endParaRPr lang="en-US" altLang="zh-TW" dirty="0"/>
+              </a:p>
+              <a:p>
+                <a:pPr marL="0" marR="0" lvl="0" indent="0" algn="l" defTabSz="914400" rtl="0" eaLnBrk="1" fontAlgn="auto" latinLnBrk="0" hangingPunct="1">
+                  <a:lnSpc>
+                    <a:spcPct val="100000"/>
+                  </a:lnSpc>
+                  <a:spcBef>
+                    <a:spcPts val="0"/>
+                  </a:spcBef>
+                  <a:spcAft>
+                    <a:spcPts val="0"/>
+                  </a:spcAft>
+                  <a:buClrTx/>
+                  <a:buSzTx/>
+                  <a:buFontTx/>
+                  <a:buNone/>
+                  <a:tabLst/>
+                  <a:defRPr/>
+                </a:pPr>
+                <a:endParaRPr lang="en-US" altLang="zh-TW" dirty="0"/>
+              </a:p>
+              <a:p>
+                <a:pPr marL="0" marR="0" lvl="0" indent="0" algn="l" defTabSz="914400" rtl="0" eaLnBrk="1" fontAlgn="auto" latinLnBrk="0" hangingPunct="1">
+                  <a:lnSpc>
+                    <a:spcPct val="100000"/>
+                  </a:lnSpc>
+                  <a:spcBef>
+                    <a:spcPts val="0"/>
+                  </a:spcBef>
+                  <a:spcAft>
+                    <a:spcPts val="0"/>
+                  </a:spcAft>
+                  <a:buClrTx/>
+                  <a:buSzTx/>
+                  <a:buFontTx/>
+                  <a:buNone/>
+                  <a:tabLst/>
+                  <a:defRPr/>
+                </a:pPr>
+                <a:endParaRPr lang="zh-TW" altLang="en-US" dirty="0"/>
+              </a:p>
+            </p:txBody>
+          </p:sp>
+        </mc:Fallback>
+      </mc:AlternateContent>
+      <p:sp>
+        <p:nvSpPr>
+          <p:cNvPr id="4" name="日期版面配置區 3"/>
+          <p:cNvSpPr>
+            <a:spLocks noGrp="1"/>
+          </p:cNvSpPr>
+          <p:nvPr>
+            <p:ph type="dt" idx="1"/>
+          </p:nvPr>
+        </p:nvSpPr>
+        <p:spPr/>
+        <p:txBody>
+          <a:bodyPr/>
+          <a:lstStyle/>
+          <a:p>
+            <a:endParaRPr lang="zh-TW" altLang="en-US"/>
+          </a:p>
+        </p:txBody>
+      </p:sp>
+    </p:spTree>
+    <p:extLst>
+      <p:ext uri="{BB962C8B-B14F-4D97-AF65-F5344CB8AC3E}">
+        <p14:creationId xmlns:p14="http://schemas.microsoft.com/office/powerpoint/2010/main" val="2046358743"/>
+      </p:ext>
+    </p:extLst>
+  </p:cSld>
+  <p:clrMapOvr>
+    <a:masterClrMapping/>
+  </p:clrMapOvr>
+</p:notes>
+</file>
+
+<file path=ppt/notesSlides/notesSlide8.xml><?xml version="1.0" encoding="utf-8"?>
+<p:notes xmlns:a="http://schemas.openxmlformats.org/drawingml/2006/main" xmlns:r="http://schemas.openxmlformats.org/officeDocument/2006/relationships" xmlns:p="http://schemas.openxmlformats.org/presentationml/2006/main">
+  <p:cSld>
+    <p:spTree>
+      <p:nvGrpSpPr>
+        <p:cNvPr id="1" name=""/>
+        <p:cNvGrpSpPr/>
+        <p:nvPr/>
+      </p:nvGrpSpPr>
+      <p:grpSpPr>
+        <a:xfrm>
+          <a:off x="0" y="0"/>
+          <a:ext cx="0" cy="0"/>
+          <a:chOff x="0" y="0"/>
+          <a:chExt cx="0" cy="0"/>
+        </a:xfrm>
+      </p:grpSpPr>
+      <p:sp>
+        <p:nvSpPr>
+          <p:cNvPr id="2" name="投影片影像版面配置區 1"/>
+          <p:cNvSpPr>
+            <a:spLocks noGrp="1" noRot="1" noChangeAspect="1"/>
+          </p:cNvSpPr>
+          <p:nvPr>
+            <p:ph type="sldImg"/>
+          </p:nvPr>
+        </p:nvSpPr>
+        <p:spPr/>
+      </p:sp>
+      <p:sp>
+        <p:nvSpPr>
+          <p:cNvPr id="3" name="備忘稿版面配置區 2"/>
+          <p:cNvSpPr>
+            <a:spLocks noGrp="1"/>
+          </p:cNvSpPr>
+          <p:nvPr>
+            <p:ph type="body" idx="1"/>
+          </p:nvPr>
+        </p:nvSpPr>
+        <p:spPr/>
+        <p:txBody>
+          <a:bodyPr/>
+          <a:lstStyle/>
+          <a:p>
+            <a:r>
+              <a:rPr lang="zh-TW" altLang="en-US" dirty="0"/>
+              <a:t>再來介紹機率風險法中的高斯分布模型。首先，我們假設知道自身車輛以及障礙物的位置，並以此產生兩者的空間座標系，而空間變異數則代表著可能是這台車的範圍。其中的</a:t>
+            </a:r>
+            <a:r>
+              <a:rPr lang="en-US" altLang="zh-TW" dirty="0" err="1"/>
+              <a:t>sigma_nx</a:t>
+            </a:r>
+            <a:r>
+              <a:rPr lang="zh-TW" altLang="en-US" dirty="0"/>
+              <a:t>平方以及</a:t>
+            </a:r>
+            <a:r>
+              <a:rPr lang="en-US" altLang="zh-TW" dirty="0" err="1"/>
+              <a:t>sigma_ny</a:t>
+            </a:r>
+            <a:r>
+              <a:rPr lang="zh-TW" altLang="en-US" dirty="0"/>
+              <a:t>平方分別為車輛在自身坐標系下 </a:t>
+            </a:r>
+            <a:r>
+              <a:rPr lang="en-US" altLang="zh-TW" dirty="0"/>
+              <a:t>X</a:t>
+            </a:r>
+            <a:r>
+              <a:rPr lang="zh-TW" altLang="en-US" dirty="0"/>
+              <a:t> 跟 </a:t>
+            </a:r>
+            <a:r>
+              <a:rPr lang="en-US" altLang="zh-TW" dirty="0"/>
+              <a:t>Y</a:t>
+            </a:r>
+            <a:r>
+              <a:rPr lang="zh-TW" altLang="en-US" dirty="0"/>
+              <a:t> 方向的變異數。</a:t>
+            </a:r>
+          </a:p>
+        </p:txBody>
+      </p:sp>
+      <p:sp>
+        <p:nvSpPr>
+          <p:cNvPr id="4" name="日期版面配置區 3"/>
+          <p:cNvSpPr>
+            <a:spLocks noGrp="1"/>
+          </p:cNvSpPr>
+          <p:nvPr>
+            <p:ph type="dt" idx="1"/>
+          </p:nvPr>
+        </p:nvSpPr>
+        <p:spPr/>
+        <p:txBody>
+          <a:bodyPr/>
+          <a:lstStyle/>
+          <a:p>
+            <a:endParaRPr lang="zh-TW" altLang="en-US"/>
+          </a:p>
+        </p:txBody>
+      </p:sp>
+    </p:spTree>
+    <p:extLst>
+      <p:ext uri="{BB962C8B-B14F-4D97-AF65-F5344CB8AC3E}">
+        <p14:creationId xmlns:p14="http://schemas.microsoft.com/office/powerpoint/2010/main" val="1434695786"/>
+      </p:ext>
+    </p:extLst>
+  </p:cSld>
+  <p:clrMapOvr>
+    <a:masterClrMapping/>
+  </p:clrMapOvr>
+</p:notes>
+</file>
+
+<file path=ppt/notesSlides/notesSlide9.xml><?xml version="1.0" encoding="utf-8"?>
+<p:notes xmlns:a="http://schemas.openxmlformats.org/drawingml/2006/main" xmlns:r="http://schemas.openxmlformats.org/officeDocument/2006/relationships" xmlns:p="http://schemas.openxmlformats.org/presentationml/2006/main">
+  <p:cSld>
+    <p:spTree>
+      <p:nvGrpSpPr>
+        <p:cNvPr id="1" name=""/>
+        <p:cNvGrpSpPr/>
+        <p:nvPr/>
+      </p:nvGrpSpPr>
+      <p:grpSpPr>
+        <a:xfrm>
+          <a:off x="0" y="0"/>
+          <a:ext cx="0" cy="0"/>
+          <a:chOff x="0" y="0"/>
+          <a:chExt cx="0" cy="0"/>
+        </a:xfrm>
+      </p:grpSpPr>
+      <p:sp>
+        <p:nvSpPr>
+          <p:cNvPr id="2" name="投影片影像版面配置區 1"/>
+          <p:cNvSpPr>
+            <a:spLocks noGrp="1" noRot="1" noChangeAspect="1"/>
+          </p:cNvSpPr>
+          <p:nvPr>
+            <p:ph type="sldImg"/>
+          </p:nvPr>
+        </p:nvSpPr>
+        <p:spPr/>
+      </p:sp>
+      <p:sp>
+        <p:nvSpPr>
+          <p:cNvPr id="3" name="備忘稿版面配置區 2"/>
+          <p:cNvSpPr>
+            <a:spLocks noGrp="1"/>
+          </p:cNvSpPr>
+          <p:nvPr>
+            <p:ph type="body" idx="1"/>
+          </p:nvPr>
+        </p:nvSpPr>
+        <p:spPr/>
+        <p:txBody>
+          <a:bodyPr/>
+          <a:lstStyle/>
+          <a:p>
+            <a:r>
+              <a:rPr lang="zh-TW" altLang="en-US" dirty="0"/>
+              <a:t>有了兩車的空間變異數矩陣後，首先會將他們經過座標轉換後相加，得到一個較大的變異數矩陣</a:t>
+            </a:r>
+            <a:r>
+              <a:rPr lang="en-US" altLang="zh-TW" dirty="0"/>
+              <a:t>Cr</a:t>
+            </a:r>
+            <a:r>
+              <a:rPr lang="zh-TW" altLang="en-US" dirty="0"/>
+              <a:t>。接著，引用二維高斯分布，設二維平均數位於原點，帶入剛剛得到的</a:t>
+            </a:r>
+            <a:r>
+              <a:rPr lang="en-US" altLang="zh-TW" dirty="0"/>
+              <a:t>Cr</a:t>
+            </a:r>
+            <a:r>
+              <a:rPr lang="zh-TW" altLang="en-US" dirty="0"/>
+              <a:t>。便可以得到以兩車的相對距離為變數的風險機率分布</a:t>
+            </a:r>
+            <a:r>
+              <a:rPr lang="en-US" altLang="zh-TW" dirty="0"/>
+              <a:t>f(x)</a:t>
+            </a:r>
+            <a:r>
+              <a:rPr lang="zh-TW" altLang="en-US" dirty="0"/>
+              <a:t>。</a:t>
+            </a:r>
+            <a:endParaRPr lang="en-US" altLang="zh-TW" dirty="0"/>
+          </a:p>
+          <a:p>
+            <a:r>
+              <a:rPr lang="zh-TW" altLang="en-US" dirty="0"/>
+              <a:t>如此一來，</a:t>
+            </a:r>
+            <a:r>
+              <a:rPr lang="zh-TW" altLang="en-US" sz="1200" dirty="0"/>
+              <a:t>想要判斷一個衝突區域</a:t>
+            </a:r>
+            <a:r>
+              <a:rPr lang="zh-TW" altLang="en-US" sz="1200" b="1" dirty="0"/>
+              <a:t>𝐺</a:t>
+            </a:r>
+            <a:r>
+              <a:rPr lang="zh-TW" altLang="en-US" sz="1200" dirty="0"/>
+              <a:t>的風險</a:t>
+            </a:r>
+            <a:r>
+              <a:rPr lang="en-US" altLang="zh-TW" sz="1200" dirty="0"/>
+              <a:t>P</a:t>
+            </a:r>
+            <a:r>
+              <a:rPr lang="zh-TW" altLang="en-US" sz="1200" dirty="0"/>
+              <a:t>，只要將該區域積分起來即可。</a:t>
+            </a:r>
+            <a:endParaRPr lang="zh-TW" altLang="en-US" dirty="0"/>
+          </a:p>
+        </p:txBody>
+      </p:sp>
+      <p:sp>
+        <p:nvSpPr>
+          <p:cNvPr id="4" name="日期版面配置區 3"/>
+          <p:cNvSpPr>
+            <a:spLocks noGrp="1"/>
+          </p:cNvSpPr>
+          <p:nvPr>
+            <p:ph type="dt" idx="1"/>
+          </p:nvPr>
+        </p:nvSpPr>
+        <p:spPr/>
+        <p:txBody>
+          <a:bodyPr/>
+          <a:lstStyle/>
+          <a:p>
+            <a:endParaRPr lang="zh-TW" altLang="en-US"/>
+          </a:p>
+        </p:txBody>
+      </p:sp>
+    </p:spTree>
+    <p:extLst>
+      <p:ext uri="{BB962C8B-B14F-4D97-AF65-F5344CB8AC3E}">
+        <p14:creationId xmlns:p14="http://schemas.microsoft.com/office/powerpoint/2010/main" val="297628962"/>
       </p:ext>
     </p:extLst>
   </p:cSld>
@@ -2754,56 +4948,22 @@
           <a:lstStyle/>
           <a:p>
             <a:pPr algn="ctr"/>
-            <a:r>
-              <a:rPr lang="zh-TW" altLang="en-US" sz="2400" b="1" dirty="0">
-                <a:solidFill>
-                  <a:schemeClr val="bg1"/>
-                </a:solidFill>
-                <a:latin typeface="Arial"/>
-                <a:ea typeface="微軟正黑體"/>
-                <a:cs typeface="Arial"/>
-              </a:rPr>
-              <a:t>基於指數碰撞風險模型之車輛最佳行駛決策與應用</a:t>
-            </a:r>
-            <a:br>
-              <a:rPr lang="en-US" altLang="zh-TW" sz="2400" b="1" dirty="0">
-                <a:latin typeface="+mj-ea"/>
-                <a:cs typeface="Times New Roman"/>
-              </a:rPr>
-            </a:br>
-            <a:br>
-              <a:rPr lang="zh-TW" altLang="en-US" sz="2400" b="1" dirty="0">
-                <a:latin typeface="+mj-ea"/>
-                <a:cs typeface="Times New Roman" panose="02020603050405020304" pitchFamily="18" charset="0"/>
-              </a:rPr>
-            </a:br>
-            <a:r>
-              <a:rPr lang="en" altLang="zh-TW" sz="2400" b="1" dirty="0">
-                <a:solidFill>
-                  <a:schemeClr val="bg1"/>
-                </a:solidFill>
-                <a:latin typeface="微軟正黑體"/>
-                <a:ea typeface="微軟正黑體"/>
-                <a:cs typeface="Times New Roman"/>
-              </a:rPr>
-              <a:t> </a:t>
-            </a:r>
-            <a:r>
-              <a:rPr lang="en-US" sz="2400" dirty="0">
-                <a:solidFill>
-                  <a:schemeClr val="bg1"/>
-                </a:solidFill>
-                <a:ea typeface="+mj-lt"/>
-                <a:cs typeface="+mj-lt"/>
-              </a:rPr>
-              <a:t>Optimal driving decisions for Vehicles using Exponential Risk Model </a:t>
-            </a:r>
             <a:br>
               <a:rPr lang="en" altLang="zh-TW" sz="2400" b="1" dirty="0">
                 <a:latin typeface="+mj-ea"/>
                 <a:cs typeface="Times New Roman" panose="02020603050405020304" pitchFamily="18" charset="0"/>
               </a:rPr>
             </a:br>
+            <a:r>
+              <a:rPr lang="zh-TW" altLang="en-US" sz="3200" b="1" dirty="0">
+                <a:solidFill>
+                  <a:schemeClr val="bg2"/>
+                </a:solidFill>
+                <a:latin typeface="+mj-ea"/>
+                <a:cs typeface="Times New Roman" panose="02020603050405020304" pitchFamily="18" charset="0"/>
+              </a:rPr>
+              <a:t>碰撞風險評估討論</a:t>
+            </a:r>
             <a:r>
               <a:rPr lang="en" altLang="zh-TW" sz="2400" b="1" dirty="0">
                 <a:solidFill>
@@ -2887,7 +5047,7 @@
                 <a:ea typeface="+mj-lt"/>
                 <a:cs typeface="+mj-lt"/>
               </a:rPr>
-              <a:t>柯琮祐、王邑安*</a:t>
+              <a:t>王邑安*</a:t>
             </a:r>
             <a:br>
               <a:rPr lang="en-US" altLang="zh-TW" sz="1800" b="1" dirty="0">
@@ -2957,87 +5117,6 @@
               </a:solidFill>
               <a:latin typeface="+mj-ea"/>
               <a:cs typeface="Times New Roman" panose="02020603050405020304" pitchFamily="18" charset="0"/>
-            </a:endParaRPr>
-          </a:p>
-        </p:txBody>
-      </p:sp>
-      <p:sp>
-        <p:nvSpPr>
-          <p:cNvPr id="5" name="文字方塊 4">
-            <a:extLst>
-              <a:ext uri="{FF2B5EF4-FFF2-40B4-BE49-F238E27FC236}">
-                <a16:creationId xmlns:a16="http://schemas.microsoft.com/office/drawing/2014/main" id="{805698F2-9EDB-4282-9935-1DFE72A26BAC}"/>
-              </a:ext>
-            </a:extLst>
-          </p:cNvPr>
-          <p:cNvSpPr txBox="1"/>
-          <p:nvPr/>
-        </p:nvSpPr>
-        <p:spPr>
-          <a:xfrm>
-            <a:off x="2575152" y="1877851"/>
-            <a:ext cx="3993696" cy="923330"/>
-          </a:xfrm>
-          <a:prstGeom prst="rect">
-            <a:avLst/>
-          </a:prstGeom>
-          <a:noFill/>
-        </p:spPr>
-        <p:txBody>
-          <a:bodyPr wrap="square">
-            <a:spAutoFit/>
-          </a:bodyPr>
-          <a:lstStyle/>
-          <a:p>
-            <a:endParaRPr lang="en-US" altLang="zh-TW" dirty="0">
-              <a:latin typeface="Bahnschrift SemiBold Condensed" panose="020B0502040204020203" pitchFamily="34" charset="0"/>
-            </a:endParaRPr>
-          </a:p>
-          <a:p>
-            <a:r>
-              <a:rPr lang="en-US" altLang="zh-TW" sz="3600" b="1" dirty="0" err="1">
-                <a:solidFill>
-                  <a:schemeClr val="bg2"/>
-                </a:solidFill>
-                <a:effectLst>
-                  <a:outerShdw blurRad="38100" dist="38100" dir="2700000" algn="tl">
-                    <a:srgbClr val="000000">
-                      <a:alpha val="43137"/>
-                    </a:srgbClr>
-                  </a:outerShdw>
-                </a:effectLst>
-                <a:latin typeface="Bahnschrift SemiBold Condensed" panose="020B0502040204020203" pitchFamily="34" charset="0"/>
-              </a:rPr>
-              <a:t>iCMMT</a:t>
-            </a:r>
-            <a:r>
-              <a:rPr lang="en-US" altLang="zh-TW" sz="3600" b="1" dirty="0">
-                <a:solidFill>
-                  <a:schemeClr val="bg2"/>
-                </a:solidFill>
-                <a:effectLst>
-                  <a:outerShdw blurRad="38100" dist="38100" dir="2700000" algn="tl">
-                    <a:srgbClr val="000000">
-                      <a:alpha val="43137"/>
-                    </a:srgbClr>
-                  </a:outerShdw>
-                </a:effectLst>
-                <a:latin typeface="Bahnschrift SemiBold Condensed" panose="020B0502040204020203" pitchFamily="34" charset="0"/>
-              </a:rPr>
-              <a:t> and CSMMT 2024</a:t>
-            </a:r>
-            <a:endParaRPr lang="zh-TW" altLang="en-US" sz="3600" b="1" dirty="0">
-              <a:solidFill>
-                <a:schemeClr val="bg2"/>
-              </a:solidFill>
-              <a:effectLst>
-                <a:outerShdw blurRad="38100" dist="38100" dir="2700000" algn="tl">
-                  <a:srgbClr val="000000">
-                    <a:alpha val="43137"/>
-                  </a:srgbClr>
-                </a:outerShdw>
-              </a:effectLst>
-              <a:latin typeface="Bahnschrift SemiBold Condensed" panose="020B0502040204020203" pitchFamily="34" charset="0"/>
             </a:endParaRPr>
           </a:p>
         </p:txBody>
@@ -3314,7 +5393,7 @@
               <p:nvPr/>
             </p:nvPicPr>
             <p:blipFill>
-              <a:blip r:embed="rId2">
+              <a:blip r:embed="rId3">
                 <a:lum/>
                 <a:alphaModFix/>
               </a:blip>
@@ -3625,7 +5704,7 @@
               <a:p>
                 <a:r>
                   <a:rPr lang="zh-TW" altLang="en-US" dirty="0"/>
-                  <a:t>在遭遇不同大小的障礙物體時，自架系統可能沒辦法第一時間知道該物體的類型以及中心位置，造成變異數矩陣</a:t>
+                  <a:t>在遭遇不同大小的障礙物體時，自架系統可能沒辦法準確知道該物體的中心位置，造成變異數矩陣</a:t>
                 </a:r>
                 <a14:m>
                   <m:oMath xmlns:m="http://schemas.openxmlformats.org/officeDocument/2006/math">
@@ -3680,7 +5759,7 @@
                 <a:avLst/>
               </a:prstGeom>
               <a:blipFill>
-                <a:blip r:embed="rId3"/>
+                <a:blip r:embed="rId4"/>
                 <a:stretch>
                   <a:fillRect l="-773" t="-2740" r="-2705"/>
                 </a:stretch>
@@ -4188,8 +6267,8 @@
           </a:prstGeom>
         </p:spPr>
       </p:pic>
-      <mc:AlternateContent xmlns:mc="http://schemas.openxmlformats.org/markup-compatibility/2006">
-        <mc:Choice xmlns:a14="http://schemas.microsoft.com/office/drawing/2010/main" Requires="a14">
+      <mc:AlternateContent xmlns:mc="http://schemas.openxmlformats.org/markup-compatibility/2006" xmlns:a14="http://schemas.microsoft.com/office/drawing/2010/main">
+        <mc:Choice Requires="a14">
           <p:sp>
             <p:nvSpPr>
               <p:cNvPr id="11" name="文字方塊 10">
@@ -4412,7 +6491,7 @@
             </p:txBody>
           </p:sp>
         </mc:Choice>
-        <mc:Fallback>
+        <mc:Fallback xmlns="">
           <p:sp>
             <p:nvSpPr>
               <p:cNvPr id="11" name="文字方塊 10">
@@ -4553,8 +6632,8 @@
           </a:p>
         </p:txBody>
       </p:sp>
-      <mc:AlternateContent xmlns:mc="http://schemas.openxmlformats.org/markup-compatibility/2006">
-        <mc:Choice xmlns:a14="http://schemas.microsoft.com/office/drawing/2010/main" Requires="a14">
+      <mc:AlternateContent xmlns:mc="http://schemas.openxmlformats.org/markup-compatibility/2006" xmlns:a14="http://schemas.microsoft.com/office/drawing/2010/main">
+        <mc:Choice Requires="a14">
           <p:sp>
             <p:nvSpPr>
               <p:cNvPr id="8" name="內容版面配置區 7">
@@ -4602,7 +6681,7 @@
             </p:txBody>
           </p:sp>
         </mc:Choice>
-        <mc:Fallback>
+        <mc:Fallback xmlns="">
           <p:sp>
             <p:nvSpPr>
               <p:cNvPr id="8" name="內容版面配置區 7">
@@ -4850,8 +6929,8 @@
           </p:sp>
         </p:grpSp>
       </p:grpSp>
-      <mc:AlternateContent xmlns:mc="http://schemas.openxmlformats.org/markup-compatibility/2006">
-        <mc:Choice xmlns:a14="http://schemas.microsoft.com/office/drawing/2010/main" Requires="a14">
+      <mc:AlternateContent xmlns:mc="http://schemas.openxmlformats.org/markup-compatibility/2006" xmlns:a14="http://schemas.microsoft.com/office/drawing/2010/main">
+        <mc:Choice Requires="a14">
           <p:sp>
             <p:nvSpPr>
               <p:cNvPr id="14" name="文字方塊 13">
@@ -5500,7 +7579,7 @@
             </p:txBody>
           </p:sp>
         </mc:Choice>
-        <mc:Fallback>
+        <mc:Fallback xmlns="">
           <p:sp>
             <p:nvSpPr>
               <p:cNvPr id="14" name="文字方塊 13">
@@ -5567,7 +7646,7 @@
         </p:blipFill>
         <p:spPr>
           <a:xfrm>
-            <a:off x="0" y="5187478"/>
+            <a:off x="1962649" y="5187477"/>
             <a:ext cx="4896682" cy="1416846"/>
           </a:xfrm>
           <a:prstGeom prst="rect">
@@ -5575,8 +7654,8 @@
           </a:prstGeom>
         </p:spPr>
       </p:pic>
-      <mc:AlternateContent xmlns:mc="http://schemas.openxmlformats.org/markup-compatibility/2006">
-        <mc:Choice xmlns:a14="http://schemas.microsoft.com/office/drawing/2010/main" Requires="a14">
+      <mc:AlternateContent xmlns:mc="http://schemas.openxmlformats.org/markup-compatibility/2006" xmlns:a14="http://schemas.microsoft.com/office/drawing/2010/main">
+        <mc:Choice Requires="a14">
           <p:sp>
             <p:nvSpPr>
               <p:cNvPr id="24" name="內容版面配置區 7">
@@ -5872,7 +7951,7 @@
             </p:txBody>
           </p:sp>
         </mc:Choice>
-        <mc:Fallback>
+        <mc:Fallback xmlns="">
           <p:sp>
             <p:nvSpPr>
               <p:cNvPr id="24" name="內容版面配置區 7">
@@ -6668,8 +8747,8 @@
           </a:p>
         </p:txBody>
       </p:sp>
-      <mc:AlternateContent xmlns:mc="http://schemas.openxmlformats.org/markup-compatibility/2006">
-        <mc:Choice xmlns:a14="http://schemas.microsoft.com/office/drawing/2010/main" Requires="a14">
+      <mc:AlternateContent xmlns:mc="http://schemas.openxmlformats.org/markup-compatibility/2006" xmlns:a14="http://schemas.microsoft.com/office/drawing/2010/main">
+        <mc:Choice Requires="a14">
           <p:sp>
             <p:nvSpPr>
               <p:cNvPr id="8" name="內容版面配置區 7">
@@ -6885,7 +8964,7 @@
             </p:txBody>
           </p:sp>
         </mc:Choice>
-        <mc:Fallback>
+        <mc:Fallback xmlns="">
           <p:sp>
             <p:nvSpPr>
               <p:cNvPr id="8" name="內容版面配置區 7">
@@ -7511,7 +9590,14 @@
                 </a:r>
                 <a:r>
                   <a:rPr lang="zh-TW" altLang="en-US" dirty="0"/>
-                  <a:t>中心做相切此圓的兩條直線。該兩條直線所形成的錐形區域便被稱為碰撞錐</a:t>
+                  <a:t>中心做相切此圓的兩條直線，形成一錐形區域。</a:t>
+                </a:r>
+                <a:endParaRPr lang="en-US" altLang="zh-TW" dirty="0"/>
+              </a:p>
+              <a:p>
+                <a:r>
+                  <a:rPr lang="zh-TW" altLang="en-US" dirty="0"/>
+                  <a:t>將此錐形區域從位置座標系移入速度空間中，便被稱為碰撞錐</a:t>
                 </a:r>
                 <a:r>
                   <a:rPr lang="en-US" altLang="zh-TW" dirty="0"/>
@@ -7520,7 +9606,7 @@
                 <a14:m>
                   <m:oMath xmlns:m="http://schemas.openxmlformats.org/officeDocument/2006/math">
                     <m:r>
-                      <a:rPr lang="en-US" altLang="zh-TW" i="1" dirty="0" smtClean="0">
+                      <a:rPr lang="en-US" altLang="zh-TW" i="1" dirty="0">
                         <a:latin typeface="Cambria Math" panose="02040503050406030204" pitchFamily="18" charset="0"/>
                       </a:rPr>
                       <m:t>𝐶</m:t>
@@ -7528,14 +9614,14 @@
                     <m:sSub>
                       <m:sSubPr>
                         <m:ctrlPr>
-                          <a:rPr lang="en-US" altLang="zh-TW" i="1" dirty="0" smtClean="0">
+                          <a:rPr lang="en-US" altLang="zh-TW" i="1" dirty="0">
                             <a:latin typeface="Cambria Math" panose="02040503050406030204" pitchFamily="18" charset="0"/>
                           </a:rPr>
                         </m:ctrlPr>
                       </m:sSubPr>
                       <m:e>
                         <m:r>
-                          <a:rPr lang="en-US" altLang="zh-TW" i="1" dirty="0" smtClean="0">
+                          <a:rPr lang="en-US" altLang="zh-TW" i="1" dirty="0">
                             <a:latin typeface="Cambria Math" panose="02040503050406030204" pitchFamily="18" charset="0"/>
                           </a:rPr>
                           <m:t>𝐶</m:t>
@@ -7543,19 +9629,19 @@
                       </m:e>
                       <m:sub>
                         <m:r>
-                          <a:rPr lang="en-US" altLang="zh-TW" i="1" dirty="0" smtClean="0">
+                          <a:rPr lang="en-US" altLang="zh-TW" i="1" dirty="0">
                             <a:latin typeface="Cambria Math" panose="02040503050406030204" pitchFamily="18" charset="0"/>
                           </a:rPr>
                           <m:t>𝐴</m:t>
                         </m:r>
                         <m:r>
-                          <a:rPr lang="en-US" altLang="zh-TW" b="0" i="1" dirty="0" smtClean="0">
+                          <a:rPr lang="en-US" altLang="zh-TW" i="1" dirty="0">
                             <a:latin typeface="Cambria Math" panose="02040503050406030204" pitchFamily="18" charset="0"/>
                           </a:rPr>
                           <m:t>,</m:t>
                         </m:r>
                         <m:r>
-                          <a:rPr lang="en-US" altLang="zh-TW" b="0" i="1" dirty="0" smtClean="0">
+                          <a:rPr lang="en-US" altLang="zh-TW" i="1" dirty="0">
                             <a:latin typeface="Cambria Math" panose="02040503050406030204" pitchFamily="18" charset="0"/>
                           </a:rPr>
                           <m:t>𝐵</m:t>
@@ -7563,7 +9649,7 @@
                       </m:sub>
                     </m:sSub>
                     <m:r>
-                      <a:rPr lang="en-US" altLang="zh-TW" i="1" dirty="0" smtClean="0">
+                      <a:rPr lang="en-US" altLang="zh-TW" i="1" dirty="0">
                         <a:latin typeface="Cambria Math" panose="02040503050406030204" pitchFamily="18" charset="0"/>
                       </a:rPr>
                       <m:t> </m:t>
@@ -7576,14 +9662,7 @@
                 </a:r>
                 <a:r>
                   <a:rPr lang="zh-TW" altLang="en-US" dirty="0"/>
-                  <a:t>。</a:t>
-                </a:r>
-                <a:endParaRPr lang="en-US" altLang="zh-TW" dirty="0"/>
-              </a:p>
-              <a:p>
-                <a:r>
-                  <a:rPr lang="zh-TW" altLang="en-US" dirty="0"/>
-                  <a:t>將此碰撞錐從位置座標系移入速度空間中，意義便是得到一組</a:t>
+                  <a:t>。意義便是得到一組</a:t>
                 </a:r>
                 <a14:m>
                   <m:oMath xmlns:m="http://schemas.openxmlformats.org/officeDocument/2006/math">
@@ -7625,7 +9704,7 @@
                 </a14:m>
                 <a:r>
                   <a:rPr lang="zh-TW" altLang="en-US" dirty="0"/>
-                  <a:t>的集合，位於這集合內的所有</a:t>
+                  <a:t>的集合，代表著所有</a:t>
                 </a:r>
                 <a:r>
                   <a:rPr lang="en-US" altLang="zh-TW" dirty="0"/>
@@ -7641,7 +9720,7 @@
                 </a:r>
                 <a:r>
                   <a:rPr lang="zh-TW" altLang="en-US" dirty="0"/>
-                  <a:t>的相對速度都會造成碰撞。</a:t>
+                  <a:t>的相對速度若是位於這集合內都會造成碰撞。</a:t>
                 </a:r>
               </a:p>
             </p:txBody>
@@ -8275,28 +10354,14 @@
                 </a14:m>
                 <a:r>
                   <a:rPr lang="zh-TW" altLang="en-US" dirty="0"/>
-                  <a:t>秒內會造成的碰撞視為應避免事件，</a:t>
-                </a:r>
-                <a14:m>
-                  <m:oMath xmlns:m="http://schemas.openxmlformats.org/officeDocument/2006/math">
-                    <m:r>
-                      <a:rPr lang="zh-TW" altLang="en-US" i="1">
-                        <a:latin typeface="Cambria Math" panose="02040503050406030204" pitchFamily="18" charset="0"/>
-                      </a:rPr>
-                      <m:t>𝜏</m:t>
-                    </m:r>
-                  </m:oMath>
-                </a14:m>
-                <a:r>
-                  <a:rPr lang="zh-TW" altLang="en-US" dirty="0"/>
-                  <a:t>秒後的碰撞暫不考慮。如此，</a:t>
+                  <a:t>秒內會造成的碰撞視為應避免事件，在此之後的碰撞暫不考慮。如此，</a:t>
                 </a:r>
                 <a14:m>
                   <m:oMath xmlns:m="http://schemas.openxmlformats.org/officeDocument/2006/math">
                     <m:sSub>
                       <m:sSubPr>
                         <m:ctrlPr>
-                          <a:rPr lang="en-US" altLang="zh-TW" b="0" i="0" dirty="0" smtClean="0">
+                          <a:rPr lang="en-US" altLang="zh-TW" b="0" i="1" dirty="0" smtClean="0">
                             <a:latin typeface="Cambria Math" panose="02040503050406030204" pitchFamily="18" charset="0"/>
                           </a:rPr>
                         </m:ctrlPr>
@@ -8358,15 +10423,65 @@
                 </a14:m>
                 <a:r>
                   <a:rPr lang="zh-TW" altLang="en-US" dirty="0"/>
-                  <a:t>尖端面積便會被修剪掉一弧形區域。象徵著物體</a:t>
+                  <a:t>尖端面積便會被修剪掉一弧形區域。</a:t>
                 </a:r>
-                <a:r>
-                  <a:rPr lang="en-US" altLang="zh-TW" dirty="0"/>
-                  <a:t>A</a:t>
-                </a:r>
+                <a:endParaRPr lang="en-US" altLang="zh-TW" dirty="0"/>
+              </a:p>
+              <a:p>
                 <a:r>
                   <a:rPr lang="zh-TW" altLang="en-US" dirty="0"/>
-                  <a:t>應避免造成相對速度</a:t>
+                  <a:t>將整個</a:t>
+                </a:r>
+                <a14:m>
+                  <m:oMath xmlns:m="http://schemas.openxmlformats.org/officeDocument/2006/math">
+                    <m:r>
+                      <a:rPr lang="en-US" altLang="zh-TW" b="0" i="1" smtClean="0">
+                        <a:latin typeface="Cambria Math" panose="02040503050406030204" pitchFamily="18" charset="0"/>
+                      </a:rPr>
+                      <m:t>𝐶</m:t>
+                    </m:r>
+                    <m:sSub>
+                      <m:sSubPr>
+                        <m:ctrlPr>
+                          <a:rPr lang="en-US" altLang="zh-TW" b="0" i="1" smtClean="0">
+                            <a:latin typeface="Cambria Math" panose="02040503050406030204" pitchFamily="18" charset="0"/>
+                          </a:rPr>
+                        </m:ctrlPr>
+                      </m:sSubPr>
+                      <m:e>
+                        <m:r>
+                          <a:rPr lang="en-US" altLang="zh-TW" b="0" i="1" smtClean="0">
+                            <a:latin typeface="Cambria Math" panose="02040503050406030204" pitchFamily="18" charset="0"/>
+                          </a:rPr>
+                          <m:t>𝐶</m:t>
+                        </m:r>
+                      </m:e>
+                      <m:sub>
+                        <m:r>
+                          <a:rPr lang="en-US" altLang="zh-TW" b="0" i="1" smtClean="0">
+                            <a:latin typeface="Cambria Math" panose="02040503050406030204" pitchFamily="18" charset="0"/>
+                          </a:rPr>
+                          <m:t>𝐴</m:t>
+                        </m:r>
+                        <m:r>
+                          <a:rPr lang="en-US" altLang="zh-TW" b="0" i="1" smtClean="0">
+                            <a:latin typeface="Cambria Math" panose="02040503050406030204" pitchFamily="18" charset="0"/>
+                          </a:rPr>
+                          <m:t>,</m:t>
+                        </m:r>
+                        <m:r>
+                          <a:rPr lang="en-US" altLang="zh-TW" b="0" i="1" smtClean="0">
+                            <a:latin typeface="Cambria Math" panose="02040503050406030204" pitchFamily="18" charset="0"/>
+                          </a:rPr>
+                          <m:t>𝐵</m:t>
+                        </m:r>
+                      </m:sub>
+                    </m:sSub>
+                  </m:oMath>
+                </a14:m>
+                <a:r>
+                  <a:rPr lang="zh-TW" altLang="en-US" dirty="0"/>
+                  <a:t>集合加回</a:t>
                 </a:r>
                 <a14:m>
                   <m:oMath xmlns:m="http://schemas.openxmlformats.org/officeDocument/2006/math">
@@ -8391,7 +10506,7 @@
                           <a:rPr lang="en-US" altLang="zh-TW" b="0" i="1" smtClean="0">
                             <a:latin typeface="Cambria Math" panose="02040503050406030204" pitchFamily="18" charset="0"/>
                           </a:rPr>
-                          <m:t>𝐴𝐵</m:t>
+                          <m:t>𝐵</m:t>
                         </m:r>
                       </m:sub>
                     </m:sSub>
@@ -8399,7 +10514,7 @@
                 </a14:m>
                 <a:r>
                   <a:rPr lang="zh-TW" altLang="en-US" dirty="0"/>
-                  <a:t>落入該區內，即可避免</a:t>
+                  <a:t>便可以得到所有在</a:t>
                 </a:r>
                 <a14:m>
                   <m:oMath xmlns:m="http://schemas.openxmlformats.org/officeDocument/2006/math">
@@ -8409,17 +10524,103 @@
                       </a:rPr>
                       <m:t>𝜏</m:t>
                     </m:r>
-                    <m:r>
-                      <a:rPr lang="zh-TW" altLang="en-US" i="1">
-                        <a:latin typeface="Cambria Math" panose="02040503050406030204" pitchFamily="18" charset="0"/>
-                      </a:rPr>
-                      <m:t>秒內</m:t>
-                    </m:r>
                   </m:oMath>
                 </a14:m>
                 <a:r>
                   <a:rPr lang="zh-TW" altLang="en-US" dirty="0"/>
-                  <a:t>碰撞。</a:t>
+                  <a:t>秒內會碰撞的</a:t>
+                </a:r>
+                <a14:m>
+                  <m:oMath xmlns:m="http://schemas.openxmlformats.org/officeDocument/2006/math">
+                    <m:sSub>
+                      <m:sSubPr>
+                        <m:ctrlPr>
+                          <a:rPr lang="en-US" altLang="zh-TW" b="0" i="1" smtClean="0">
+                            <a:latin typeface="Cambria Math" panose="02040503050406030204" pitchFamily="18" charset="0"/>
+                          </a:rPr>
+                        </m:ctrlPr>
+                      </m:sSubPr>
+                      <m:e>
+                        <m:r>
+                          <a:rPr lang="en-US" altLang="zh-TW" b="0" i="1" smtClean="0">
+                            <a:latin typeface="Cambria Math" panose="02040503050406030204" pitchFamily="18" charset="0"/>
+                          </a:rPr>
+                          <m:t>𝑣</m:t>
+                        </m:r>
+                      </m:e>
+                      <m:sub>
+                        <m:r>
+                          <a:rPr lang="en-US" altLang="zh-TW" b="0" i="1" smtClean="0">
+                            <a:latin typeface="Cambria Math" panose="02040503050406030204" pitchFamily="18" charset="0"/>
+                          </a:rPr>
+                          <m:t>𝐴</m:t>
+                        </m:r>
+                      </m:sub>
+                    </m:sSub>
+                  </m:oMath>
+                </a14:m>
+                <a:r>
+                  <a:rPr lang="zh-TW" altLang="en-US" dirty="0"/>
+                  <a:t>集合，稱為</a:t>
+                </a:r>
+                <a14:m>
+                  <m:oMath xmlns:m="http://schemas.openxmlformats.org/officeDocument/2006/math">
+                    <m:r>
+                      <a:rPr lang="en-US" altLang="zh-TW" i="1" dirty="0" smtClean="0">
+                        <a:latin typeface="Cambria Math" panose="02040503050406030204" pitchFamily="18" charset="0"/>
+                      </a:rPr>
+                      <m:t>𝑉</m:t>
+                    </m:r>
+                    <m:sSubSup>
+                      <m:sSubSupPr>
+                        <m:ctrlPr>
+                          <a:rPr lang="en-US" altLang="zh-TW" b="0" i="1" dirty="0" smtClean="0">
+                            <a:latin typeface="Cambria Math" panose="02040503050406030204" pitchFamily="18" charset="0"/>
+                          </a:rPr>
+                        </m:ctrlPr>
+                      </m:sSubSupPr>
+                      <m:e>
+                        <m:r>
+                          <a:rPr lang="en-US" altLang="zh-TW" i="1" dirty="0" smtClean="0">
+                            <a:latin typeface="Cambria Math" panose="02040503050406030204" pitchFamily="18" charset="0"/>
+                          </a:rPr>
+                          <m:t>𝑂</m:t>
+                        </m:r>
+                      </m:e>
+                      <m:sub>
+                        <m:r>
+                          <a:rPr lang="en-US" altLang="zh-TW" b="0" i="1" dirty="0" smtClean="0">
+                            <a:latin typeface="Cambria Math" panose="02040503050406030204" pitchFamily="18" charset="0"/>
+                          </a:rPr>
+                          <m:t>𝐴</m:t>
+                        </m:r>
+                        <m:r>
+                          <a:rPr lang="en-US" altLang="zh-TW" b="0" i="1" dirty="0" smtClean="0">
+                            <a:latin typeface="Cambria Math" panose="02040503050406030204" pitchFamily="18" charset="0"/>
+                          </a:rPr>
+                          <m:t>,</m:t>
+                        </m:r>
+                        <m:r>
+                          <a:rPr lang="en-US" altLang="zh-TW" b="0" i="1" dirty="0" smtClean="0">
+                            <a:latin typeface="Cambria Math" panose="02040503050406030204" pitchFamily="18" charset="0"/>
+                          </a:rPr>
+                          <m:t>𝐵</m:t>
+                        </m:r>
+                      </m:sub>
+                      <m:sup>
+                        <m:r>
+                          <a:rPr lang="zh-TW" altLang="en-US" b="0" i="1" dirty="0" smtClean="0">
+                            <a:latin typeface="Cambria Math" panose="02040503050406030204" pitchFamily="18" charset="0"/>
+                          </a:rPr>
+                          <m:t>𝜏</m:t>
+                        </m:r>
+                      </m:sup>
+                    </m:sSubSup>
+                  </m:oMath>
+                </a14:m>
+                <a:r>
+                  <a:rPr lang="zh-TW" altLang="en-US" dirty="0"/>
+                  <a:t>。</a:t>
                 </a:r>
                 <a:endParaRPr lang="en-US" altLang="zh-TW" dirty="0"/>
               </a:p>
@@ -8449,7 +10650,7 @@
                 <a:ext cx="7886700" cy="2005623"/>
               </a:xfrm>
               <a:blipFill>
-                <a:blip r:embed="rId2"/>
+                <a:blip r:embed="rId3"/>
                 <a:stretch>
                   <a:fillRect l="-696" t="-3343" r="-773"/>
                 </a:stretch>
@@ -8581,7 +10782,7 @@
               <p:nvPr/>
             </p:nvPicPr>
             <p:blipFill>
-              <a:blip r:embed="rId3">
+              <a:blip r:embed="rId4">
                 <a:lum/>
                 <a:alphaModFix/>
               </a:blip>
@@ -8689,7 +10890,7 @@
           <p:nvPr/>
         </p:nvPicPr>
         <p:blipFill>
-          <a:blip r:embed="rId4" cstate="print">
+          <a:blip r:embed="rId5" cstate="print">
             <a:extLst>
               <a:ext uri="{28A0092B-C50C-407E-A947-70E740481C1C}">
                 <a14:useLocalDpi xmlns:a14="http://schemas.microsoft.com/office/drawing/2010/main" val="0"/>
@@ -8703,8 +10904,55 @@
         </p:blipFill>
         <p:spPr bwMode="auto">
           <a:xfrm>
-            <a:off x="1600958" y="2259628"/>
+            <a:off x="325051" y="3352518"/>
             <a:ext cx="2896534" cy="3105025"/>
+          </a:xfrm>
+          <a:prstGeom prst="rect">
+            <a:avLst/>
+          </a:prstGeom>
+          <a:noFill/>
+          <a:extLst>
+            <a:ext uri="{909E8E84-426E-40DD-AFC4-6F175D3DCCD1}">
+              <a14:hiddenFill xmlns:a14="http://schemas.microsoft.com/office/drawing/2010/main">
+                <a:solidFill>
+                  <a:srgbClr val="FFFFFF"/>
+                </a:solidFill>
+              </a14:hiddenFill>
+            </a:ext>
+          </a:extLst>
+        </p:spPr>
+      </p:pic>
+      <p:pic>
+        <p:nvPicPr>
+          <p:cNvPr id="2050" name="Picture 2">
+            <a:extLst>
+              <a:ext uri="{FF2B5EF4-FFF2-40B4-BE49-F238E27FC236}">
+                <a16:creationId xmlns:a16="http://schemas.microsoft.com/office/drawing/2014/main" id="{12199C3F-9C8C-4861-83B2-C8F72A0C87BC}"/>
+              </a:ext>
+            </a:extLst>
+          </p:cNvPr>
+          <p:cNvPicPr>
+            <a:picLocks noChangeAspect="1" noChangeArrowheads="1"/>
+          </p:cNvPicPr>
+          <p:nvPr/>
+        </p:nvPicPr>
+        <p:blipFill>
+          <a:blip r:embed="rId6" cstate="print">
+            <a:extLst>
+              <a:ext uri="{28A0092B-C50C-407E-A947-70E740481C1C}">
+                <a14:useLocalDpi xmlns:a14="http://schemas.microsoft.com/office/drawing/2010/main" val="0"/>
+              </a:ext>
+            </a:extLst>
+          </a:blip>
+          <a:srcRect/>
+          <a:stretch>
+            <a:fillRect/>
+          </a:stretch>
+        </p:blipFill>
+        <p:spPr bwMode="auto">
+          <a:xfrm>
+            <a:off x="2932937" y="3289472"/>
+            <a:ext cx="3298604" cy="3231113"/>
           </a:xfrm>
           <a:prstGeom prst="rect">
             <a:avLst/>
@@ -8735,7 +10983,7 @@
         </p:nvSpPr>
         <p:spPr>
           <a:xfrm>
-            <a:off x="4497492" y="3609193"/>
+            <a:off x="2746664" y="4679119"/>
             <a:ext cx="372546" cy="451821"/>
           </a:xfrm>
           <a:prstGeom prst="rightArrow">
@@ -8763,16 +11011,62 @@
           <a:lstStyle/>
           <a:p>
             <a:pPr algn="ctr"/>
-            <a:endParaRPr lang="zh-TW" altLang="en-US"/>
+            <a:endParaRPr lang="zh-TW" altLang="en-US" dirty="0"/>
+          </a:p>
+        </p:txBody>
+      </p:sp>
+      <p:sp>
+        <p:nvSpPr>
+          <p:cNvPr id="14" name="箭號: 向右 13">
+            <a:extLst>
+              <a:ext uri="{FF2B5EF4-FFF2-40B4-BE49-F238E27FC236}">
+                <a16:creationId xmlns:a16="http://schemas.microsoft.com/office/drawing/2014/main" id="{1BC0BBAF-9CAB-4229-921B-F61279180C47}"/>
+              </a:ext>
+            </a:extLst>
+          </p:cNvPr>
+          <p:cNvSpPr/>
+          <p:nvPr/>
+        </p:nvSpPr>
+        <p:spPr>
+          <a:xfrm>
+            <a:off x="5900328" y="4679119"/>
+            <a:ext cx="372546" cy="451821"/>
+          </a:xfrm>
+          <a:prstGeom prst="rightArrow">
+            <a:avLst/>
+          </a:prstGeom>
+        </p:spPr>
+        <p:style>
+          <a:lnRef idx="2">
+            <a:schemeClr val="accent1">
+              <a:shade val="50000"/>
+            </a:schemeClr>
+          </a:lnRef>
+          <a:fillRef idx="1">
+            <a:schemeClr val="accent1"/>
+          </a:fillRef>
+          <a:effectRef idx="0">
+            <a:schemeClr val="accent1"/>
+          </a:effectRef>
+          <a:fontRef idx="minor">
+            <a:schemeClr val="lt1"/>
+          </a:fontRef>
+        </p:style>
+        <p:txBody>
+          <a:bodyPr rtlCol="0" anchor="ctr"/>
+          <a:lstStyle/>
+          <a:p>
+            <a:pPr algn="ctr"/>
+            <a:endParaRPr lang="zh-TW" altLang="en-US" dirty="0"/>
           </a:p>
         </p:txBody>
       </p:sp>
       <p:pic>
         <p:nvPicPr>
-          <p:cNvPr id="2050" name="Picture 2">
+          <p:cNvPr id="1028" name="Picture 4">
             <a:extLst>
               <a:ext uri="{FF2B5EF4-FFF2-40B4-BE49-F238E27FC236}">
-                <a16:creationId xmlns:a16="http://schemas.microsoft.com/office/drawing/2014/main" id="{12199C3F-9C8C-4861-83B2-C8F72A0C87BC}"/>
+                <a16:creationId xmlns:a16="http://schemas.microsoft.com/office/drawing/2014/main" id="{7C19872E-1AAA-4700-A361-79CF99605D02}"/>
               </a:ext>
             </a:extLst>
           </p:cNvPr>
@@ -8782,7 +11076,7 @@
           <p:nvPr/>
         </p:nvPicPr>
         <p:blipFill>
-          <a:blip r:embed="rId5" cstate="print">
+          <a:blip r:embed="rId7" cstate="print">
             <a:extLst>
               <a:ext uri="{28A0092B-C50C-407E-A947-70E740481C1C}">
                 <a14:useLocalDpi xmlns:a14="http://schemas.microsoft.com/office/drawing/2010/main" val="0"/>
@@ -8796,8 +11090,8 @@
         </p:blipFill>
         <p:spPr bwMode="auto">
           <a:xfrm>
-            <a:off x="4683765" y="2219546"/>
-            <a:ext cx="3298604" cy="3231113"/>
+            <a:off x="5900328" y="3216699"/>
+            <a:ext cx="3519960" cy="3240844"/>
           </a:xfrm>
           <a:prstGeom prst="rect">
             <a:avLst/>
@@ -8814,6 +11108,245 @@
           </a:extLst>
         </p:spPr>
       </p:pic>
+      <mc:AlternateContent xmlns:mc="http://schemas.openxmlformats.org/markup-compatibility/2006">
+        <mc:Choice xmlns:a14="http://schemas.microsoft.com/office/drawing/2010/main" Requires="a14">
+          <p:sp>
+            <p:nvSpPr>
+              <p:cNvPr id="5" name="文字方塊 4">
+                <a:extLst>
+                  <a:ext uri="{FF2B5EF4-FFF2-40B4-BE49-F238E27FC236}">
+                    <a16:creationId xmlns:a16="http://schemas.microsoft.com/office/drawing/2014/main" id="{E4CFD7D0-7D31-4681-8EA8-19E842CF1EEF}"/>
+                  </a:ext>
+                </a:extLst>
+              </p:cNvPr>
+              <p:cNvSpPr txBox="1"/>
+              <p:nvPr/>
+            </p:nvSpPr>
+            <p:spPr>
+              <a:xfrm>
+                <a:off x="3335451" y="2632727"/>
+                <a:ext cx="2751150" cy="423129"/>
+              </a:xfrm>
+              <a:prstGeom prst="rect">
+                <a:avLst/>
+              </a:prstGeom>
+              <a:noFill/>
+            </p:spPr>
+            <p:txBody>
+              <a:bodyPr wrap="square" rtlCol="0">
+                <a:spAutoFit/>
+              </a:bodyPr>
+              <a:lstStyle/>
+              <a:p>
+                <a14:m>
+                  <m:oMathPara xmlns:m="http://schemas.openxmlformats.org/officeDocument/2006/math">
+                    <m:oMathParaPr>
+                      <m:jc m:val="centerGroup"/>
+                    </m:oMathParaPr>
+                    <m:oMath xmlns:m="http://schemas.openxmlformats.org/officeDocument/2006/math">
+                      <m:sSub>
+                        <m:sSubPr>
+                          <m:ctrlPr>
+                            <a:rPr lang="en-US" altLang="zh-TW" sz="2000" b="0" i="0" smtClean="0">
+                              <a:latin typeface="Cambria Math" panose="02040503050406030204" pitchFamily="18" charset="0"/>
+                            </a:rPr>
+                          </m:ctrlPr>
+                        </m:sSubPr>
+                        <m:e>
+                          <m:sSubSup>
+                            <m:sSubSupPr>
+                              <m:ctrlPr>
+                                <a:rPr lang="en-US" altLang="zh-TW" sz="2000" b="0" i="0" smtClean="0">
+                                  <a:latin typeface="Cambria Math" panose="02040503050406030204" pitchFamily="18" charset="0"/>
+                                </a:rPr>
+                              </m:ctrlPr>
+                            </m:sSubSupPr>
+                            <m:e>
+                              <m:r>
+                                <m:rPr>
+                                  <m:sty m:val="p"/>
+                                </m:rPr>
+                                <a:rPr lang="en-US" altLang="zh-TW" sz="2000" b="0" i="0" smtClean="0">
+                                  <a:latin typeface="Cambria Math" panose="02040503050406030204" pitchFamily="18" charset="0"/>
+                                </a:rPr>
+                                <m:t>VO</m:t>
+                              </m:r>
+                            </m:e>
+                            <m:sub>
+                              <m:r>
+                                <m:rPr>
+                                  <m:sty m:val="p"/>
+                                </m:rPr>
+                                <a:rPr lang="en-US" altLang="zh-TW" sz="2000" b="0" i="0" smtClean="0">
+                                  <a:latin typeface="Cambria Math" panose="02040503050406030204" pitchFamily="18" charset="0"/>
+                                </a:rPr>
+                                <m:t>A</m:t>
+                              </m:r>
+                              <m:r>
+                                <a:rPr lang="en-US" altLang="zh-TW" sz="2000" b="0" i="0" smtClean="0">
+                                  <a:latin typeface="Cambria Math" panose="02040503050406030204" pitchFamily="18" charset="0"/>
+                                </a:rPr>
+                                <m:t>,</m:t>
+                              </m:r>
+                              <m:r>
+                                <m:rPr>
+                                  <m:sty m:val="p"/>
+                                </m:rPr>
+                                <a:rPr lang="en-US" altLang="zh-TW" sz="2000" b="0" i="0" smtClean="0">
+                                  <a:latin typeface="Cambria Math" panose="02040503050406030204" pitchFamily="18" charset="0"/>
+                                </a:rPr>
+                                <m:t>B</m:t>
+                              </m:r>
+                            </m:sub>
+                            <m:sup>
+                              <m:r>
+                                <m:rPr>
+                                  <m:sty m:val="p"/>
+                                </m:rPr>
+                                <a:rPr lang="el-GR" altLang="zh-TW" sz="2000" b="0" i="1" smtClean="0">
+                                  <a:latin typeface="Cambria Math" panose="02040503050406030204" pitchFamily="18" charset="0"/>
+                                  <a:ea typeface="Cambria Math" panose="02040503050406030204" pitchFamily="18" charset="0"/>
+                                </a:rPr>
+                                <m:t>τ</m:t>
+                              </m:r>
+                            </m:sup>
+                          </m:sSubSup>
+                          <m:r>
+                            <a:rPr lang="en-US" altLang="zh-TW" sz="2000" b="0" i="0" smtClean="0">
+                              <a:latin typeface="Cambria Math" panose="02040503050406030204" pitchFamily="18" charset="0"/>
+                            </a:rPr>
+                            <m:t>=</m:t>
+                          </m:r>
+                          <m:r>
+                            <m:rPr>
+                              <m:sty m:val="p"/>
+                            </m:rPr>
+                            <a:rPr lang="en-US" altLang="zh-TW" sz="2000" i="0" smtClean="0">
+                              <a:latin typeface="Cambria Math" panose="02040503050406030204" pitchFamily="18" charset="0"/>
+                            </a:rPr>
+                            <m:t>C</m:t>
+                          </m:r>
+                          <m:r>
+                            <m:rPr>
+                              <m:sty m:val="p"/>
+                            </m:rPr>
+                            <a:rPr lang="en-US" altLang="zh-TW" sz="2000" b="0" i="0" smtClean="0">
+                              <a:latin typeface="Cambria Math" panose="02040503050406030204" pitchFamily="18" charset="0"/>
+                            </a:rPr>
+                            <m:t>C</m:t>
+                          </m:r>
+                        </m:e>
+                        <m:sub>
+                          <m:r>
+                            <m:rPr>
+                              <m:sty m:val="p"/>
+                            </m:rPr>
+                            <a:rPr lang="en-US" altLang="zh-TW" sz="2000" b="0" i="0" smtClean="0">
+                              <a:latin typeface="Cambria Math" panose="02040503050406030204" pitchFamily="18" charset="0"/>
+                            </a:rPr>
+                            <m:t>A</m:t>
+                          </m:r>
+                          <m:r>
+                            <a:rPr lang="en-US" altLang="zh-TW" sz="2000" b="0" i="0" smtClean="0">
+                              <a:latin typeface="Cambria Math" panose="02040503050406030204" pitchFamily="18" charset="0"/>
+                            </a:rPr>
+                            <m:t>,</m:t>
+                          </m:r>
+                          <m:r>
+                            <m:rPr>
+                              <m:sty m:val="p"/>
+                            </m:rPr>
+                            <a:rPr lang="en-US" altLang="zh-TW" sz="2000" b="0" i="0" smtClean="0">
+                              <a:latin typeface="Cambria Math" panose="02040503050406030204" pitchFamily="18" charset="0"/>
+                            </a:rPr>
+                            <m:t>B</m:t>
+                          </m:r>
+                        </m:sub>
+                      </m:sSub>
+                      <m:r>
+                        <a:rPr lang="en-US" altLang="zh-TW" sz="2000" b="0" i="1" smtClean="0">
+                          <a:latin typeface="Cambria Math" panose="02040503050406030204" pitchFamily="18" charset="0"/>
+                        </a:rPr>
+                        <m:t>⊕</m:t>
+                      </m:r>
+                      <m:sSub>
+                        <m:sSubPr>
+                          <m:ctrlPr>
+                            <a:rPr lang="en-US" altLang="zh-TW" sz="2000" b="0" i="1" smtClean="0">
+                              <a:latin typeface="Cambria Math" panose="02040503050406030204" pitchFamily="18" charset="0"/>
+                            </a:rPr>
+                          </m:ctrlPr>
+                        </m:sSubPr>
+                        <m:e>
+                          <m:r>
+                            <a:rPr lang="en-US" altLang="zh-TW" sz="2000" b="0" i="1" smtClean="0">
+                              <a:latin typeface="Cambria Math" panose="02040503050406030204" pitchFamily="18" charset="0"/>
+                            </a:rPr>
+                            <m:t>𝑣</m:t>
+                          </m:r>
+                        </m:e>
+                        <m:sub>
+                          <m:r>
+                            <a:rPr lang="en-US" altLang="zh-TW" sz="2000" b="0" i="1" smtClean="0">
+                              <a:latin typeface="Cambria Math" panose="02040503050406030204" pitchFamily="18" charset="0"/>
+                            </a:rPr>
+                            <m:t>𝐵</m:t>
+                          </m:r>
+                        </m:sub>
+                      </m:sSub>
+                    </m:oMath>
+                  </m:oMathPara>
+                </a14:m>
+                <a:endParaRPr lang="zh-TW" altLang="en-US" sz="2000" dirty="0"/>
+              </a:p>
+            </p:txBody>
+          </p:sp>
+        </mc:Choice>
+        <mc:Fallback>
+          <p:sp>
+            <p:nvSpPr>
+              <p:cNvPr id="5" name="文字方塊 4">
+                <a:extLst>
+                  <a:ext uri="{FF2B5EF4-FFF2-40B4-BE49-F238E27FC236}">
+                    <a16:creationId xmlns:a16="http://schemas.microsoft.com/office/drawing/2014/main" id="{E4CFD7D0-7D31-4681-8EA8-19E842CF1EEF}"/>
+                  </a:ext>
+                </a:extLst>
+              </p:cNvPr>
+              <p:cNvSpPr txBox="1">
+                <a:spLocks noRot="1" noChangeAspect="1" noMove="1" noResize="1" noEditPoints="1" noAdjustHandles="1" noChangeArrowheads="1" noChangeShapeType="1" noTextEdit="1"/>
+              </p:cNvSpPr>
+              <p:nvPr/>
+            </p:nvSpPr>
+            <p:spPr>
+              <a:xfrm>
+                <a:off x="3335451" y="2632727"/>
+                <a:ext cx="2751150" cy="423129"/>
+              </a:xfrm>
+              <a:prstGeom prst="rect">
+                <a:avLst/>
+              </a:prstGeom>
+              <a:blipFill>
+                <a:blip r:embed="rId8"/>
+                <a:stretch>
+                  <a:fillRect b="-4348"/>
+                </a:stretch>
+              </a:blipFill>
+            </p:spPr>
+            <p:txBody>
+              <a:bodyPr/>
+              <a:lstStyle/>
+              <a:p>
+                <a:r>
+                  <a:rPr lang="zh-TW" altLang="en-US">
+                    <a:noFill/>
+                  </a:rPr>
+                  <a:t> </a:t>
+                </a:r>
+              </a:p>
+            </p:txBody>
+          </p:sp>
+        </mc:Fallback>
+      </mc:AlternateContent>
     </p:spTree>
     <p:extLst>
       <p:ext uri="{BB962C8B-B14F-4D97-AF65-F5344CB8AC3E}">
@@ -10474,7 +13007,9 @@
           </a:xfrm>
         </p:spPr>
         <p:txBody>
-          <a:bodyPr/>
+          <a:bodyPr>
+            <a:normAutofit lnSpcReduction="10000"/>
+          </a:bodyPr>
           <a:lstStyle/>
           <a:p>
             <a:r>
@@ -10491,7 +13026,15 @@
             </a:r>
             <a:r>
               <a:rPr lang="zh-TW" altLang="en-US" dirty="0"/>
-              <a:t>是一個常見的交通風險評估參數，主要用來量化兩個移動物體（如車輛或行人）在</a:t>
+              <a:t>是一個常見的交通風險評估參數，主要用來量化即將蹦狀的兩個物體之風險。比方</a:t>
+            </a:r>
+            <a:r>
+              <a:rPr lang="en-US" altLang="zh-TW" dirty="0"/>
+              <a:t>:</a:t>
+            </a:r>
+            <a:r>
+              <a:rPr lang="zh-TW" altLang="en-US" dirty="0"/>
+              <a:t>（如車輛或行人）在</a:t>
             </a:r>
             <a:r>
               <a:rPr lang="zh-TW" altLang="en-US" b="1" dirty="0">
@@ -10531,7 +13074,7 @@
           <p:nvPr/>
         </p:nvPicPr>
         <p:blipFill rotWithShape="1">
-          <a:blip r:embed="rId2"/>
+          <a:blip r:embed="rId3"/>
           <a:srcRect r="25954" b="14866"/>
           <a:stretch/>
         </p:blipFill>
@@ -10560,7 +13103,7 @@
           <p:nvPr/>
         </p:nvPicPr>
         <p:blipFill>
-          <a:blip r:embed="rId3"/>
+          <a:blip r:embed="rId4"/>
           <a:stretch>
             <a:fillRect/>
           </a:stretch>
@@ -10825,7 +13368,7 @@
               <p:nvPr/>
             </p:nvPicPr>
             <p:blipFill>
-              <a:blip r:embed="rId4">
+              <a:blip r:embed="rId5">
                 <a:lum/>
                 <a:alphaModFix/>
               </a:blip>
@@ -10948,6 +13491,211 @@
           <a:chExt cx="0" cy="0"/>
         </a:xfrm>
       </p:grpSpPr>
+      <p:grpSp>
+        <p:nvGrpSpPr>
+          <p:cNvPr id="15" name="群組 14">
+            <a:extLst>
+              <a:ext uri="{FF2B5EF4-FFF2-40B4-BE49-F238E27FC236}">
+                <a16:creationId xmlns:a16="http://schemas.microsoft.com/office/drawing/2014/main" id="{B5F32CB0-4F05-41C9-B894-2F3AE41D9574}"/>
+              </a:ext>
+            </a:extLst>
+          </p:cNvPr>
+          <p:cNvGrpSpPr/>
+          <p:nvPr/>
+        </p:nvGrpSpPr>
+        <p:grpSpPr>
+          <a:xfrm>
+            <a:off x="7488915" y="2206294"/>
+            <a:ext cx="539074" cy="509865"/>
+            <a:chOff x="5898514" y="2149204"/>
+            <a:chExt cx="539074" cy="509865"/>
+          </a:xfrm>
+        </p:grpSpPr>
+        <p:sp>
+          <p:nvSpPr>
+            <p:cNvPr id="10" name="拱形 9">
+              <a:extLst>
+                <a:ext uri="{FF2B5EF4-FFF2-40B4-BE49-F238E27FC236}">
+                  <a16:creationId xmlns:a16="http://schemas.microsoft.com/office/drawing/2014/main" id="{1A3B2A06-7C0C-41D1-B4DE-AB12346CD53B}"/>
+                </a:ext>
+              </a:extLst>
+            </p:cNvPr>
+            <p:cNvSpPr/>
+            <p:nvPr/>
+          </p:nvSpPr>
+          <p:spPr>
+            <a:xfrm rot="2596602">
+              <a:off x="5913092" y="2149204"/>
+              <a:ext cx="524496" cy="509865"/>
+            </a:xfrm>
+            <a:prstGeom prst="blockArc">
+              <a:avLst>
+                <a:gd name="adj1" fmla="val 13384197"/>
+                <a:gd name="adj2" fmla="val 21481561"/>
+                <a:gd name="adj3" fmla="val 11074"/>
+              </a:avLst>
+            </a:prstGeom>
+            <a:solidFill>
+              <a:srgbClr val="FF0066"/>
+            </a:solidFill>
+            <a:ln>
+              <a:noFill/>
+            </a:ln>
+          </p:spPr>
+          <p:style>
+            <a:lnRef idx="2">
+              <a:schemeClr val="accent1">
+                <a:shade val="50000"/>
+              </a:schemeClr>
+            </a:lnRef>
+            <a:fillRef idx="1">
+              <a:schemeClr val="accent1"/>
+            </a:fillRef>
+            <a:effectRef idx="0">
+              <a:schemeClr val="accent1"/>
+            </a:effectRef>
+            <a:fontRef idx="minor">
+              <a:schemeClr val="lt1"/>
+            </a:fontRef>
+          </p:style>
+          <p:txBody>
+            <a:bodyPr rtlCol="0" anchor="ctr"/>
+            <a:lstStyle/>
+            <a:p>
+              <a:pPr algn="ctr"/>
+              <a:endParaRPr lang="zh-TW" altLang="en-US">
+                <a:solidFill>
+                  <a:schemeClr val="tx1"/>
+                </a:solidFill>
+              </a:endParaRPr>
+            </a:p>
+          </p:txBody>
+        </p:sp>
+        <p:sp>
+          <p:nvSpPr>
+            <p:cNvPr id="34" name="拱形 33">
+              <a:extLst>
+                <a:ext uri="{FF2B5EF4-FFF2-40B4-BE49-F238E27FC236}">
+                  <a16:creationId xmlns:a16="http://schemas.microsoft.com/office/drawing/2014/main" id="{8607B2AD-884B-4E58-834A-AC24E09D15D1}"/>
+                </a:ext>
+              </a:extLst>
+            </p:cNvPr>
+            <p:cNvSpPr>
+              <a:spLocks noChangeAspect="1"/>
+            </p:cNvSpPr>
+            <p:nvPr/>
+          </p:nvSpPr>
+          <p:spPr>
+            <a:xfrm rot="2596602">
+              <a:off x="5898514" y="2353975"/>
+              <a:ext cx="258826" cy="251605"/>
+            </a:xfrm>
+            <a:prstGeom prst="blockArc">
+              <a:avLst>
+                <a:gd name="adj1" fmla="val 13384197"/>
+                <a:gd name="adj2" fmla="val 21481561"/>
+                <a:gd name="adj3" fmla="val 11074"/>
+              </a:avLst>
+            </a:prstGeom>
+            <a:solidFill>
+              <a:srgbClr val="FF0066"/>
+            </a:solidFill>
+            <a:ln>
+              <a:noFill/>
+            </a:ln>
+          </p:spPr>
+          <p:style>
+            <a:lnRef idx="2">
+              <a:schemeClr val="accent1">
+                <a:shade val="50000"/>
+              </a:schemeClr>
+            </a:lnRef>
+            <a:fillRef idx="1">
+              <a:schemeClr val="accent1"/>
+            </a:fillRef>
+            <a:effectRef idx="0">
+              <a:schemeClr val="accent1"/>
+            </a:effectRef>
+            <a:fontRef idx="minor">
+              <a:schemeClr val="lt1"/>
+            </a:fontRef>
+          </p:style>
+          <p:txBody>
+            <a:bodyPr rtlCol="0" anchor="ctr"/>
+            <a:lstStyle/>
+            <a:p>
+              <a:pPr algn="ctr"/>
+              <a:endParaRPr lang="zh-TW" altLang="en-US">
+                <a:solidFill>
+                  <a:schemeClr val="tx1"/>
+                </a:solidFill>
+              </a:endParaRPr>
+            </a:p>
+          </p:txBody>
+        </p:sp>
+        <p:sp>
+          <p:nvSpPr>
+            <p:cNvPr id="43" name="拱形 42">
+              <a:extLst>
+                <a:ext uri="{FF2B5EF4-FFF2-40B4-BE49-F238E27FC236}">
+                  <a16:creationId xmlns:a16="http://schemas.microsoft.com/office/drawing/2014/main" id="{EA0B7334-B715-4531-B58B-EA33DA5601A7}"/>
+                </a:ext>
+              </a:extLst>
+            </p:cNvPr>
+            <p:cNvSpPr>
+              <a:spLocks noChangeAspect="1"/>
+            </p:cNvSpPr>
+            <p:nvPr/>
+          </p:nvSpPr>
+          <p:spPr>
+            <a:xfrm rot="2596602">
+              <a:off x="5906212" y="2266825"/>
+              <a:ext cx="378661" cy="368097"/>
+            </a:xfrm>
+            <a:prstGeom prst="blockArc">
+              <a:avLst>
+                <a:gd name="adj1" fmla="val 13384197"/>
+                <a:gd name="adj2" fmla="val 21481561"/>
+                <a:gd name="adj3" fmla="val 11074"/>
+              </a:avLst>
+            </a:prstGeom>
+            <a:solidFill>
+              <a:srgbClr val="FF0066"/>
+            </a:solidFill>
+            <a:ln>
+              <a:noFill/>
+            </a:ln>
+          </p:spPr>
+          <p:style>
+            <a:lnRef idx="2">
+              <a:schemeClr val="accent1">
+                <a:shade val="50000"/>
+              </a:schemeClr>
+            </a:lnRef>
+            <a:fillRef idx="1">
+              <a:schemeClr val="accent1"/>
+            </a:fillRef>
+            <a:effectRef idx="0">
+              <a:schemeClr val="accent1"/>
+            </a:effectRef>
+            <a:fontRef idx="minor">
+              <a:schemeClr val="lt1"/>
+            </a:fontRef>
+          </p:style>
+          <p:txBody>
+            <a:bodyPr rtlCol="0" anchor="ctr"/>
+            <a:lstStyle/>
+            <a:p>
+              <a:pPr algn="ctr"/>
+              <a:endParaRPr lang="zh-TW" altLang="en-US">
+                <a:solidFill>
+                  <a:schemeClr val="tx1"/>
+                </a:solidFill>
+              </a:endParaRPr>
+            </a:p>
+          </p:txBody>
+        </p:sp>
+      </p:grpSp>
       <p:sp>
         <p:nvSpPr>
           <p:cNvPr id="3" name="投影片編號版面配置區 2">
@@ -11180,7 +13928,7 @@
               <p:nvPr/>
             </p:nvPicPr>
             <p:blipFill>
-              <a:blip r:embed="rId2">
+              <a:blip r:embed="rId3">
                 <a:lum/>
                 <a:alphaModFix/>
               </a:blip>
@@ -11497,7 +14245,7 @@
             </a:r>
             <a:r>
               <a:rPr lang="zh-TW" altLang="en-US" dirty="0"/>
-              <a:t>只針對一維上線性的位置及速度做評估，對</a:t>
+              <a:t>只依據一維上線性的位置及速度做評估，對</a:t>
             </a:r>
             <a:r>
               <a:rPr lang="zh-TW" altLang="en-US" b="1" dirty="0"/>
@@ -11591,18 +14339,18 @@
         </p:nvGrpSpPr>
         <p:grpSpPr>
           <a:xfrm>
-            <a:off x="6822749" y="1238360"/>
-            <a:ext cx="1782534" cy="1921896"/>
-            <a:chOff x="6468331" y="984168"/>
-            <a:chExt cx="1782534" cy="1921896"/>
+            <a:off x="6842721" y="1243066"/>
+            <a:ext cx="1752600" cy="1921896"/>
+            <a:chOff x="6498265" y="984168"/>
+            <a:chExt cx="1752600" cy="1921896"/>
           </a:xfrm>
         </p:grpSpPr>
         <p:grpSp>
           <p:nvGrpSpPr>
-            <p:cNvPr id="11" name="群組 10">
+            <p:cNvPr id="9" name="群組 8">
               <a:extLst>
                 <a:ext uri="{FF2B5EF4-FFF2-40B4-BE49-F238E27FC236}">
-                  <a16:creationId xmlns:a16="http://schemas.microsoft.com/office/drawing/2014/main" id="{8553EDD2-B5F2-40C9-8C8D-83A4CF06757E}"/>
+                  <a16:creationId xmlns:a16="http://schemas.microsoft.com/office/drawing/2014/main" id="{FA1014FA-E9A1-4F5D-855E-3B5A93D2E639}"/>
                 </a:ext>
               </a:extLst>
             </p:cNvPr>
@@ -11617,161 +14365,98 @@
               <a:chExt cx="819592" cy="1403529"/>
             </a:xfrm>
           </p:grpSpPr>
-          <p:grpSp>
-            <p:nvGrpSpPr>
-              <p:cNvPr id="9" name="群組 8">
+          <p:sp>
+            <p:nvSpPr>
+              <p:cNvPr id="2" name="橢圓 1">
                 <a:extLst>
                   <a:ext uri="{FF2B5EF4-FFF2-40B4-BE49-F238E27FC236}">
-                    <a16:creationId xmlns:a16="http://schemas.microsoft.com/office/drawing/2014/main" id="{FA1014FA-E9A1-4F5D-855E-3B5A93D2E639}"/>
+                    <a16:creationId xmlns:a16="http://schemas.microsoft.com/office/drawing/2014/main" id="{32CBC71F-B620-4C4C-B1BB-150F9DC812A9}"/>
                   </a:ext>
                 </a:extLst>
               </p:cNvPr>
-              <p:cNvGrpSpPr/>
+              <p:cNvSpPr/>
               <p:nvPr/>
-            </p:nvGrpSpPr>
-            <p:grpSpPr>
+            </p:nvSpPr>
+            <p:spPr>
               <a:xfrm>
                 <a:off x="6852684" y="1017276"/>
-                <a:ext cx="819592" cy="1403529"/>
-                <a:chOff x="6852684" y="1017276"/>
-                <a:chExt cx="819592" cy="1403529"/>
+                <a:ext cx="467832" cy="468000"/>
               </a:xfrm>
-            </p:grpSpPr>
-            <p:sp>
-              <p:nvSpPr>
-                <p:cNvPr id="2" name="橢圓 1">
-                  <a:extLst>
-                    <a:ext uri="{FF2B5EF4-FFF2-40B4-BE49-F238E27FC236}">
-                      <a16:creationId xmlns:a16="http://schemas.microsoft.com/office/drawing/2014/main" id="{32CBC71F-B620-4C4C-B1BB-150F9DC812A9}"/>
-                    </a:ext>
-                  </a:extLst>
-                </p:cNvPr>
-                <p:cNvSpPr/>
-                <p:nvPr/>
-              </p:nvSpPr>
-              <p:spPr>
-                <a:xfrm>
-                  <a:off x="6852684" y="1017276"/>
-                  <a:ext cx="467832" cy="468000"/>
-                </a:xfrm>
-                <a:prstGeom prst="ellipse">
-                  <a:avLst/>
-                </a:prstGeom>
-              </p:spPr>
-              <p:style>
-                <a:lnRef idx="2">
-                  <a:schemeClr val="accent4">
-                    <a:shade val="50000"/>
-                  </a:schemeClr>
-                </a:lnRef>
-                <a:fillRef idx="1">
-                  <a:schemeClr val="accent4"/>
-                </a:fillRef>
-                <a:effectRef idx="0">
-                  <a:schemeClr val="accent4"/>
-                </a:effectRef>
-                <a:fontRef idx="minor">
-                  <a:schemeClr val="lt1"/>
-                </a:fontRef>
-              </p:style>
-              <p:txBody>
-                <a:bodyPr rtlCol="0" anchor="ctr"/>
-                <a:lstStyle/>
-                <a:p>
-                  <a:pPr algn="ctr"/>
-                  <a:endParaRPr lang="zh-TW" altLang="en-US"/>
-                </a:p>
-              </p:txBody>
-            </p:sp>
-            <p:sp>
-              <p:nvSpPr>
-                <p:cNvPr id="5" name="矩形: 圓角 4">
-                  <a:extLst>
-                    <a:ext uri="{FF2B5EF4-FFF2-40B4-BE49-F238E27FC236}">
-                      <a16:creationId xmlns:a16="http://schemas.microsoft.com/office/drawing/2014/main" id="{24C554D3-EF02-49C5-B13E-6E98C193BF0D}"/>
-                    </a:ext>
-                  </a:extLst>
-                </p:cNvPr>
-                <p:cNvSpPr/>
-                <p:nvPr/>
-              </p:nvSpPr>
-              <p:spPr>
-                <a:xfrm rot="19924741">
-                  <a:off x="6968755" y="2023856"/>
-                  <a:ext cx="703521" cy="396949"/>
-                </a:xfrm>
-                <a:prstGeom prst="roundRect">
-                  <a:avLst/>
-                </a:prstGeom>
-              </p:spPr>
-              <p:style>
-                <a:lnRef idx="2">
-                  <a:schemeClr val="accent1">
-                    <a:shade val="50000"/>
-                  </a:schemeClr>
-                </a:lnRef>
-                <a:fillRef idx="1">
-                  <a:schemeClr val="accent1"/>
-                </a:fillRef>
-                <a:effectRef idx="0">
-                  <a:schemeClr val="accent1"/>
-                </a:effectRef>
-                <a:fontRef idx="minor">
-                  <a:schemeClr val="lt1"/>
-                </a:fontRef>
-              </p:style>
-              <p:txBody>
-                <a:bodyPr rtlCol="0" anchor="ctr"/>
-                <a:lstStyle/>
-                <a:p>
-                  <a:pPr algn="ctr"/>
-                  <a:endParaRPr lang="zh-TW" altLang="en-US"/>
-                </a:p>
-              </p:txBody>
-            </p:sp>
-          </p:grpSp>
-          <p:cxnSp>
-            <p:nvCxnSpPr>
-              <p:cNvPr id="7" name="直線接點 6">
+              <a:prstGeom prst="ellipse">
+                <a:avLst/>
+              </a:prstGeom>
+            </p:spPr>
+            <p:style>
+              <a:lnRef idx="2">
+                <a:schemeClr val="accent4">
+                  <a:shade val="50000"/>
+                </a:schemeClr>
+              </a:lnRef>
+              <a:fillRef idx="1">
+                <a:schemeClr val="accent4"/>
+              </a:fillRef>
+              <a:effectRef idx="0">
+                <a:schemeClr val="accent4"/>
+              </a:effectRef>
+              <a:fontRef idx="minor">
+                <a:schemeClr val="lt1"/>
+              </a:fontRef>
+            </p:style>
+            <p:txBody>
+              <a:bodyPr rtlCol="0" anchor="ctr"/>
+              <a:lstStyle/>
+              <a:p>
+                <a:pPr algn="ctr"/>
+                <a:endParaRPr lang="zh-TW" altLang="en-US"/>
+              </a:p>
+            </p:txBody>
+          </p:sp>
+          <p:sp>
+            <p:nvSpPr>
+              <p:cNvPr id="5" name="矩形: 圓角 4">
                 <a:extLst>
                   <a:ext uri="{FF2B5EF4-FFF2-40B4-BE49-F238E27FC236}">
-                    <a16:creationId xmlns:a16="http://schemas.microsoft.com/office/drawing/2014/main" id="{8DF496AB-3559-4F6B-A4CB-C587DBE14CE8}"/>
+                    <a16:creationId xmlns:a16="http://schemas.microsoft.com/office/drawing/2014/main" id="{24C554D3-EF02-49C5-B13E-6E98C193BF0D}"/>
                   </a:ext>
                 </a:extLst>
               </p:cNvPr>
-              <p:cNvCxnSpPr/>
+              <p:cNvSpPr/>
               <p:nvPr/>
-            </p:nvCxnSpPr>
+            </p:nvSpPr>
             <p:spPr>
-              <a:xfrm flipH="1" flipV="1">
-                <a:off x="7086600" y="1251276"/>
-                <a:ext cx="233916" cy="981561"/>
+              <a:xfrm rot="19924741">
+                <a:off x="6968755" y="2023856"/>
+                <a:ext cx="703521" cy="396949"/>
               </a:xfrm>
-              <a:prstGeom prst="line">
+              <a:prstGeom prst="roundRect">
                 <a:avLst/>
               </a:prstGeom>
-              <a:ln w="28575">
-                <a:solidFill>
-                  <a:srgbClr val="C00000"/>
-                </a:solidFill>
-                <a:prstDash val="sysDash"/>
-              </a:ln>
             </p:spPr>
             <p:style>
-              <a:lnRef idx="1">
-                <a:schemeClr val="accent1"/>
+              <a:lnRef idx="2">
+                <a:schemeClr val="accent1">
+                  <a:shade val="50000"/>
+                </a:schemeClr>
               </a:lnRef>
-              <a:fillRef idx="0">
+              <a:fillRef idx="1">
                 <a:schemeClr val="accent1"/>
               </a:fillRef>
               <a:effectRef idx="0">
                 <a:schemeClr val="accent1"/>
               </a:effectRef>
               <a:fontRef idx="minor">
-                <a:schemeClr val="tx1"/>
+                <a:schemeClr val="lt1"/>
               </a:fontRef>
             </p:style>
-          </p:cxnSp>
+            <p:txBody>
+              <a:bodyPr rtlCol="0" anchor="ctr"/>
+              <a:lstStyle/>
+              <a:p>
+                <a:pPr algn="ctr"/>
+                <a:endParaRPr lang="zh-TW" altLang="en-US"/>
+              </a:p>
+            </p:txBody>
+          </p:sp>
         </p:grpSp>
         <p:cxnSp>
           <p:nvCxnSpPr>
@@ -11902,9 +14587,9 @@
             <p:nvPr/>
           </p:nvCxnSpPr>
           <p:spPr>
-            <a:xfrm flipH="1" flipV="1">
-              <a:off x="6796671" y="2088166"/>
-              <a:ext cx="94999" cy="353904"/>
+            <a:xfrm>
+              <a:off x="6738630" y="1449749"/>
+              <a:ext cx="452360" cy="629972"/>
             </a:xfrm>
             <a:prstGeom prst="straightConnector1">
               <a:avLst/>
@@ -11917,45 +14602,6 @@
                 </a:schemeClr>
               </a:solidFill>
               <a:tailEnd type="triangle"/>
-            </a:ln>
-          </p:spPr>
-          <p:style>
-            <a:lnRef idx="1">
-              <a:schemeClr val="accent1"/>
-            </a:lnRef>
-            <a:fillRef idx="0">
-              <a:schemeClr val="accent1"/>
-            </a:fillRef>
-            <a:effectRef idx="0">
-              <a:schemeClr val="accent1"/>
-            </a:effectRef>
-            <a:fontRef idx="minor">
-              <a:schemeClr val="tx1"/>
-            </a:fontRef>
-          </p:style>
-        </p:cxnSp>
-        <p:cxnSp>
-          <p:nvCxnSpPr>
-            <p:cNvPr id="28" name="直線接點 27">
-              <a:extLst>
-                <a:ext uri="{FF2B5EF4-FFF2-40B4-BE49-F238E27FC236}">
-                  <a16:creationId xmlns:a16="http://schemas.microsoft.com/office/drawing/2014/main" id="{2601B808-141A-4A79-B6E2-3B550897A12A}"/>
-                </a:ext>
-              </a:extLst>
-            </p:cNvPr>
-            <p:cNvCxnSpPr/>
-            <p:nvPr/>
-          </p:nvCxnSpPr>
-          <p:spPr>
-            <a:xfrm flipH="1">
-              <a:off x="6891670" y="1736651"/>
-              <a:ext cx="1359195" cy="359555"/>
-            </a:xfrm>
-            <a:prstGeom prst="line">
-              <a:avLst/>
-            </a:prstGeom>
-            <a:ln>
-              <a:prstDash val="sysDot"/>
             </a:ln>
           </p:spPr>
           <p:style>
@@ -12023,7 +14669,7 @@
           </p:nvSpPr>
           <p:spPr>
             <a:xfrm>
-              <a:off x="6468331" y="1960533"/>
+              <a:off x="6914228" y="1536855"/>
               <a:ext cx="537423" cy="369332"/>
             </a:xfrm>
             <a:prstGeom prst="rect">
@@ -12039,7 +14685,7 @@
             <a:p>
               <a:r>
                 <a:rPr lang="en-US" altLang="zh-TW" dirty="0"/>
-                <a:t>V’</a:t>
+                <a:t>V‘</a:t>
               </a:r>
               <a:endParaRPr lang="zh-TW" altLang="en-US" dirty="0"/>
             </a:p>
@@ -12345,7 +14991,9 @@
             <a:avLst/>
           </a:prstGeom>
           <a:solidFill>
-            <a:schemeClr val="bg2"/>
+            <a:srgbClr val="E7E6E6">
+              <a:alpha val="67059"/>
+            </a:srgbClr>
           </a:solidFill>
           <a:ln>
             <a:solidFill>
@@ -12747,7 +15395,7 @@
               <p:nvPr/>
             </p:nvPicPr>
             <p:blipFill>
-              <a:blip r:embed="rId2">
+              <a:blip r:embed="rId3">
                 <a:lum/>
                 <a:alphaModFix/>
               </a:blip>
@@ -13482,8 +16130,8 @@
           </a:p>
         </p:txBody>
       </p:sp>
-      <mc:AlternateContent xmlns:mc="http://schemas.openxmlformats.org/markup-compatibility/2006">
-        <mc:Choice xmlns:a14="http://schemas.microsoft.com/office/drawing/2010/main" Requires="a14">
+      <mc:AlternateContent xmlns:mc="http://schemas.openxmlformats.org/markup-compatibility/2006" xmlns:a14="http://schemas.microsoft.com/office/drawing/2010/main">
+        <mc:Choice Requires="a14">
           <p:sp>
             <p:nvSpPr>
               <p:cNvPr id="8" name="內容版面配置區 7">
@@ -13715,7 +16363,7 @@
             </p:txBody>
           </p:sp>
         </mc:Choice>
-        <mc:Fallback>
+        <mc:Fallback xmlns="">
           <p:sp>
             <p:nvSpPr>
               <p:cNvPr id="8" name="內容版面配置區 7">
@@ -13738,7 +16386,7 @@
                 <a:ext cx="7886700" cy="1445813"/>
               </a:xfrm>
               <a:blipFill>
-                <a:blip r:embed="rId2"/>
+                <a:blip r:embed="rId3"/>
                 <a:stretch>
                   <a:fillRect l="-696" t="-4641" r="-464"/>
                 </a:stretch>
@@ -13922,7 +16570,7 @@
               <p:nvPr/>
             </p:nvPicPr>
             <p:blipFill>
-              <a:blip r:embed="rId3">
+              <a:blip r:embed="rId4">
                 <a:lum/>
                 <a:alphaModFix/>
               </a:blip>
@@ -14030,7 +16678,7 @@
           <p:nvPr/>
         </p:nvPicPr>
         <p:blipFill>
-          <a:blip r:embed="rId4"/>
+          <a:blip r:embed="rId5"/>
           <a:stretch>
             <a:fillRect/>
           </a:stretch>
@@ -14060,7 +16708,7 @@
           <p:nvPr/>
         </p:nvPicPr>
         <p:blipFill>
-          <a:blip r:embed="rId5"/>
+          <a:blip r:embed="rId6"/>
           <a:stretch>
             <a:fillRect/>
           </a:stretch>
@@ -14622,8 +17270,8 @@
           </a:p>
         </p:txBody>
       </p:sp>
-      <mc:AlternateContent xmlns:mc="http://schemas.openxmlformats.org/markup-compatibility/2006">
-        <mc:Choice xmlns:a14="http://schemas.microsoft.com/office/drawing/2010/main" Requires="a14">
+      <mc:AlternateContent xmlns:mc="http://schemas.openxmlformats.org/markup-compatibility/2006" xmlns:a14="http://schemas.microsoft.com/office/drawing/2010/main">
+        <mc:Choice Requires="a14">
           <p:sp>
             <p:nvSpPr>
               <p:cNvPr id="8" name="內容版面配置區 7">
@@ -14867,7 +17515,7 @@
             </p:txBody>
           </p:sp>
         </mc:Choice>
-        <mc:Fallback>
+        <mc:Fallback xmlns="">
           <p:sp>
             <p:nvSpPr>
               <p:cNvPr id="8" name="內容版面配置區 7">
@@ -14890,7 +17538,7 @@
                 <a:ext cx="7886700" cy="1321887"/>
               </a:xfrm>
               <a:blipFill>
-                <a:blip r:embed="rId2"/>
+                <a:blip r:embed="rId3"/>
                 <a:stretch>
                   <a:fillRect l="-696" t="-5069" r="-2241" b="-461"/>
                 </a:stretch>
@@ -15022,7 +17670,7 @@
               <p:nvPr/>
             </p:nvPicPr>
             <p:blipFill>
-              <a:blip r:embed="rId3">
+              <a:blip r:embed="rId4">
                 <a:lum/>
                 <a:alphaModFix/>
               </a:blip>
@@ -15206,7 +17854,7 @@
           <p:nvPr/>
         </p:nvPicPr>
         <p:blipFill rotWithShape="1">
-          <a:blip r:embed="rId4"/>
+          <a:blip r:embed="rId5"/>
           <a:srcRect t="4654"/>
           <a:stretch/>
         </p:blipFill>
@@ -15235,7 +17883,7 @@
           <p:nvPr/>
         </p:nvPicPr>
         <p:blipFill>
-          <a:blip r:embed="rId5"/>
+          <a:blip r:embed="rId6"/>
           <a:stretch>
             <a:fillRect/>
           </a:stretch>
@@ -15346,8 +17994,8 @@
           </a:p>
         </p:txBody>
       </p:sp>
-      <mc:AlternateContent xmlns:mc="http://schemas.openxmlformats.org/markup-compatibility/2006">
-        <mc:Choice xmlns:a14="http://schemas.microsoft.com/office/drawing/2010/main" Requires="a14">
+      <mc:AlternateContent xmlns:mc="http://schemas.openxmlformats.org/markup-compatibility/2006" xmlns:a14="http://schemas.microsoft.com/office/drawing/2010/main">
+        <mc:Choice Requires="a14">
           <p:sp>
             <p:nvSpPr>
               <p:cNvPr id="8" name="內容版面配置區 7">
@@ -15534,7 +18182,7 @@
             </p:txBody>
           </p:sp>
         </mc:Choice>
-        <mc:Fallback>
+        <mc:Fallback xmlns="">
           <p:sp>
             <p:nvSpPr>
               <p:cNvPr id="8" name="內容版面配置區 7">
@@ -15557,7 +18205,7 @@
                 <a:ext cx="7886700" cy="1632838"/>
               </a:xfrm>
               <a:blipFill>
-                <a:blip r:embed="rId2"/>
+                <a:blip r:embed="rId3"/>
                 <a:stretch>
                   <a:fillRect l="-696" t="-4104"/>
                 </a:stretch>
@@ -15689,7 +18337,7 @@
               <p:nvPr/>
             </p:nvPicPr>
             <p:blipFill>
-              <a:blip r:embed="rId3">
+              <a:blip r:embed="rId4">
                 <a:lum/>
                 <a:alphaModFix/>
               </a:blip>
@@ -15797,7 +18445,7 @@
           <p:nvPr/>
         </p:nvPicPr>
         <p:blipFill>
-          <a:blip r:embed="rId4"/>
+          <a:blip r:embed="rId5"/>
           <a:stretch>
             <a:fillRect/>
           </a:stretch>
@@ -15827,13 +18475,13 @@
           <p:nvPr/>
         </p:nvPicPr>
         <p:blipFill rotWithShape="1">
-          <a:blip r:embed="rId5"/>
+          <a:blip r:embed="rId6"/>
           <a:srcRect t="4654"/>
           <a:stretch/>
         </p:blipFill>
         <p:spPr>
           <a:xfrm>
-            <a:off x="0" y="4518838"/>
+            <a:off x="819903" y="4253382"/>
             <a:ext cx="3752097" cy="1965282"/>
           </a:xfrm>
           <a:prstGeom prst="rect">
@@ -15909,7 +18557,7 @@
           <p:nvPr/>
         </p:nvPicPr>
         <p:blipFill>
-          <a:blip r:embed="rId6"/>
+          <a:blip r:embed="rId7"/>
           <a:stretch>
             <a:fillRect/>
           </a:stretch>

--- a/path_planing/研討會/碰撞風險評估討論.pptx
+++ b/path_planing/研討會/碰撞風險評估討論.pptx
@@ -5,28 +5,27 @@
     <p:sldMasterId id="2147483660" r:id="rId1"/>
   </p:sldMasterIdLst>
   <p:notesMasterIdLst>
-    <p:notesMasterId r:id="rId18"/>
+    <p:notesMasterId r:id="rId17"/>
   </p:notesMasterIdLst>
   <p:handoutMasterIdLst>
-    <p:handoutMasterId r:id="rId19"/>
+    <p:handoutMasterId r:id="rId18"/>
   </p:handoutMasterIdLst>
   <p:sldIdLst>
     <p:sldId id="290" r:id="rId2"/>
-    <p:sldId id="373" r:id="rId3"/>
-    <p:sldId id="291" r:id="rId4"/>
-    <p:sldId id="361" r:id="rId5"/>
-    <p:sldId id="363" r:id="rId6"/>
-    <p:sldId id="364" r:id="rId7"/>
-    <p:sldId id="365" r:id="rId8"/>
-    <p:sldId id="366" r:id="rId9"/>
-    <p:sldId id="368" r:id="rId10"/>
-    <p:sldId id="369" r:id="rId11"/>
-    <p:sldId id="367" r:id="rId12"/>
-    <p:sldId id="371" r:id="rId13"/>
-    <p:sldId id="372" r:id="rId14"/>
-    <p:sldId id="370" r:id="rId15"/>
-    <p:sldId id="374" r:id="rId16"/>
-    <p:sldId id="375" r:id="rId17"/>
+    <p:sldId id="291" r:id="rId3"/>
+    <p:sldId id="361" r:id="rId4"/>
+    <p:sldId id="363" r:id="rId5"/>
+    <p:sldId id="364" r:id="rId6"/>
+    <p:sldId id="365" r:id="rId7"/>
+    <p:sldId id="366" r:id="rId8"/>
+    <p:sldId id="368" r:id="rId9"/>
+    <p:sldId id="369" r:id="rId10"/>
+    <p:sldId id="367" r:id="rId11"/>
+    <p:sldId id="371" r:id="rId12"/>
+    <p:sldId id="372" r:id="rId13"/>
+    <p:sldId id="370" r:id="rId14"/>
+    <p:sldId id="374" r:id="rId15"/>
+    <p:sldId id="375" r:id="rId16"/>
   </p:sldIdLst>
   <p:sldSz cx="9144000" cy="6858000" type="screen4x3"/>
   <p:notesSz cx="7010400" cy="9296400"/>
@@ -793,6 +792,190 @@
         </p:nvSpPr>
         <p:spPr/>
       </p:sp>
+      <p:sp>
+        <p:nvSpPr>
+          <p:cNvPr id="3" name="備忘稿版面配置區 2"/>
+          <p:cNvSpPr>
+            <a:spLocks noGrp="1"/>
+          </p:cNvSpPr>
+          <p:nvPr>
+            <p:ph type="body" idx="1"/>
+          </p:nvPr>
+        </p:nvSpPr>
+        <p:spPr/>
+        <p:txBody>
+          <a:bodyPr/>
+          <a:lstStyle/>
+          <a:p>
+            <a:r>
+              <a:rPr lang="zh-TW" altLang="en-US" dirty="0"/>
+              <a:t>最後來介紹機率風險中的指數分布模型。為甚麼是指數呢</a:t>
+            </a:r>
+            <a:r>
+              <a:rPr lang="en-US" altLang="zh-TW" dirty="0"/>
+              <a:t>?</a:t>
+            </a:r>
+            <a:r>
+              <a:rPr lang="zh-TW" altLang="en-US" dirty="0"/>
+              <a:t> 其實在模擬人流的社會力模型中，用路人間的排斥力便是隨著距離成指數遞減，所以，便有理論將用路人間排斥力的指數假設拓展運用，建立車輛指數碰撞風險機率。</a:t>
+            </a:r>
+            <a:endParaRPr lang="en-US" altLang="zh-TW" dirty="0"/>
+          </a:p>
+          <a:p>
+            <a:r>
+              <a:rPr lang="zh-TW" altLang="en-US" dirty="0"/>
+              <a:t>此模型的作法是以以橢圓座標系實作幾何空間，並以指數分佈函數實作風險模型。 如圖，建立兩半橢圓作為車輛幾何空間，中</a:t>
+            </a:r>
+            <a:r>
+              <a:rPr lang="en-US" altLang="zh-TW" dirty="0" err="1"/>
+              <a:t>l,w</a:t>
+            </a:r>
+            <a:r>
+              <a:rPr lang="zh-TW" altLang="en-US" dirty="0"/>
+              <a:t>分別為車長與車寬，</a:t>
+            </a:r>
+            <a:r>
+              <a:rPr lang="en-US" altLang="zh-TW" dirty="0"/>
+              <a:t>γ</a:t>
+            </a:r>
+            <a:r>
+              <a:rPr lang="zh-TW" altLang="en-US" dirty="0"/>
+              <a:t>則設為駕駛中心相對於車長位置的比例參數，</a:t>
+            </a:r>
+            <a:r>
+              <a:rPr lang="el-GR" altLang="zh-TW" dirty="0">
+                <a:latin typeface="新細明體" panose="02020500000000000000" pitchFamily="18" charset="-120"/>
+                <a:ea typeface="新細明體" panose="02020500000000000000" pitchFamily="18" charset="-120"/>
+              </a:rPr>
+              <a:t>θ</a:t>
+            </a:r>
+            <a:r>
+              <a:rPr lang="en-US" altLang="zh-TW" dirty="0">
+                <a:latin typeface="新細明體" panose="02020500000000000000" pitchFamily="18" charset="-120"/>
+                <a:ea typeface="新細明體" panose="02020500000000000000" pitchFamily="18" charset="-120"/>
+              </a:rPr>
+              <a:t>s</a:t>
+            </a:r>
+            <a:r>
+              <a:rPr lang="zh-TW" altLang="en-US" dirty="0">
+                <a:latin typeface="新細明體" panose="02020500000000000000" pitchFamily="18" charset="-120"/>
+                <a:ea typeface="新細明體" panose="02020500000000000000" pitchFamily="18" charset="-120"/>
+              </a:rPr>
+              <a:t>和</a:t>
+            </a:r>
+            <a:r>
+              <a:rPr lang="el-GR" altLang="zh-TW" dirty="0">
+                <a:latin typeface="新細明體" panose="02020500000000000000" pitchFamily="18" charset="-120"/>
+                <a:ea typeface="新細明體" panose="02020500000000000000" pitchFamily="18" charset="-120"/>
+              </a:rPr>
+              <a:t>θ</a:t>
+            </a:r>
+            <a:r>
+              <a:rPr lang="en-US" altLang="zh-TW" dirty="0">
+                <a:latin typeface="新細明體" panose="02020500000000000000" pitchFamily="18" charset="-120"/>
+                <a:ea typeface="新細明體" panose="02020500000000000000" pitchFamily="18" charset="-120"/>
+              </a:rPr>
+              <a:t>t</a:t>
+            </a:r>
+            <a:r>
+              <a:rPr lang="zh-TW" altLang="en-US" dirty="0">
+                <a:latin typeface="新細明體" panose="02020500000000000000" pitchFamily="18" charset="-120"/>
+                <a:ea typeface="新細明體" panose="02020500000000000000" pitchFamily="18" charset="-120"/>
+              </a:rPr>
+              <a:t>是</a:t>
+            </a:r>
+            <a:r>
+              <a:rPr lang="zh-TW" altLang="en-US" dirty="0"/>
+              <a:t>車輛朝向與另一車中心的夾角，</a:t>
+            </a:r>
+            <a:r>
+              <a:rPr lang="en-US" altLang="zh-TW" dirty="0"/>
+              <a:t>d</a:t>
+            </a:r>
+            <a:r>
+              <a:rPr lang="zh-TW" altLang="en-US" dirty="0"/>
+              <a:t>為兩車的中心距離。而</a:t>
+            </a:r>
+            <a:r>
+              <a:rPr lang="en-US" altLang="zh-TW" dirty="0" err="1"/>
+              <a:t>rs</a:t>
+            </a:r>
+            <a:r>
+              <a:rPr lang="zh-TW" altLang="en-US" dirty="0"/>
+              <a:t>和</a:t>
+            </a:r>
+            <a:r>
+              <a:rPr lang="en-US" altLang="zh-TW" dirty="0"/>
+              <a:t>rt</a:t>
+            </a:r>
+            <a:r>
+              <a:rPr lang="zh-TW" altLang="en-US" dirty="0"/>
+              <a:t>則分別為該車的空間佔有距離，也就是相對應角度下的橢圓半徑。</a:t>
+            </a:r>
+          </a:p>
+        </p:txBody>
+      </p:sp>
+      <p:sp>
+        <p:nvSpPr>
+          <p:cNvPr id="4" name="日期版面配置區 3"/>
+          <p:cNvSpPr>
+            <a:spLocks noGrp="1"/>
+          </p:cNvSpPr>
+          <p:nvPr>
+            <p:ph type="dt" idx="1"/>
+          </p:nvPr>
+        </p:nvSpPr>
+        <p:spPr/>
+        <p:txBody>
+          <a:bodyPr/>
+          <a:lstStyle/>
+          <a:p>
+            <a:endParaRPr lang="zh-TW" altLang="en-US"/>
+          </a:p>
+        </p:txBody>
+      </p:sp>
+    </p:spTree>
+    <p:extLst>
+      <p:ext uri="{BB962C8B-B14F-4D97-AF65-F5344CB8AC3E}">
+        <p14:creationId xmlns:p14="http://schemas.microsoft.com/office/powerpoint/2010/main" val="4021341323"/>
+      </p:ext>
+    </p:extLst>
+  </p:cSld>
+  <p:clrMapOvr>
+    <a:masterClrMapping/>
+  </p:clrMapOvr>
+</p:notes>
+</file>
+
+<file path=ppt/notesSlides/notesSlide11.xml><?xml version="1.0" encoding="utf-8"?>
+<p:notes xmlns:a="http://schemas.openxmlformats.org/drawingml/2006/main" xmlns:r="http://schemas.openxmlformats.org/officeDocument/2006/relationships" xmlns:p="http://schemas.openxmlformats.org/presentationml/2006/main">
+  <p:cSld>
+    <p:spTree>
+      <p:nvGrpSpPr>
+        <p:cNvPr id="1" name=""/>
+        <p:cNvGrpSpPr/>
+        <p:nvPr/>
+      </p:nvGrpSpPr>
+      <p:grpSpPr>
+        <a:xfrm>
+          <a:off x="0" y="0"/>
+          <a:ext cx="0" cy="0"/>
+          <a:chOff x="0" y="0"/>
+          <a:chExt cx="0" cy="0"/>
+        </a:xfrm>
+      </p:grpSpPr>
+      <p:sp>
+        <p:nvSpPr>
+          <p:cNvPr id="2" name="投影片影像版面配置區 1"/>
+          <p:cNvSpPr>
+            <a:spLocks noGrp="1" noRot="1" noChangeAspect="1"/>
+          </p:cNvSpPr>
+          <p:nvPr>
+            <p:ph type="sldImg"/>
+          </p:nvPr>
+        </p:nvSpPr>
+        <p:spPr/>
+      </p:sp>
       <mc:AlternateContent xmlns:mc="http://schemas.openxmlformats.org/markup-compatibility/2006">
         <mc:Choice xmlns:a14="http://schemas.microsoft.com/office/drawing/2010/main" Requires="a14">
           <p:sp>
@@ -812,164 +995,112 @@
               <a:p>
                 <a:r>
                   <a:rPr lang="zh-TW" altLang="en-US" dirty="0"/>
-                  <a:t>最後，來分析一下以高斯分布模型作為機率風險的量化方法之優缺點。</a:t>
+                  <a:t>具體來說，</a:t>
+                </a:r>
+                <a:r>
+                  <a:rPr lang="en-US" altLang="zh-TW" dirty="0" err="1"/>
+                  <a:t>rs</a:t>
+                </a:r>
+                <a:r>
+                  <a:rPr lang="zh-TW" altLang="en-US" dirty="0"/>
+                  <a:t>和</a:t>
+                </a:r>
+                <a:r>
+                  <a:rPr lang="en-US" altLang="zh-TW" dirty="0"/>
+                  <a:t>rt</a:t>
+                </a:r>
+                <a:r>
+                  <a:rPr lang="zh-TW" altLang="en-US" dirty="0"/>
+                  <a:t>在任一個角度下的長，可以透過下列公式得到。</a:t>
                 </a:r>
                 <a:endParaRPr lang="en-US" altLang="zh-TW" dirty="0"/>
               </a:p>
               <a:p>
-                <a:pPr marL="0" marR="0" lvl="0" indent="0" algn="l" defTabSz="914400" rtl="0" eaLnBrk="1" fontAlgn="auto" latinLnBrk="0" hangingPunct="1">
-                  <a:lnSpc>
-                    <a:spcPct val="100000"/>
-                  </a:lnSpc>
-                  <a:spcBef>
-                    <a:spcPts val="0"/>
-                  </a:spcBef>
-                  <a:spcAft>
-                    <a:spcPts val="0"/>
-                  </a:spcAft>
-                  <a:buClrTx/>
-                  <a:buSzTx/>
-                  <a:buFontTx/>
-                  <a:buNone/>
-                  <a:tabLst/>
-                  <a:defRPr/>
-                </a:pPr>
                 <a:r>
                   <a:rPr lang="zh-TW" altLang="en-US" dirty="0"/>
-                  <a:t>採用此風險量化法的最大優點是座標轉換容易。面對各位置的障礙物，系統可以透過轉換矩陣來轉換座標系，且任兩車輛模型都可構成一個整合的分佈模型。</a:t>
-                </a:r>
-                <a:endParaRPr lang="en-US" altLang="zh-TW" dirty="0"/>
-              </a:p>
-              <a:p>
-                <a:pPr marL="0" marR="0" lvl="0" indent="0" algn="l" defTabSz="914400" rtl="0" eaLnBrk="1" fontAlgn="auto" latinLnBrk="0" hangingPunct="1">
-                  <a:lnSpc>
-                    <a:spcPct val="100000"/>
-                  </a:lnSpc>
-                  <a:spcBef>
-                    <a:spcPts val="0"/>
-                  </a:spcBef>
-                  <a:spcAft>
-                    <a:spcPts val="0"/>
-                  </a:spcAft>
-                  <a:buClrTx/>
-                  <a:buSzTx/>
-                  <a:buFontTx/>
-                  <a:buNone/>
-                  <a:tabLst/>
-                  <a:defRPr/>
-                </a:pPr>
+                  <a:t>那將兩車的中心連線距離減掉兩車的碰撞半徑</a:t>
+                </a:r>
+                <a14:m>
+                  <m:oMath xmlns:m="http://schemas.openxmlformats.org/officeDocument/2006/math">
+                    <m:sSub>
+                      <m:sSubPr>
+                        <m:ctrlPr>
+                          <a:rPr lang="en-US" altLang="zh-TW" i="1" dirty="0" smtClean="0">
+                            <a:latin typeface="Cambria Math" panose="02040503050406030204" pitchFamily="18" charset="0"/>
+                          </a:rPr>
+                        </m:ctrlPr>
+                      </m:sSubPr>
+                      <m:e>
+                        <m:r>
+                          <a:rPr lang="en-US" altLang="zh-TW" i="1" dirty="0" smtClean="0">
+                            <a:latin typeface="Cambria Math" panose="02040503050406030204" pitchFamily="18" charset="0"/>
+                          </a:rPr>
+                          <m:t>𝑟</m:t>
+                        </m:r>
+                      </m:e>
+                      <m:sub>
+                        <m:r>
+                          <a:rPr lang="en-US" altLang="zh-TW" i="1" dirty="0" smtClean="0">
+                            <a:latin typeface="Cambria Math" panose="02040503050406030204" pitchFamily="18" charset="0"/>
+                          </a:rPr>
+                          <m:t>𝑠</m:t>
+                        </m:r>
+                      </m:sub>
+                    </m:sSub>
+                    <m:r>
+                      <a:rPr lang="en-US" altLang="zh-TW" i="1" dirty="0" smtClean="0">
+                        <a:latin typeface="Cambria Math" panose="02040503050406030204" pitchFamily="18" charset="0"/>
+                      </a:rPr>
+                      <m:t>, </m:t>
+                    </m:r>
+                    <m:sSub>
+                      <m:sSubPr>
+                        <m:ctrlPr>
+                          <a:rPr lang="en-US" altLang="zh-TW" i="1" dirty="0" err="1" smtClean="0">
+                            <a:latin typeface="Cambria Math" panose="02040503050406030204" pitchFamily="18" charset="0"/>
+                          </a:rPr>
+                        </m:ctrlPr>
+                      </m:sSubPr>
+                      <m:e>
+                        <m:r>
+                          <a:rPr lang="en-US" altLang="zh-TW" i="1" dirty="0" err="1" smtClean="0">
+                            <a:latin typeface="Cambria Math" panose="02040503050406030204" pitchFamily="18" charset="0"/>
+                          </a:rPr>
+                          <m:t>𝑟</m:t>
+                        </m:r>
+                      </m:e>
+                      <m:sub>
+                        <m:r>
+                          <a:rPr lang="en-US" altLang="zh-TW" b="0" i="1" dirty="0" smtClean="0">
+                            <a:latin typeface="Cambria Math" panose="02040503050406030204" pitchFamily="18" charset="0"/>
+                          </a:rPr>
+                          <m:t>𝑡</m:t>
+                        </m:r>
+                      </m:sub>
+                    </m:sSub>
+                  </m:oMath>
+                </a14:m>
                 <a:r>
                   <a:rPr lang="zh-TW" altLang="en-US" dirty="0"/>
-                  <a:t>但是，高斯分布模型有下列問題</a:t>
-                </a:r>
-                <a:r>
-                  <a:rPr lang="en-US" altLang="zh-TW" dirty="0"/>
-                  <a:t>:</a:t>
-                </a:r>
-              </a:p>
-              <a:p>
-                <a:pPr marL="0" marR="0" lvl="0" indent="0" algn="l" defTabSz="914400" rtl="0" eaLnBrk="1" fontAlgn="auto" latinLnBrk="0" hangingPunct="1">
-                  <a:lnSpc>
-                    <a:spcPct val="100000"/>
-                  </a:lnSpc>
-                  <a:spcBef>
-                    <a:spcPts val="0"/>
-                  </a:spcBef>
-                  <a:spcAft>
-                    <a:spcPts val="0"/>
-                  </a:spcAft>
-                  <a:buClrTx/>
-                  <a:buSzTx/>
-                  <a:buFontTx/>
-                  <a:buNone/>
-                  <a:tabLst/>
-                  <a:defRPr/>
-                </a:pPr>
-                <a:r>
-                  <a:rPr lang="zh-TW" altLang="en-US" dirty="0"/>
-                  <a:t>第一，測試車輛在遭遇不同大小的障礙物體時，自架系統可能沒辦法準確知道該物體的中心位置，造成變異數矩陣</a:t>
+                  <a:t>後可以得到兩車間距。 我們便可以將此間距乘以指數分布</a:t>
                 </a:r>
                 <a14:m>
                   <m:oMath xmlns:m="http://schemas.openxmlformats.org/officeDocument/2006/math">
                     <m:r>
-                      <a:rPr lang="en-US" altLang="zh-TW" b="1" i="1" dirty="0" smtClean="0">
+                      <m:rPr>
+                        <m:sty m:val="p"/>
+                      </m:rPr>
+                      <a:rPr lang="el-GR" altLang="zh-TW" i="1" smtClean="0">
                         <a:latin typeface="Cambria Math" panose="02040503050406030204" pitchFamily="18" charset="0"/>
                       </a:rPr>
-                      <m:t>𝑪</m:t>
+                      <m:t>λ</m:t>
                     </m:r>
                   </m:oMath>
                 </a14:m>
                 <a:r>
                   <a:rPr lang="zh-TW" altLang="en-US" dirty="0"/>
-                  <a:t>的設定問題。</a:t>
-                </a:r>
-                <a:endParaRPr lang="en-US" altLang="zh-TW" dirty="0"/>
-              </a:p>
-              <a:p>
-                <a:pPr marL="0" marR="0" lvl="0" indent="0" algn="l" defTabSz="914400" rtl="0" eaLnBrk="1" fontAlgn="auto" latinLnBrk="0" hangingPunct="1">
-                  <a:lnSpc>
-                    <a:spcPct val="100000"/>
-                  </a:lnSpc>
-                  <a:spcBef>
-                    <a:spcPts val="0"/>
-                  </a:spcBef>
-                  <a:spcAft>
-                    <a:spcPts val="0"/>
-                  </a:spcAft>
-                  <a:buClrTx/>
-                  <a:buSzTx/>
-                  <a:buFontTx/>
-                  <a:buNone/>
-                  <a:tabLst/>
-                  <a:defRPr/>
-                </a:pPr>
-                <a:r>
-                  <a:rPr lang="zh-TW" altLang="en-US" dirty="0"/>
-                  <a:t>第二，此方法忽略了運動學參數。這個風險量化方式僅透過物體的位置來計算高斯風險分布，沒有考慮移動物體的行為，忽略不同的運動下帶來的風險。</a:t>
-                </a:r>
-              </a:p>
-              <a:p>
-                <a:pPr marL="0" marR="0" lvl="0" indent="0" algn="l" defTabSz="914400" rtl="0" eaLnBrk="1" fontAlgn="auto" latinLnBrk="0" hangingPunct="1">
-                  <a:lnSpc>
-                    <a:spcPct val="100000"/>
-                  </a:lnSpc>
-                  <a:spcBef>
-                    <a:spcPts val="0"/>
-                  </a:spcBef>
-                  <a:spcAft>
-                    <a:spcPts val="0"/>
-                  </a:spcAft>
-                  <a:buClrTx/>
-                  <a:buSzTx/>
-                  <a:buFontTx/>
-                  <a:buNone/>
-                  <a:tabLst/>
-                  <a:defRPr/>
-                </a:pPr>
-                <a:endParaRPr lang="en-US" altLang="zh-TW" dirty="0"/>
-              </a:p>
-              <a:p>
-                <a:pPr marL="0" marR="0" lvl="0" indent="0" algn="l" defTabSz="914400" rtl="0" eaLnBrk="1" fontAlgn="auto" latinLnBrk="0" hangingPunct="1">
-                  <a:lnSpc>
-                    <a:spcPct val="100000"/>
-                  </a:lnSpc>
-                  <a:spcBef>
-                    <a:spcPts val="0"/>
-                  </a:spcBef>
-                  <a:spcAft>
-                    <a:spcPts val="0"/>
-                  </a:spcAft>
-                  <a:buClrTx/>
-                  <a:buSzTx/>
-                  <a:buFontTx/>
-                  <a:buNone/>
-                  <a:tabLst/>
-                  <a:defRPr/>
-                </a:pPr>
-                <a:endParaRPr lang="zh-TW" altLang="en-US" dirty="0"/>
-              </a:p>
-              <a:p>
-                <a:endParaRPr lang="zh-TW" altLang="en-US" dirty="0"/>
+                  <a:t>後，得到呈指數分布的碰撞風險機率，如下列公式。</a:t>
+                </a:r>
               </a:p>
             </p:txBody>
           </p:sp>
@@ -992,160 +1123,63 @@
               <a:p>
                 <a:r>
                   <a:rPr lang="zh-TW" altLang="en-US" dirty="0"/>
-                  <a:t>最後，來分析一下以高斯分布模型作為機率風險的量化方法之優缺點。</a:t>
+                  <a:t>具體來說，</a:t>
+                </a:r>
+                <a:r>
+                  <a:rPr lang="en-US" altLang="zh-TW" dirty="0" err="1"/>
+                  <a:t>rs</a:t>
+                </a:r>
+                <a:r>
+                  <a:rPr lang="zh-TW" altLang="en-US" dirty="0"/>
+                  <a:t>和</a:t>
+                </a:r>
+                <a:r>
+                  <a:rPr lang="en-US" altLang="zh-TW" dirty="0"/>
+                  <a:t>rt</a:t>
+                </a:r>
+                <a:r>
+                  <a:rPr lang="zh-TW" altLang="en-US" dirty="0"/>
+                  <a:t>在任一個角度下的長，可以透過下列公式得到。</a:t>
                 </a:r>
                 <a:endParaRPr lang="en-US" altLang="zh-TW" dirty="0"/>
               </a:p>
               <a:p>
-                <a:pPr marL="0" marR="0" lvl="0" indent="0" algn="l" defTabSz="914400" rtl="0" eaLnBrk="1" fontAlgn="auto" latinLnBrk="0" hangingPunct="1">
-                  <a:lnSpc>
-                    <a:spcPct val="100000"/>
-                  </a:lnSpc>
-                  <a:spcBef>
-                    <a:spcPts val="0"/>
-                  </a:spcBef>
-                  <a:spcAft>
-                    <a:spcPts val="0"/>
-                  </a:spcAft>
-                  <a:buClrTx/>
-                  <a:buSzTx/>
-                  <a:buFontTx/>
-                  <a:buNone/>
-                  <a:tabLst/>
-                  <a:defRPr/>
-                </a:pPr>
                 <a:r>
                   <a:rPr lang="zh-TW" altLang="en-US" dirty="0"/>
-                  <a:t>採用此風險量化法的最大優點是座標轉換容易。面對各位置的障礙物，系統可以透過轉換矩陣來轉換座標系，且任兩車輛模型都可構成一個整合的分佈模型。</a:t>
-                </a:r>
-                <a:endParaRPr lang="en-US" altLang="zh-TW" dirty="0"/>
-              </a:p>
-              <a:p>
-                <a:pPr marL="0" marR="0" lvl="0" indent="0" algn="l" defTabSz="914400" rtl="0" eaLnBrk="1" fontAlgn="auto" latinLnBrk="0" hangingPunct="1">
-                  <a:lnSpc>
-                    <a:spcPct val="100000"/>
-                  </a:lnSpc>
-                  <a:spcBef>
-                    <a:spcPts val="0"/>
-                  </a:spcBef>
-                  <a:spcAft>
-                    <a:spcPts val="0"/>
-                  </a:spcAft>
-                  <a:buClrTx/>
-                  <a:buSzTx/>
-                  <a:buFontTx/>
-                  <a:buNone/>
-                  <a:tabLst/>
-                  <a:defRPr/>
-                </a:pPr>
-                <a:r>
-                  <a:rPr lang="zh-TW" altLang="en-US" dirty="0"/>
-                  <a:t>但是，高斯分布模型有下列問題</a:t>
-                </a:r>
-                <a:r>
-                  <a:rPr lang="en-US" altLang="zh-TW" dirty="0"/>
-                  <a:t>:</a:t>
-                </a:r>
-              </a:p>
-              <a:p>
-                <a:pPr marL="0" marR="0" lvl="0" indent="0" algn="l" defTabSz="914400" rtl="0" eaLnBrk="1" fontAlgn="auto" latinLnBrk="0" hangingPunct="1">
-                  <a:lnSpc>
-                    <a:spcPct val="100000"/>
-                  </a:lnSpc>
-                  <a:spcBef>
-                    <a:spcPts val="0"/>
-                  </a:spcBef>
-                  <a:spcAft>
-                    <a:spcPts val="0"/>
-                  </a:spcAft>
-                  <a:buClrTx/>
-                  <a:buSzTx/>
-                  <a:buFontTx/>
-                  <a:buNone/>
-                  <a:tabLst/>
-                  <a:defRPr/>
-                </a:pPr>
-                <a:r>
-                  <a:rPr lang="zh-TW" altLang="en-US" dirty="0"/>
-                  <a:t>第一，測試車輛在遭遇不同大小的障礙物體時，自架系統可能沒辦法準確知道該物體的中心位置，造成變異數矩陣</a:t>
-                </a:r>
-                <a:r>
-                  <a:rPr lang="en-US" altLang="zh-TW" b="1" i="0" dirty="0">
+                  <a:t>那將兩車的中心連線距離減掉兩車的碰撞半徑</a:t>
+                </a:r>
+                <a:r>
+                  <a:rPr lang="en-US" altLang="zh-TW" i="0" dirty="0">
                     <a:latin typeface="Cambria Math" panose="02040503050406030204" pitchFamily="18" charset="0"/>
                   </a:rPr>
-                  <a:t>𝑪</a:t>
+                  <a:t>𝑟_𝑠, </a:t>
+                </a:r>
+                <a:r>
+                  <a:rPr lang="en-US" altLang="zh-TW" i="0" dirty="0" err="1">
+                    <a:latin typeface="Cambria Math" panose="02040503050406030204" pitchFamily="18" charset="0"/>
+                  </a:rPr>
+                  <a:t>𝑟_</a:t>
+                </a:r>
+                <a:r>
+                  <a:rPr lang="en-US" altLang="zh-TW" b="0" i="0" dirty="0">
+                    <a:latin typeface="Cambria Math" panose="02040503050406030204" pitchFamily="18" charset="0"/>
+                  </a:rPr>
+                  <a:t>𝑡</a:t>
                 </a:r>
                 <a:r>
                   <a:rPr lang="zh-TW" altLang="en-US" dirty="0"/>
-                  <a:t>的設定問題。</a:t>
-                </a:r>
-                <a:endParaRPr lang="en-US" altLang="zh-TW" dirty="0"/>
-              </a:p>
-              <a:p>
-                <a:pPr marL="0" marR="0" lvl="0" indent="0" algn="l" defTabSz="914400" rtl="0" eaLnBrk="1" fontAlgn="auto" latinLnBrk="0" hangingPunct="1">
-                  <a:lnSpc>
-                    <a:spcPct val="100000"/>
-                  </a:lnSpc>
-                  <a:spcBef>
-                    <a:spcPts val="0"/>
-                  </a:spcBef>
-                  <a:spcAft>
-                    <a:spcPts val="0"/>
-                  </a:spcAft>
-                  <a:buClrTx/>
-                  <a:buSzTx/>
-                  <a:buFontTx/>
-                  <a:buNone/>
-                  <a:tabLst/>
-                  <a:defRPr/>
-                </a:pPr>
+                  <a:t>後可以得到兩車間距。 我們便可以將此間距乘以指數分布</a:t>
+                </a:r>
+                <a:r>
+                  <a:rPr lang="el-GR" altLang="zh-TW" i="0">
+                    <a:latin typeface="Cambria Math" panose="02040503050406030204" pitchFamily="18" charset="0"/>
+                  </a:rPr>
+                  <a:t>λ</a:t>
+                </a:r>
                 <a:r>
                   <a:rPr lang="zh-TW" altLang="en-US" dirty="0"/>
-                  <a:t>第二，此方法忽略了運動學參數。這個風險量化方式僅透過物體的位置來計算高斯風險分布，沒有考慮移動物體的行為，忽略不同的運動下帶來的風險。</a:t>
-                </a:r>
-              </a:p>
-              <a:p>
-                <a:pPr marL="0" marR="0" lvl="0" indent="0" algn="l" defTabSz="914400" rtl="0" eaLnBrk="1" fontAlgn="auto" latinLnBrk="0" hangingPunct="1">
-                  <a:lnSpc>
-                    <a:spcPct val="100000"/>
-                  </a:lnSpc>
-                  <a:spcBef>
-                    <a:spcPts val="0"/>
-                  </a:spcBef>
-                  <a:spcAft>
-                    <a:spcPts val="0"/>
-                  </a:spcAft>
-                  <a:buClrTx/>
-                  <a:buSzTx/>
-                  <a:buFontTx/>
-                  <a:buNone/>
-                  <a:tabLst/>
-                  <a:defRPr/>
-                </a:pPr>
-                <a:endParaRPr lang="en-US" altLang="zh-TW" dirty="0"/>
-              </a:p>
-              <a:p>
-                <a:pPr marL="0" marR="0" lvl="0" indent="0" algn="l" defTabSz="914400" rtl="0" eaLnBrk="1" fontAlgn="auto" latinLnBrk="0" hangingPunct="1">
-                  <a:lnSpc>
-                    <a:spcPct val="100000"/>
-                  </a:lnSpc>
-                  <a:spcBef>
-                    <a:spcPts val="0"/>
-                  </a:spcBef>
-                  <a:spcAft>
-                    <a:spcPts val="0"/>
-                  </a:spcAft>
-                  <a:buClrTx/>
-                  <a:buSzTx/>
-                  <a:buFontTx/>
-                  <a:buNone/>
-                  <a:tabLst/>
-                  <a:defRPr/>
-                </a:pPr>
-                <a:endParaRPr lang="zh-TW" altLang="en-US" dirty="0"/>
-              </a:p>
-              <a:p>
-                <a:endParaRPr lang="zh-TW" altLang="en-US" dirty="0"/>
+                  <a:t>後，得到呈指數分布的碰撞風險機率，如下列公式。</a:t>
+                </a:r>
               </a:p>
             </p:txBody>
           </p:sp>
@@ -1173,7 +1207,7 @@
     </p:spTree>
     <p:extLst>
       <p:ext uri="{BB962C8B-B14F-4D97-AF65-F5344CB8AC3E}">
-        <p14:creationId xmlns:p14="http://schemas.microsoft.com/office/powerpoint/2010/main" val="409847489"/>
+        <p14:creationId xmlns:p14="http://schemas.microsoft.com/office/powerpoint/2010/main" val="3379066791"/>
       </p:ext>
     </p:extLst>
   </p:cSld>
@@ -1183,7 +1217,7 @@
 </p:notes>
 </file>
 
-<file path=ppt/notesSlides/notesSlide11.xml><?xml version="1.0" encoding="utf-8"?>
+<file path=ppt/notesSlides/notesSlide12.xml><?xml version="1.0" encoding="utf-8"?>
 <p:notes xmlns:a="http://schemas.openxmlformats.org/drawingml/2006/main" xmlns:r="http://schemas.openxmlformats.org/officeDocument/2006/relationships" xmlns:p="http://schemas.openxmlformats.org/presentationml/2006/main">
   <p:cSld>
     <p:spTree>
@@ -1229,31 +1263,31 @@
           <a:p>
             <a:r>
               <a:rPr lang="zh-TW" altLang="en-US" dirty="0"/>
-              <a:t>引入安全閥值的觀念，將𝜏秒內會造成的碰撞視為應避免事件，在此之後的碰撞暫不考慮。如此，</a:t>
-            </a:r>
-            <a:r>
-              <a:rPr lang="en-US" altLang="zh-TW" dirty="0"/>
-              <a:t>CC_(A,B) </a:t>
-            </a:r>
+              <a:t>綜觀指數分布模型這個機率風險的量化方法，他的優勢在於主要以駕駛為思考中心建立分佈函數。因為現實中車輛屬於動態物體，其潛在位置不一定符合高斯分布。因此相較於高斯分佈模型把社會力模型中的用路人排斥力的指數假設擴展運用，建立車輛指數碰撞風險機率，可能更能模擬真實情況。</a:t>
+            </a:r>
+            <a:endParaRPr lang="en-US" altLang="zh-TW" dirty="0"/>
+          </a:p>
+          <a:p>
+            <a:pPr marL="0" marR="0" lvl="0" indent="0" algn="l" defTabSz="914400" rtl="0" eaLnBrk="1" fontAlgn="auto" latinLnBrk="0" hangingPunct="1">
+              <a:lnSpc>
+                <a:spcPct val="100000"/>
+              </a:lnSpc>
+              <a:spcBef>
+                <a:spcPts val="0"/>
+              </a:spcBef>
+              <a:spcAft>
+                <a:spcPts val="0"/>
+              </a:spcAft>
+              <a:buClrTx/>
+              <a:buSzTx/>
+              <a:buFontTx/>
+              <a:buNone/>
+              <a:tabLst/>
+              <a:defRPr/>
+            </a:pPr>
             <a:r>
               <a:rPr lang="zh-TW" altLang="en-US" dirty="0"/>
-              <a:t>的尖端面積便會被修剪掉一弧形區域。象徵著物體</a:t>
-            </a:r>
-            <a:r>
-              <a:rPr lang="en-US" altLang="zh-TW" dirty="0"/>
-              <a:t>A</a:t>
-            </a:r>
-            <a:r>
-              <a:rPr lang="zh-TW" altLang="en-US" dirty="0"/>
-              <a:t>應避免造成相對速度𝑣</a:t>
-            </a:r>
-            <a:r>
-              <a:rPr lang="en-US" altLang="zh-TW" dirty="0"/>
-              <a:t>_</a:t>
-            </a:r>
-            <a:r>
-              <a:rPr lang="zh-TW" altLang="en-US" dirty="0"/>
-              <a:t>𝐴𝐵落入該區內，即可避免𝜏秒內碰撞。</a:t>
+              <a:t>但是，這種做法也有問題。如圖，兩車中心連線的距離扣掉兩車的橢圓半徑後，可能還不是兩車之最短距離。若是拿此距離參數帶入前面的指數分布函數，將有可能導致系統誤判兩車的距離，導致風險比實際情況還要低。不過，若是以駕駛的心理層面來看，駕駛眼中的兩車最短距離不見得就是實際上的最段距離，所以這可能會是一種趨向基於人類心理的模型。</a:t>
             </a:r>
           </a:p>
           <a:p>
@@ -1261,6 +1295,1113 @@
           </a:p>
         </p:txBody>
       </p:sp>
+      <p:sp>
+        <p:nvSpPr>
+          <p:cNvPr id="4" name="日期版面配置區 3"/>
+          <p:cNvSpPr>
+            <a:spLocks noGrp="1"/>
+          </p:cNvSpPr>
+          <p:nvPr>
+            <p:ph type="dt" idx="1"/>
+          </p:nvPr>
+        </p:nvSpPr>
+        <p:spPr/>
+        <p:txBody>
+          <a:bodyPr/>
+          <a:lstStyle/>
+          <a:p>
+            <a:endParaRPr lang="zh-TW" altLang="en-US"/>
+          </a:p>
+        </p:txBody>
+      </p:sp>
+    </p:spTree>
+    <p:extLst>
+      <p:ext uri="{BB962C8B-B14F-4D97-AF65-F5344CB8AC3E}">
+        <p14:creationId xmlns:p14="http://schemas.microsoft.com/office/powerpoint/2010/main" val="2920423018"/>
+      </p:ext>
+    </p:extLst>
+  </p:cSld>
+  <p:clrMapOvr>
+    <a:masterClrMapping/>
+  </p:clrMapOvr>
+</p:notes>
+</file>
+
+<file path=ppt/notesSlides/notesSlide13.xml><?xml version="1.0" encoding="utf-8"?>
+<p:notes xmlns:a="http://schemas.openxmlformats.org/drawingml/2006/main" xmlns:r="http://schemas.openxmlformats.org/officeDocument/2006/relationships" xmlns:p="http://schemas.openxmlformats.org/presentationml/2006/main">
+  <p:cSld>
+    <p:spTree>
+      <p:nvGrpSpPr>
+        <p:cNvPr id="1" name=""/>
+        <p:cNvGrpSpPr/>
+        <p:nvPr/>
+      </p:nvGrpSpPr>
+      <p:grpSpPr>
+        <a:xfrm>
+          <a:off x="0" y="0"/>
+          <a:ext cx="0" cy="0"/>
+          <a:chOff x="0" y="0"/>
+          <a:chExt cx="0" cy="0"/>
+        </a:xfrm>
+      </p:grpSpPr>
+      <p:sp>
+        <p:nvSpPr>
+          <p:cNvPr id="2" name="投影片影像版面配置區 1"/>
+          <p:cNvSpPr>
+            <a:spLocks noGrp="1" noRot="1" noChangeAspect="1"/>
+          </p:cNvSpPr>
+          <p:nvPr>
+            <p:ph type="sldImg"/>
+          </p:nvPr>
+        </p:nvSpPr>
+        <p:spPr/>
+      </p:sp>
+      <p:sp>
+        <p:nvSpPr>
+          <p:cNvPr id="3" name="備忘稿版面配置區 2"/>
+          <p:cNvSpPr>
+            <a:spLocks noGrp="1"/>
+          </p:cNvSpPr>
+          <p:nvPr>
+            <p:ph type="body" idx="1"/>
+          </p:nvPr>
+        </p:nvSpPr>
+        <p:spPr/>
+        <p:txBody>
+          <a:bodyPr/>
+          <a:lstStyle/>
+          <a:p>
+            <a:r>
+              <a:rPr lang="zh-TW" altLang="en-US" dirty="0"/>
+              <a:t>接著補充說明一個一維的碰撞風險評估方式 </a:t>
+            </a:r>
+            <a:r>
+              <a:rPr lang="en-US" altLang="zh-TW" dirty="0"/>
+              <a:t>Delta-v</a:t>
+            </a:r>
+            <a:r>
+              <a:rPr lang="zh-TW" altLang="en-US" dirty="0"/>
+              <a:t>。設現在有兩輛車即將發生碰撞，</a:t>
+            </a:r>
+            <a:r>
+              <a:rPr lang="en-US" altLang="zh-TW" dirty="0"/>
+              <a:t>Delta-V</a:t>
+            </a:r>
+            <a:r>
+              <a:rPr lang="zh-TW" altLang="en-US" dirty="0"/>
+              <a:t>的作法，會假設兩者的碰撞為非彈性碰撞，並依照非彈碰的公式預測相撞後兩車的速度改變量，這可以用來評估發生碰撞後的嚴重程度。</a:t>
+            </a:r>
+            <a:endParaRPr lang="en-US" altLang="zh-TW" dirty="0"/>
+          </a:p>
+          <a:p>
+            <a:pPr marL="0" marR="0" lvl="0" indent="0" algn="l" defTabSz="914400" rtl="0" eaLnBrk="1" fontAlgn="auto" latinLnBrk="0" hangingPunct="1">
+              <a:lnSpc>
+                <a:spcPct val="100000"/>
+              </a:lnSpc>
+              <a:spcBef>
+                <a:spcPts val="0"/>
+              </a:spcBef>
+              <a:spcAft>
+                <a:spcPts val="0"/>
+              </a:spcAft>
+              <a:buClrTx/>
+              <a:buSzTx/>
+              <a:buFontTx/>
+              <a:buNone/>
+              <a:tabLst/>
+              <a:defRPr/>
+            </a:pPr>
+            <a:r>
+              <a:rPr lang="en-US" altLang="zh-TW" dirty="0"/>
+              <a:t>Delta-V</a:t>
+            </a:r>
+            <a:r>
+              <a:rPr lang="zh-TW" altLang="en-US" dirty="0"/>
+              <a:t>主要目的是計算發稱衝突時的嚴重程度，這類的評估方法不像</a:t>
+            </a:r>
+            <a:r>
+              <a:rPr lang="en-US" altLang="zh-TW" dirty="0"/>
+              <a:t>TCC</a:t>
+            </a:r>
+            <a:r>
+              <a:rPr lang="zh-TW" altLang="en-US" dirty="0"/>
+              <a:t>一樣只考慮車輛的動態行為，還考慮碰撞場景中參與者的質量。目的是要評估事故發生後的嚴重性。</a:t>
+            </a:r>
+            <a:endParaRPr lang="en-US" altLang="zh-TW" dirty="0"/>
+          </a:p>
+          <a:p>
+            <a:pPr marL="0" marR="0" lvl="0" indent="0" algn="l" defTabSz="914400" rtl="0" eaLnBrk="1" fontAlgn="auto" latinLnBrk="0" hangingPunct="1">
+              <a:lnSpc>
+                <a:spcPct val="100000"/>
+              </a:lnSpc>
+              <a:spcBef>
+                <a:spcPts val="0"/>
+              </a:spcBef>
+              <a:spcAft>
+                <a:spcPts val="0"/>
+              </a:spcAft>
+              <a:buClrTx/>
+              <a:buSzTx/>
+              <a:buFontTx/>
+              <a:buNone/>
+              <a:tabLst/>
+              <a:defRPr/>
+            </a:pPr>
+            <a:r>
+              <a:rPr lang="zh-TW" altLang="en-US" dirty="0"/>
+              <a:t>雖然說，</a:t>
+            </a:r>
+            <a:r>
+              <a:rPr lang="zh-TW" altLang="en-US" sz="1200" dirty="0"/>
+              <a:t>以評斷傷害的層面來看，這是更加有效的碰撞風險評估方式。</a:t>
+            </a:r>
+            <a:r>
+              <a:rPr lang="zh-TW" altLang="en-US" dirty="0"/>
+              <a:t>然而現實中，無論是光達、雷達，或是相機，都很難得到偵測物的質量。因此使用</a:t>
+            </a:r>
+            <a:r>
+              <a:rPr lang="en-US" altLang="zh-TW" dirty="0"/>
+              <a:t>Delta-V</a:t>
+            </a:r>
+            <a:r>
+              <a:rPr lang="zh-TW" altLang="en-US" dirty="0"/>
+              <a:t>來做及時的碰撞風險的評估可能並不理想。</a:t>
+            </a:r>
+          </a:p>
+          <a:p>
+            <a:pPr marL="0" marR="0" lvl="0" indent="0" algn="l" defTabSz="914400" rtl="0" eaLnBrk="1" fontAlgn="auto" latinLnBrk="0" hangingPunct="1">
+              <a:lnSpc>
+                <a:spcPct val="100000"/>
+              </a:lnSpc>
+              <a:spcBef>
+                <a:spcPts val="0"/>
+              </a:spcBef>
+              <a:spcAft>
+                <a:spcPts val="0"/>
+              </a:spcAft>
+              <a:buClrTx/>
+              <a:buSzTx/>
+              <a:buFontTx/>
+              <a:buNone/>
+              <a:tabLst/>
+              <a:defRPr/>
+            </a:pPr>
+            <a:endParaRPr lang="zh-TW" altLang="en-US" sz="1200" dirty="0"/>
+          </a:p>
+        </p:txBody>
+      </p:sp>
+      <p:sp>
+        <p:nvSpPr>
+          <p:cNvPr id="4" name="日期版面配置區 3"/>
+          <p:cNvSpPr>
+            <a:spLocks noGrp="1"/>
+          </p:cNvSpPr>
+          <p:nvPr>
+            <p:ph type="dt" idx="1"/>
+          </p:nvPr>
+        </p:nvSpPr>
+        <p:spPr/>
+        <p:txBody>
+          <a:bodyPr/>
+          <a:lstStyle/>
+          <a:p>
+            <a:endParaRPr lang="zh-TW" altLang="en-US"/>
+          </a:p>
+        </p:txBody>
+      </p:sp>
+    </p:spTree>
+    <p:extLst>
+      <p:ext uri="{BB962C8B-B14F-4D97-AF65-F5344CB8AC3E}">
+        <p14:creationId xmlns:p14="http://schemas.microsoft.com/office/powerpoint/2010/main" val="1043653213"/>
+      </p:ext>
+    </p:extLst>
+  </p:cSld>
+  <p:clrMapOvr>
+    <a:masterClrMapping/>
+  </p:clrMapOvr>
+</p:notes>
+</file>
+
+<file path=ppt/notesSlides/notesSlide14.xml><?xml version="1.0" encoding="utf-8"?>
+<p:notes xmlns:a="http://schemas.openxmlformats.org/drawingml/2006/main" xmlns:r="http://schemas.openxmlformats.org/officeDocument/2006/relationships" xmlns:p="http://schemas.openxmlformats.org/presentationml/2006/main">
+  <p:cSld>
+    <p:spTree>
+      <p:nvGrpSpPr>
+        <p:cNvPr id="1" name=""/>
+        <p:cNvGrpSpPr/>
+        <p:nvPr/>
+      </p:nvGrpSpPr>
+      <p:grpSpPr>
+        <a:xfrm>
+          <a:off x="0" y="0"/>
+          <a:ext cx="0" cy="0"/>
+          <a:chOff x="0" y="0"/>
+          <a:chExt cx="0" cy="0"/>
+        </a:xfrm>
+      </p:grpSpPr>
+      <p:sp>
+        <p:nvSpPr>
+          <p:cNvPr id="2" name="投影片影像版面配置區 1"/>
+          <p:cNvSpPr>
+            <a:spLocks noGrp="1" noRot="1" noChangeAspect="1"/>
+          </p:cNvSpPr>
+          <p:nvPr>
+            <p:ph type="sldImg"/>
+          </p:nvPr>
+        </p:nvSpPr>
+        <p:spPr/>
+      </p:sp>
+      <mc:AlternateContent xmlns:mc="http://schemas.openxmlformats.org/markup-compatibility/2006">
+        <mc:Choice xmlns:a14="http://schemas.microsoft.com/office/drawing/2010/main" Requires="a14">
+          <p:sp>
+            <p:nvSpPr>
+              <p:cNvPr id="3" name="備忘稿版面配置區 2"/>
+              <p:cNvSpPr>
+                <a:spLocks noGrp="1"/>
+              </p:cNvSpPr>
+              <p:nvPr>
+                <p:ph type="body" idx="1"/>
+              </p:nvPr>
+            </p:nvSpPr>
+            <p:spPr/>
+            <p:txBody>
+              <a:bodyPr/>
+              <a:lstStyle/>
+              <a:p>
+                <a:r>
+                  <a:rPr lang="zh-TW" altLang="en-US" dirty="0"/>
+                  <a:t>最後補充一個有點類似拓展</a:t>
+                </a:r>
+                <a:r>
+                  <a:rPr lang="en-US" altLang="zh-TW" dirty="0"/>
+                  <a:t>TTC</a:t>
+                </a:r>
+                <a:r>
+                  <a:rPr lang="zh-TW" altLang="en-US" dirty="0"/>
+                  <a:t>的二維碰撞風險評估辦法，速度障礙法。速度障礙，顧名思義就是在機器人的速度空間中劃設一道障礙，讓機器人的速度向量不要位於該障礙裡，以此來避開碰撞。</a:t>
+                </a:r>
+                <a:endParaRPr lang="en-US" altLang="zh-TW" dirty="0"/>
+              </a:p>
+              <a:p>
+                <a:r>
+                  <a:rPr lang="zh-TW" altLang="en-US" dirty="0"/>
+                  <a:t>具體作法如下</a:t>
+                </a:r>
+                <a:r>
+                  <a:rPr lang="en-US" altLang="zh-TW" dirty="0"/>
+                  <a:t>:</a:t>
+                </a:r>
+              </a:p>
+              <a:p>
+                <a:pPr marL="0" marR="0" lvl="0" indent="0" algn="l" defTabSz="914400" rtl="0" eaLnBrk="1" fontAlgn="auto" latinLnBrk="0" hangingPunct="1">
+                  <a:lnSpc>
+                    <a:spcPct val="100000"/>
+                  </a:lnSpc>
+                  <a:spcBef>
+                    <a:spcPts val="0"/>
+                  </a:spcBef>
+                  <a:spcAft>
+                    <a:spcPts val="0"/>
+                  </a:spcAft>
+                  <a:buClrTx/>
+                  <a:buSzTx/>
+                  <a:buFontTx/>
+                  <a:buNone/>
+                  <a:tabLst/>
+                  <a:defRPr/>
+                </a:pPr>
+                <a:r>
+                  <a:rPr lang="zh-TW" altLang="en-US" dirty="0"/>
+                  <a:t>設有一個節點</a:t>
+                </a:r>
+                <a:r>
+                  <a:rPr lang="en-US" altLang="zh-TW" dirty="0"/>
+                  <a:t>A</a:t>
+                </a:r>
+                <a:r>
+                  <a:rPr lang="zh-TW" altLang="en-US" dirty="0"/>
+                  <a:t>欲閃避</a:t>
+                </a:r>
+                <a:r>
+                  <a:rPr lang="en-US" altLang="zh-TW" dirty="0"/>
+                  <a:t>B</a:t>
+                </a:r>
+                <a:r>
+                  <a:rPr lang="zh-TW" altLang="en-US" dirty="0"/>
+                  <a:t>物體，</a:t>
+                </a:r>
+                <a:r>
+                  <a:rPr lang="en-US" altLang="zh-TW" dirty="0"/>
+                  <a:t>VO</a:t>
+                </a:r>
+                <a:r>
+                  <a:rPr lang="zh-TW" altLang="en-US" dirty="0"/>
+                  <a:t>系統會將</a:t>
+                </a:r>
+                <a:r>
+                  <a:rPr lang="en-US" altLang="zh-TW" dirty="0"/>
+                  <a:t>B</a:t>
+                </a:r>
+                <a:r>
+                  <a:rPr lang="zh-TW" altLang="en-US" dirty="0"/>
+                  <a:t>所在之位置做</a:t>
+                </a:r>
+                <a14:m>
+                  <m:oMath xmlns:m="http://schemas.openxmlformats.org/officeDocument/2006/math">
+                    <m:sSub>
+                      <m:sSubPr>
+                        <m:ctrlPr>
+                          <a:rPr lang="en-US" altLang="zh-TW" i="1" dirty="0" smtClean="0">
+                            <a:latin typeface="Cambria Math" panose="02040503050406030204" pitchFamily="18" charset="0"/>
+                          </a:rPr>
+                        </m:ctrlPr>
+                      </m:sSubPr>
+                      <m:e>
+                        <m:r>
+                          <a:rPr lang="en-US" altLang="zh-TW" i="1" dirty="0" smtClean="0">
+                            <a:latin typeface="Cambria Math" panose="02040503050406030204" pitchFamily="18" charset="0"/>
+                          </a:rPr>
+                          <m:t>𝑟</m:t>
+                        </m:r>
+                      </m:e>
+                      <m:sub>
+                        <m:r>
+                          <a:rPr lang="en-US" altLang="zh-TW" i="1" dirty="0" smtClean="0">
+                            <a:latin typeface="Cambria Math" panose="02040503050406030204" pitchFamily="18" charset="0"/>
+                          </a:rPr>
+                          <m:t>𝐴</m:t>
+                        </m:r>
+                      </m:sub>
+                    </m:sSub>
+                    <m:r>
+                      <a:rPr lang="en-US" altLang="zh-TW" i="1" dirty="0" smtClean="0">
+                        <a:latin typeface="Cambria Math" panose="02040503050406030204" pitchFamily="18" charset="0"/>
+                      </a:rPr>
+                      <m:t>+ </m:t>
+                    </m:r>
+                    <m:sSub>
+                      <m:sSubPr>
+                        <m:ctrlPr>
+                          <a:rPr lang="en-US" altLang="zh-TW" i="1" dirty="0" err="1" smtClean="0">
+                            <a:latin typeface="Cambria Math" panose="02040503050406030204" pitchFamily="18" charset="0"/>
+                          </a:rPr>
+                        </m:ctrlPr>
+                      </m:sSubPr>
+                      <m:e>
+                        <m:r>
+                          <a:rPr lang="en-US" altLang="zh-TW" i="1" dirty="0" err="1" smtClean="0">
+                            <a:latin typeface="Cambria Math" panose="02040503050406030204" pitchFamily="18" charset="0"/>
+                          </a:rPr>
+                          <m:t>𝑟</m:t>
+                        </m:r>
+                      </m:e>
+                      <m:sub>
+                        <m:r>
+                          <a:rPr lang="en-US" altLang="zh-TW" i="1" dirty="0" err="1" smtClean="0">
+                            <a:latin typeface="Cambria Math" panose="02040503050406030204" pitchFamily="18" charset="0"/>
+                          </a:rPr>
+                          <m:t>𝐵</m:t>
+                        </m:r>
+                      </m:sub>
+                    </m:sSub>
+                  </m:oMath>
+                </a14:m>
+                <a:r>
+                  <a:rPr lang="zh-TW" altLang="en-US" dirty="0"/>
+                  <a:t>之膨脹層，並從</a:t>
+                </a:r>
+                <a:r>
+                  <a:rPr lang="en-US" altLang="zh-TW" dirty="0"/>
+                  <a:t>A</a:t>
+                </a:r>
+                <a:r>
+                  <a:rPr lang="zh-TW" altLang="en-US" dirty="0"/>
+                  <a:t>中心做相切此圓的兩條直線，形成一錐形區域。</a:t>
+                </a:r>
+                <a:endParaRPr lang="en-US" altLang="zh-TW" dirty="0"/>
+              </a:p>
+              <a:p>
+                <a:pPr marL="0" marR="0" lvl="0" indent="0" algn="l" defTabSz="914400" rtl="0" eaLnBrk="1" fontAlgn="auto" latinLnBrk="0" hangingPunct="1">
+                  <a:lnSpc>
+                    <a:spcPct val="100000"/>
+                  </a:lnSpc>
+                  <a:spcBef>
+                    <a:spcPts val="0"/>
+                  </a:spcBef>
+                  <a:spcAft>
+                    <a:spcPts val="0"/>
+                  </a:spcAft>
+                  <a:buClrTx/>
+                  <a:buSzTx/>
+                  <a:buFontTx/>
+                  <a:buNone/>
+                  <a:tabLst/>
+                  <a:defRPr/>
+                </a:pPr>
+                <a:r>
+                  <a:rPr lang="zh-TW" altLang="en-US" dirty="0"/>
+                  <a:t>將此錐形區域從位置座標系移入速度空間中，便被稱為碰撞錐</a:t>
+                </a:r>
+                <a:r>
+                  <a:rPr lang="en-US" altLang="zh-TW" dirty="0"/>
+                  <a:t>(Collision Cone, </a:t>
+                </a:r>
+                <a14:m>
+                  <m:oMath xmlns:m="http://schemas.openxmlformats.org/officeDocument/2006/math">
+                    <m:r>
+                      <a:rPr lang="en-US" altLang="zh-TW" i="1" dirty="0">
+                        <a:latin typeface="Cambria Math" panose="02040503050406030204" pitchFamily="18" charset="0"/>
+                      </a:rPr>
+                      <m:t>𝐶</m:t>
+                    </m:r>
+                    <m:sSub>
+                      <m:sSubPr>
+                        <m:ctrlPr>
+                          <a:rPr lang="en-US" altLang="zh-TW" i="1" dirty="0">
+                            <a:latin typeface="Cambria Math" panose="02040503050406030204" pitchFamily="18" charset="0"/>
+                          </a:rPr>
+                        </m:ctrlPr>
+                      </m:sSubPr>
+                      <m:e>
+                        <m:r>
+                          <a:rPr lang="en-US" altLang="zh-TW" i="1" dirty="0">
+                            <a:latin typeface="Cambria Math" panose="02040503050406030204" pitchFamily="18" charset="0"/>
+                          </a:rPr>
+                          <m:t>𝐶</m:t>
+                        </m:r>
+                      </m:e>
+                      <m:sub>
+                        <m:r>
+                          <a:rPr lang="en-US" altLang="zh-TW" i="1" dirty="0">
+                            <a:latin typeface="Cambria Math" panose="02040503050406030204" pitchFamily="18" charset="0"/>
+                          </a:rPr>
+                          <m:t>𝐴</m:t>
+                        </m:r>
+                        <m:r>
+                          <a:rPr lang="en-US" altLang="zh-TW" i="1" dirty="0">
+                            <a:latin typeface="Cambria Math" panose="02040503050406030204" pitchFamily="18" charset="0"/>
+                          </a:rPr>
+                          <m:t>,</m:t>
+                        </m:r>
+                        <m:r>
+                          <a:rPr lang="en-US" altLang="zh-TW" i="1" dirty="0">
+                            <a:latin typeface="Cambria Math" panose="02040503050406030204" pitchFamily="18" charset="0"/>
+                          </a:rPr>
+                          <m:t>𝐵</m:t>
+                        </m:r>
+                      </m:sub>
+                    </m:sSub>
+                    <m:r>
+                      <a:rPr lang="en-US" altLang="zh-TW" i="1" dirty="0">
+                        <a:latin typeface="Cambria Math" panose="02040503050406030204" pitchFamily="18" charset="0"/>
+                      </a:rPr>
+                      <m:t> </m:t>
+                    </m:r>
+                  </m:oMath>
+                </a14:m>
+                <a:r>
+                  <a:rPr lang="en-US" altLang="zh-TW" dirty="0"/>
+                  <a:t>)</a:t>
+                </a:r>
+                <a:r>
+                  <a:rPr lang="zh-TW" altLang="en-US" dirty="0"/>
+                  <a:t>。意義便是得到一組</a:t>
+                </a:r>
+                <a14:m>
+                  <m:oMath xmlns:m="http://schemas.openxmlformats.org/officeDocument/2006/math">
+                    <m:sSub>
+                      <m:sSubPr>
+                        <m:ctrlPr>
+                          <a:rPr lang="en-US" altLang="zh-TW" i="1" dirty="0" smtClean="0">
+                            <a:latin typeface="Cambria Math" panose="02040503050406030204" pitchFamily="18" charset="0"/>
+                          </a:rPr>
+                        </m:ctrlPr>
+                      </m:sSubPr>
+                      <m:e>
+                        <m:r>
+                          <a:rPr lang="en-US" altLang="zh-TW" i="1" dirty="0" smtClean="0">
+                            <a:latin typeface="Cambria Math" panose="02040503050406030204" pitchFamily="18" charset="0"/>
+                          </a:rPr>
+                          <m:t>𝑣</m:t>
+                        </m:r>
+                      </m:e>
+                      <m:sub>
+                        <m:r>
+                          <a:rPr lang="en-US" altLang="zh-TW" i="1" dirty="0" smtClean="0">
+                            <a:latin typeface="Cambria Math" panose="02040503050406030204" pitchFamily="18" charset="0"/>
+                          </a:rPr>
+                          <m:t>𝐴</m:t>
+                        </m:r>
+                        <m:r>
+                          <m:rPr>
+                            <m:sty m:val="p"/>
+                          </m:rPr>
+                          <a:rPr lang="en-US" altLang="zh-TW" i="1" dirty="0">
+                            <a:latin typeface="Cambria Math" panose="02040503050406030204" pitchFamily="18" charset="0"/>
+                          </a:rPr>
+                          <m:t>B</m:t>
+                        </m:r>
+                      </m:sub>
+                    </m:sSub>
+                  </m:oMath>
+                </a14:m>
+                <a:r>
+                  <a:rPr lang="zh-TW" altLang="en-US" dirty="0"/>
+                  <a:t>的集合，代表著所有</a:t>
+                </a:r>
+                <a:r>
+                  <a:rPr lang="en-US" altLang="zh-TW" dirty="0"/>
+                  <a:t>A</a:t>
+                </a:r>
+                <a:r>
+                  <a:rPr lang="zh-TW" altLang="en-US" dirty="0"/>
+                  <a:t>之於</a:t>
+                </a:r>
+                <a:r>
+                  <a:rPr lang="en-US" altLang="zh-TW" dirty="0"/>
+                  <a:t>B</a:t>
+                </a:r>
+                <a:r>
+                  <a:rPr lang="zh-TW" altLang="en-US" dirty="0"/>
+                  <a:t>的相對速度若是位於這集合內都會造成碰撞。</a:t>
+                </a:r>
+              </a:p>
+            </p:txBody>
+          </p:sp>
+        </mc:Choice>
+        <mc:Fallback>
+          <p:sp>
+            <p:nvSpPr>
+              <p:cNvPr id="3" name="備忘稿版面配置區 2"/>
+              <p:cNvSpPr>
+                <a:spLocks noGrp="1"/>
+              </p:cNvSpPr>
+              <p:nvPr>
+                <p:ph type="body" idx="1"/>
+              </p:nvPr>
+            </p:nvSpPr>
+            <p:spPr/>
+            <p:txBody>
+              <a:bodyPr/>
+              <a:lstStyle/>
+              <a:p>
+                <a:r>
+                  <a:rPr lang="zh-TW" altLang="en-US" dirty="0"/>
+                  <a:t>最後補充一個有點類似拓展</a:t>
+                </a:r>
+                <a:r>
+                  <a:rPr lang="en-US" altLang="zh-TW" dirty="0"/>
+                  <a:t>TTC</a:t>
+                </a:r>
+                <a:r>
+                  <a:rPr lang="zh-TW" altLang="en-US" dirty="0"/>
+                  <a:t>的二維碰撞風險評估辦法，速度障礙法。速度障礙，顧名思義就是在機器人的速度空間中劃設一道障礙，讓機器人的速度向量不要位於該障礙裡，以此來避開碰撞。</a:t>
+                </a:r>
+                <a:endParaRPr lang="en-US" altLang="zh-TW" dirty="0"/>
+              </a:p>
+              <a:p>
+                <a:r>
+                  <a:rPr lang="zh-TW" altLang="en-US" dirty="0"/>
+                  <a:t>具體作法如下</a:t>
+                </a:r>
+                <a:r>
+                  <a:rPr lang="en-US" altLang="zh-TW" dirty="0"/>
+                  <a:t>:</a:t>
+                </a:r>
+              </a:p>
+              <a:p>
+                <a:pPr marL="0" marR="0" lvl="0" indent="0" algn="l" defTabSz="914400" rtl="0" eaLnBrk="1" fontAlgn="auto" latinLnBrk="0" hangingPunct="1">
+                  <a:lnSpc>
+                    <a:spcPct val="100000"/>
+                  </a:lnSpc>
+                  <a:spcBef>
+                    <a:spcPts val="0"/>
+                  </a:spcBef>
+                  <a:spcAft>
+                    <a:spcPts val="0"/>
+                  </a:spcAft>
+                  <a:buClrTx/>
+                  <a:buSzTx/>
+                  <a:buFontTx/>
+                  <a:buNone/>
+                  <a:tabLst/>
+                  <a:defRPr/>
+                </a:pPr>
+                <a:r>
+                  <a:rPr lang="zh-TW" altLang="en-US" dirty="0"/>
+                  <a:t>設有一個節點</a:t>
+                </a:r>
+                <a:r>
+                  <a:rPr lang="en-US" altLang="zh-TW" dirty="0"/>
+                  <a:t>A</a:t>
+                </a:r>
+                <a:r>
+                  <a:rPr lang="zh-TW" altLang="en-US" dirty="0"/>
+                  <a:t>欲閃避</a:t>
+                </a:r>
+                <a:r>
+                  <a:rPr lang="en-US" altLang="zh-TW" dirty="0"/>
+                  <a:t>B</a:t>
+                </a:r>
+                <a:r>
+                  <a:rPr lang="zh-TW" altLang="en-US" dirty="0"/>
+                  <a:t>物體，</a:t>
+                </a:r>
+                <a:r>
+                  <a:rPr lang="en-US" altLang="zh-TW" dirty="0"/>
+                  <a:t>VO</a:t>
+                </a:r>
+                <a:r>
+                  <a:rPr lang="zh-TW" altLang="en-US" dirty="0"/>
+                  <a:t>系統會將</a:t>
+                </a:r>
+                <a:r>
+                  <a:rPr lang="en-US" altLang="zh-TW" dirty="0"/>
+                  <a:t>B</a:t>
+                </a:r>
+                <a:r>
+                  <a:rPr lang="zh-TW" altLang="en-US" dirty="0"/>
+                  <a:t>所在之位置做</a:t>
+                </a:r>
+                <a:r>
+                  <a:rPr lang="en-US" altLang="zh-TW" i="0" dirty="0">
+                    <a:latin typeface="Cambria Math" panose="02040503050406030204" pitchFamily="18" charset="0"/>
+                  </a:rPr>
+                  <a:t>𝑟_𝐴+ </a:t>
+                </a:r>
+                <a:r>
+                  <a:rPr lang="en-US" altLang="zh-TW" i="0" dirty="0" err="1">
+                    <a:latin typeface="Cambria Math" panose="02040503050406030204" pitchFamily="18" charset="0"/>
+                  </a:rPr>
+                  <a:t>𝑟_𝐵</a:t>
+                </a:r>
+                <a:r>
+                  <a:rPr lang="zh-TW" altLang="en-US" dirty="0"/>
+                  <a:t>之膨脹層，並從</a:t>
+                </a:r>
+                <a:r>
+                  <a:rPr lang="en-US" altLang="zh-TW" dirty="0"/>
+                  <a:t>A</a:t>
+                </a:r>
+                <a:r>
+                  <a:rPr lang="zh-TW" altLang="en-US" dirty="0"/>
+                  <a:t>中心做相切此圓的兩條直線，形成一錐形區域。</a:t>
+                </a:r>
+                <a:endParaRPr lang="en-US" altLang="zh-TW" dirty="0"/>
+              </a:p>
+              <a:p>
+                <a:pPr marL="0" marR="0" lvl="0" indent="0" algn="l" defTabSz="914400" rtl="0" eaLnBrk="1" fontAlgn="auto" latinLnBrk="0" hangingPunct="1">
+                  <a:lnSpc>
+                    <a:spcPct val="100000"/>
+                  </a:lnSpc>
+                  <a:spcBef>
+                    <a:spcPts val="0"/>
+                  </a:spcBef>
+                  <a:spcAft>
+                    <a:spcPts val="0"/>
+                  </a:spcAft>
+                  <a:buClrTx/>
+                  <a:buSzTx/>
+                  <a:buFontTx/>
+                  <a:buNone/>
+                  <a:tabLst/>
+                  <a:defRPr/>
+                </a:pPr>
+                <a:r>
+                  <a:rPr lang="zh-TW" altLang="en-US" dirty="0"/>
+                  <a:t>將此錐形區域從位置座標系移入速度空間中，便被稱為碰撞錐</a:t>
+                </a:r>
+                <a:r>
+                  <a:rPr lang="en-US" altLang="zh-TW" dirty="0"/>
+                  <a:t>(Collision Cone, </a:t>
+                </a:r>
+                <a:r>
+                  <a:rPr lang="en-US" altLang="zh-TW" i="0" dirty="0">
+                    <a:latin typeface="Cambria Math" panose="02040503050406030204" pitchFamily="18" charset="0"/>
+                  </a:rPr>
+                  <a:t>𝐶𝐶_(𝐴,𝐵)  </a:t>
+                </a:r>
+                <a:r>
+                  <a:rPr lang="en-US" altLang="zh-TW" dirty="0"/>
+                  <a:t>)</a:t>
+                </a:r>
+                <a:r>
+                  <a:rPr lang="zh-TW" altLang="en-US" dirty="0"/>
+                  <a:t>。意義便是得到一組</a:t>
+                </a:r>
+                <a:r>
+                  <a:rPr lang="en-US" altLang="zh-TW" i="0" dirty="0">
+                    <a:latin typeface="Cambria Math" panose="02040503050406030204" pitchFamily="18" charset="0"/>
+                  </a:rPr>
+                  <a:t>𝑣_𝐴B</a:t>
+                </a:r>
+                <a:r>
+                  <a:rPr lang="zh-TW" altLang="en-US" dirty="0"/>
+                  <a:t>的集合，代表著所有</a:t>
+                </a:r>
+                <a:r>
+                  <a:rPr lang="en-US" altLang="zh-TW" dirty="0"/>
+                  <a:t>A</a:t>
+                </a:r>
+                <a:r>
+                  <a:rPr lang="zh-TW" altLang="en-US" dirty="0"/>
+                  <a:t>之於</a:t>
+                </a:r>
+                <a:r>
+                  <a:rPr lang="en-US" altLang="zh-TW" dirty="0"/>
+                  <a:t>B</a:t>
+                </a:r>
+                <a:r>
+                  <a:rPr lang="zh-TW" altLang="en-US" dirty="0"/>
+                  <a:t>的相對速度若是位於這集合內都會造成碰撞。</a:t>
+                </a:r>
+              </a:p>
+            </p:txBody>
+          </p:sp>
+        </mc:Fallback>
+      </mc:AlternateContent>
+      <p:sp>
+        <p:nvSpPr>
+          <p:cNvPr id="4" name="日期版面配置區 3"/>
+          <p:cNvSpPr>
+            <a:spLocks noGrp="1"/>
+          </p:cNvSpPr>
+          <p:nvPr>
+            <p:ph type="dt" idx="1"/>
+          </p:nvPr>
+        </p:nvSpPr>
+        <p:spPr/>
+        <p:txBody>
+          <a:bodyPr/>
+          <a:lstStyle/>
+          <a:p>
+            <a:endParaRPr lang="zh-TW" altLang="en-US"/>
+          </a:p>
+        </p:txBody>
+      </p:sp>
+    </p:spTree>
+    <p:extLst>
+      <p:ext uri="{BB962C8B-B14F-4D97-AF65-F5344CB8AC3E}">
+        <p14:creationId xmlns:p14="http://schemas.microsoft.com/office/powerpoint/2010/main" val="427457880"/>
+      </p:ext>
+    </p:extLst>
+  </p:cSld>
+  <p:clrMapOvr>
+    <a:masterClrMapping/>
+  </p:clrMapOvr>
+</p:notes>
+</file>
+
+<file path=ppt/notesSlides/notesSlide15.xml><?xml version="1.0" encoding="utf-8"?>
+<p:notes xmlns:a="http://schemas.openxmlformats.org/drawingml/2006/main" xmlns:r="http://schemas.openxmlformats.org/officeDocument/2006/relationships" xmlns:p="http://schemas.openxmlformats.org/presentationml/2006/main">
+  <p:cSld>
+    <p:spTree>
+      <p:nvGrpSpPr>
+        <p:cNvPr id="1" name=""/>
+        <p:cNvGrpSpPr/>
+        <p:nvPr/>
+      </p:nvGrpSpPr>
+      <p:grpSpPr>
+        <a:xfrm>
+          <a:off x="0" y="0"/>
+          <a:ext cx="0" cy="0"/>
+          <a:chOff x="0" y="0"/>
+          <a:chExt cx="0" cy="0"/>
+        </a:xfrm>
+      </p:grpSpPr>
+      <p:sp>
+        <p:nvSpPr>
+          <p:cNvPr id="2" name="投影片影像版面配置區 1"/>
+          <p:cNvSpPr>
+            <a:spLocks noGrp="1" noRot="1" noChangeAspect="1"/>
+          </p:cNvSpPr>
+          <p:nvPr>
+            <p:ph type="sldImg"/>
+          </p:nvPr>
+        </p:nvSpPr>
+        <p:spPr/>
+      </p:sp>
+      <mc:AlternateContent xmlns:mc="http://schemas.openxmlformats.org/markup-compatibility/2006">
+        <mc:Choice xmlns:a14="http://schemas.microsoft.com/office/drawing/2010/main" Requires="a14">
+          <p:sp>
+            <p:nvSpPr>
+              <p:cNvPr id="3" name="備忘稿版面配置區 2"/>
+              <p:cNvSpPr>
+                <a:spLocks noGrp="1"/>
+              </p:cNvSpPr>
+              <p:nvPr>
+                <p:ph type="body" idx="1"/>
+              </p:nvPr>
+            </p:nvSpPr>
+            <p:spPr/>
+            <p:txBody>
+              <a:bodyPr/>
+              <a:lstStyle/>
+              <a:p>
+                <a:r>
+                  <a:rPr lang="zh-TW" altLang="en-US" dirty="0"/>
+                  <a:t>引入安全閥值的觀念，將𝜏秒內會造成的碰撞視為應避免事件，在此之後的碰撞暫不考慮。如此，</a:t>
+                </a:r>
+                <a:r>
+                  <a:rPr lang="en-US" altLang="zh-TW" dirty="0"/>
+                  <a:t>CC_(A,B) </a:t>
+                </a:r>
+                <a:r>
+                  <a:rPr lang="zh-TW" altLang="en-US" dirty="0"/>
+                  <a:t>的尖端面積便會被修剪掉一弧形區域，象徵著物體</a:t>
+                </a:r>
+                <a:r>
+                  <a:rPr lang="en-US" altLang="zh-TW" dirty="0"/>
+                  <a:t>A</a:t>
+                </a:r>
+                <a:r>
+                  <a:rPr lang="zh-TW" altLang="en-US" dirty="0"/>
+                  <a:t>應避免造成相對速度𝑣</a:t>
+                </a:r>
+                <a:r>
+                  <a:rPr lang="en-US" altLang="zh-TW" dirty="0"/>
+                  <a:t>_</a:t>
+                </a:r>
+                <a:r>
+                  <a:rPr lang="zh-TW" altLang="en-US" dirty="0"/>
+                  <a:t>𝐴𝐵落入該區內，即可避免𝜏秒內碰撞。</a:t>
+                </a:r>
+                <a:endParaRPr lang="en-US" altLang="zh-TW" dirty="0"/>
+              </a:p>
+              <a:p>
+                <a:r>
+                  <a:rPr lang="zh-TW" altLang="en-US" dirty="0"/>
+                  <a:t>所以，我們想要得知節點</a:t>
+                </a:r>
+                <a:r>
+                  <a:rPr lang="en-US" altLang="zh-TW" dirty="0"/>
+                  <a:t>A</a:t>
+                </a:r>
+                <a:r>
+                  <a:rPr lang="zh-TW" altLang="en-US" dirty="0"/>
+                  <a:t>的速度空間中有哪些速度會造成</a:t>
+                </a:r>
+                <a:r>
+                  <a:rPr lang="en-US" altLang="zh-TW" dirty="0"/>
+                  <a:t>AB</a:t>
+                </a:r>
+                <a:r>
+                  <a:rPr lang="zh-TW" altLang="en-US" dirty="0"/>
+                  <a:t>相撞的話，我們便將這個修剪過的</a:t>
+                </a:r>
+                <a:r>
+                  <a:rPr lang="en-US" altLang="zh-TW" dirty="0"/>
+                  <a:t>collision cone</a:t>
+                </a:r>
+                <a:r>
+                  <a:rPr lang="zh-TW" altLang="en-US" dirty="0"/>
+                  <a:t>集合 加回</a:t>
+                </a:r>
+                <a:r>
+                  <a:rPr lang="en-US" altLang="zh-TW" dirty="0" err="1"/>
+                  <a:t>vb</a:t>
+                </a:r>
+                <a:r>
+                  <a:rPr lang="zh-TW" altLang="en-US" dirty="0"/>
+                  <a:t>，便可以得到所有在</a:t>
+                </a:r>
+                <a14:m>
+                  <m:oMath xmlns:m="http://schemas.openxmlformats.org/officeDocument/2006/math">
+                    <m:r>
+                      <a:rPr lang="zh-TW" altLang="en-US" i="1" smtClean="0">
+                        <a:latin typeface="Cambria Math" panose="02040503050406030204" pitchFamily="18" charset="0"/>
+                      </a:rPr>
+                      <m:t>𝜏</m:t>
+                    </m:r>
+                  </m:oMath>
+                </a14:m>
+                <a:r>
+                  <a:rPr lang="zh-TW" altLang="en-US" dirty="0"/>
+                  <a:t>秒內會造成碰撞的</a:t>
+                </a:r>
+                <a14:m>
+                  <m:oMath xmlns:m="http://schemas.openxmlformats.org/officeDocument/2006/math">
+                    <m:sSub>
+                      <m:sSubPr>
+                        <m:ctrlPr>
+                          <a:rPr lang="en-US" altLang="zh-TW" b="0" i="1" smtClean="0">
+                            <a:latin typeface="Cambria Math" panose="02040503050406030204" pitchFamily="18" charset="0"/>
+                          </a:rPr>
+                        </m:ctrlPr>
+                      </m:sSubPr>
+                      <m:e>
+                        <m:r>
+                          <a:rPr lang="en-US" altLang="zh-TW" b="0" i="1" smtClean="0">
+                            <a:latin typeface="Cambria Math" panose="02040503050406030204" pitchFamily="18" charset="0"/>
+                          </a:rPr>
+                          <m:t>𝑣</m:t>
+                        </m:r>
+                      </m:e>
+                      <m:sub>
+                        <m:r>
+                          <a:rPr lang="en-US" altLang="zh-TW" b="0" i="1" smtClean="0">
+                            <a:latin typeface="Cambria Math" panose="02040503050406030204" pitchFamily="18" charset="0"/>
+                          </a:rPr>
+                          <m:t>𝐴</m:t>
+                        </m:r>
+                      </m:sub>
+                    </m:sSub>
+                  </m:oMath>
+                </a14:m>
+                <a:r>
+                  <a:rPr lang="zh-TW" altLang="en-US" dirty="0"/>
+                  <a:t>集合。 這個去欲在</a:t>
+                </a:r>
+                <a:r>
+                  <a:rPr lang="en-US" altLang="zh-TW" dirty="0"/>
+                  <a:t>A</a:t>
+                </a:r>
+                <a:r>
+                  <a:rPr lang="zh-TW" altLang="en-US" dirty="0"/>
+                  <a:t>的速度空間中就被稱為速度障礙</a:t>
+                </a:r>
+                <a:r>
+                  <a:rPr lang="en-US" altLang="zh-TW" dirty="0"/>
+                  <a:t>, Velocity Obstacle</a:t>
+                </a:r>
+                <a:r>
+                  <a:rPr lang="zh-TW" altLang="en-US" dirty="0"/>
+                  <a:t>。</a:t>
+                </a:r>
+              </a:p>
+              <a:p>
+                <a:endParaRPr lang="zh-TW" altLang="en-US" dirty="0"/>
+              </a:p>
+            </p:txBody>
+          </p:sp>
+        </mc:Choice>
+        <mc:Fallback>
+          <p:sp>
+            <p:nvSpPr>
+              <p:cNvPr id="3" name="備忘稿版面配置區 2"/>
+              <p:cNvSpPr>
+                <a:spLocks noGrp="1"/>
+              </p:cNvSpPr>
+              <p:nvPr>
+                <p:ph type="body" idx="1"/>
+              </p:nvPr>
+            </p:nvSpPr>
+            <p:spPr/>
+            <p:txBody>
+              <a:bodyPr/>
+              <a:lstStyle/>
+              <a:p>
+                <a:r>
+                  <a:rPr lang="zh-TW" altLang="en-US" dirty="0"/>
+                  <a:t>引入安全閥值的觀念，將𝜏秒內會造成的碰撞視為應避免事件，在此之後的碰撞暫不考慮。如此，</a:t>
+                </a:r>
+                <a:r>
+                  <a:rPr lang="en-US" altLang="zh-TW" dirty="0"/>
+                  <a:t>CC_(A,B) </a:t>
+                </a:r>
+                <a:r>
+                  <a:rPr lang="zh-TW" altLang="en-US" dirty="0"/>
+                  <a:t>的尖端面積便會被修剪掉一弧形區域，象徵著物體</a:t>
+                </a:r>
+                <a:r>
+                  <a:rPr lang="en-US" altLang="zh-TW" dirty="0"/>
+                  <a:t>A</a:t>
+                </a:r>
+                <a:r>
+                  <a:rPr lang="zh-TW" altLang="en-US" dirty="0"/>
+                  <a:t>應避免造成相對速度𝑣</a:t>
+                </a:r>
+                <a:r>
+                  <a:rPr lang="en-US" altLang="zh-TW" dirty="0"/>
+                  <a:t>_</a:t>
+                </a:r>
+                <a:r>
+                  <a:rPr lang="zh-TW" altLang="en-US" dirty="0"/>
+                  <a:t>𝐴𝐵落入該區內，即可避免𝜏秒內碰撞。</a:t>
+                </a:r>
+                <a:endParaRPr lang="en-US" altLang="zh-TW" dirty="0"/>
+              </a:p>
+              <a:p>
+                <a:r>
+                  <a:rPr lang="zh-TW" altLang="en-US" dirty="0"/>
+                  <a:t>所以，我們想要得知節點</a:t>
+                </a:r>
+                <a:r>
+                  <a:rPr lang="en-US" altLang="zh-TW" dirty="0"/>
+                  <a:t>A</a:t>
+                </a:r>
+                <a:r>
+                  <a:rPr lang="zh-TW" altLang="en-US" dirty="0"/>
+                  <a:t>的速度空間中有哪些速度會造成</a:t>
+                </a:r>
+                <a:r>
+                  <a:rPr lang="en-US" altLang="zh-TW" dirty="0"/>
+                  <a:t>AB</a:t>
+                </a:r>
+                <a:r>
+                  <a:rPr lang="zh-TW" altLang="en-US" dirty="0"/>
+                  <a:t>相撞的話，我們便將這個修剪過的</a:t>
+                </a:r>
+                <a:r>
+                  <a:rPr lang="en-US" altLang="zh-TW" dirty="0"/>
+                  <a:t>collision cone</a:t>
+                </a:r>
+                <a:r>
+                  <a:rPr lang="zh-TW" altLang="en-US" dirty="0"/>
+                  <a:t>集合 加回</a:t>
+                </a:r>
+                <a:r>
+                  <a:rPr lang="en-US" altLang="zh-TW" dirty="0" err="1"/>
+                  <a:t>vb</a:t>
+                </a:r>
+                <a:r>
+                  <a:rPr lang="zh-TW" altLang="en-US" dirty="0"/>
+                  <a:t>，便可以得到所有在</a:t>
+                </a:r>
+                <a:r>
+                  <a:rPr lang="zh-TW" altLang="en-US" i="0">
+                    <a:latin typeface="Cambria Math" panose="02040503050406030204" pitchFamily="18" charset="0"/>
+                  </a:rPr>
+                  <a:t>𝜏</a:t>
+                </a:r>
+                <a:r>
+                  <a:rPr lang="zh-TW" altLang="en-US" dirty="0"/>
+                  <a:t>秒內會造成碰撞的</a:t>
+                </a:r>
+                <a:r>
+                  <a:rPr lang="en-US" altLang="zh-TW" b="0" i="0">
+                    <a:latin typeface="Cambria Math" panose="02040503050406030204" pitchFamily="18" charset="0"/>
+                  </a:rPr>
+                  <a:t>𝑣_𝐴</a:t>
+                </a:r>
+                <a:r>
+                  <a:rPr lang="zh-TW" altLang="en-US" dirty="0"/>
+                  <a:t>集合。 這個去欲在</a:t>
+                </a:r>
+                <a:r>
+                  <a:rPr lang="en-US" altLang="zh-TW" dirty="0"/>
+                  <a:t>A</a:t>
+                </a:r>
+                <a:r>
+                  <a:rPr lang="zh-TW" altLang="en-US" dirty="0"/>
+                  <a:t>的速度空間中就被稱為速度障礙</a:t>
+                </a:r>
+                <a:r>
+                  <a:rPr lang="en-US" altLang="zh-TW" dirty="0"/>
+                  <a:t>, Velocity Obstacle</a:t>
+                </a:r>
+                <a:r>
+                  <a:rPr lang="zh-TW" altLang="en-US" dirty="0"/>
+                  <a:t>。</a:t>
+                </a:r>
+              </a:p>
+              <a:p>
+                <a:endParaRPr lang="zh-TW" altLang="en-US" dirty="0"/>
+              </a:p>
+            </p:txBody>
+          </p:sp>
+        </mc:Fallback>
+      </mc:AlternateContent>
       <p:sp>
         <p:nvSpPr>
           <p:cNvPr id="4" name="日期版面配置區 3"/>
@@ -1341,6 +2482,114 @@
               <a:buFont typeface="Arial" panose="020B0604020202020204" pitchFamily="34" charset="0"/>
               <a:buNone/>
             </a:pPr>
+            <a:r>
+              <a:rPr lang="zh-TW" altLang="en-US" sz="1200" b="0" kern="1200" dirty="0">
+                <a:solidFill>
+                  <a:schemeClr val="tx1"/>
+                </a:solidFill>
+                <a:effectLst/>
+                <a:latin typeface="+mn-lt"/>
+                <a:ea typeface="+mn-ea"/>
+                <a:cs typeface="+mn-cs"/>
+              </a:rPr>
+              <a:t>大致上，我將它們分為一維或二維的風險評估。一維風險評估雖然直觀，但是由於忽略了物體橫向運動的可能，所以適用範圍較為限縮。大多被應用在</a:t>
+            </a:r>
+            <a:r>
+              <a:rPr lang="en-US" altLang="zh-TW" sz="1200" b="0" kern="1200" dirty="0">
+                <a:solidFill>
+                  <a:schemeClr val="tx1"/>
+                </a:solidFill>
+                <a:effectLst/>
+                <a:latin typeface="+mn-lt"/>
+                <a:ea typeface="+mn-ea"/>
+                <a:cs typeface="+mn-cs"/>
+              </a:rPr>
+              <a:t>AEB(</a:t>
+            </a:r>
+            <a:r>
+              <a:rPr lang="zh-TW" altLang="en-US" sz="1200" b="0" kern="1200" dirty="0">
+                <a:solidFill>
+                  <a:schemeClr val="tx1"/>
+                </a:solidFill>
+                <a:effectLst/>
+                <a:latin typeface="+mn-lt"/>
+                <a:ea typeface="+mn-ea"/>
+                <a:cs typeface="+mn-cs"/>
+              </a:rPr>
+              <a:t>自動緊急煞車系統</a:t>
+            </a:r>
+            <a:r>
+              <a:rPr lang="en-US" altLang="zh-TW" sz="1200" b="0" kern="1200" dirty="0">
+                <a:solidFill>
+                  <a:schemeClr val="tx1"/>
+                </a:solidFill>
+                <a:effectLst/>
+                <a:latin typeface="+mn-lt"/>
+                <a:ea typeface="+mn-ea"/>
+                <a:cs typeface="+mn-cs"/>
+              </a:rPr>
+              <a:t>)</a:t>
+            </a:r>
+            <a:r>
+              <a:rPr lang="zh-TW" altLang="en-US" sz="1200" b="0" kern="1200" dirty="0">
+                <a:solidFill>
+                  <a:schemeClr val="tx1"/>
+                </a:solidFill>
+                <a:effectLst/>
+                <a:latin typeface="+mn-lt"/>
+                <a:ea typeface="+mn-ea"/>
+                <a:cs typeface="+mn-cs"/>
+              </a:rPr>
+              <a:t>或</a:t>
+            </a:r>
+            <a:r>
+              <a:rPr lang="en-US" altLang="zh-TW" sz="1200" b="0" kern="1200" dirty="0">
+                <a:solidFill>
+                  <a:schemeClr val="tx1"/>
+                </a:solidFill>
+                <a:effectLst/>
+                <a:latin typeface="+mn-lt"/>
+                <a:ea typeface="+mn-ea"/>
+                <a:cs typeface="+mn-cs"/>
+              </a:rPr>
+              <a:t>ACC(</a:t>
+            </a:r>
+            <a:r>
+              <a:rPr lang="zh-TW" altLang="en-US" sz="1200" b="0" kern="1200" dirty="0">
+                <a:solidFill>
+                  <a:schemeClr val="tx1"/>
+                </a:solidFill>
+                <a:effectLst/>
+                <a:latin typeface="+mn-lt"/>
+                <a:ea typeface="+mn-ea"/>
+                <a:cs typeface="+mn-cs"/>
+              </a:rPr>
+              <a:t>自動跟車巡航系統</a:t>
+            </a:r>
+            <a:r>
+              <a:rPr lang="en-US" altLang="zh-TW" sz="1200" b="0" kern="1200" dirty="0">
+                <a:solidFill>
+                  <a:schemeClr val="tx1"/>
+                </a:solidFill>
+                <a:effectLst/>
+                <a:latin typeface="+mn-lt"/>
+                <a:ea typeface="+mn-ea"/>
+                <a:cs typeface="+mn-cs"/>
+              </a:rPr>
+              <a:t>)</a:t>
+            </a:r>
+            <a:r>
+              <a:rPr lang="zh-TW" altLang="en-US" sz="1200" b="0" kern="1200" dirty="0">
+                <a:solidFill>
+                  <a:schemeClr val="tx1"/>
+                </a:solidFill>
+                <a:effectLst/>
+                <a:latin typeface="+mn-lt"/>
+                <a:ea typeface="+mn-ea"/>
+                <a:cs typeface="+mn-cs"/>
+              </a:rPr>
+              <a:t>等，用來對應發生在同一個車道上的事件。而二維風險評估則會有較為嚴苛的假設 和 更多的參數需求來形成更複雜的風險指標，但是能夠應對全方位的障礙物。</a:t>
+            </a:r>
             <a:endParaRPr lang="en-US" altLang="zh-TW" sz="1200" b="0" kern="1200" dirty="0">
               <a:solidFill>
                 <a:schemeClr val="tx1"/>
@@ -1375,7 +2624,7 @@
     </p:spTree>
     <p:extLst>
       <p:ext uri="{BB962C8B-B14F-4D97-AF65-F5344CB8AC3E}">
-        <p14:creationId xmlns:p14="http://schemas.microsoft.com/office/powerpoint/2010/main" val="646540449"/>
+        <p14:creationId xmlns:p14="http://schemas.microsoft.com/office/powerpoint/2010/main" val="3853990903"/>
       </p:ext>
     </p:extLst>
   </p:cSld>
@@ -1429,206 +2678,6 @@
           <a:bodyPr/>
           <a:lstStyle/>
           <a:p>
-            <a:pPr marL="914400" lvl="2" indent="0" algn="just">
-              <a:buFont typeface="Arial" panose="020B0604020202020204" pitchFamily="34" charset="0"/>
-              <a:buNone/>
-            </a:pPr>
-            <a:r>
-              <a:rPr lang="zh-TW" altLang="en-US" sz="1200" b="0" kern="1200" dirty="0">
-                <a:solidFill>
-                  <a:schemeClr val="tx1"/>
-                </a:solidFill>
-                <a:effectLst/>
-                <a:latin typeface="+mn-lt"/>
-                <a:ea typeface="+mn-ea"/>
-                <a:cs typeface="+mn-cs"/>
-              </a:rPr>
-              <a:t>大致上，我將它們分為一維或二維的風險評估。一維風險評估雖然直觀，但是由於忽略了物體橫向運動的可能，所以適用範圍較為限縮。大多被應用在</a:t>
-            </a:r>
-            <a:r>
-              <a:rPr lang="en-US" altLang="zh-TW" sz="1200" b="0" kern="1200" dirty="0">
-                <a:solidFill>
-                  <a:schemeClr val="tx1"/>
-                </a:solidFill>
-                <a:effectLst/>
-                <a:latin typeface="+mn-lt"/>
-                <a:ea typeface="+mn-ea"/>
-                <a:cs typeface="+mn-cs"/>
-              </a:rPr>
-              <a:t>AEB(</a:t>
-            </a:r>
-            <a:r>
-              <a:rPr lang="zh-TW" altLang="en-US" sz="1200" b="0" kern="1200" dirty="0">
-                <a:solidFill>
-                  <a:schemeClr val="tx1"/>
-                </a:solidFill>
-                <a:effectLst/>
-                <a:latin typeface="+mn-lt"/>
-                <a:ea typeface="+mn-ea"/>
-                <a:cs typeface="+mn-cs"/>
-              </a:rPr>
-              <a:t>自動緊急煞車系統</a:t>
-            </a:r>
-            <a:r>
-              <a:rPr lang="en-US" altLang="zh-TW" sz="1200" b="0" kern="1200" dirty="0">
-                <a:solidFill>
-                  <a:schemeClr val="tx1"/>
-                </a:solidFill>
-                <a:effectLst/>
-                <a:latin typeface="+mn-lt"/>
-                <a:ea typeface="+mn-ea"/>
-                <a:cs typeface="+mn-cs"/>
-              </a:rPr>
-              <a:t>)</a:t>
-            </a:r>
-            <a:r>
-              <a:rPr lang="zh-TW" altLang="en-US" sz="1200" b="0" kern="1200" dirty="0">
-                <a:solidFill>
-                  <a:schemeClr val="tx1"/>
-                </a:solidFill>
-                <a:effectLst/>
-                <a:latin typeface="+mn-lt"/>
-                <a:ea typeface="+mn-ea"/>
-                <a:cs typeface="+mn-cs"/>
-              </a:rPr>
-              <a:t>或</a:t>
-            </a:r>
-            <a:r>
-              <a:rPr lang="en-US" altLang="zh-TW" sz="1200" b="0" kern="1200" dirty="0">
-                <a:solidFill>
-                  <a:schemeClr val="tx1"/>
-                </a:solidFill>
-                <a:effectLst/>
-                <a:latin typeface="+mn-lt"/>
-                <a:ea typeface="+mn-ea"/>
-                <a:cs typeface="+mn-cs"/>
-              </a:rPr>
-              <a:t>ACC(</a:t>
-            </a:r>
-            <a:r>
-              <a:rPr lang="zh-TW" altLang="en-US" sz="1200" b="0" kern="1200" dirty="0">
-                <a:solidFill>
-                  <a:schemeClr val="tx1"/>
-                </a:solidFill>
-                <a:effectLst/>
-                <a:latin typeface="+mn-lt"/>
-                <a:ea typeface="+mn-ea"/>
-                <a:cs typeface="+mn-cs"/>
-              </a:rPr>
-              <a:t>自動跟車巡航系統</a:t>
-            </a:r>
-            <a:r>
-              <a:rPr lang="en-US" altLang="zh-TW" sz="1200" b="0" kern="1200" dirty="0">
-                <a:solidFill>
-                  <a:schemeClr val="tx1"/>
-                </a:solidFill>
-                <a:effectLst/>
-                <a:latin typeface="+mn-lt"/>
-                <a:ea typeface="+mn-ea"/>
-                <a:cs typeface="+mn-cs"/>
-              </a:rPr>
-              <a:t>)</a:t>
-            </a:r>
-            <a:r>
-              <a:rPr lang="zh-TW" altLang="en-US" sz="1200" b="0" kern="1200" dirty="0">
-                <a:solidFill>
-                  <a:schemeClr val="tx1"/>
-                </a:solidFill>
-                <a:effectLst/>
-                <a:latin typeface="+mn-lt"/>
-                <a:ea typeface="+mn-ea"/>
-                <a:cs typeface="+mn-cs"/>
-              </a:rPr>
-              <a:t>等，用來對應發生在同一個車道上的事件。而二維風險評估則會有較為嚴苛的假設 和 更多的參數需求來形成更複雜的風險指標，但是能夠應對全方位的障礙物。</a:t>
-            </a:r>
-            <a:endParaRPr lang="en-US" altLang="zh-TW" sz="1200" b="0" kern="1200" dirty="0">
-              <a:solidFill>
-                <a:schemeClr val="tx1"/>
-              </a:solidFill>
-              <a:effectLst/>
-              <a:latin typeface="+mn-lt"/>
-              <a:ea typeface="+mn-ea"/>
-              <a:cs typeface="+mn-cs"/>
-            </a:endParaRPr>
-          </a:p>
-        </p:txBody>
-      </p:sp>
-      <p:sp>
-        <p:nvSpPr>
-          <p:cNvPr id="4" name="日期版面配置區 3"/>
-          <p:cNvSpPr>
-            <a:spLocks noGrp="1"/>
-          </p:cNvSpPr>
-          <p:nvPr>
-            <p:ph type="dt" idx="1"/>
-          </p:nvPr>
-        </p:nvSpPr>
-        <p:spPr/>
-        <p:txBody>
-          <a:bodyPr/>
-          <a:lstStyle/>
-          <a:p>
-            <a:endParaRPr lang="zh-TW" altLang="en-US"/>
-          </a:p>
-        </p:txBody>
-      </p:sp>
-    </p:spTree>
-    <p:extLst>
-      <p:ext uri="{BB962C8B-B14F-4D97-AF65-F5344CB8AC3E}">
-        <p14:creationId xmlns:p14="http://schemas.microsoft.com/office/powerpoint/2010/main" val="3853990903"/>
-      </p:ext>
-    </p:extLst>
-  </p:cSld>
-  <p:clrMapOvr>
-    <a:masterClrMapping/>
-  </p:clrMapOvr>
-</p:notes>
-</file>
-
-<file path=ppt/notesSlides/notesSlide4.xml><?xml version="1.0" encoding="utf-8"?>
-<p:notes xmlns:a="http://schemas.openxmlformats.org/drawingml/2006/main" xmlns:r="http://schemas.openxmlformats.org/officeDocument/2006/relationships" xmlns:p="http://schemas.openxmlformats.org/presentationml/2006/main">
-  <p:cSld>
-    <p:spTree>
-      <p:nvGrpSpPr>
-        <p:cNvPr id="1" name=""/>
-        <p:cNvGrpSpPr/>
-        <p:nvPr/>
-      </p:nvGrpSpPr>
-      <p:grpSpPr>
-        <a:xfrm>
-          <a:off x="0" y="0"/>
-          <a:ext cx="0" cy="0"/>
-          <a:chOff x="0" y="0"/>
-          <a:chExt cx="0" cy="0"/>
-        </a:xfrm>
-      </p:grpSpPr>
-      <p:sp>
-        <p:nvSpPr>
-          <p:cNvPr id="2" name="投影片影像版面配置區 1"/>
-          <p:cNvSpPr>
-            <a:spLocks noGrp="1" noRot="1" noChangeAspect="1"/>
-          </p:cNvSpPr>
-          <p:nvPr>
-            <p:ph type="sldImg"/>
-          </p:nvPr>
-        </p:nvSpPr>
-        <p:spPr/>
-      </p:sp>
-      <p:sp>
-        <p:nvSpPr>
-          <p:cNvPr id="3" name="備忘稿版面配置區 2"/>
-          <p:cNvSpPr>
-            <a:spLocks noGrp="1"/>
-          </p:cNvSpPr>
-          <p:nvPr>
-            <p:ph type="body" idx="1"/>
-          </p:nvPr>
-        </p:nvSpPr>
-        <p:spPr/>
-        <p:txBody>
-          <a:bodyPr/>
-          <a:lstStyle/>
-          <a:p>
             <a:r>
               <a:rPr lang="zh-TW" altLang="en-US" dirty="0"/>
               <a:t>第一個要介紹的量化風險方式是</a:t>
@@ -1783,7 +2832,7 @@
 </p:notes>
 </file>
 
-<file path=ppt/notesSlides/notesSlide5.xml><?xml version="1.0" encoding="utf-8"?>
+<file path=ppt/notesSlides/notesSlide4.xml><?xml version="1.0" encoding="utf-8"?>
 <p:notes xmlns:a="http://schemas.openxmlformats.org/drawingml/2006/main" xmlns:r="http://schemas.openxmlformats.org/officeDocument/2006/relationships" xmlns:p="http://schemas.openxmlformats.org/presentationml/2006/main">
   <p:cSld>
     <p:spTree>
@@ -2205,7 +3254,7 @@
 </p:notes>
 </file>
 
-<file path=ppt/notesSlides/notesSlide6.xml><?xml version="1.0" encoding="utf-8"?>
+<file path=ppt/notesSlides/notesSlide5.xml><?xml version="1.0" encoding="utf-8"?>
 <p:notes xmlns:a="http://schemas.openxmlformats.org/drawingml/2006/main" xmlns:r="http://schemas.openxmlformats.org/officeDocument/2006/relationships" xmlns:p="http://schemas.openxmlformats.org/presentationml/2006/main">
   <p:cSld>
     <p:spTree>
@@ -2251,7 +3300,7 @@
           <a:p>
             <a:r>
               <a:rPr lang="zh-TW" altLang="en-US" dirty="0"/>
-              <a:t>接下來，我們進到二維風險評估。在這個領域裡，風險場是最被廣為使用的方法。風險場用於評估自主系統周圍可能存在的風險源，這些風險可以是動態障礙物、敵對對象或其他威脅。風險場通過評估風險源的危險程度、接近距離等資訊來量化風險，以便自主系統決策應採取的行動。</a:t>
+              <a:t>接下來，我們進到二維風險評估。在這個領域裡，風險場是最被廣為使用的方法。風險場用於評估自主系統周圍可能存在的風險源，這些風險可以是動態障礙物、敵對對象或其他威脅。風險場通過評估風險源的危險程度、接近距離等資訊來量化風險，以便自主系統 決策 和 採取行動。</a:t>
             </a:r>
             <a:endParaRPr lang="en-US" altLang="zh-TW" dirty="0"/>
           </a:p>
@@ -2351,7 +3400,7 @@
 </p:notes>
 </file>
 
-<file path=ppt/notesSlides/notesSlide7.xml><?xml version="1.0" encoding="utf-8"?>
+<file path=ppt/notesSlides/notesSlide6.xml><?xml version="1.0" encoding="utf-8"?>
 <p:notes xmlns:a="http://schemas.openxmlformats.org/drawingml/2006/main" xmlns:r="http://schemas.openxmlformats.org/officeDocument/2006/relationships" xmlns:p="http://schemas.openxmlformats.org/presentationml/2006/main">
   <p:cSld>
     <p:spTree>
@@ -2380,8 +3429,8 @@
         </p:nvSpPr>
         <p:spPr/>
       </p:sp>
-      <mc:AlternateContent xmlns:mc="http://schemas.openxmlformats.org/markup-compatibility/2006">
-        <mc:Choice xmlns:a14="http://schemas.microsoft.com/office/drawing/2010/main" Requires="a14">
+      <mc:AlternateContent xmlns:mc="http://schemas.openxmlformats.org/markup-compatibility/2006" xmlns:a14="http://schemas.microsoft.com/office/drawing/2010/main">
+        <mc:Choice Requires="a14">
           <p:sp>
             <p:nvSpPr>
               <p:cNvPr id="3" name="備忘稿版面配置區 2"/>
@@ -2623,7 +3672,7 @@
             </p:txBody>
           </p:sp>
         </mc:Choice>
-        <mc:Fallback>
+        <mc:Fallback xmlns="">
           <p:sp>
             <p:nvSpPr>
               <p:cNvPr id="3" name="備忘稿版面配置區 2"/>
@@ -2887,6 +3936,121 @@
 </p:notes>
 </file>
 
+<file path=ppt/notesSlides/notesSlide7.xml><?xml version="1.0" encoding="utf-8"?>
+<p:notes xmlns:a="http://schemas.openxmlformats.org/drawingml/2006/main" xmlns:r="http://schemas.openxmlformats.org/officeDocument/2006/relationships" xmlns:p="http://schemas.openxmlformats.org/presentationml/2006/main">
+  <p:cSld>
+    <p:spTree>
+      <p:nvGrpSpPr>
+        <p:cNvPr id="1" name=""/>
+        <p:cNvGrpSpPr/>
+        <p:nvPr/>
+      </p:nvGrpSpPr>
+      <p:grpSpPr>
+        <a:xfrm>
+          <a:off x="0" y="0"/>
+          <a:ext cx="0" cy="0"/>
+          <a:chOff x="0" y="0"/>
+          <a:chExt cx="0" cy="0"/>
+        </a:xfrm>
+      </p:grpSpPr>
+      <p:sp>
+        <p:nvSpPr>
+          <p:cNvPr id="2" name="投影片影像版面配置區 1"/>
+          <p:cNvSpPr>
+            <a:spLocks noGrp="1" noRot="1" noChangeAspect="1"/>
+          </p:cNvSpPr>
+          <p:nvPr>
+            <p:ph type="sldImg"/>
+          </p:nvPr>
+        </p:nvSpPr>
+        <p:spPr/>
+      </p:sp>
+      <p:sp>
+        <p:nvSpPr>
+          <p:cNvPr id="3" name="備忘稿版面配置區 2"/>
+          <p:cNvSpPr>
+            <a:spLocks noGrp="1"/>
+          </p:cNvSpPr>
+          <p:nvPr>
+            <p:ph type="body" idx="1"/>
+          </p:nvPr>
+        </p:nvSpPr>
+        <p:spPr/>
+        <p:txBody>
+          <a:bodyPr/>
+          <a:lstStyle/>
+          <a:p>
+            <a:r>
+              <a:rPr lang="zh-TW" altLang="en-US" dirty="0"/>
+              <a:t>再來介紹機率風險法中的高斯分布模型。首先，我們假設知道自身車輛以及障礙物的位置，並以此產生兩者的空間座標系，而空間變異數則代表著可能是這台車的範圍。其中的</a:t>
+            </a:r>
+            <a:r>
+              <a:rPr lang="en-US" altLang="zh-TW" dirty="0" err="1"/>
+              <a:t>sigma_nx</a:t>
+            </a:r>
+            <a:r>
+              <a:rPr lang="zh-TW" altLang="en-US" dirty="0"/>
+              <a:t>平方以及</a:t>
+            </a:r>
+            <a:r>
+              <a:rPr lang="en-US" altLang="zh-TW" dirty="0" err="1"/>
+              <a:t>sigma_ny</a:t>
+            </a:r>
+            <a:r>
+              <a:rPr lang="zh-TW" altLang="en-US" dirty="0"/>
+              <a:t>平方分別為車輛在自身坐標系下 </a:t>
+            </a:r>
+            <a:r>
+              <a:rPr lang="en-US" altLang="zh-TW" dirty="0"/>
+              <a:t>X</a:t>
+            </a:r>
+            <a:r>
+              <a:rPr lang="zh-TW" altLang="en-US" dirty="0"/>
+              <a:t> 跟 </a:t>
+            </a:r>
+            <a:r>
+              <a:rPr lang="en-US" altLang="zh-TW" dirty="0"/>
+              <a:t>Y</a:t>
+            </a:r>
+            <a:r>
+              <a:rPr lang="zh-TW" altLang="en-US" dirty="0"/>
+              <a:t> 方向的變異數。</a:t>
+            </a:r>
+          </a:p>
+        </p:txBody>
+      </p:sp>
+      <p:sp>
+        <p:nvSpPr>
+          <p:cNvPr id="4" name="日期版面配置區 3"/>
+          <p:cNvSpPr>
+            <a:spLocks noGrp="1"/>
+          </p:cNvSpPr>
+          <p:nvPr>
+            <p:ph type="dt" idx="1"/>
+          </p:nvPr>
+        </p:nvSpPr>
+        <p:spPr/>
+        <p:txBody>
+          <a:bodyPr/>
+          <a:lstStyle/>
+          <a:p>
+            <a:endParaRPr lang="zh-TW" altLang="en-US"/>
+          </a:p>
+        </p:txBody>
+      </p:sp>
+    </p:spTree>
+    <p:extLst>
+      <p:ext uri="{BB962C8B-B14F-4D97-AF65-F5344CB8AC3E}">
+        <p14:creationId xmlns:p14="http://schemas.microsoft.com/office/powerpoint/2010/main" val="1434695786"/>
+      </p:ext>
+    </p:extLst>
+  </p:cSld>
+  <p:clrMapOvr>
+    <a:masterClrMapping/>
+  </p:clrMapOvr>
+</p:notes>
+</file>
+
 <file path=ppt/notesSlides/notesSlide8.xml><?xml version="1.0" encoding="utf-8"?>
 <p:notes xmlns:a="http://schemas.openxmlformats.org/drawingml/2006/main" xmlns:r="http://schemas.openxmlformats.org/officeDocument/2006/relationships" xmlns:p="http://schemas.openxmlformats.org/presentationml/2006/main">
   <p:cSld>
@@ -2933,40 +4097,60 @@
           <a:p>
             <a:r>
               <a:rPr lang="zh-TW" altLang="en-US" dirty="0"/>
-              <a:t>再來介紹機率風險法中的高斯分布模型。首先，我們假設知道自身車輛以及障礙物的位置，並以此產生兩者的空間座標系，而空間變異數則代表著可能是這台車的範圍。其中的</a:t>
-            </a:r>
-            <a:r>
-              <a:rPr lang="en-US" altLang="zh-TW" dirty="0" err="1"/>
-              <a:t>sigma_nx</a:t>
+              <a:t>有了兩車的空間變異數矩陣後，首先會將他們經過座標轉換後相加，得到一個較大的變異數矩陣</a:t>
+            </a:r>
+            <a:r>
+              <a:rPr lang="en-US" altLang="zh-TW" dirty="0"/>
+              <a:t>Cr</a:t>
             </a:r>
             <a:r>
               <a:rPr lang="zh-TW" altLang="en-US" dirty="0"/>
-              <a:t>平方以及</a:t>
-            </a:r>
-            <a:r>
-              <a:rPr lang="en-US" altLang="zh-TW" dirty="0" err="1"/>
-              <a:t>sigma_ny</a:t>
+              <a:t>。接著，引用二維高斯分布，設二維平均數位於原點，帶入剛剛得到的</a:t>
+            </a:r>
+            <a:r>
+              <a:rPr lang="en-US" altLang="zh-TW" dirty="0"/>
+              <a:t>Cr</a:t>
             </a:r>
             <a:r>
               <a:rPr lang="zh-TW" altLang="en-US" dirty="0"/>
-              <a:t>平方分別為車輛在自身坐標系下 </a:t>
+              <a:t>。便可以得到以兩車的相對距離為變數的風險機率分布</a:t>
             </a:r>
             <a:r>
               <a:rPr lang="en-US" altLang="zh-TW" dirty="0"/>
-              <a:t>X</a:t>
+              <a:t>f(x)</a:t>
             </a:r>
             <a:r>
               <a:rPr lang="zh-TW" altLang="en-US" dirty="0"/>
-              <a:t> 跟 </a:t>
-            </a:r>
-            <a:r>
-              <a:rPr lang="en-US" altLang="zh-TW" dirty="0"/>
-              <a:t>Y</a:t>
-            </a:r>
+              <a:t>。</a:t>
+            </a:r>
+            <a:endParaRPr lang="en-US" altLang="zh-TW" dirty="0"/>
+          </a:p>
+          <a:p>
             <a:r>
               <a:rPr lang="zh-TW" altLang="en-US" dirty="0"/>
-              <a:t> 方向的變異數。</a:t>
-            </a:r>
+              <a:t>如此一來，</a:t>
+            </a:r>
+            <a:r>
+              <a:rPr lang="zh-TW" altLang="en-US" sz="1200" dirty="0"/>
+              <a:t>想要判斷一個衝突區域</a:t>
+            </a:r>
+            <a:r>
+              <a:rPr lang="zh-TW" altLang="en-US" sz="1200" b="1" dirty="0"/>
+              <a:t>𝐺</a:t>
+            </a:r>
+            <a:r>
+              <a:rPr lang="zh-TW" altLang="en-US" sz="1200" dirty="0"/>
+              <a:t>的風險</a:t>
+            </a:r>
+            <a:r>
+              <a:rPr lang="en-US" altLang="zh-TW" sz="1200" dirty="0"/>
+              <a:t>P</a:t>
+            </a:r>
+            <a:r>
+              <a:rPr lang="zh-TW" altLang="en-US" sz="1200" dirty="0"/>
+              <a:t>，只要將該區域積分起來即可。</a:t>
+            </a:r>
+            <a:endParaRPr lang="zh-TW" altLang="en-US" dirty="0"/>
           </a:p>
         </p:txBody>
       </p:sp>
@@ -2992,7 +4176,7 @@
     </p:spTree>
     <p:extLst>
       <p:ext uri="{BB962C8B-B14F-4D97-AF65-F5344CB8AC3E}">
-        <p14:creationId xmlns:p14="http://schemas.microsoft.com/office/powerpoint/2010/main" val="1434695786"/>
+        <p14:creationId xmlns:p14="http://schemas.microsoft.com/office/powerpoint/2010/main" val="297628962"/>
       </p:ext>
     </p:extLst>
   </p:cSld>
@@ -3031,80 +4215,364 @@
         </p:nvSpPr>
         <p:spPr/>
       </p:sp>
-      <p:sp>
-        <p:nvSpPr>
-          <p:cNvPr id="3" name="備忘稿版面配置區 2"/>
-          <p:cNvSpPr>
-            <a:spLocks noGrp="1"/>
-          </p:cNvSpPr>
-          <p:nvPr>
-            <p:ph type="body" idx="1"/>
-          </p:nvPr>
-        </p:nvSpPr>
-        <p:spPr/>
-        <p:txBody>
-          <a:bodyPr/>
-          <a:lstStyle/>
-          <a:p>
-            <a:r>
-              <a:rPr lang="zh-TW" altLang="en-US" dirty="0"/>
-              <a:t>有了兩車的空間變異數矩陣後，首先會將他們經過座標轉換後相加，得到一個較大的變異數矩陣</a:t>
-            </a:r>
-            <a:r>
-              <a:rPr lang="en-US" altLang="zh-TW" dirty="0"/>
-              <a:t>Cr</a:t>
-            </a:r>
-            <a:r>
-              <a:rPr lang="zh-TW" altLang="en-US" dirty="0"/>
-              <a:t>。接著，引用二維高斯分布，設二維平均數位於原點，帶入剛剛得到的</a:t>
-            </a:r>
-            <a:r>
-              <a:rPr lang="en-US" altLang="zh-TW" dirty="0"/>
-              <a:t>Cr</a:t>
-            </a:r>
-            <a:r>
-              <a:rPr lang="zh-TW" altLang="en-US" dirty="0"/>
-              <a:t>。便可以得到以兩車的相對距離為變數的風險機率分布</a:t>
-            </a:r>
-            <a:r>
-              <a:rPr lang="en-US" altLang="zh-TW" dirty="0"/>
-              <a:t>f(x)</a:t>
-            </a:r>
-            <a:r>
-              <a:rPr lang="zh-TW" altLang="en-US" dirty="0"/>
-              <a:t>。</a:t>
-            </a:r>
-            <a:endParaRPr lang="en-US" altLang="zh-TW" dirty="0"/>
-          </a:p>
-          <a:p>
-            <a:r>
-              <a:rPr lang="zh-TW" altLang="en-US" dirty="0"/>
-              <a:t>如此一來，</a:t>
-            </a:r>
-            <a:r>
-              <a:rPr lang="zh-TW" altLang="en-US" sz="1200" dirty="0"/>
-              <a:t>想要判斷一個衝突區域</a:t>
-            </a:r>
-            <a:r>
-              <a:rPr lang="zh-TW" altLang="en-US" sz="1200" b="1" dirty="0"/>
-              <a:t>𝐺</a:t>
-            </a:r>
-            <a:r>
-              <a:rPr lang="zh-TW" altLang="en-US" sz="1200" dirty="0"/>
-              <a:t>的風險</a:t>
-            </a:r>
-            <a:r>
-              <a:rPr lang="en-US" altLang="zh-TW" sz="1200" dirty="0"/>
-              <a:t>P</a:t>
-            </a:r>
-            <a:r>
-              <a:rPr lang="zh-TW" altLang="en-US" sz="1200" dirty="0"/>
-              <a:t>，只要將該區域積分起來即可。</a:t>
-            </a:r>
-            <a:endParaRPr lang="zh-TW" altLang="en-US" dirty="0"/>
-          </a:p>
-        </p:txBody>
-      </p:sp>
+      <mc:AlternateContent xmlns:mc="http://schemas.openxmlformats.org/markup-compatibility/2006" xmlns:a14="http://schemas.microsoft.com/office/drawing/2010/main">
+        <mc:Choice Requires="a14">
+          <p:sp>
+            <p:nvSpPr>
+              <p:cNvPr id="3" name="備忘稿版面配置區 2"/>
+              <p:cNvSpPr>
+                <a:spLocks noGrp="1"/>
+              </p:cNvSpPr>
+              <p:nvPr>
+                <p:ph type="body" idx="1"/>
+              </p:nvPr>
+            </p:nvSpPr>
+            <p:spPr/>
+            <p:txBody>
+              <a:bodyPr/>
+              <a:lstStyle/>
+              <a:p>
+                <a:r>
+                  <a:rPr lang="zh-TW" altLang="en-US" dirty="0"/>
+                  <a:t>最後，來分析一下以高斯分布模型作為機率風險的量化方法之優缺點。</a:t>
+                </a:r>
+                <a:endParaRPr lang="en-US" altLang="zh-TW" dirty="0"/>
+              </a:p>
+              <a:p>
+                <a:pPr marL="0" marR="0" lvl="0" indent="0" algn="l" defTabSz="914400" rtl="0" eaLnBrk="1" fontAlgn="auto" latinLnBrk="0" hangingPunct="1">
+                  <a:lnSpc>
+                    <a:spcPct val="100000"/>
+                  </a:lnSpc>
+                  <a:spcBef>
+                    <a:spcPts val="0"/>
+                  </a:spcBef>
+                  <a:spcAft>
+                    <a:spcPts val="0"/>
+                  </a:spcAft>
+                  <a:buClrTx/>
+                  <a:buSzTx/>
+                  <a:buFontTx/>
+                  <a:buNone/>
+                  <a:tabLst/>
+                  <a:defRPr/>
+                </a:pPr>
+                <a:r>
+                  <a:rPr lang="zh-TW" altLang="en-US" dirty="0"/>
+                  <a:t>採用此風險量化法的最大優點是座標轉換容易。面對各位置的障礙物，系統可以透過轉換矩陣來轉換座標系，且任兩車輛模型都可構成一個整合的分佈模型。</a:t>
+                </a:r>
+                <a:endParaRPr lang="en-US" altLang="zh-TW" dirty="0"/>
+              </a:p>
+              <a:p>
+                <a:pPr marL="0" marR="0" lvl="0" indent="0" algn="l" defTabSz="914400" rtl="0" eaLnBrk="1" fontAlgn="auto" latinLnBrk="0" hangingPunct="1">
+                  <a:lnSpc>
+                    <a:spcPct val="100000"/>
+                  </a:lnSpc>
+                  <a:spcBef>
+                    <a:spcPts val="0"/>
+                  </a:spcBef>
+                  <a:spcAft>
+                    <a:spcPts val="0"/>
+                  </a:spcAft>
+                  <a:buClrTx/>
+                  <a:buSzTx/>
+                  <a:buFontTx/>
+                  <a:buNone/>
+                  <a:tabLst/>
+                  <a:defRPr/>
+                </a:pPr>
+                <a:r>
+                  <a:rPr lang="zh-TW" altLang="en-US" dirty="0"/>
+                  <a:t>但是，高斯分布模型有下列問題</a:t>
+                </a:r>
+                <a:r>
+                  <a:rPr lang="en-US" altLang="zh-TW" dirty="0"/>
+                  <a:t>:</a:t>
+                </a:r>
+              </a:p>
+              <a:p>
+                <a:pPr marL="0" marR="0" lvl="0" indent="0" algn="l" defTabSz="914400" rtl="0" eaLnBrk="1" fontAlgn="auto" latinLnBrk="0" hangingPunct="1">
+                  <a:lnSpc>
+                    <a:spcPct val="100000"/>
+                  </a:lnSpc>
+                  <a:spcBef>
+                    <a:spcPts val="0"/>
+                  </a:spcBef>
+                  <a:spcAft>
+                    <a:spcPts val="0"/>
+                  </a:spcAft>
+                  <a:buClrTx/>
+                  <a:buSzTx/>
+                  <a:buFontTx/>
+                  <a:buNone/>
+                  <a:tabLst/>
+                  <a:defRPr/>
+                </a:pPr>
+                <a:r>
+                  <a:rPr lang="zh-TW" altLang="en-US" dirty="0"/>
+                  <a:t>第一，測試車輛在遭遇不同大小的障礙物體時，自架系統可能沒辦法準確知道該物體的中心位置，造成變異數矩陣</a:t>
+                </a:r>
+                <a14:m>
+                  <m:oMath xmlns:m="http://schemas.openxmlformats.org/officeDocument/2006/math">
+                    <m:r>
+                      <a:rPr lang="en-US" altLang="zh-TW" b="1" i="1" dirty="0" smtClean="0">
+                        <a:latin typeface="Cambria Math" panose="02040503050406030204" pitchFamily="18" charset="0"/>
+                      </a:rPr>
+                      <m:t>𝑪</m:t>
+                    </m:r>
+                  </m:oMath>
+                </a14:m>
+                <a:r>
+                  <a:rPr lang="zh-TW" altLang="en-US" dirty="0"/>
+                  <a:t>的設定問題。</a:t>
+                </a:r>
+                <a:endParaRPr lang="en-US" altLang="zh-TW" dirty="0"/>
+              </a:p>
+              <a:p>
+                <a:pPr marL="0" marR="0" lvl="0" indent="0" algn="l" defTabSz="914400" rtl="0" eaLnBrk="1" fontAlgn="auto" latinLnBrk="0" hangingPunct="1">
+                  <a:lnSpc>
+                    <a:spcPct val="100000"/>
+                  </a:lnSpc>
+                  <a:spcBef>
+                    <a:spcPts val="0"/>
+                  </a:spcBef>
+                  <a:spcAft>
+                    <a:spcPts val="0"/>
+                  </a:spcAft>
+                  <a:buClrTx/>
+                  <a:buSzTx/>
+                  <a:buFontTx/>
+                  <a:buNone/>
+                  <a:tabLst/>
+                  <a:defRPr/>
+                </a:pPr>
+                <a:r>
+                  <a:rPr lang="zh-TW" altLang="en-US" dirty="0"/>
+                  <a:t>第二，此方法忽略了運動學參數。這個風險量化方式僅透過物體的位置來計算高斯風險分布，沒有考慮移動物體的行為，忽略不同的運動下帶來的風險。</a:t>
+                </a:r>
+              </a:p>
+              <a:p>
+                <a:pPr marL="0" marR="0" lvl="0" indent="0" algn="l" defTabSz="914400" rtl="0" eaLnBrk="1" fontAlgn="auto" latinLnBrk="0" hangingPunct="1">
+                  <a:lnSpc>
+                    <a:spcPct val="100000"/>
+                  </a:lnSpc>
+                  <a:spcBef>
+                    <a:spcPts val="0"/>
+                  </a:spcBef>
+                  <a:spcAft>
+                    <a:spcPts val="0"/>
+                  </a:spcAft>
+                  <a:buClrTx/>
+                  <a:buSzTx/>
+                  <a:buFontTx/>
+                  <a:buNone/>
+                  <a:tabLst/>
+                  <a:defRPr/>
+                </a:pPr>
+                <a:endParaRPr lang="en-US" altLang="zh-TW" dirty="0"/>
+              </a:p>
+              <a:p>
+                <a:pPr marL="0" marR="0" lvl="0" indent="0" algn="l" defTabSz="914400" rtl="0" eaLnBrk="1" fontAlgn="auto" latinLnBrk="0" hangingPunct="1">
+                  <a:lnSpc>
+                    <a:spcPct val="100000"/>
+                  </a:lnSpc>
+                  <a:spcBef>
+                    <a:spcPts val="0"/>
+                  </a:spcBef>
+                  <a:spcAft>
+                    <a:spcPts val="0"/>
+                  </a:spcAft>
+                  <a:buClrTx/>
+                  <a:buSzTx/>
+                  <a:buFontTx/>
+                  <a:buNone/>
+                  <a:tabLst/>
+                  <a:defRPr/>
+                </a:pPr>
+                <a:endParaRPr lang="zh-TW" altLang="en-US" dirty="0"/>
+              </a:p>
+              <a:p>
+                <a:endParaRPr lang="zh-TW" altLang="en-US" dirty="0"/>
+              </a:p>
+            </p:txBody>
+          </p:sp>
+        </mc:Choice>
+        <mc:Fallback xmlns="">
+          <p:sp>
+            <p:nvSpPr>
+              <p:cNvPr id="3" name="備忘稿版面配置區 2"/>
+              <p:cNvSpPr>
+                <a:spLocks noGrp="1"/>
+              </p:cNvSpPr>
+              <p:nvPr>
+                <p:ph type="body" idx="1"/>
+              </p:nvPr>
+            </p:nvSpPr>
+            <p:spPr/>
+            <p:txBody>
+              <a:bodyPr/>
+              <a:lstStyle/>
+              <a:p>
+                <a:r>
+                  <a:rPr lang="zh-TW" altLang="en-US" dirty="0"/>
+                  <a:t>最後，來分析一下以高斯分布模型作為機率風險的量化方法之優缺點。</a:t>
+                </a:r>
+                <a:endParaRPr lang="en-US" altLang="zh-TW" dirty="0"/>
+              </a:p>
+              <a:p>
+                <a:pPr marL="0" marR="0" lvl="0" indent="0" algn="l" defTabSz="914400" rtl="0" eaLnBrk="1" fontAlgn="auto" latinLnBrk="0" hangingPunct="1">
+                  <a:lnSpc>
+                    <a:spcPct val="100000"/>
+                  </a:lnSpc>
+                  <a:spcBef>
+                    <a:spcPts val="0"/>
+                  </a:spcBef>
+                  <a:spcAft>
+                    <a:spcPts val="0"/>
+                  </a:spcAft>
+                  <a:buClrTx/>
+                  <a:buSzTx/>
+                  <a:buFontTx/>
+                  <a:buNone/>
+                  <a:tabLst/>
+                  <a:defRPr/>
+                </a:pPr>
+                <a:r>
+                  <a:rPr lang="zh-TW" altLang="en-US" dirty="0"/>
+                  <a:t>採用此風險量化法的最大優點是座標轉換容易。面對各位置的障礙物，系統可以透過轉換矩陣來轉換座標系，且任兩車輛模型都可構成一個整合的分佈模型。</a:t>
+                </a:r>
+                <a:endParaRPr lang="en-US" altLang="zh-TW" dirty="0"/>
+              </a:p>
+              <a:p>
+                <a:pPr marL="0" marR="0" lvl="0" indent="0" algn="l" defTabSz="914400" rtl="0" eaLnBrk="1" fontAlgn="auto" latinLnBrk="0" hangingPunct="1">
+                  <a:lnSpc>
+                    <a:spcPct val="100000"/>
+                  </a:lnSpc>
+                  <a:spcBef>
+                    <a:spcPts val="0"/>
+                  </a:spcBef>
+                  <a:spcAft>
+                    <a:spcPts val="0"/>
+                  </a:spcAft>
+                  <a:buClrTx/>
+                  <a:buSzTx/>
+                  <a:buFontTx/>
+                  <a:buNone/>
+                  <a:tabLst/>
+                  <a:defRPr/>
+                </a:pPr>
+                <a:r>
+                  <a:rPr lang="zh-TW" altLang="en-US" dirty="0"/>
+                  <a:t>但是，高斯分布模型有下列問題</a:t>
+                </a:r>
+                <a:r>
+                  <a:rPr lang="en-US" altLang="zh-TW" dirty="0"/>
+                  <a:t>:</a:t>
+                </a:r>
+              </a:p>
+              <a:p>
+                <a:pPr marL="0" marR="0" lvl="0" indent="0" algn="l" defTabSz="914400" rtl="0" eaLnBrk="1" fontAlgn="auto" latinLnBrk="0" hangingPunct="1">
+                  <a:lnSpc>
+                    <a:spcPct val="100000"/>
+                  </a:lnSpc>
+                  <a:spcBef>
+                    <a:spcPts val="0"/>
+                  </a:spcBef>
+                  <a:spcAft>
+                    <a:spcPts val="0"/>
+                  </a:spcAft>
+                  <a:buClrTx/>
+                  <a:buSzTx/>
+                  <a:buFontTx/>
+                  <a:buNone/>
+                  <a:tabLst/>
+                  <a:defRPr/>
+                </a:pPr>
+                <a:r>
+                  <a:rPr lang="zh-TW" altLang="en-US" dirty="0"/>
+                  <a:t>第一，測試車輛在遭遇不同大小的障礙物體時，自架系統可能沒辦法準確知道該物體的中心位置，造成變異數矩陣</a:t>
+                </a:r>
+                <a:r>
+                  <a:rPr lang="en-US" altLang="zh-TW" b="1" i="0" dirty="0">
+                    <a:latin typeface="Cambria Math" panose="02040503050406030204" pitchFamily="18" charset="0"/>
+                  </a:rPr>
+                  <a:t>𝑪</a:t>
+                </a:r>
+                <a:r>
+                  <a:rPr lang="zh-TW" altLang="en-US" dirty="0"/>
+                  <a:t>的設定問題。</a:t>
+                </a:r>
+                <a:endParaRPr lang="en-US" altLang="zh-TW" dirty="0"/>
+              </a:p>
+              <a:p>
+                <a:pPr marL="0" marR="0" lvl="0" indent="0" algn="l" defTabSz="914400" rtl="0" eaLnBrk="1" fontAlgn="auto" latinLnBrk="0" hangingPunct="1">
+                  <a:lnSpc>
+                    <a:spcPct val="100000"/>
+                  </a:lnSpc>
+                  <a:spcBef>
+                    <a:spcPts val="0"/>
+                  </a:spcBef>
+                  <a:spcAft>
+                    <a:spcPts val="0"/>
+                  </a:spcAft>
+                  <a:buClrTx/>
+                  <a:buSzTx/>
+                  <a:buFontTx/>
+                  <a:buNone/>
+                  <a:tabLst/>
+                  <a:defRPr/>
+                </a:pPr>
+                <a:r>
+                  <a:rPr lang="zh-TW" altLang="en-US" dirty="0"/>
+                  <a:t>第二，此方法忽略了運動學參數。這個風險量化方式僅透過物體的位置來計算高斯風險分布，沒有考慮移動物體的行為，忽略不同的運動下帶來的風險。</a:t>
+                </a:r>
+              </a:p>
+              <a:p>
+                <a:pPr marL="0" marR="0" lvl="0" indent="0" algn="l" defTabSz="914400" rtl="0" eaLnBrk="1" fontAlgn="auto" latinLnBrk="0" hangingPunct="1">
+                  <a:lnSpc>
+                    <a:spcPct val="100000"/>
+                  </a:lnSpc>
+                  <a:spcBef>
+                    <a:spcPts val="0"/>
+                  </a:spcBef>
+                  <a:spcAft>
+                    <a:spcPts val="0"/>
+                  </a:spcAft>
+                  <a:buClrTx/>
+                  <a:buSzTx/>
+                  <a:buFontTx/>
+                  <a:buNone/>
+                  <a:tabLst/>
+                  <a:defRPr/>
+                </a:pPr>
+                <a:endParaRPr lang="en-US" altLang="zh-TW" dirty="0"/>
+              </a:p>
+              <a:p>
+                <a:pPr marL="0" marR="0" lvl="0" indent="0" algn="l" defTabSz="914400" rtl="0" eaLnBrk="1" fontAlgn="auto" latinLnBrk="0" hangingPunct="1">
+                  <a:lnSpc>
+                    <a:spcPct val="100000"/>
+                  </a:lnSpc>
+                  <a:spcBef>
+                    <a:spcPts val="0"/>
+                  </a:spcBef>
+                  <a:spcAft>
+                    <a:spcPts val="0"/>
+                  </a:spcAft>
+                  <a:buClrTx/>
+                  <a:buSzTx/>
+                  <a:buFontTx/>
+                  <a:buNone/>
+                  <a:tabLst/>
+                  <a:defRPr/>
+                </a:pPr>
+                <a:endParaRPr lang="zh-TW" altLang="en-US" dirty="0"/>
+              </a:p>
+              <a:p>
+                <a:endParaRPr lang="zh-TW" altLang="en-US" dirty="0"/>
+              </a:p>
+            </p:txBody>
+          </p:sp>
+        </mc:Fallback>
+      </mc:AlternateContent>
       <p:sp>
         <p:nvSpPr>
           <p:cNvPr id="4" name="日期版面配置區 3"/>
@@ -3127,7 +4595,7 @@
     </p:spTree>
     <p:extLst>
       <p:ext uri="{BB962C8B-B14F-4D97-AF65-F5344CB8AC3E}">
-        <p14:creationId xmlns:p14="http://schemas.microsoft.com/office/powerpoint/2010/main" val="297628962"/>
+        <p14:creationId xmlns:p14="http://schemas.microsoft.com/office/powerpoint/2010/main" val="409847489"/>
       </p:ext>
     </p:extLst>
   </p:cSld>
@@ -5159,6 +6627,36 @@
           <a:chExt cx="0" cy="0"/>
         </a:xfrm>
       </p:grpSpPr>
+      <p:pic>
+        <p:nvPicPr>
+          <p:cNvPr id="9" name="圖片 8">
+            <a:extLst>
+              <a:ext uri="{FF2B5EF4-FFF2-40B4-BE49-F238E27FC236}">
+                <a16:creationId xmlns:a16="http://schemas.microsoft.com/office/drawing/2014/main" id="{7F5B14C7-DC7D-45A8-B849-2A24A6D731AB}"/>
+              </a:ext>
+            </a:extLst>
+          </p:cNvPr>
+          <p:cNvPicPr>
+            <a:picLocks noChangeAspect="1"/>
+          </p:cNvPicPr>
+          <p:nvPr/>
+        </p:nvPicPr>
+        <p:blipFill>
+          <a:blip r:embed="rId3"/>
+          <a:stretch>
+            <a:fillRect/>
+          </a:stretch>
+        </p:blipFill>
+        <p:spPr>
+          <a:xfrm>
+            <a:off x="1460029" y="4518838"/>
+            <a:ext cx="5992061" cy="1733792"/>
+          </a:xfrm>
+          <a:prstGeom prst="rect">
+            <a:avLst/>
+          </a:prstGeom>
+        </p:spPr>
+      </p:pic>
       <p:sp>
         <p:nvSpPr>
           <p:cNvPr id="3" name="投影片編號版面配置區 2">
@@ -5220,7 +6718,7 @@
             </a:r>
             <a:r>
               <a:rPr lang="zh-TW" altLang="en-US" dirty="0"/>
-              <a:t>高斯分布模型</a:t>
+              <a:t>指數分布模型</a:t>
             </a:r>
           </a:p>
         </p:txBody>
@@ -5243,41 +6741,23 @@
         </p:nvSpPr>
         <p:spPr>
           <a:xfrm>
-            <a:off x="628650" y="1638190"/>
-            <a:ext cx="7886700" cy="1241830"/>
+            <a:off x="628650" y="1017276"/>
+            <a:ext cx="7886700" cy="1321887"/>
           </a:xfrm>
         </p:spPr>
         <p:txBody>
-          <a:bodyPr/>
+          <a:bodyPr>
+            <a:normAutofit/>
+          </a:bodyPr>
           <a:lstStyle/>
           <a:p>
-            <a:pPr marL="0" indent="0">
-              <a:buNone/>
-            </a:pPr>
-            <a:r>
-              <a:rPr lang="zh-TW" altLang="en-US" b="1" dirty="0">
-                <a:solidFill>
-                  <a:srgbClr val="0070C0"/>
-                </a:solidFill>
-              </a:rPr>
-              <a:t>優勢</a:t>
-            </a:r>
-            <a:r>
-              <a:rPr lang="en-US" altLang="zh-TW" b="1" dirty="0">
-                <a:solidFill>
-                  <a:srgbClr val="0070C0"/>
-                </a:solidFill>
-              </a:rPr>
-              <a:t>:</a:t>
-            </a:r>
-          </a:p>
-          <a:p>
-            <a:pPr marL="0" indent="0">
-              <a:buNone/>
-            </a:pPr>
+            <a:r>
+              <a:rPr lang="en-US" altLang="zh-TW" dirty="0"/>
+              <a:t>Cheng [2] </a:t>
+            </a:r>
             <a:r>
               <a:rPr lang="zh-TW" altLang="en-US" dirty="0"/>
-              <a:t>座標轉換容易。可以透過轉換矩陣來轉換座標系，且任兩車輛模型皆可構成整合分佈模型。</a:t>
+              <a:t>以橢圓座標系實作幾何空間，並 如圖建立兩半橢圓作為車輛幾何空間，以駕駛距離做為變數，使用指數分佈函數實作風險模型。</a:t>
             </a:r>
           </a:p>
         </p:txBody>
@@ -5393,7 +6873,7 @@
               <p:nvPr/>
             </p:nvPicPr>
             <p:blipFill>
-              <a:blip r:embed="rId3">
+              <a:blip r:embed="rId4">
                 <a:lum/>
                 <a:alphaModFix/>
               </a:blip>
@@ -5486,251 +6966,344 @@
           </p:sp>
         </p:grpSp>
       </p:grpSp>
+      <p:sp>
+        <p:nvSpPr>
+          <p:cNvPr id="17" name="文字方塊 16">
+            <a:extLst>
+              <a:ext uri="{FF2B5EF4-FFF2-40B4-BE49-F238E27FC236}">
+                <a16:creationId xmlns:a16="http://schemas.microsoft.com/office/drawing/2014/main" id="{C0F98617-F680-4625-A679-0E8FFE38F103}"/>
+              </a:ext>
+            </a:extLst>
+          </p:cNvPr>
+          <p:cNvSpPr txBox="1"/>
+          <p:nvPr/>
+        </p:nvSpPr>
+        <p:spPr>
+          <a:xfrm>
+            <a:off x="302309" y="6425617"/>
+            <a:ext cx="7436224" cy="400110"/>
+          </a:xfrm>
+          <a:prstGeom prst="rect">
+            <a:avLst/>
+          </a:prstGeom>
+          <a:noFill/>
+        </p:spPr>
+        <p:txBody>
+          <a:bodyPr wrap="square">
+            <a:spAutoFit/>
+          </a:bodyPr>
+          <a:lstStyle/>
+          <a:p>
+            <a:r>
+              <a:rPr lang="en-US" altLang="zh-TW" sz="1000" dirty="0"/>
+              <a:t>[2] H. Cheng and M. </a:t>
+            </a:r>
+            <a:r>
+              <a:rPr lang="en-US" altLang="zh-TW" sz="1000" dirty="0" err="1"/>
+              <a:t>Sester</a:t>
+            </a:r>
+            <a:r>
+              <a:rPr lang="en-US" altLang="zh-TW" sz="1000" dirty="0"/>
+              <a:t>, “Modeling mixed traffic in shared space using </a:t>
+            </a:r>
+            <a:r>
+              <a:rPr lang="en-US" altLang="zh-TW" sz="1000" dirty="0" err="1"/>
+              <a:t>lstm</a:t>
+            </a:r>
+            <a:r>
+              <a:rPr lang="en-US" altLang="zh-TW" sz="1000" dirty="0"/>
+              <a:t> with</a:t>
+            </a:r>
+            <a:r>
+              <a:rPr lang="zh-TW" altLang="en-US" sz="1000" dirty="0"/>
+              <a:t> </a:t>
+            </a:r>
+            <a:r>
+              <a:rPr lang="en-US" altLang="zh-TW" sz="1000" dirty="0"/>
+              <a:t>probability density mapping,” in 2018 21st </a:t>
+            </a:r>
+            <a:r>
+              <a:rPr lang="en-US" altLang="zh-TW" sz="1000" dirty="0">
+                <a:solidFill>
+                  <a:schemeClr val="bg1"/>
+                </a:solidFill>
+              </a:rPr>
+              <a:t>International Conference on Intelligent</a:t>
+            </a:r>
+            <a:r>
+              <a:rPr lang="zh-TW" altLang="en-US" sz="1000" dirty="0">
+                <a:solidFill>
+                  <a:schemeClr val="bg1"/>
+                </a:solidFill>
+              </a:rPr>
+              <a:t> </a:t>
+            </a:r>
+            <a:r>
+              <a:rPr lang="en-US" altLang="zh-TW" sz="1000" dirty="0">
+                <a:solidFill>
+                  <a:schemeClr val="bg1"/>
+                </a:solidFill>
+              </a:rPr>
+              <a:t>Transportation Systems (ITSC), pp. 3898–3904, 2018.</a:t>
+            </a:r>
+            <a:endParaRPr lang="zh-TW" altLang="en-US" sz="1000" dirty="0">
+              <a:solidFill>
+                <a:schemeClr val="bg1"/>
+              </a:solidFill>
+            </a:endParaRPr>
+          </a:p>
+        </p:txBody>
+      </p:sp>
+      <p:pic>
+        <p:nvPicPr>
+          <p:cNvPr id="6" name="圖片 5">
+            <a:extLst>
+              <a:ext uri="{FF2B5EF4-FFF2-40B4-BE49-F238E27FC236}">
+                <a16:creationId xmlns:a16="http://schemas.microsoft.com/office/drawing/2014/main" id="{68EFE6E8-88A2-4261-AD28-5EA2954630E1}"/>
+              </a:ext>
+            </a:extLst>
+          </p:cNvPr>
+          <p:cNvPicPr>
+            <a:picLocks noChangeAspect="1"/>
+          </p:cNvPicPr>
+          <p:nvPr/>
+        </p:nvPicPr>
+        <p:blipFill>
+          <a:blip r:embed="rId5"/>
+          <a:stretch>
+            <a:fillRect/>
+          </a:stretch>
+        </p:blipFill>
+        <p:spPr>
+          <a:xfrm>
+            <a:off x="468414" y="1909768"/>
+            <a:ext cx="4103586" cy="2609070"/>
+          </a:xfrm>
+          <a:prstGeom prst="rect">
+            <a:avLst/>
+          </a:prstGeom>
+        </p:spPr>
+      </p:pic>
       <mc:AlternateContent xmlns:mc="http://schemas.openxmlformats.org/markup-compatibility/2006">
         <mc:Choice xmlns:a14="http://schemas.microsoft.com/office/drawing/2010/main" Requires="a14">
           <p:sp>
             <p:nvSpPr>
-              <p:cNvPr id="14" name="內容版面配置區 7">
+              <p:cNvPr id="11" name="文字方塊 10">
                 <a:extLst>
                   <a:ext uri="{FF2B5EF4-FFF2-40B4-BE49-F238E27FC236}">
-                    <a16:creationId xmlns:a16="http://schemas.microsoft.com/office/drawing/2014/main" id="{01FB0D1F-A023-4BB4-8E19-79580336F062}"/>
+                    <a16:creationId xmlns:a16="http://schemas.microsoft.com/office/drawing/2014/main" id="{E763B3A6-4686-485F-B61E-A19D5B8053EB}"/>
                   </a:ext>
                 </a:extLst>
               </p:cNvPr>
-              <p:cNvSpPr txBox="1">
-                <a:spLocks/>
-              </p:cNvSpPr>
+              <p:cNvSpPr txBox="1"/>
               <p:nvPr/>
             </p:nvSpPr>
             <p:spPr>
               <a:xfrm>
-                <a:off x="628650" y="3617534"/>
-                <a:ext cx="7886700" cy="2223190"/>
+                <a:off x="4933054" y="2087408"/>
+                <a:ext cx="3799134" cy="2031325"/>
               </a:xfrm>
               <a:prstGeom prst="rect">
                 <a:avLst/>
               </a:prstGeom>
+              <a:noFill/>
             </p:spPr>
             <p:txBody>
-              <a:bodyPr vert="horz" lIns="91440" tIns="45720" rIns="91440" bIns="45720" rtlCol="0">
-                <a:normAutofit/>
+              <a:bodyPr wrap="square" rtlCol="0">
+                <a:spAutoFit/>
               </a:bodyPr>
-              <a:lstStyle>
-                <a:lvl1pPr marL="228600" indent="-228600" algn="l" defTabSz="914400" rtl="0" eaLnBrk="1" latinLnBrk="0" hangingPunct="1">
-                  <a:lnSpc>
-                    <a:spcPct val="90000"/>
-                  </a:lnSpc>
-                  <a:spcBef>
-                    <a:spcPts val="1000"/>
-                  </a:spcBef>
+              <a:lstStyle/>
+              <a:p>
+                <a:pPr marL="285750" indent="-285750">
                   <a:buFont typeface="Arial" panose="020B0604020202020204" pitchFamily="34" charset="0"/>
                   <a:buChar char="•"/>
-                  <a:defRPr sz="2000" kern="1200">
-                    <a:solidFill>
-                      <a:schemeClr val="tx1"/>
-                    </a:solidFill>
-                    <a:latin typeface="+mj-lt"/>
-                    <a:ea typeface="+mj-ea"/>
-                    <a:cs typeface="+mn-cs"/>
-                  </a:defRPr>
-                </a:lvl1pPr>
-                <a:lvl2pPr marL="685800" indent="-228600" algn="l" defTabSz="914400" rtl="0" eaLnBrk="1" latinLnBrk="0" hangingPunct="1">
-                  <a:lnSpc>
-                    <a:spcPct val="90000"/>
-                  </a:lnSpc>
-                  <a:spcBef>
-                    <a:spcPts val="500"/>
-                  </a:spcBef>
-                  <a:buFont typeface="Arial" panose="020B0604020202020204" pitchFamily="34" charset="0"/>
-                  <a:buChar char="•"/>
-                  <a:defRPr sz="1800" kern="1200">
-                    <a:solidFill>
-                      <a:schemeClr val="tx1"/>
-                    </a:solidFill>
-                    <a:latin typeface="+mj-lt"/>
-                    <a:ea typeface="+mj-ea"/>
-                    <a:cs typeface="+mn-cs"/>
-                  </a:defRPr>
-                </a:lvl2pPr>
-                <a:lvl3pPr marL="1143000" indent="-228600" algn="l" defTabSz="914400" rtl="0" eaLnBrk="1" latinLnBrk="0" hangingPunct="1">
-                  <a:lnSpc>
-                    <a:spcPct val="90000"/>
-                  </a:lnSpc>
-                  <a:spcBef>
-                    <a:spcPts val="500"/>
-                  </a:spcBef>
-                  <a:buFont typeface="Arial" panose="020B0604020202020204" pitchFamily="34" charset="0"/>
-                  <a:buChar char="•"/>
-                  <a:defRPr sz="1600" kern="1200">
-                    <a:solidFill>
-                      <a:schemeClr val="tx1"/>
-                    </a:solidFill>
-                    <a:latin typeface="+mj-lt"/>
-                    <a:ea typeface="+mj-ea"/>
-                    <a:cs typeface="+mn-cs"/>
-                  </a:defRPr>
-                </a:lvl3pPr>
-                <a:lvl4pPr marL="1600200" indent="-228600" algn="l" defTabSz="914400" rtl="0" eaLnBrk="1" latinLnBrk="0" hangingPunct="1">
-                  <a:lnSpc>
-                    <a:spcPct val="90000"/>
-                  </a:lnSpc>
-                  <a:spcBef>
-                    <a:spcPts val="500"/>
-                  </a:spcBef>
-                  <a:buFont typeface="Arial" panose="020B0604020202020204" pitchFamily="34" charset="0"/>
-                  <a:buChar char="•"/>
-                  <a:defRPr sz="1400" kern="1200">
-                    <a:solidFill>
-                      <a:schemeClr val="tx1"/>
-                    </a:solidFill>
-                    <a:latin typeface="+mj-lt"/>
-                    <a:ea typeface="+mj-ea"/>
-                    <a:cs typeface="+mn-cs"/>
-                  </a:defRPr>
-                </a:lvl4pPr>
-                <a:lvl5pPr marL="2057400" indent="-228600" algn="l" defTabSz="914400" rtl="0" eaLnBrk="1" latinLnBrk="0" hangingPunct="1">
-                  <a:lnSpc>
-                    <a:spcPct val="90000"/>
-                  </a:lnSpc>
-                  <a:spcBef>
-                    <a:spcPts val="500"/>
-                  </a:spcBef>
-                  <a:buFont typeface="Arial" panose="020B0604020202020204" pitchFamily="34" charset="0"/>
-                  <a:buChar char="•"/>
-                  <a:defRPr sz="1400" kern="1200">
-                    <a:solidFill>
-                      <a:schemeClr val="tx1"/>
-                    </a:solidFill>
-                    <a:latin typeface="+mj-lt"/>
-                    <a:ea typeface="+mj-ea"/>
-                    <a:cs typeface="+mn-cs"/>
-                  </a:defRPr>
-                </a:lvl5pPr>
-                <a:lvl6pPr marL="2514600" indent="-228600" algn="l" defTabSz="914400" rtl="0" eaLnBrk="1" latinLnBrk="0" hangingPunct="1">
-                  <a:lnSpc>
-                    <a:spcPct val="90000"/>
-                  </a:lnSpc>
-                  <a:spcBef>
-                    <a:spcPts val="500"/>
-                  </a:spcBef>
-                  <a:buFont typeface="Arial" panose="020B0604020202020204" pitchFamily="34" charset="0"/>
-                  <a:buChar char="•"/>
-                  <a:defRPr sz="1800" kern="1200">
-                    <a:solidFill>
-                      <a:schemeClr val="tx1"/>
-                    </a:solidFill>
-                    <a:latin typeface="+mn-lt"/>
-                    <a:ea typeface="+mn-ea"/>
-                    <a:cs typeface="+mn-cs"/>
-                  </a:defRPr>
-                </a:lvl6pPr>
-                <a:lvl7pPr marL="2971800" indent="-228600" algn="l" defTabSz="914400" rtl="0" eaLnBrk="1" latinLnBrk="0" hangingPunct="1">
-                  <a:lnSpc>
-                    <a:spcPct val="90000"/>
-                  </a:lnSpc>
-                  <a:spcBef>
-                    <a:spcPts val="500"/>
-                  </a:spcBef>
-                  <a:buFont typeface="Arial" panose="020B0604020202020204" pitchFamily="34" charset="0"/>
-                  <a:buChar char="•"/>
-                  <a:defRPr sz="1800" kern="1200">
-                    <a:solidFill>
-                      <a:schemeClr val="tx1"/>
-                    </a:solidFill>
-                    <a:latin typeface="+mn-lt"/>
-                    <a:ea typeface="+mn-ea"/>
-                    <a:cs typeface="+mn-cs"/>
-                  </a:defRPr>
-                </a:lvl7pPr>
-                <a:lvl8pPr marL="3429000" indent="-228600" algn="l" defTabSz="914400" rtl="0" eaLnBrk="1" latinLnBrk="0" hangingPunct="1">
-                  <a:lnSpc>
-                    <a:spcPct val="90000"/>
-                  </a:lnSpc>
-                  <a:spcBef>
-                    <a:spcPts val="500"/>
-                  </a:spcBef>
-                  <a:buFont typeface="Arial" panose="020B0604020202020204" pitchFamily="34" charset="0"/>
-                  <a:buChar char="•"/>
-                  <a:defRPr sz="1800" kern="1200">
-                    <a:solidFill>
-                      <a:schemeClr val="tx1"/>
-                    </a:solidFill>
-                    <a:latin typeface="+mn-lt"/>
-                    <a:ea typeface="+mn-ea"/>
-                    <a:cs typeface="+mn-cs"/>
-                  </a:defRPr>
-                </a:lvl8pPr>
-                <a:lvl9pPr marL="3886200" indent="-228600" algn="l" defTabSz="914400" rtl="0" eaLnBrk="1" latinLnBrk="0" hangingPunct="1">
-                  <a:lnSpc>
-                    <a:spcPct val="90000"/>
-                  </a:lnSpc>
-                  <a:spcBef>
-                    <a:spcPts val="500"/>
-                  </a:spcBef>
-                  <a:buFont typeface="Arial" panose="020B0604020202020204" pitchFamily="34" charset="0"/>
-                  <a:buChar char="•"/>
-                  <a:defRPr sz="1800" kern="1200">
-                    <a:solidFill>
-                      <a:schemeClr val="tx1"/>
-                    </a:solidFill>
-                    <a:latin typeface="+mn-lt"/>
-                    <a:ea typeface="+mn-ea"/>
-                    <a:cs typeface="+mn-cs"/>
-                  </a:defRPr>
-                </a:lvl9pPr>
-              </a:lstStyle>
-              <a:p>
-                <a:pPr marL="0" indent="0">
-                  <a:buFont typeface="Arial" panose="020B0604020202020204" pitchFamily="34" charset="0"/>
-                  <a:buNone/>
                 </a:pPr>
-                <a:r>
-                  <a:rPr lang="zh-TW" altLang="en-US" b="1" dirty="0">
-                    <a:solidFill>
-                      <a:srgbClr val="0070C0"/>
-                    </a:solidFill>
-                  </a:rPr>
-                  <a:t>問題</a:t>
-                </a:r>
-                <a:r>
-                  <a:rPr lang="en-US" altLang="zh-TW" b="1" dirty="0">
-                    <a:solidFill>
-                      <a:srgbClr val="0070C0"/>
-                    </a:solidFill>
-                  </a:rPr>
-                  <a:t>:</a:t>
-                </a:r>
-              </a:p>
-              <a:p>
-                <a:r>
-                  <a:rPr lang="zh-TW" altLang="en-US" dirty="0"/>
-                  <a:t>在遭遇不同大小的障礙物體時，自架系統可能沒辦法準確知道該物體的中心位置，造成變異數矩陣</a:t>
-                </a:r>
                 <a14:m>
                   <m:oMath xmlns:m="http://schemas.openxmlformats.org/officeDocument/2006/math">
                     <m:r>
-                      <a:rPr lang="en-US" altLang="zh-TW" b="1" i="1" dirty="0" smtClean="0">
+                      <a:rPr lang="en-US" altLang="zh-TW" i="1" dirty="0" smtClean="0">
                         <a:latin typeface="Cambria Math" panose="02040503050406030204" pitchFamily="18" charset="0"/>
                       </a:rPr>
-                      <m:t>𝑪</m:t>
+                      <m:t>𝑙</m:t>
                     </m:r>
                   </m:oMath>
                 </a14:m>
                 <a:r>
+                  <a:rPr lang="en-US" altLang="zh-TW" dirty="0"/>
+                  <a:t>:</a:t>
+                </a:r>
+                <a:r>
                   <a:rPr lang="zh-TW" altLang="en-US" dirty="0"/>
-                  <a:t>的設定問題。</a:t>
+                  <a:t>車輛長</a:t>
                 </a:r>
                 <a:endParaRPr lang="en-US" altLang="zh-TW" dirty="0"/>
               </a:p>
               <a:p>
-                <a:r>
-                  <a:rPr lang="zh-TW" altLang="en-US" b="1" dirty="0"/>
-                  <a:t>忽略運動學參數。</a:t>
+                <a:pPr marL="285750" indent="-285750">
+                  <a:buFont typeface="Arial" panose="020B0604020202020204" pitchFamily="34" charset="0"/>
+                  <a:buChar char="•"/>
+                </a:pPr>
+                <a14:m>
+                  <m:oMath xmlns:m="http://schemas.openxmlformats.org/officeDocument/2006/math">
+                    <m:r>
+                      <a:rPr lang="en-US" altLang="zh-TW" i="1" dirty="0" smtClean="0">
+                        <a:latin typeface="Cambria Math" panose="02040503050406030204" pitchFamily="18" charset="0"/>
+                      </a:rPr>
+                      <m:t>𝑤</m:t>
+                    </m:r>
+                  </m:oMath>
+                </a14:m>
+                <a:r>
+                  <a:rPr lang="en-US" altLang="zh-TW" dirty="0"/>
+                  <a:t>: </a:t>
                 </a:r>
                 <a:r>
                   <a:rPr lang="zh-TW" altLang="en-US" dirty="0"/>
-                  <a:t>此方法僅單透過物體的位置來計算高斯風險分布，沒有考慮移動物體的行為，忽略不同的運動下帶來的風險。</a:t>
-                </a:r>
+                  <a:t>車輛寬</a:t>
+                </a:r>
+                <a:endParaRPr lang="en-US" altLang="zh-TW" dirty="0"/>
+              </a:p>
+              <a:p>
+                <a:pPr marL="285750" indent="-285750">
+                  <a:buFont typeface="Arial" panose="020B0604020202020204" pitchFamily="34" charset="0"/>
+                  <a:buChar char="•"/>
+                </a:pPr>
+                <a:r>
+                  <a:rPr lang="en-US" altLang="zh-TW" dirty="0">
+                    <a:latin typeface="新細明體" panose="02020500000000000000" pitchFamily="18" charset="-120"/>
+                    <a:ea typeface="新細明體" panose="02020500000000000000" pitchFamily="18" charset="-120"/>
+                  </a:rPr>
+                  <a:t>γ:</a:t>
+                </a:r>
+                <a:r>
+                  <a:rPr lang="zh-TW" altLang="en-US" dirty="0">
+                    <a:latin typeface="新細明體" panose="02020500000000000000" pitchFamily="18" charset="-120"/>
+                    <a:ea typeface="新細明體" panose="02020500000000000000" pitchFamily="18" charset="-120"/>
+                  </a:rPr>
+                  <a:t> </a:t>
+                </a:r>
+                <a:r>
+                  <a:rPr lang="zh-TW" altLang="en-US" dirty="0">
+                    <a:latin typeface="微軟正黑體" panose="020B0604030504040204" pitchFamily="34" charset="-120"/>
+                    <a:ea typeface="微軟正黑體" panose="020B0604030504040204" pitchFamily="34" charset="-120"/>
+                  </a:rPr>
+                  <a:t>車輛中心</a:t>
+                </a:r>
+                <a:r>
+                  <a:rPr lang="zh-TW" altLang="en-US" dirty="0">
+                    <a:latin typeface="+mn-ea"/>
+                  </a:rPr>
+                  <a:t>比例參數</a:t>
+                </a:r>
+                <a:endParaRPr lang="en-US" altLang="zh-TW" dirty="0">
+                  <a:latin typeface="+mn-ea"/>
+                </a:endParaRPr>
+              </a:p>
+              <a:p>
+                <a:pPr marL="285750" indent="-285750">
+                  <a:buFont typeface="Arial" panose="020B0604020202020204" pitchFamily="34" charset="0"/>
+                  <a:buChar char="•"/>
+                </a:pPr>
+                <a14:m>
+                  <m:oMath xmlns:m="http://schemas.openxmlformats.org/officeDocument/2006/math">
+                    <m:r>
+                      <a:rPr lang="zh-TW" altLang="en-US" i="1" smtClean="0">
+                        <a:latin typeface="Cambria Math" panose="02040503050406030204" pitchFamily="18" charset="0"/>
+                      </a:rPr>
+                      <m:t>𝜃</m:t>
+                    </m:r>
+                  </m:oMath>
+                </a14:m>
+                <a:r>
+                  <a:rPr lang="en-US" altLang="zh-TW" dirty="0"/>
+                  <a:t>:</a:t>
+                </a:r>
+                <a:r>
+                  <a:rPr lang="zh-TW" altLang="en-US" dirty="0"/>
+                  <a:t> 車輛朝向與他車中心的夾角</a:t>
+                </a:r>
+                <a:endParaRPr lang="en-US" altLang="zh-TW" dirty="0"/>
+              </a:p>
+              <a:p>
+                <a:pPr marL="285750" indent="-285750">
+                  <a:buFont typeface="Arial" panose="020B0604020202020204" pitchFamily="34" charset="0"/>
+                  <a:buChar char="•"/>
+                </a:pPr>
+                <a14:m>
+                  <m:oMath xmlns:m="http://schemas.openxmlformats.org/officeDocument/2006/math">
+                    <m:r>
+                      <a:rPr lang="en-US" altLang="zh-TW" b="0" i="1" smtClean="0">
+                        <a:latin typeface="Cambria Math" panose="02040503050406030204" pitchFamily="18" charset="0"/>
+                      </a:rPr>
+                      <m:t>𝑑</m:t>
+                    </m:r>
+                  </m:oMath>
+                </a14:m>
+                <a:r>
+                  <a:rPr lang="en-US" altLang="zh-TW" dirty="0"/>
+                  <a:t>: </a:t>
+                </a:r>
+                <a:r>
+                  <a:rPr lang="zh-TW" altLang="en-US" dirty="0"/>
+                  <a:t>兩車中心距離</a:t>
+                </a:r>
+                <a:endParaRPr lang="en-US" altLang="zh-TW" dirty="0"/>
+              </a:p>
+              <a:p>
+                <a:pPr marL="285750" indent="-285750">
+                  <a:buFont typeface="Arial" panose="020B0604020202020204" pitchFamily="34" charset="0"/>
+                  <a:buChar char="•"/>
+                </a:pPr>
+                <a14:m>
+                  <m:oMath xmlns:m="http://schemas.openxmlformats.org/officeDocument/2006/math">
+                    <m:sSub>
+                      <m:sSubPr>
+                        <m:ctrlPr>
+                          <a:rPr lang="en-US" altLang="zh-TW" b="0" i="1" smtClean="0">
+                            <a:latin typeface="Cambria Math" panose="02040503050406030204" pitchFamily="18" charset="0"/>
+                          </a:rPr>
+                        </m:ctrlPr>
+                      </m:sSubPr>
+                      <m:e>
+                        <m:r>
+                          <a:rPr lang="en-US" altLang="zh-TW" b="0" i="1" smtClean="0">
+                            <a:latin typeface="Cambria Math" panose="02040503050406030204" pitchFamily="18" charset="0"/>
+                          </a:rPr>
+                          <m:t>𝑟</m:t>
+                        </m:r>
+                      </m:e>
+                      <m:sub>
+                        <m:r>
+                          <a:rPr lang="en-US" altLang="zh-TW" b="0" i="1" smtClean="0">
+                            <a:latin typeface="Cambria Math" panose="02040503050406030204" pitchFamily="18" charset="0"/>
+                          </a:rPr>
+                          <m:t>𝑠</m:t>
+                        </m:r>
+                      </m:sub>
+                    </m:sSub>
+                  </m:oMath>
+                </a14:m>
+                <a:r>
+                  <a:rPr lang="en-US" altLang="zh-TW" dirty="0"/>
+                  <a:t>:</a:t>
+                </a:r>
+                <a:r>
+                  <a:rPr lang="zh-TW" altLang="en-US" dirty="0"/>
+                  <a:t>為車輛的空間佔有距離</a:t>
+                </a:r>
+                <a:r>
+                  <a:rPr lang="en-US" altLang="zh-TW" dirty="0"/>
+                  <a:t>(</a:t>
+                </a:r>
+                <a:r>
+                  <a:rPr lang="zh-TW" altLang="en-US" dirty="0"/>
+                  <a:t>橢圓半徑</a:t>
+                </a:r>
+                <a:r>
+                  <a:rPr lang="en-US" altLang="zh-TW" dirty="0"/>
+                  <a:t>)</a:t>
+                </a:r>
+                <a:endParaRPr lang="zh-TW" altLang="en-US" dirty="0"/>
               </a:p>
             </p:txBody>
           </p:sp>
@@ -5738,10 +7311,10 @@
         <mc:Fallback>
           <p:sp>
             <p:nvSpPr>
-              <p:cNvPr id="14" name="內容版面配置區 7">
+              <p:cNvPr id="11" name="文字方塊 10">
                 <a:extLst>
                   <a:ext uri="{FF2B5EF4-FFF2-40B4-BE49-F238E27FC236}">
-                    <a16:creationId xmlns:a16="http://schemas.microsoft.com/office/drawing/2014/main" id="{01FB0D1F-A023-4BB4-8E19-79580336F062}"/>
+                    <a16:creationId xmlns:a16="http://schemas.microsoft.com/office/drawing/2014/main" id="{E763B3A6-4686-485F-B61E-A19D5B8053EB}"/>
                   </a:ext>
                 </a:extLst>
               </p:cNvPr>
@@ -5752,16 +7325,16 @@
             </p:nvSpPr>
             <p:spPr>
               <a:xfrm>
-                <a:off x="628650" y="3617534"/>
-                <a:ext cx="7886700" cy="2223190"/>
+                <a:off x="4933054" y="2087408"/>
+                <a:ext cx="3799134" cy="2031325"/>
               </a:xfrm>
               <a:prstGeom prst="rect">
                 <a:avLst/>
               </a:prstGeom>
               <a:blipFill>
-                <a:blip r:embed="rId4"/>
+                <a:blip r:embed="rId6"/>
                 <a:stretch>
-                  <a:fillRect l="-773" t="-2740" r="-2705"/>
+                  <a:fillRect l="-963" t="-1497" r="-482" b="-3593"/>
                 </a:stretch>
               </a:blipFill>
             </p:spPr>
@@ -5783,7 +7356,7 @@
     </p:spTree>
     <p:extLst>
       <p:ext uri="{BB962C8B-B14F-4D97-AF65-F5344CB8AC3E}">
-        <p14:creationId xmlns:p14="http://schemas.microsoft.com/office/powerpoint/2010/main" val="3509072494"/>
+        <p14:creationId xmlns:p14="http://schemas.microsoft.com/office/powerpoint/2010/main" val="3738039366"/>
       </p:ext>
     </p:extLst>
   </p:cSld>
@@ -5810,36 +7383,6 @@
           <a:chExt cx="0" cy="0"/>
         </a:xfrm>
       </p:grpSpPr>
-      <p:pic>
-        <p:nvPicPr>
-          <p:cNvPr id="9" name="圖片 8">
-            <a:extLst>
-              <a:ext uri="{FF2B5EF4-FFF2-40B4-BE49-F238E27FC236}">
-                <a16:creationId xmlns:a16="http://schemas.microsoft.com/office/drawing/2014/main" id="{7F5B14C7-DC7D-45A8-B849-2A24A6D731AB}"/>
-              </a:ext>
-            </a:extLst>
-          </p:cNvPr>
-          <p:cNvPicPr>
-            <a:picLocks noChangeAspect="1"/>
-          </p:cNvPicPr>
-          <p:nvPr/>
-        </p:nvPicPr>
-        <p:blipFill>
-          <a:blip r:embed="rId2"/>
-          <a:stretch>
-            <a:fillRect/>
-          </a:stretch>
-        </p:blipFill>
-        <p:spPr>
-          <a:xfrm>
-            <a:off x="1460029" y="4518838"/>
-            <a:ext cx="5992061" cy="1733792"/>
-          </a:xfrm>
-          <a:prstGeom prst="rect">
-            <a:avLst/>
-          </a:prstGeom>
-        </p:spPr>
-      </p:pic>
       <p:sp>
         <p:nvSpPr>
           <p:cNvPr id="3" name="投影片編號版面配置區 2">
@@ -5906,732 +7449,6 @@
           </a:p>
         </p:txBody>
       </p:sp>
-      <p:sp>
-        <p:nvSpPr>
-          <p:cNvPr id="8" name="內容版面配置區 7">
-            <a:extLst>
-              <a:ext uri="{FF2B5EF4-FFF2-40B4-BE49-F238E27FC236}">
-                <a16:creationId xmlns:a16="http://schemas.microsoft.com/office/drawing/2014/main" id="{0AD03AD6-2232-4EA1-BE65-37CE859531C1}"/>
-              </a:ext>
-            </a:extLst>
-          </p:cNvPr>
-          <p:cNvSpPr>
-            <a:spLocks noGrp="1"/>
-          </p:cNvSpPr>
-          <p:nvPr>
-            <p:ph idx="1"/>
-          </p:nvPr>
-        </p:nvSpPr>
-        <p:spPr>
-          <a:xfrm>
-            <a:off x="628650" y="1017276"/>
-            <a:ext cx="7886700" cy="1321887"/>
-          </a:xfrm>
-        </p:spPr>
-        <p:txBody>
-          <a:bodyPr>
-            <a:normAutofit/>
-          </a:bodyPr>
-          <a:lstStyle/>
-          <a:p>
-            <a:r>
-              <a:rPr lang="en-US" altLang="zh-TW" dirty="0"/>
-              <a:t>Cheng [2] </a:t>
-            </a:r>
-            <a:r>
-              <a:rPr lang="zh-TW" altLang="en-US" dirty="0"/>
-              <a:t>以橢圓座標系實作幾何空間，並 如圖建立兩半橢圓作為車輛幾何空間，以駕駛距離做為變數，使用指數分佈函數實作風險模型。</a:t>
-            </a:r>
-          </a:p>
-        </p:txBody>
-      </p:sp>
-      <p:grpSp>
-        <p:nvGrpSpPr>
-          <p:cNvPr id="19" name="群組 18">
-            <a:extLst>
-              <a:ext uri="{FF2B5EF4-FFF2-40B4-BE49-F238E27FC236}">
-                <a16:creationId xmlns:a16="http://schemas.microsoft.com/office/drawing/2014/main" id="{3EEE7542-EAB6-4586-B3CF-8937E96B78DC}"/>
-              </a:ext>
-            </a:extLst>
-          </p:cNvPr>
-          <p:cNvGrpSpPr/>
-          <p:nvPr/>
-        </p:nvGrpSpPr>
-        <p:grpSpPr>
-          <a:xfrm>
-            <a:off x="6333067" y="0"/>
-            <a:ext cx="2810933" cy="668866"/>
-            <a:chOff x="7780867" y="211667"/>
-            <a:chExt cx="2810933" cy="668866"/>
-          </a:xfrm>
-        </p:grpSpPr>
-        <p:sp>
-          <p:nvSpPr>
-            <p:cNvPr id="20" name="矩形 19">
-              <a:extLst>
-                <a:ext uri="{FF2B5EF4-FFF2-40B4-BE49-F238E27FC236}">
-                  <a16:creationId xmlns:a16="http://schemas.microsoft.com/office/drawing/2014/main" id="{4984F377-D513-48FB-883F-EB81AC723777}"/>
-                </a:ext>
-              </a:extLst>
-            </p:cNvPr>
-            <p:cNvSpPr/>
-            <p:nvPr/>
-          </p:nvSpPr>
-          <p:spPr>
-            <a:xfrm>
-              <a:off x="7780867" y="211667"/>
-              <a:ext cx="2810933" cy="668866"/>
-            </a:xfrm>
-            <a:prstGeom prst="rect">
-              <a:avLst/>
-            </a:prstGeom>
-            <a:solidFill>
-              <a:srgbClr val="FFFFFF">
-                <a:alpha val="40000"/>
-              </a:srgbClr>
-            </a:solidFill>
-            <a:ln>
-              <a:noFill/>
-            </a:ln>
-          </p:spPr>
-          <p:style>
-            <a:lnRef idx="2">
-              <a:schemeClr val="accent1">
-                <a:shade val="50000"/>
-              </a:schemeClr>
-            </a:lnRef>
-            <a:fillRef idx="1">
-              <a:schemeClr val="accent1"/>
-            </a:fillRef>
-            <a:effectRef idx="0">
-              <a:schemeClr val="accent1"/>
-            </a:effectRef>
-            <a:fontRef idx="minor">
-              <a:schemeClr val="lt1"/>
-            </a:fontRef>
-          </p:style>
-          <p:txBody>
-            <a:bodyPr rtlCol="0" anchor="ctr"/>
-            <a:lstStyle/>
-            <a:p>
-              <a:pPr algn="ctr"/>
-              <a:endParaRPr lang="zh-TW" altLang="en-US"/>
-            </a:p>
-          </p:txBody>
-        </p:sp>
-        <p:grpSp>
-          <p:nvGrpSpPr>
-            <p:cNvPr id="21" name="群組 20">
-              <a:extLst>
-                <a:ext uri="{FF2B5EF4-FFF2-40B4-BE49-F238E27FC236}">
-                  <a16:creationId xmlns:a16="http://schemas.microsoft.com/office/drawing/2014/main" id="{B68B8EEA-E441-48C5-A927-89111E1C9536}"/>
-                </a:ext>
-              </a:extLst>
-            </p:cNvPr>
-            <p:cNvGrpSpPr>
-              <a:grpSpLocks noChangeAspect="1"/>
-            </p:cNvGrpSpPr>
-            <p:nvPr/>
-          </p:nvGrpSpPr>
-          <p:grpSpPr>
-            <a:xfrm>
-              <a:off x="7845641" y="307446"/>
-              <a:ext cx="2334347" cy="468000"/>
-              <a:chOff x="0" y="0"/>
-              <a:chExt cx="4211517" cy="851040"/>
-            </a:xfrm>
-          </p:grpSpPr>
-          <p:pic>
-            <p:nvPicPr>
-              <p:cNvPr id="22" name="圖片 21">
-                <a:extLst>
-                  <a:ext uri="{FF2B5EF4-FFF2-40B4-BE49-F238E27FC236}">
-                    <a16:creationId xmlns:a16="http://schemas.microsoft.com/office/drawing/2014/main" id="{89F5C2BE-8CF9-42A2-9BC3-9D91DCCA48DB}"/>
-                  </a:ext>
-                </a:extLst>
-              </p:cNvPr>
-              <p:cNvPicPr>
-                <a:picLocks noChangeAspect="1"/>
-              </p:cNvPicPr>
-              <p:nvPr/>
-            </p:nvPicPr>
-            <p:blipFill>
-              <a:blip r:embed="rId3">
-                <a:lum/>
-                <a:alphaModFix/>
-              </a:blip>
-              <a:srcRect/>
-              <a:stretch>
-                <a:fillRect/>
-              </a:stretch>
-            </p:blipFill>
-            <p:spPr>
-              <a:xfrm>
-                <a:off x="0" y="0"/>
-                <a:ext cx="1414440" cy="851040"/>
-              </a:xfrm>
-              <a:prstGeom prst="rect">
-                <a:avLst/>
-              </a:prstGeom>
-            </p:spPr>
-          </p:pic>
-          <p:sp>
-            <p:nvSpPr>
-              <p:cNvPr id="23" name="文字方塊 19">
-                <a:extLst>
-                  <a:ext uri="{FF2B5EF4-FFF2-40B4-BE49-F238E27FC236}">
-                    <a16:creationId xmlns:a16="http://schemas.microsoft.com/office/drawing/2014/main" id="{BBF5D391-EBB8-4CF2-A5F0-E99C872FE9BE}"/>
-                  </a:ext>
-                </a:extLst>
-              </p:cNvPr>
-              <p:cNvSpPr txBox="1"/>
-              <p:nvPr/>
-            </p:nvSpPr>
-            <p:spPr>
-              <a:xfrm>
-                <a:off x="2133502" y="40139"/>
-                <a:ext cx="2078015" cy="492590"/>
-              </a:xfrm>
-              <a:prstGeom prst="rect">
-                <a:avLst/>
-              </a:prstGeom>
-            </p:spPr>
-            <p:txBody>
-              <a:bodyPr vert="horz" wrap="none" lIns="90000" tIns="45000" rIns="90000" bIns="45000" anchorCtr="0" compatLnSpc="0">
-                <a:spAutoFit/>
-              </a:bodyPr>
-              <a:lstStyle/>
-              <a:p>
-                <a:pPr algn="ctr" hangingPunct="0">
-                  <a:lnSpc>
-                    <a:spcPts val="1585"/>
-                  </a:lnSpc>
-                </a:pPr>
-                <a:r>
-                  <a:rPr lang="en-US" sz="1300" b="1" kern="150" dirty="0">
-                    <a:effectLst/>
-                    <a:latin typeface="Noto Sans CJK TC Regular"/>
-                    <a:ea typeface="新細明體" panose="02020500000000000000" pitchFamily="18" charset="-120"/>
-                    <a:cs typeface="Times New Roman" panose="02020603050405020304" pitchFamily="18" charset="0"/>
-                  </a:rPr>
-                  <a:t>National Taiwan University</a:t>
-                </a:r>
-                <a:endParaRPr lang="zh-TW" sz="1200" kern="150" dirty="0">
-                  <a:effectLst/>
-                  <a:latin typeface="Calibri" panose="020F0502020204030204" pitchFamily="34" charset="0"/>
-                  <a:ea typeface="新細明體" panose="02020500000000000000" pitchFamily="18" charset="-120"/>
-                  <a:cs typeface="Times New Roman" panose="02020603050405020304" pitchFamily="18" charset="0"/>
-                </a:endParaRPr>
-              </a:p>
-              <a:p>
-                <a:pPr algn="ctr" hangingPunct="0">
-                  <a:lnSpc>
-                    <a:spcPts val="1585"/>
-                  </a:lnSpc>
-                </a:pPr>
-                <a:r>
-                  <a:rPr lang="en-US" sz="1150" kern="150" dirty="0">
-                    <a:effectLst/>
-                    <a:latin typeface="Noto Sans CJK TC Regular"/>
-                    <a:ea typeface="新細明體" panose="02020500000000000000" pitchFamily="18" charset="-120"/>
-                    <a:cs typeface="Times New Roman" panose="02020603050405020304" pitchFamily="18" charset="0"/>
-                  </a:rPr>
-                  <a:t>System Optimization Laboratory</a:t>
-                </a:r>
-                <a:endParaRPr lang="zh-TW" sz="1200" kern="150" dirty="0">
-                  <a:effectLst/>
-                  <a:latin typeface="Calibri" panose="020F0502020204030204" pitchFamily="34" charset="0"/>
-                  <a:ea typeface="新細明體" panose="02020500000000000000" pitchFamily="18" charset="-120"/>
-                  <a:cs typeface="Times New Roman" panose="02020603050405020304" pitchFamily="18" charset="0"/>
-                </a:endParaRPr>
-              </a:p>
-            </p:txBody>
-          </p:sp>
-        </p:grpSp>
-      </p:grpSp>
-      <p:sp>
-        <p:nvSpPr>
-          <p:cNvPr id="17" name="文字方塊 16">
-            <a:extLst>
-              <a:ext uri="{FF2B5EF4-FFF2-40B4-BE49-F238E27FC236}">
-                <a16:creationId xmlns:a16="http://schemas.microsoft.com/office/drawing/2014/main" id="{C0F98617-F680-4625-A679-0E8FFE38F103}"/>
-              </a:ext>
-            </a:extLst>
-          </p:cNvPr>
-          <p:cNvSpPr txBox="1"/>
-          <p:nvPr/>
-        </p:nvSpPr>
-        <p:spPr>
-          <a:xfrm>
-            <a:off x="302309" y="6425617"/>
-            <a:ext cx="7436224" cy="400110"/>
-          </a:xfrm>
-          <a:prstGeom prst="rect">
-            <a:avLst/>
-          </a:prstGeom>
-          <a:noFill/>
-        </p:spPr>
-        <p:txBody>
-          <a:bodyPr wrap="square">
-            <a:spAutoFit/>
-          </a:bodyPr>
-          <a:lstStyle/>
-          <a:p>
-            <a:r>
-              <a:rPr lang="en-US" altLang="zh-TW" sz="1000" dirty="0"/>
-              <a:t>[2] H. Cheng and M. </a:t>
-            </a:r>
-            <a:r>
-              <a:rPr lang="en-US" altLang="zh-TW" sz="1000" dirty="0" err="1"/>
-              <a:t>Sester</a:t>
-            </a:r>
-            <a:r>
-              <a:rPr lang="en-US" altLang="zh-TW" sz="1000" dirty="0"/>
-              <a:t>, “Modeling mixed traffic in shared space using </a:t>
-            </a:r>
-            <a:r>
-              <a:rPr lang="en-US" altLang="zh-TW" sz="1000" dirty="0" err="1"/>
-              <a:t>lstm</a:t>
-            </a:r>
-            <a:r>
-              <a:rPr lang="en-US" altLang="zh-TW" sz="1000" dirty="0"/>
-              <a:t> with</a:t>
-            </a:r>
-            <a:r>
-              <a:rPr lang="zh-TW" altLang="en-US" sz="1000" dirty="0"/>
-              <a:t> </a:t>
-            </a:r>
-            <a:r>
-              <a:rPr lang="en-US" altLang="zh-TW" sz="1000" dirty="0"/>
-              <a:t>probability density mapping,” in 2018 21st </a:t>
-            </a:r>
-            <a:r>
-              <a:rPr lang="en-US" altLang="zh-TW" sz="1000" dirty="0">
-                <a:solidFill>
-                  <a:schemeClr val="bg1"/>
-                </a:solidFill>
-              </a:rPr>
-              <a:t>International Conference on Intelligent</a:t>
-            </a:r>
-            <a:r>
-              <a:rPr lang="zh-TW" altLang="en-US" sz="1000" dirty="0">
-                <a:solidFill>
-                  <a:schemeClr val="bg1"/>
-                </a:solidFill>
-              </a:rPr>
-              <a:t> </a:t>
-            </a:r>
-            <a:r>
-              <a:rPr lang="en-US" altLang="zh-TW" sz="1000" dirty="0">
-                <a:solidFill>
-                  <a:schemeClr val="bg1"/>
-                </a:solidFill>
-              </a:rPr>
-              <a:t>Transportation Systems (ITSC), pp. 3898–3904, 2018.</a:t>
-            </a:r>
-            <a:endParaRPr lang="zh-TW" altLang="en-US" sz="1000" dirty="0">
-              <a:solidFill>
-                <a:schemeClr val="bg1"/>
-              </a:solidFill>
-            </a:endParaRPr>
-          </a:p>
-        </p:txBody>
-      </p:sp>
-      <p:pic>
-        <p:nvPicPr>
-          <p:cNvPr id="6" name="圖片 5">
-            <a:extLst>
-              <a:ext uri="{FF2B5EF4-FFF2-40B4-BE49-F238E27FC236}">
-                <a16:creationId xmlns:a16="http://schemas.microsoft.com/office/drawing/2014/main" id="{68EFE6E8-88A2-4261-AD28-5EA2954630E1}"/>
-              </a:ext>
-            </a:extLst>
-          </p:cNvPr>
-          <p:cNvPicPr>
-            <a:picLocks noChangeAspect="1"/>
-          </p:cNvPicPr>
-          <p:nvPr/>
-        </p:nvPicPr>
-        <p:blipFill>
-          <a:blip r:embed="rId4"/>
-          <a:stretch>
-            <a:fillRect/>
-          </a:stretch>
-        </p:blipFill>
-        <p:spPr>
-          <a:xfrm>
-            <a:off x="468414" y="1909768"/>
-            <a:ext cx="4103586" cy="2609070"/>
-          </a:xfrm>
-          <a:prstGeom prst="rect">
-            <a:avLst/>
-          </a:prstGeom>
-        </p:spPr>
-      </p:pic>
-      <mc:AlternateContent xmlns:mc="http://schemas.openxmlformats.org/markup-compatibility/2006" xmlns:a14="http://schemas.microsoft.com/office/drawing/2010/main">
-        <mc:Choice Requires="a14">
-          <p:sp>
-            <p:nvSpPr>
-              <p:cNvPr id="11" name="文字方塊 10">
-                <a:extLst>
-                  <a:ext uri="{FF2B5EF4-FFF2-40B4-BE49-F238E27FC236}">
-                    <a16:creationId xmlns:a16="http://schemas.microsoft.com/office/drawing/2014/main" id="{E763B3A6-4686-485F-B61E-A19D5B8053EB}"/>
-                  </a:ext>
-                </a:extLst>
-              </p:cNvPr>
-              <p:cNvSpPr txBox="1"/>
-              <p:nvPr/>
-            </p:nvSpPr>
-            <p:spPr>
-              <a:xfrm>
-                <a:off x="4933054" y="2087408"/>
-                <a:ext cx="3799134" cy="2031325"/>
-              </a:xfrm>
-              <a:prstGeom prst="rect">
-                <a:avLst/>
-              </a:prstGeom>
-              <a:noFill/>
-            </p:spPr>
-            <p:txBody>
-              <a:bodyPr wrap="square" rtlCol="0">
-                <a:spAutoFit/>
-              </a:bodyPr>
-              <a:lstStyle/>
-              <a:p>
-                <a:pPr marL="285750" indent="-285750">
-                  <a:buFont typeface="Arial" panose="020B0604020202020204" pitchFamily="34" charset="0"/>
-                  <a:buChar char="•"/>
-                </a:pPr>
-                <a14:m>
-                  <m:oMath xmlns:m="http://schemas.openxmlformats.org/officeDocument/2006/math">
-                    <m:r>
-                      <a:rPr lang="en-US" altLang="zh-TW" i="1" dirty="0" smtClean="0">
-                        <a:latin typeface="Cambria Math" panose="02040503050406030204" pitchFamily="18" charset="0"/>
-                      </a:rPr>
-                      <m:t>𝑙</m:t>
-                    </m:r>
-                  </m:oMath>
-                </a14:m>
-                <a:r>
-                  <a:rPr lang="en-US" altLang="zh-TW" dirty="0"/>
-                  <a:t>:</a:t>
-                </a:r>
-                <a:r>
-                  <a:rPr lang="zh-TW" altLang="en-US" dirty="0"/>
-                  <a:t>車輛長</a:t>
-                </a:r>
-                <a:endParaRPr lang="en-US" altLang="zh-TW" dirty="0"/>
-              </a:p>
-              <a:p>
-                <a:pPr marL="285750" indent="-285750">
-                  <a:buFont typeface="Arial" panose="020B0604020202020204" pitchFamily="34" charset="0"/>
-                  <a:buChar char="•"/>
-                </a:pPr>
-                <a14:m>
-                  <m:oMath xmlns:m="http://schemas.openxmlformats.org/officeDocument/2006/math">
-                    <m:r>
-                      <a:rPr lang="en-US" altLang="zh-TW" i="1" dirty="0" smtClean="0">
-                        <a:latin typeface="Cambria Math" panose="02040503050406030204" pitchFamily="18" charset="0"/>
-                      </a:rPr>
-                      <m:t>𝑤</m:t>
-                    </m:r>
-                  </m:oMath>
-                </a14:m>
-                <a:r>
-                  <a:rPr lang="en-US" altLang="zh-TW" dirty="0"/>
-                  <a:t>: </a:t>
-                </a:r>
-                <a:r>
-                  <a:rPr lang="zh-TW" altLang="en-US" dirty="0"/>
-                  <a:t>車輛寬</a:t>
-                </a:r>
-                <a:endParaRPr lang="en-US" altLang="zh-TW" dirty="0"/>
-              </a:p>
-              <a:p>
-                <a:pPr marL="285750" indent="-285750">
-                  <a:buFont typeface="Arial" panose="020B0604020202020204" pitchFamily="34" charset="0"/>
-                  <a:buChar char="•"/>
-                </a:pPr>
-                <a:r>
-                  <a:rPr lang="en-US" altLang="zh-TW" dirty="0">
-                    <a:latin typeface="新細明體" panose="02020500000000000000" pitchFamily="18" charset="-120"/>
-                    <a:ea typeface="新細明體" panose="02020500000000000000" pitchFamily="18" charset="-120"/>
-                  </a:rPr>
-                  <a:t>γ:</a:t>
-                </a:r>
-                <a:r>
-                  <a:rPr lang="zh-TW" altLang="en-US" dirty="0">
-                    <a:latin typeface="新細明體" panose="02020500000000000000" pitchFamily="18" charset="-120"/>
-                    <a:ea typeface="新細明體" panose="02020500000000000000" pitchFamily="18" charset="-120"/>
-                  </a:rPr>
-                  <a:t> </a:t>
-                </a:r>
-                <a:r>
-                  <a:rPr lang="zh-TW" altLang="en-US" dirty="0">
-                    <a:latin typeface="微軟正黑體" panose="020B0604030504040204" pitchFamily="34" charset="-120"/>
-                    <a:ea typeface="微軟正黑體" panose="020B0604030504040204" pitchFamily="34" charset="-120"/>
-                  </a:rPr>
-                  <a:t>車輛中心</a:t>
-                </a:r>
-                <a:r>
-                  <a:rPr lang="zh-TW" altLang="en-US" dirty="0">
-                    <a:latin typeface="+mn-ea"/>
-                  </a:rPr>
-                  <a:t>比例參數</a:t>
-                </a:r>
-                <a:endParaRPr lang="en-US" altLang="zh-TW" dirty="0">
-                  <a:latin typeface="+mn-ea"/>
-                </a:endParaRPr>
-              </a:p>
-              <a:p>
-                <a:pPr marL="285750" indent="-285750">
-                  <a:buFont typeface="Arial" panose="020B0604020202020204" pitchFamily="34" charset="0"/>
-                  <a:buChar char="•"/>
-                </a:pPr>
-                <a14:m>
-                  <m:oMath xmlns:m="http://schemas.openxmlformats.org/officeDocument/2006/math">
-                    <m:r>
-                      <a:rPr lang="zh-TW" altLang="en-US" i="1" smtClean="0">
-                        <a:latin typeface="Cambria Math" panose="02040503050406030204" pitchFamily="18" charset="0"/>
-                      </a:rPr>
-                      <m:t>𝜃</m:t>
-                    </m:r>
-                  </m:oMath>
-                </a14:m>
-                <a:r>
-                  <a:rPr lang="en-US" altLang="zh-TW" dirty="0"/>
-                  <a:t>:</a:t>
-                </a:r>
-                <a:r>
-                  <a:rPr lang="zh-TW" altLang="en-US" dirty="0"/>
-                  <a:t> 車輛朝向與他車中心的夾角</a:t>
-                </a:r>
-                <a:endParaRPr lang="en-US" altLang="zh-TW" dirty="0"/>
-              </a:p>
-              <a:p>
-                <a:pPr marL="285750" indent="-285750">
-                  <a:buFont typeface="Arial" panose="020B0604020202020204" pitchFamily="34" charset="0"/>
-                  <a:buChar char="•"/>
-                </a:pPr>
-                <a14:m>
-                  <m:oMath xmlns:m="http://schemas.openxmlformats.org/officeDocument/2006/math">
-                    <m:r>
-                      <a:rPr lang="en-US" altLang="zh-TW" b="0" i="1" smtClean="0">
-                        <a:latin typeface="Cambria Math" panose="02040503050406030204" pitchFamily="18" charset="0"/>
-                      </a:rPr>
-                      <m:t>𝑑</m:t>
-                    </m:r>
-                  </m:oMath>
-                </a14:m>
-                <a:r>
-                  <a:rPr lang="en-US" altLang="zh-TW" dirty="0"/>
-                  <a:t>: </a:t>
-                </a:r>
-                <a:r>
-                  <a:rPr lang="zh-TW" altLang="en-US" dirty="0"/>
-                  <a:t>兩車中心距離</a:t>
-                </a:r>
-                <a:endParaRPr lang="en-US" altLang="zh-TW" dirty="0"/>
-              </a:p>
-              <a:p>
-                <a:pPr marL="285750" indent="-285750">
-                  <a:buFont typeface="Arial" panose="020B0604020202020204" pitchFamily="34" charset="0"/>
-                  <a:buChar char="•"/>
-                </a:pPr>
-                <a14:m>
-                  <m:oMath xmlns:m="http://schemas.openxmlformats.org/officeDocument/2006/math">
-                    <m:sSub>
-                      <m:sSubPr>
-                        <m:ctrlPr>
-                          <a:rPr lang="en-US" altLang="zh-TW" b="0" i="1" smtClean="0">
-                            <a:latin typeface="Cambria Math" panose="02040503050406030204" pitchFamily="18" charset="0"/>
-                          </a:rPr>
-                        </m:ctrlPr>
-                      </m:sSubPr>
-                      <m:e>
-                        <m:r>
-                          <a:rPr lang="en-US" altLang="zh-TW" b="0" i="1" smtClean="0">
-                            <a:latin typeface="Cambria Math" panose="02040503050406030204" pitchFamily="18" charset="0"/>
-                          </a:rPr>
-                          <m:t>𝑟</m:t>
-                        </m:r>
-                      </m:e>
-                      <m:sub>
-                        <m:r>
-                          <a:rPr lang="en-US" altLang="zh-TW" b="0" i="1" smtClean="0">
-                            <a:latin typeface="Cambria Math" panose="02040503050406030204" pitchFamily="18" charset="0"/>
-                          </a:rPr>
-                          <m:t>𝑠</m:t>
-                        </m:r>
-                      </m:sub>
-                    </m:sSub>
-                  </m:oMath>
-                </a14:m>
-                <a:r>
-                  <a:rPr lang="en-US" altLang="zh-TW" dirty="0"/>
-                  <a:t>:</a:t>
-                </a:r>
-                <a:r>
-                  <a:rPr lang="zh-TW" altLang="en-US" dirty="0"/>
-                  <a:t>為駕駛車輛的空間佔有距離</a:t>
-                </a:r>
-                <a:r>
-                  <a:rPr lang="en-US" altLang="zh-TW" dirty="0"/>
-                  <a:t>(</a:t>
-                </a:r>
-                <a:r>
-                  <a:rPr lang="zh-TW" altLang="en-US" dirty="0"/>
-                  <a:t>橢圓半徑</a:t>
-                </a:r>
-                <a:r>
-                  <a:rPr lang="en-US" altLang="zh-TW" dirty="0"/>
-                  <a:t>)</a:t>
-                </a:r>
-                <a:endParaRPr lang="zh-TW" altLang="en-US" dirty="0"/>
-              </a:p>
-            </p:txBody>
-          </p:sp>
-        </mc:Choice>
-        <mc:Fallback xmlns="">
-          <p:sp>
-            <p:nvSpPr>
-              <p:cNvPr id="11" name="文字方塊 10">
-                <a:extLst>
-                  <a:ext uri="{FF2B5EF4-FFF2-40B4-BE49-F238E27FC236}">
-                    <a16:creationId xmlns:a16="http://schemas.microsoft.com/office/drawing/2014/main" id="{E763B3A6-4686-485F-B61E-A19D5B8053EB}"/>
-                  </a:ext>
-                </a:extLst>
-              </p:cNvPr>
-              <p:cNvSpPr txBox="1">
-                <a:spLocks noRot="1" noChangeAspect="1" noMove="1" noResize="1" noEditPoints="1" noAdjustHandles="1" noChangeArrowheads="1" noChangeShapeType="1" noTextEdit="1"/>
-              </p:cNvSpPr>
-              <p:nvPr/>
-            </p:nvSpPr>
-            <p:spPr>
-              <a:xfrm>
-                <a:off x="4933054" y="2087408"/>
-                <a:ext cx="3799134" cy="2031325"/>
-              </a:xfrm>
-              <a:prstGeom prst="rect">
-                <a:avLst/>
-              </a:prstGeom>
-              <a:blipFill>
-                <a:blip r:embed="rId5"/>
-                <a:stretch>
-                  <a:fillRect l="-963" t="-1497" r="-482" b="-3593"/>
-                </a:stretch>
-              </a:blipFill>
-            </p:spPr>
-            <p:txBody>
-              <a:bodyPr/>
-              <a:lstStyle/>
-              <a:p>
-                <a:r>
-                  <a:rPr lang="zh-TW" altLang="en-US">
-                    <a:noFill/>
-                  </a:rPr>
-                  <a:t> </a:t>
-                </a:r>
-              </a:p>
-            </p:txBody>
-          </p:sp>
-        </mc:Fallback>
-      </mc:AlternateContent>
-    </p:spTree>
-    <p:extLst>
-      <p:ext uri="{BB962C8B-B14F-4D97-AF65-F5344CB8AC3E}">
-        <p14:creationId xmlns:p14="http://schemas.microsoft.com/office/powerpoint/2010/main" val="3738039366"/>
-      </p:ext>
-    </p:extLst>
-  </p:cSld>
-  <p:clrMapOvr>
-    <a:masterClrMapping/>
-  </p:clrMapOvr>
-</p:sld>
-</file>
-
-<file path=ppt/slides/slide12.xml><?xml version="1.0" encoding="utf-8"?>
-<p:sld xmlns:a="http://schemas.openxmlformats.org/drawingml/2006/main" xmlns:r="http://schemas.openxmlformats.org/officeDocument/2006/relationships" xmlns:p="http://schemas.openxmlformats.org/presentationml/2006/main">
-  <p:cSld>
-    <p:spTree>
-      <p:nvGrpSpPr>
-        <p:cNvPr id="1" name=""/>
-        <p:cNvGrpSpPr/>
-        <p:nvPr/>
-      </p:nvGrpSpPr>
-      <p:grpSpPr>
-        <a:xfrm>
-          <a:off x="0" y="0"/>
-          <a:ext cx="0" cy="0"/>
-          <a:chOff x="0" y="0"/>
-          <a:chExt cx="0" cy="0"/>
-        </a:xfrm>
-      </p:grpSpPr>
-      <p:sp>
-        <p:nvSpPr>
-          <p:cNvPr id="3" name="投影片編號版面配置區 2">
-            <a:extLst>
-              <a:ext uri="{FF2B5EF4-FFF2-40B4-BE49-F238E27FC236}">
-                <a16:creationId xmlns:a16="http://schemas.microsoft.com/office/drawing/2014/main" id="{56ADE44C-27BA-4A02-B384-BEDB5D660E7B}"/>
-              </a:ext>
-            </a:extLst>
-          </p:cNvPr>
-          <p:cNvSpPr>
-            <a:spLocks noGrp="1"/>
-          </p:cNvSpPr>
-          <p:nvPr>
-            <p:ph type="sldNum" sz="quarter" idx="12"/>
-          </p:nvPr>
-        </p:nvSpPr>
-        <p:spPr/>
-        <p:txBody>
-          <a:bodyPr/>
-          <a:lstStyle/>
-          <a:p>
-            <a:fld id="{6D77D3CB-5987-4045-A9DE-313BCFC794EF}" type="slidenum">
-              <a:rPr lang="zh-TW" altLang="en-US" smtClean="0"/>
-              <a:pPr/>
-              <a:t>12</a:t>
-            </a:fld>
-            <a:endParaRPr lang="zh-TW" altLang="en-US"/>
-          </a:p>
-        </p:txBody>
-      </p:sp>
-      <p:sp>
-        <p:nvSpPr>
-          <p:cNvPr id="4" name="標題 3">
-            <a:extLst>
-              <a:ext uri="{FF2B5EF4-FFF2-40B4-BE49-F238E27FC236}">
-                <a16:creationId xmlns:a16="http://schemas.microsoft.com/office/drawing/2014/main" id="{50B9B7C5-C789-4F81-BC45-F610D10A6957}"/>
-              </a:ext>
-            </a:extLst>
-          </p:cNvPr>
-          <p:cNvSpPr>
-            <a:spLocks noGrp="1"/>
-          </p:cNvSpPr>
-          <p:nvPr>
-            <p:ph type="title"/>
-          </p:nvPr>
-        </p:nvSpPr>
-        <p:spPr/>
-        <p:txBody>
-          <a:bodyPr/>
-          <a:lstStyle/>
-          <a:p>
-            <a:r>
-              <a:rPr lang="zh-TW" altLang="en-US" dirty="0"/>
-              <a:t>機率風險</a:t>
-            </a:r>
-            <a:r>
-              <a:rPr lang="en-US" altLang="zh-TW" dirty="0"/>
-              <a:t>—</a:t>
-            </a:r>
-            <a:r>
-              <a:rPr lang="zh-TW" altLang="en-US" dirty="0"/>
-              <a:t>指數分布模型</a:t>
-            </a:r>
-          </a:p>
-        </p:txBody>
-      </p:sp>
       <mc:AlternateContent xmlns:mc="http://schemas.openxmlformats.org/markup-compatibility/2006" xmlns:a14="http://schemas.microsoft.com/office/drawing/2010/main">
         <mc:Choice Requires="a14">
           <p:sp>
@@ -6704,7 +7521,7 @@
                 <a:ext cx="7886700" cy="1321887"/>
               </a:xfrm>
               <a:blipFill>
-                <a:blip r:embed="rId2"/>
+                <a:blip r:embed="rId3"/>
                 <a:stretch>
                   <a:fillRect l="-696" t="-5069"/>
                 </a:stretch>
@@ -6836,7 +7653,7 @@
               <p:nvPr/>
             </p:nvPicPr>
             <p:blipFill>
-              <a:blip r:embed="rId3">
+              <a:blip r:embed="rId4">
                 <a:lum/>
                 <a:alphaModFix/>
               </a:blip>
@@ -7603,7 +8420,7 @@
                 <a:avLst/>
               </a:prstGeom>
               <a:blipFill>
-                <a:blip r:embed="rId4"/>
+                <a:blip r:embed="rId5"/>
                 <a:stretch>
                   <a:fillRect/>
                 </a:stretch>
@@ -7639,7 +8456,7 @@
           <p:nvPr/>
         </p:nvPicPr>
         <p:blipFill>
-          <a:blip r:embed="rId5"/>
+          <a:blip r:embed="rId6"/>
           <a:stretch>
             <a:fillRect/>
           </a:stretch>
@@ -7654,8 +8471,8 @@
           </a:prstGeom>
         </p:spPr>
       </p:pic>
-      <mc:AlternateContent xmlns:mc="http://schemas.openxmlformats.org/markup-compatibility/2006" xmlns:a14="http://schemas.microsoft.com/office/drawing/2010/main">
-        <mc:Choice Requires="a14">
+      <mc:AlternateContent xmlns:mc="http://schemas.openxmlformats.org/markup-compatibility/2006">
+        <mc:Choice xmlns:a14="http://schemas.microsoft.com/office/drawing/2010/main" Requires="a14">
           <p:sp>
             <p:nvSpPr>
               <p:cNvPr id="24" name="內容版面配置區 7">
@@ -7850,7 +8667,7 @@
               <a:p>
                 <a:r>
                   <a:rPr lang="zh-TW" altLang="en-US" dirty="0"/>
-                  <a:t>已中心連線距離</a:t>
+                  <a:t>中心連線距離</a:t>
                 </a:r>
                 <a14:m>
                   <m:oMath xmlns:m="http://schemas.openxmlformats.org/officeDocument/2006/math">
@@ -7917,10 +8734,10 @@
                       </m:e>
                       <m:sub>
                         <m:r>
-                          <a:rPr lang="en-US" altLang="zh-TW" i="1" dirty="0" err="1" smtClean="0">
+                          <a:rPr lang="en-US" altLang="zh-TW" b="0" i="1" dirty="0" smtClean="0">
                             <a:latin typeface="Cambria Math" panose="02040503050406030204" pitchFamily="18" charset="0"/>
                           </a:rPr>
-                          <m:t>𝑜</m:t>
+                          <m:t>𝑡</m:t>
                         </m:r>
                       </m:sub>
                     </m:sSub>
@@ -7951,7 +8768,7 @@
             </p:txBody>
           </p:sp>
         </mc:Choice>
-        <mc:Fallback xmlns="">
+        <mc:Fallback>
           <p:sp>
             <p:nvSpPr>
               <p:cNvPr id="24" name="內容版面配置區 7">
@@ -7975,7 +8792,7 @@
                 <a:avLst/>
               </a:prstGeom>
               <a:blipFill>
-                <a:blip r:embed="rId6"/>
+                <a:blip r:embed="rId7"/>
                 <a:stretch>
                   <a:fillRect l="-696" t="-4608"/>
                 </a:stretch>
@@ -8011,7 +8828,7 @@
           <p:nvPr/>
         </p:nvPicPr>
         <p:blipFill>
-          <a:blip r:embed="rId7"/>
+          <a:blip r:embed="rId8"/>
           <a:stretch>
             <a:fillRect/>
           </a:stretch>
@@ -8039,7 +8856,7 @@
 </p:sld>
 </file>
 
-<file path=ppt/slides/slide13.xml><?xml version="1.0" encoding="utf-8"?>
+<file path=ppt/slides/slide12.xml><?xml version="1.0" encoding="utf-8"?>
 <p:sld xmlns:a="http://schemas.openxmlformats.org/drawingml/2006/main" xmlns:r="http://schemas.openxmlformats.org/officeDocument/2006/relationships" xmlns:p="http://schemas.openxmlformats.org/presentationml/2006/main">
   <p:cSld>
     <p:spTree>
@@ -8080,7 +8897,7 @@
             <a:fld id="{6D77D3CB-5987-4045-A9DE-313BCFC794EF}" type="slidenum">
               <a:rPr lang="zh-TW" altLang="en-US" smtClean="0"/>
               <a:pPr/>
-              <a:t>13</a:t>
+              <a:t>12</a:t>
             </a:fld>
             <a:endParaRPr lang="zh-TW" altLang="en-US"/>
           </a:p>
@@ -8233,7 +9050,7 @@
               <p:nvPr/>
             </p:nvPicPr>
             <p:blipFill>
-              <a:blip r:embed="rId2">
+              <a:blip r:embed="rId3">
                 <a:lum/>
                 <a:alphaModFix/>
               </a:blip>
@@ -8380,7 +9197,7 @@
             </a:pPr>
             <a:r>
               <a:rPr lang="zh-TW" altLang="en-US" dirty="0"/>
-              <a:t>現實中由於車輛數動態物體，其潛在位置不一定符合高斯分布。把社會力模型中的用路人排斥力的指數假設擴展運用，建立車輛指數碰撞風險機率。</a:t>
+              <a:t>現實中車輛數動態物體，其潛在位置不一定符合高斯分布。把社會力模型中的用路人排斥力的指數假設擴展運用，建立車輛指數碰撞風險機率。</a:t>
             </a:r>
           </a:p>
         </p:txBody>
@@ -8601,7 +9418,7 @@
           <a:p>
             <a:r>
               <a:rPr lang="zh-TW" altLang="en-US" dirty="0"/>
-              <a:t>兩車中心連線的距離扣掉兩車橢圓半徑後不一定就是兩車之最短距離。</a:t>
+              <a:t>兩車中心連線的距離扣掉兩車橢圓半徑後，不一定就是兩車之最短距離。</a:t>
             </a:r>
             <a:endParaRPr lang="en-US" altLang="zh-TW" dirty="0"/>
           </a:p>
@@ -8631,7 +9448,7 @@
           <p:nvPr/>
         </p:nvPicPr>
         <p:blipFill>
-          <a:blip r:embed="rId3"/>
+          <a:blip r:embed="rId4"/>
           <a:stretch>
             <a:fillRect/>
           </a:stretch>
@@ -8659,7 +9476,7 @@
 </p:sld>
 </file>
 
-<file path=ppt/slides/slide14.xml><?xml version="1.0" encoding="utf-8"?>
+<file path=ppt/slides/slide13.xml><?xml version="1.0" encoding="utf-8"?>
 <p:sld xmlns:a="http://schemas.openxmlformats.org/drawingml/2006/main" xmlns:r="http://schemas.openxmlformats.org/officeDocument/2006/relationships" xmlns:p="http://schemas.openxmlformats.org/presentationml/2006/main">
   <p:cSld>
     <p:spTree>
@@ -8700,7 +9517,7 @@
             <a:fld id="{6D77D3CB-5987-4045-A9DE-313BCFC794EF}" type="slidenum">
               <a:rPr lang="zh-TW" altLang="en-US" smtClean="0"/>
               <a:pPr/>
-              <a:t>14</a:t>
+              <a:t>13</a:t>
             </a:fld>
             <a:endParaRPr lang="zh-TW" altLang="en-US"/>
           </a:p>
@@ -8747,8 +9564,8 @@
           </a:p>
         </p:txBody>
       </p:sp>
-      <mc:AlternateContent xmlns:mc="http://schemas.openxmlformats.org/markup-compatibility/2006" xmlns:a14="http://schemas.microsoft.com/office/drawing/2010/main">
-        <mc:Choice Requires="a14">
+      <mc:AlternateContent xmlns:mc="http://schemas.openxmlformats.org/markup-compatibility/2006">
+        <mc:Choice xmlns:a14="http://schemas.microsoft.com/office/drawing/2010/main" Requires="a14">
           <p:sp>
             <p:nvSpPr>
               <p:cNvPr id="8" name="內容版面配置區 7">
@@ -8789,7 +9606,7 @@
                 </a:r>
                 <a:r>
                   <a:rPr lang="zh-TW" altLang="en-US" dirty="0"/>
-                  <a:t>一樣只考慮車輛的動態行為，還考慮碰撞場景中參與者的質量。為的是要評估事故發生後的嚴重性。以評斷傷害的層面來看，這是更加有效的碰撞風險評估方式。</a:t>
+                  <a:t>一樣只考慮車輛的動態行為，還考慮碰撞場景中參與者的質量。目的是要評估事故發生後的嚴重性。</a:t>
                 </a:r>
                 <a:endParaRPr lang="en-US" altLang="zh-TW" dirty="0"/>
               </a:p>
@@ -8964,7 +9781,7 @@
             </p:txBody>
           </p:sp>
         </mc:Choice>
-        <mc:Fallback xmlns="">
+        <mc:Fallback>
           <p:sp>
             <p:nvSpPr>
               <p:cNvPr id="8" name="內容版面配置區 7">
@@ -8987,7 +9804,7 @@
                 <a:ext cx="7886700" cy="3148952"/>
               </a:xfrm>
               <a:blipFill>
-                <a:blip r:embed="rId2"/>
+                <a:blip r:embed="rId3"/>
                 <a:stretch>
                   <a:fillRect l="-696" t="-2132" r="-773"/>
                 </a:stretch>
@@ -9119,7 +9936,7 @@
               <p:nvPr/>
             </p:nvPicPr>
             <p:blipFill>
-              <a:blip r:embed="rId3">
+              <a:blip r:embed="rId4">
                 <a:lum/>
                 <a:alphaModFix/>
               </a:blip>
@@ -9227,14 +10044,14 @@
           <p:nvPr/>
         </p:nvPicPr>
         <p:blipFill>
-          <a:blip r:embed="rId4"/>
+          <a:blip r:embed="rId5"/>
           <a:stretch>
             <a:fillRect/>
           </a:stretch>
         </p:blipFill>
         <p:spPr>
           <a:xfrm>
-            <a:off x="3611658" y="3680385"/>
+            <a:off x="3428778" y="3023223"/>
             <a:ext cx="4782217" cy="971686"/>
           </a:xfrm>
           <a:prstGeom prst="rect">
@@ -9257,14 +10074,14 @@
           <p:nvPr/>
         </p:nvPicPr>
         <p:blipFill>
-          <a:blip r:embed="rId5"/>
+          <a:blip r:embed="rId6"/>
           <a:stretch>
             <a:fillRect/>
           </a:stretch>
         </p:blipFill>
         <p:spPr>
           <a:xfrm>
-            <a:off x="1211468" y="3923306"/>
+            <a:off x="1028588" y="3266144"/>
             <a:ext cx="1600423" cy="485843"/>
           </a:xfrm>
           <a:prstGeom prst="rect">
@@ -9286,7 +10103,7 @@
         </p:nvSpPr>
         <p:spPr>
           <a:xfrm>
-            <a:off x="2998694" y="3997703"/>
+            <a:off x="2815814" y="3340541"/>
             <a:ext cx="426161" cy="225910"/>
           </a:xfrm>
           <a:prstGeom prst="rightArrow">
@@ -9332,7 +10149,7 @@
         </p:nvSpPr>
         <p:spPr>
           <a:xfrm>
-            <a:off x="1290918" y="5190013"/>
+            <a:off x="1290918" y="5731105"/>
             <a:ext cx="6824382" cy="646331"/>
           </a:xfrm>
           <a:prstGeom prst="rect">
@@ -9356,8 +10173,190 @@
             </a:r>
             <a:r>
               <a:rPr lang="zh-TW" altLang="en-US" dirty="0"/>
-              <a:t>評估多數的碰撞風險可能並不理想</a:t>
-            </a:r>
+              <a:t>評估及時的碰撞風險可能並不理想</a:t>
+            </a:r>
+          </a:p>
+        </p:txBody>
+      </p:sp>
+      <p:sp>
+        <p:nvSpPr>
+          <p:cNvPr id="2" name="文字方塊 1">
+            <a:extLst>
+              <a:ext uri="{FF2B5EF4-FFF2-40B4-BE49-F238E27FC236}">
+                <a16:creationId xmlns:a16="http://schemas.microsoft.com/office/drawing/2014/main" id="{948CC284-D7FA-4420-86D7-E7506D814FFD}"/>
+              </a:ext>
+            </a:extLst>
+          </p:cNvPr>
+          <p:cNvSpPr txBox="1"/>
+          <p:nvPr/>
+        </p:nvSpPr>
+        <p:spPr>
+          <a:xfrm>
+            <a:off x="628650" y="4995840"/>
+            <a:ext cx="7730042" cy="400110"/>
+          </a:xfrm>
+          <a:prstGeom prst="rect">
+            <a:avLst/>
+          </a:prstGeom>
+          <a:noFill/>
+        </p:spPr>
+        <p:txBody>
+          <a:bodyPr wrap="square" rtlCol="0">
+            <a:spAutoFit/>
+          </a:bodyPr>
+          <a:lstStyle/>
+          <a:p>
+            <a:pPr marL="285750" indent="-285750">
+              <a:buFont typeface="Arial" panose="020B0604020202020204" pitchFamily="34" charset="0"/>
+              <a:buChar char="•"/>
+            </a:pPr>
+            <a:r>
+              <a:rPr lang="zh-TW" altLang="en-US" sz="2000" dirty="0"/>
+              <a:t>以評斷傷害的層面來看，這是更加有效的碰撞風險評估方式。</a:t>
+            </a:r>
+          </a:p>
+        </p:txBody>
+      </p:sp>
+      <p:pic>
+        <p:nvPicPr>
+          <p:cNvPr id="1026" name="Picture 2">
+            <a:extLst>
+              <a:ext uri="{FF2B5EF4-FFF2-40B4-BE49-F238E27FC236}">
+                <a16:creationId xmlns:a16="http://schemas.microsoft.com/office/drawing/2014/main" id="{37F247E8-695D-49BF-8A26-E57BDD93D026}"/>
+              </a:ext>
+            </a:extLst>
+          </p:cNvPr>
+          <p:cNvPicPr>
+            <a:picLocks noChangeAspect="1" noChangeArrowheads="1" noCrop="1"/>
+          </p:cNvPicPr>
+          <p:nvPr/>
+        </p:nvPicPr>
+        <p:blipFill>
+          <a:blip r:embed="rId7">
+            <a:extLst>
+              <a:ext uri="{28A0092B-C50C-407E-A947-70E740481C1C}">
+                <a14:useLocalDpi xmlns:a14="http://schemas.microsoft.com/office/drawing/2010/main" val="0"/>
+              </a:ext>
+            </a:extLst>
+          </a:blip>
+          <a:srcRect/>
+          <a:stretch>
+            <a:fillRect/>
+          </a:stretch>
+        </p:blipFill>
+        <p:spPr bwMode="auto">
+          <a:xfrm>
+            <a:off x="2190750" y="4176104"/>
+            <a:ext cx="4762500" cy="571500"/>
+          </a:xfrm>
+          <a:prstGeom prst="rect">
+            <a:avLst/>
+          </a:prstGeom>
+          <a:noFill/>
+          <a:extLst>
+            <a:ext uri="{909E8E84-426E-40DD-AFC4-6F175D3DCCD1}">
+              <a14:hiddenFill xmlns:a14="http://schemas.microsoft.com/office/drawing/2010/main">
+                <a:solidFill>
+                  <a:srgbClr val="FFFFFF"/>
+                </a:solidFill>
+              </a14:hiddenFill>
+            </a:ext>
+          </a:extLst>
+        </p:spPr>
+      </p:pic>
+      <p:sp>
+        <p:nvSpPr>
+          <p:cNvPr id="6" name="文字方塊 5">
+            <a:extLst>
+              <a:ext uri="{FF2B5EF4-FFF2-40B4-BE49-F238E27FC236}">
+                <a16:creationId xmlns:a16="http://schemas.microsoft.com/office/drawing/2014/main" id="{2A11819C-4B89-4294-84E1-847CEAEC8594}"/>
+              </a:ext>
+            </a:extLst>
+          </p:cNvPr>
+          <p:cNvSpPr txBox="1"/>
+          <p:nvPr/>
+        </p:nvSpPr>
+        <p:spPr>
+          <a:xfrm>
+            <a:off x="6895410" y="4502390"/>
+            <a:ext cx="572845" cy="369332"/>
+          </a:xfrm>
+          <a:prstGeom prst="rect">
+            <a:avLst/>
+          </a:prstGeom>
+          <a:noFill/>
+        </p:spPr>
+        <p:txBody>
+          <a:bodyPr wrap="square" rtlCol="0">
+            <a:spAutoFit/>
+          </a:bodyPr>
+          <a:lstStyle/>
+          <a:p>
+            <a:r>
+              <a:rPr lang="en-US" altLang="zh-TW" dirty="0"/>
+              <a:t>[3]</a:t>
+            </a:r>
+            <a:endParaRPr lang="zh-TW" altLang="en-US" dirty="0"/>
+          </a:p>
+        </p:txBody>
+      </p:sp>
+      <p:sp>
+        <p:nvSpPr>
+          <p:cNvPr id="10" name="文字方塊 9">
+            <a:extLst>
+              <a:ext uri="{FF2B5EF4-FFF2-40B4-BE49-F238E27FC236}">
+                <a16:creationId xmlns:a16="http://schemas.microsoft.com/office/drawing/2014/main" id="{53EC9C50-5F55-4744-84B4-A019E2078D67}"/>
+              </a:ext>
+            </a:extLst>
+          </p:cNvPr>
+          <p:cNvSpPr txBox="1"/>
+          <p:nvPr/>
+        </p:nvSpPr>
+        <p:spPr>
+          <a:xfrm>
+            <a:off x="470311" y="6617037"/>
+            <a:ext cx="8203378" cy="246221"/>
+          </a:xfrm>
+          <a:prstGeom prst="rect">
+            <a:avLst/>
+          </a:prstGeom>
+          <a:noFill/>
+        </p:spPr>
+        <p:txBody>
+          <a:bodyPr wrap="square" rtlCol="0">
+            <a:spAutoFit/>
+          </a:bodyPr>
+          <a:lstStyle/>
+          <a:p>
+            <a:r>
+              <a:rPr lang="en-US" altLang="zh-TW" sz="1000" dirty="0">
+                <a:solidFill>
+                  <a:schemeClr val="bg1"/>
+                </a:solidFill>
+              </a:rPr>
+              <a:t>[3]</a:t>
+            </a:r>
+            <a:r>
+              <a:rPr lang="zh-TW" altLang="en-US" sz="1000" dirty="0">
+                <a:solidFill>
+                  <a:schemeClr val="bg1"/>
+                </a:solidFill>
+              </a:rPr>
+              <a:t> </a:t>
+            </a:r>
+            <a:r>
+              <a:rPr lang="en-US" altLang="zh-TW" sz="1000" dirty="0">
+                <a:solidFill>
+                  <a:schemeClr val="bg1"/>
+                </a:solidFill>
+              </a:rPr>
+              <a:t>https://zh.wikipedia.org/zh-tw/%E9%9D%9E%E5%BC%B9%E6%80%A7%E7%A2%B0%E6%92%9E</a:t>
+            </a:r>
+            <a:endParaRPr lang="zh-TW" altLang="en-US" sz="1000" dirty="0">
+              <a:solidFill>
+                <a:schemeClr val="bg1"/>
+              </a:solidFill>
+            </a:endParaRPr>
           </a:p>
         </p:txBody>
       </p:sp>
@@ -9374,7 +10373,7 @@
 </p:sld>
 </file>
 
-<file path=ppt/slides/slide15.xml><?xml version="1.0" encoding="utf-8"?>
+<file path=ppt/slides/slide14.xml><?xml version="1.0" encoding="utf-8"?>
 <p:sld xmlns:a="http://schemas.openxmlformats.org/drawingml/2006/main" xmlns:r="http://schemas.openxmlformats.org/officeDocument/2006/relationships" xmlns:p="http://schemas.openxmlformats.org/presentationml/2006/main">
   <p:cSld>
     <p:spTree>
@@ -9415,7 +10414,7 @@
             <a:fld id="{6D77D3CB-5987-4045-A9DE-313BCFC794EF}" type="slidenum">
               <a:rPr lang="zh-TW" altLang="en-US" smtClean="0"/>
               <a:pPr/>
-              <a:t>15</a:t>
+              <a:t>14</a:t>
             </a:fld>
             <a:endParaRPr lang="zh-TW" altLang="en-US"/>
           </a:p>
@@ -9462,8 +10461,8 @@
           </a:p>
         </p:txBody>
       </p:sp>
-      <mc:AlternateContent xmlns:mc="http://schemas.openxmlformats.org/markup-compatibility/2006">
-        <mc:Choice xmlns:a14="http://schemas.microsoft.com/office/drawing/2010/main" Requires="a14">
+      <mc:AlternateContent xmlns:mc="http://schemas.openxmlformats.org/markup-compatibility/2006" xmlns:a14="http://schemas.microsoft.com/office/drawing/2010/main">
+        <mc:Choice Requires="a14">
           <p:sp>
             <p:nvSpPr>
               <p:cNvPr id="8" name="內容版面配置區 7">
@@ -9726,7 +10725,7 @@
             </p:txBody>
           </p:sp>
         </mc:Choice>
-        <mc:Fallback>
+        <mc:Fallback xmlns="">
           <p:sp>
             <p:nvSpPr>
               <p:cNvPr id="8" name="內容版面配置區 7">
@@ -9749,7 +10748,7 @@
                 <a:ext cx="7886700" cy="2005623"/>
               </a:xfrm>
               <a:blipFill>
-                <a:blip r:embed="rId2"/>
+                <a:blip r:embed="rId3"/>
                 <a:stretch>
                   <a:fillRect l="-696" t="-3343" r="-4019"/>
                 </a:stretch>
@@ -9881,7 +10880,7 @@
               <p:nvPr/>
             </p:nvPicPr>
             <p:blipFill>
-              <a:blip r:embed="rId3">
+              <a:blip r:embed="rId4">
                 <a:lum/>
                 <a:alphaModFix/>
               </a:blip>
@@ -9989,7 +10988,7 @@
           <p:nvPr/>
         </p:nvPicPr>
         <p:blipFill>
-          <a:blip r:embed="rId4" cstate="print">
+          <a:blip r:embed="rId5" cstate="print">
             <a:extLst>
               <a:ext uri="{28A0092B-C50C-407E-A947-70E740481C1C}">
                 <a14:useLocalDpi xmlns:a14="http://schemas.microsoft.com/office/drawing/2010/main" val="0"/>
@@ -10036,7 +11035,7 @@
           <p:nvPr/>
         </p:nvPicPr>
         <p:blipFill>
-          <a:blip r:embed="rId5" cstate="print">
+          <a:blip r:embed="rId6" cstate="print">
             <a:extLst>
               <a:ext uri="{28A0092B-C50C-407E-A947-70E740481C1C}">
                 <a14:useLocalDpi xmlns:a14="http://schemas.microsoft.com/office/drawing/2010/main" val="0"/>
@@ -10129,7 +11128,7 @@
           <p:nvPr/>
         </p:nvPicPr>
         <p:blipFill>
-          <a:blip r:embed="rId6" cstate="print">
+          <a:blip r:embed="rId7" cstate="print">
             <a:extLst>
               <a:ext uri="{28A0092B-C50C-407E-A947-70E740481C1C}">
                 <a14:useLocalDpi xmlns:a14="http://schemas.microsoft.com/office/drawing/2010/main" val="0"/>
@@ -10220,7 +11219,7 @@
 </p:sld>
 </file>
 
-<file path=ppt/slides/slide16.xml><?xml version="1.0" encoding="utf-8"?>
+<file path=ppt/slides/slide15.xml><?xml version="1.0" encoding="utf-8"?>
 <p:sld xmlns:a="http://schemas.openxmlformats.org/drawingml/2006/main" xmlns:r="http://schemas.openxmlformats.org/officeDocument/2006/relationships" xmlns:p="http://schemas.openxmlformats.org/presentationml/2006/main">
   <p:cSld>
     <p:spTree>
@@ -10261,7 +11260,7 @@
             <a:fld id="{6D77D3CB-5987-4045-A9DE-313BCFC794EF}" type="slidenum">
               <a:rPr lang="zh-TW" altLang="en-US" smtClean="0"/>
               <a:pPr/>
-              <a:t>16</a:t>
+              <a:t>15</a:t>
             </a:fld>
             <a:endParaRPr lang="zh-TW" altLang="en-US"/>
           </a:p>
@@ -10563,6 +11562,10 @@
                   <a:rPr lang="zh-TW" altLang="en-US" dirty="0"/>
                   <a:t>集合，稱為</a:t>
                 </a:r>
+                <a:r>
+                  <a:rPr lang="en-US" altLang="zh-TW" dirty="0"/>
+                  <a:t>Velocity Obstacle(</a:t>
+                </a:r>
                 <a14:m>
                   <m:oMath xmlns:m="http://schemas.openxmlformats.org/officeDocument/2006/math">
                     <m:r>
@@ -10618,6 +11621,10 @@
                     </m:sSubSup>
                   </m:oMath>
                 </a14:m>
+                <a:r>
+                  <a:rPr lang="en-US" altLang="zh-TW" dirty="0"/>
+                  <a:t>)</a:t>
+                </a:r>
                 <a:r>
                   <a:rPr lang="zh-TW" altLang="en-US" dirty="0"/>
                   <a:t>。</a:t>
@@ -11108,8 +12115,8 @@
           </a:extLst>
         </p:spPr>
       </p:pic>
-      <mc:AlternateContent xmlns:mc="http://schemas.openxmlformats.org/markup-compatibility/2006">
-        <mc:Choice xmlns:a14="http://schemas.microsoft.com/office/drawing/2010/main" Requires="a14">
+      <mc:AlternateContent xmlns:mc="http://schemas.openxmlformats.org/markup-compatibility/2006" xmlns:a14="http://schemas.microsoft.com/office/drawing/2010/main">
+        <mc:Choice Requires="a14">
           <p:sp>
             <p:nvSpPr>
               <p:cNvPr id="5" name="文字方塊 4">
@@ -11138,6 +12145,7 @@
               </a:bodyPr>
               <a:lstStyle/>
               <a:p>
+                <a:pPr/>
                 <a14:m>
                   <m:oMathPara xmlns:m="http://schemas.openxmlformats.org/officeDocument/2006/math">
                     <m:oMathParaPr>
@@ -11147,7 +12155,7 @@
                       <m:sSub>
                         <m:sSubPr>
                           <m:ctrlPr>
-                            <a:rPr lang="en-US" altLang="zh-TW" sz="2000" b="0" i="0" smtClean="0">
+                            <a:rPr lang="en-US" altLang="zh-TW" sz="2000" b="0" i="1" smtClean="0">
                               <a:latin typeface="Cambria Math" panose="02040503050406030204" pitchFamily="18" charset="0"/>
                             </a:rPr>
                           </m:ctrlPr>
@@ -11156,7 +12164,7 @@
                           <m:sSubSup>
                             <m:sSubSupPr>
                               <m:ctrlPr>
-                                <a:rPr lang="en-US" altLang="zh-TW" sz="2000" b="0" i="0" smtClean="0">
+                                <a:rPr lang="en-US" altLang="zh-TW" sz="2000" b="0" i="1" smtClean="0">
                                   <a:latin typeface="Cambria Math" panose="02040503050406030204" pitchFamily="18" charset="0"/>
                                 </a:rPr>
                               </m:ctrlPr>
@@ -11302,7 +12310,7 @@
             </p:txBody>
           </p:sp>
         </mc:Choice>
-        <mc:Fallback>
+        <mc:Fallback xmlns="">
           <p:sp>
             <p:nvSpPr>
               <p:cNvPr id="5" name="文字方塊 4">
@@ -11361,345 +12369,6 @@
 </file>
 
 <file path=ppt/slides/slide2.xml><?xml version="1.0" encoding="utf-8"?>
-<p:sld xmlns:a="http://schemas.openxmlformats.org/drawingml/2006/main" xmlns:r="http://schemas.openxmlformats.org/officeDocument/2006/relationships" xmlns:p="http://schemas.openxmlformats.org/presentationml/2006/main">
-  <p:cSld>
-    <p:spTree>
-      <p:nvGrpSpPr>
-        <p:cNvPr id="1" name=""/>
-        <p:cNvGrpSpPr/>
-        <p:nvPr/>
-      </p:nvGrpSpPr>
-      <p:grpSpPr>
-        <a:xfrm>
-          <a:off x="0" y="0"/>
-          <a:ext cx="0" cy="0"/>
-          <a:chOff x="0" y="0"/>
-          <a:chExt cx="0" cy="0"/>
-        </a:xfrm>
-      </p:grpSpPr>
-      <p:sp>
-        <p:nvSpPr>
-          <p:cNvPr id="2" name="投影片編號版面配置區 1">
-            <a:extLst>
-              <a:ext uri="{FF2B5EF4-FFF2-40B4-BE49-F238E27FC236}">
-                <a16:creationId xmlns:a16="http://schemas.microsoft.com/office/drawing/2014/main" id="{E27E9203-7BF6-A82C-7CF8-4AB0596493AC}"/>
-              </a:ext>
-            </a:extLst>
-          </p:cNvPr>
-          <p:cNvSpPr>
-            <a:spLocks noGrp="1"/>
-          </p:cNvSpPr>
-          <p:nvPr>
-            <p:ph type="sldNum" sz="quarter" idx="12"/>
-          </p:nvPr>
-        </p:nvSpPr>
-        <p:spPr/>
-        <p:txBody>
-          <a:bodyPr/>
-          <a:lstStyle/>
-          <a:p>
-            <a:fld id="{6D77D3CB-5987-4045-A9DE-313BCFC794EF}" type="slidenum">
-              <a:rPr lang="zh-TW" altLang="en-US" smtClean="0"/>
-              <a:pPr/>
-              <a:t>2</a:t>
-            </a:fld>
-            <a:endParaRPr lang="zh-TW" altLang="en-US" dirty="0"/>
-          </a:p>
-        </p:txBody>
-      </p:sp>
-      <p:grpSp>
-        <p:nvGrpSpPr>
-          <p:cNvPr id="8" name="群組 7">
-            <a:extLst>
-              <a:ext uri="{FF2B5EF4-FFF2-40B4-BE49-F238E27FC236}">
-                <a16:creationId xmlns:a16="http://schemas.microsoft.com/office/drawing/2014/main" id="{94F2C7BD-2136-4524-B082-87075E444A12}"/>
-              </a:ext>
-            </a:extLst>
-          </p:cNvPr>
-          <p:cNvGrpSpPr/>
-          <p:nvPr/>
-        </p:nvGrpSpPr>
-        <p:grpSpPr>
-          <a:xfrm>
-            <a:off x="6333067" y="0"/>
-            <a:ext cx="2810933" cy="668866"/>
-            <a:chOff x="7780867" y="211667"/>
-            <a:chExt cx="2810933" cy="668866"/>
-          </a:xfrm>
-        </p:grpSpPr>
-        <p:sp>
-          <p:nvSpPr>
-            <p:cNvPr id="9" name="矩形 8">
-              <a:extLst>
-                <a:ext uri="{FF2B5EF4-FFF2-40B4-BE49-F238E27FC236}">
-                  <a16:creationId xmlns:a16="http://schemas.microsoft.com/office/drawing/2014/main" id="{793DE8A8-1D71-4D04-9FB4-8D1384B5B7BD}"/>
-                </a:ext>
-              </a:extLst>
-            </p:cNvPr>
-            <p:cNvSpPr/>
-            <p:nvPr/>
-          </p:nvSpPr>
-          <p:spPr>
-            <a:xfrm>
-              <a:off x="7780867" y="211667"/>
-              <a:ext cx="2810933" cy="668866"/>
-            </a:xfrm>
-            <a:prstGeom prst="rect">
-              <a:avLst/>
-            </a:prstGeom>
-            <a:solidFill>
-              <a:srgbClr val="FFFFFF">
-                <a:alpha val="40000"/>
-              </a:srgbClr>
-            </a:solidFill>
-            <a:ln>
-              <a:noFill/>
-            </a:ln>
-          </p:spPr>
-          <p:style>
-            <a:lnRef idx="2">
-              <a:schemeClr val="accent1">
-                <a:shade val="50000"/>
-              </a:schemeClr>
-            </a:lnRef>
-            <a:fillRef idx="1">
-              <a:schemeClr val="accent1"/>
-            </a:fillRef>
-            <a:effectRef idx="0">
-              <a:schemeClr val="accent1"/>
-            </a:effectRef>
-            <a:fontRef idx="minor">
-              <a:schemeClr val="lt1"/>
-            </a:fontRef>
-          </p:style>
-          <p:txBody>
-            <a:bodyPr rtlCol="0" anchor="ctr"/>
-            <a:lstStyle/>
-            <a:p>
-              <a:pPr algn="ctr"/>
-              <a:endParaRPr lang="zh-TW" altLang="en-US"/>
-            </a:p>
-          </p:txBody>
-        </p:sp>
-        <p:grpSp>
-          <p:nvGrpSpPr>
-            <p:cNvPr id="10" name="群組 9">
-              <a:extLst>
-                <a:ext uri="{FF2B5EF4-FFF2-40B4-BE49-F238E27FC236}">
-                  <a16:creationId xmlns:a16="http://schemas.microsoft.com/office/drawing/2014/main" id="{5B804C95-7688-4495-889C-D699504AF92D}"/>
-                </a:ext>
-              </a:extLst>
-            </p:cNvPr>
-            <p:cNvGrpSpPr>
-              <a:grpSpLocks noChangeAspect="1"/>
-            </p:cNvGrpSpPr>
-            <p:nvPr/>
-          </p:nvGrpSpPr>
-          <p:grpSpPr>
-            <a:xfrm>
-              <a:off x="7845641" y="307446"/>
-              <a:ext cx="2334347" cy="468000"/>
-              <a:chOff x="0" y="0"/>
-              <a:chExt cx="4211517" cy="851040"/>
-            </a:xfrm>
-          </p:grpSpPr>
-          <p:pic>
-            <p:nvPicPr>
-              <p:cNvPr id="11" name="圖片 10">
-                <a:extLst>
-                  <a:ext uri="{FF2B5EF4-FFF2-40B4-BE49-F238E27FC236}">
-                    <a16:creationId xmlns:a16="http://schemas.microsoft.com/office/drawing/2014/main" id="{43A0757F-CCA7-46BB-8510-264ABFC05798}"/>
-                  </a:ext>
-                </a:extLst>
-              </p:cNvPr>
-              <p:cNvPicPr>
-                <a:picLocks noChangeAspect="1"/>
-              </p:cNvPicPr>
-              <p:nvPr/>
-            </p:nvPicPr>
-            <p:blipFill>
-              <a:blip r:embed="rId3">
-                <a:lum/>
-                <a:alphaModFix/>
-              </a:blip>
-              <a:srcRect/>
-              <a:stretch>
-                <a:fillRect/>
-              </a:stretch>
-            </p:blipFill>
-            <p:spPr>
-              <a:xfrm>
-                <a:off x="0" y="0"/>
-                <a:ext cx="1414440" cy="851040"/>
-              </a:xfrm>
-              <a:prstGeom prst="rect">
-                <a:avLst/>
-              </a:prstGeom>
-            </p:spPr>
-          </p:pic>
-          <p:sp>
-            <p:nvSpPr>
-              <p:cNvPr id="12" name="文字方塊 19">
-                <a:extLst>
-                  <a:ext uri="{FF2B5EF4-FFF2-40B4-BE49-F238E27FC236}">
-                    <a16:creationId xmlns:a16="http://schemas.microsoft.com/office/drawing/2014/main" id="{FB68F39A-564A-4754-BB91-8A0607FF331C}"/>
-                  </a:ext>
-                </a:extLst>
-              </p:cNvPr>
-              <p:cNvSpPr txBox="1"/>
-              <p:nvPr/>
-            </p:nvSpPr>
-            <p:spPr>
-              <a:xfrm>
-                <a:off x="2133502" y="40139"/>
-                <a:ext cx="2078015" cy="492590"/>
-              </a:xfrm>
-              <a:prstGeom prst="rect">
-                <a:avLst/>
-              </a:prstGeom>
-            </p:spPr>
-            <p:txBody>
-              <a:bodyPr vert="horz" wrap="none" lIns="90000" tIns="45000" rIns="90000" bIns="45000" anchorCtr="0" compatLnSpc="0">
-                <a:spAutoFit/>
-              </a:bodyPr>
-              <a:lstStyle/>
-              <a:p>
-                <a:pPr algn="ctr" hangingPunct="0">
-                  <a:lnSpc>
-                    <a:spcPts val="1585"/>
-                  </a:lnSpc>
-                </a:pPr>
-                <a:r>
-                  <a:rPr lang="en-US" sz="1300" b="1" kern="150" dirty="0">
-                    <a:effectLst/>
-                    <a:latin typeface="Noto Sans CJK TC Regular"/>
-                    <a:ea typeface="新細明體" panose="02020500000000000000" pitchFamily="18" charset="-120"/>
-                    <a:cs typeface="Times New Roman" panose="02020603050405020304" pitchFamily="18" charset="0"/>
-                  </a:rPr>
-                  <a:t>National Taiwan University</a:t>
-                </a:r>
-                <a:endParaRPr lang="zh-TW" sz="1200" kern="150" dirty="0">
-                  <a:effectLst/>
-                  <a:latin typeface="Calibri" panose="020F0502020204030204" pitchFamily="34" charset="0"/>
-                  <a:ea typeface="新細明體" panose="02020500000000000000" pitchFamily="18" charset="-120"/>
-                  <a:cs typeface="Times New Roman" panose="02020603050405020304" pitchFamily="18" charset="0"/>
-                </a:endParaRPr>
-              </a:p>
-              <a:p>
-                <a:pPr algn="ctr" hangingPunct="0">
-                  <a:lnSpc>
-                    <a:spcPts val="1585"/>
-                  </a:lnSpc>
-                </a:pPr>
-                <a:r>
-                  <a:rPr lang="en-US" sz="1150" kern="150" dirty="0">
-                    <a:effectLst/>
-                    <a:latin typeface="Noto Sans CJK TC Regular"/>
-                    <a:ea typeface="新細明體" panose="02020500000000000000" pitchFamily="18" charset="-120"/>
-                    <a:cs typeface="Times New Roman" panose="02020603050405020304" pitchFamily="18" charset="0"/>
-                  </a:rPr>
-                  <a:t>System Optimization Laboratory</a:t>
-                </a:r>
-                <a:endParaRPr lang="zh-TW" sz="1200" kern="150" dirty="0">
-                  <a:effectLst/>
-                  <a:latin typeface="Calibri" panose="020F0502020204030204" pitchFamily="34" charset="0"/>
-                  <a:ea typeface="新細明體" panose="02020500000000000000" pitchFamily="18" charset="-120"/>
-                  <a:cs typeface="Times New Roman" panose="02020603050405020304" pitchFamily="18" charset="0"/>
-                </a:endParaRPr>
-              </a:p>
-            </p:txBody>
-          </p:sp>
-        </p:grpSp>
-      </p:grpSp>
-      <p:sp>
-        <p:nvSpPr>
-          <p:cNvPr id="13" name="標題 12">
-            <a:extLst>
-              <a:ext uri="{FF2B5EF4-FFF2-40B4-BE49-F238E27FC236}">
-                <a16:creationId xmlns:a16="http://schemas.microsoft.com/office/drawing/2014/main" id="{56385A81-7417-49D6-B541-BEC1CD21F677}"/>
-              </a:ext>
-            </a:extLst>
-          </p:cNvPr>
-          <p:cNvSpPr>
-            <a:spLocks noGrp="1"/>
-          </p:cNvSpPr>
-          <p:nvPr>
-            <p:ph type="title"/>
-          </p:nvPr>
-        </p:nvSpPr>
-        <p:spPr>
-          <a:xfrm>
-            <a:off x="628650" y="2986825"/>
-            <a:ext cx="7886700" cy="884349"/>
-          </a:xfrm>
-        </p:spPr>
-        <p:txBody>
-          <a:bodyPr>
-            <a:noAutofit/>
-          </a:bodyPr>
-          <a:lstStyle/>
-          <a:p>
-            <a:r>
-              <a:rPr lang="zh-TW" altLang="en-US" sz="2000" b="0" dirty="0"/>
-              <a:t>碰撞風險評估在自動駕駛、先進駕駛輔助系統</a:t>
-            </a:r>
-            <a:r>
-              <a:rPr lang="en-US" altLang="zh-TW" sz="2000" b="0" dirty="0"/>
-              <a:t>ADAS</a:t>
-            </a:r>
-            <a:r>
-              <a:rPr lang="zh-TW" altLang="en-US" sz="2000" b="0" dirty="0"/>
-              <a:t>、移動式機器人避障等領域都被廣泛討論。基本上，這些自主化、自動化的移動載具都需要一套評估標準來量化周遭環境的風險。這些風險計算方式會隨著研究對象及目標而不同。以下將介紹一些我們實驗室使用或參考過的評估方法，大致上，我將它們分為一維或二維的風險評估。一維風險評估雖然直觀，但是適用範圍較為限縮。可能較適合被應用在</a:t>
-            </a:r>
-            <a:r>
-              <a:rPr lang="en-US" altLang="zh-TW" sz="2000" b="0" dirty="0"/>
-              <a:t>AEB(</a:t>
-            </a:r>
-            <a:r>
-              <a:rPr lang="zh-TW" altLang="en-US" sz="2000" b="0" dirty="0"/>
-              <a:t>自動緊急煞車系統</a:t>
-            </a:r>
-            <a:r>
-              <a:rPr lang="en-US" altLang="zh-TW" sz="2000" b="0" dirty="0"/>
-              <a:t>)</a:t>
-            </a:r>
-            <a:r>
-              <a:rPr lang="zh-TW" altLang="en-US" sz="2000" b="0" dirty="0"/>
-              <a:t>或</a:t>
-            </a:r>
-            <a:r>
-              <a:rPr lang="en-US" altLang="zh-TW" sz="2000" b="0" dirty="0"/>
-              <a:t>ACC(</a:t>
-            </a:r>
-            <a:r>
-              <a:rPr lang="zh-TW" altLang="en-US" sz="2000" b="0" dirty="0"/>
-              <a:t>自動跟車巡航系統</a:t>
-            </a:r>
-            <a:r>
-              <a:rPr lang="en-US" altLang="zh-TW" sz="2000" b="0" dirty="0"/>
-              <a:t>)</a:t>
-            </a:r>
-            <a:r>
-              <a:rPr lang="zh-TW" altLang="en-US" sz="2000" b="0" dirty="0"/>
-              <a:t>等，對應發生在同一個車道上的事件。而二維風險評估則會有較為嚴苛的假設，但是適用範圍廣。</a:t>
-            </a:r>
-          </a:p>
-        </p:txBody>
-      </p:sp>
-    </p:spTree>
-    <p:extLst>
-      <p:ext uri="{BB962C8B-B14F-4D97-AF65-F5344CB8AC3E}">
-        <p14:creationId xmlns:p14="http://schemas.microsoft.com/office/powerpoint/2010/main" val="2447451469"/>
-      </p:ext>
-    </p:extLst>
-  </p:cSld>
-  <p:clrMapOvr>
-    <a:masterClrMapping/>
-  </p:clrMapOvr>
-</p:sld>
-</file>
-
-<file path=ppt/slides/slide3.xml><?xml version="1.0" encoding="utf-8"?>
 <p:sld xmlns:a="http://schemas.openxmlformats.org/drawingml/2006/main" xmlns:r="http://schemas.openxmlformats.org/officeDocument/2006/relationships" xmlns:p="http://schemas.openxmlformats.org/presentationml/2006/main">
   <p:cSld>
     <p:spTree>
@@ -11830,7 +12499,7 @@
             <a:fld id="{6D77D3CB-5987-4045-A9DE-313BCFC794EF}" type="slidenum">
               <a:rPr lang="zh-TW" altLang="en-US" smtClean="0"/>
               <a:pPr/>
-              <a:t>3</a:t>
+              <a:t>2</a:t>
             </a:fld>
             <a:endParaRPr lang="zh-TW" altLang="en-US" dirty="0"/>
           </a:p>
@@ -12908,7 +13577,7 @@
 </p:sld>
 </file>
 
-<file path=ppt/slides/slide4.xml><?xml version="1.0" encoding="utf-8"?>
+<file path=ppt/slides/slide3.xml><?xml version="1.0" encoding="utf-8"?>
 <p:sld xmlns:a="http://schemas.openxmlformats.org/drawingml/2006/main" xmlns:r="http://schemas.openxmlformats.org/officeDocument/2006/relationships" xmlns:p="http://schemas.openxmlformats.org/presentationml/2006/main">
   <p:cSld>
     <p:spTree>
@@ -12949,7 +13618,7 @@
             <a:fld id="{6D77D3CB-5987-4045-A9DE-313BCFC794EF}" type="slidenum">
               <a:rPr lang="zh-TW" altLang="en-US" smtClean="0"/>
               <a:pPr/>
-              <a:t>4</a:t>
+              <a:t>3</a:t>
             </a:fld>
             <a:endParaRPr lang="zh-TW" altLang="en-US"/>
           </a:p>
@@ -13474,7 +14143,7 @@
 </p:sld>
 </file>
 
-<file path=ppt/slides/slide5.xml><?xml version="1.0" encoding="utf-8"?>
+<file path=ppt/slides/slide4.xml><?xml version="1.0" encoding="utf-8"?>
 <p:sld xmlns:a="http://schemas.openxmlformats.org/drawingml/2006/main" xmlns:r="http://schemas.openxmlformats.org/officeDocument/2006/relationships" xmlns:p="http://schemas.openxmlformats.org/presentationml/2006/main">
   <p:cSld>
     <p:spTree>
@@ -13720,7 +14389,7 @@
             <a:fld id="{6D77D3CB-5987-4045-A9DE-313BCFC794EF}" type="slidenum">
               <a:rPr lang="zh-TW" altLang="en-US" smtClean="0"/>
               <a:pPr/>
-              <a:t>5</a:t>
+              <a:t>4</a:t>
             </a:fld>
             <a:endParaRPr lang="zh-TW" altLang="en-US"/>
           </a:p>
@@ -15099,7 +15768,7 @@
 </p:sld>
 </file>
 
-<file path=ppt/slides/slide6.xml><?xml version="1.0" encoding="utf-8"?>
+<file path=ppt/slides/slide5.xml><?xml version="1.0" encoding="utf-8"?>
 <p:sld xmlns:a="http://schemas.openxmlformats.org/drawingml/2006/main" xmlns:r="http://schemas.openxmlformats.org/officeDocument/2006/relationships" xmlns:p="http://schemas.openxmlformats.org/presentationml/2006/main">
   <p:cSld>
     <p:spTree>
@@ -15140,7 +15809,7 @@
             <a:fld id="{6D77D3CB-5987-4045-A9DE-313BCFC794EF}" type="slidenum">
               <a:rPr lang="zh-TW" altLang="en-US" smtClean="0"/>
               <a:pPr/>
-              <a:t>6</a:t>
+              <a:t>5</a:t>
             </a:fld>
             <a:endParaRPr lang="zh-TW" altLang="en-US"/>
           </a:p>
@@ -16055,7 +16724,7 @@
 </p:sld>
 </file>
 
-<file path=ppt/slides/slide7.xml><?xml version="1.0" encoding="utf-8"?>
+<file path=ppt/slides/slide6.xml><?xml version="1.0" encoding="utf-8"?>
 <p:sld xmlns:a="http://schemas.openxmlformats.org/drawingml/2006/main" xmlns:r="http://schemas.openxmlformats.org/officeDocument/2006/relationships" xmlns:p="http://schemas.openxmlformats.org/presentationml/2006/main">
   <p:cSld>
     <p:spTree>
@@ -16096,7 +16765,7 @@
             <a:fld id="{6D77D3CB-5987-4045-A9DE-313BCFC794EF}" type="slidenum">
               <a:rPr lang="zh-TW" altLang="en-US" smtClean="0"/>
               <a:pPr/>
-              <a:t>7</a:t>
+              <a:t>6</a:t>
             </a:fld>
             <a:endParaRPr lang="zh-TW" altLang="en-US"/>
           </a:p>
@@ -17187,7 +17856,7 @@
 </p:sld>
 </file>
 
-<file path=ppt/slides/slide8.xml><?xml version="1.0" encoding="utf-8"?>
+<file path=ppt/slides/slide7.xml><?xml version="1.0" encoding="utf-8"?>
 <p:sld xmlns:a="http://schemas.openxmlformats.org/drawingml/2006/main" xmlns:r="http://schemas.openxmlformats.org/officeDocument/2006/relationships" xmlns:p="http://schemas.openxmlformats.org/presentationml/2006/main">
   <p:cSld>
     <p:spTree>
@@ -17228,7 +17897,7 @@
             <a:fld id="{6D77D3CB-5987-4045-A9DE-313BCFC794EF}" type="slidenum">
               <a:rPr lang="zh-TW" altLang="en-US" smtClean="0"/>
               <a:pPr/>
-              <a:t>8</a:t>
+              <a:t>7</a:t>
             </a:fld>
             <a:endParaRPr lang="zh-TW" altLang="en-US"/>
           </a:p>
@@ -17911,7 +18580,7 @@
 </p:sld>
 </file>
 
-<file path=ppt/slides/slide9.xml><?xml version="1.0" encoding="utf-8"?>
+<file path=ppt/slides/slide8.xml><?xml version="1.0" encoding="utf-8"?>
 <p:sld xmlns:a="http://schemas.openxmlformats.org/drawingml/2006/main" xmlns:r="http://schemas.openxmlformats.org/officeDocument/2006/relationships" xmlns:p="http://schemas.openxmlformats.org/presentationml/2006/main">
   <p:cSld>
     <p:spTree>
@@ -17952,7 +18621,7 @@
             <a:fld id="{6D77D3CB-5987-4045-A9DE-313BCFC794EF}" type="slidenum">
               <a:rPr lang="zh-TW" altLang="en-US" smtClean="0"/>
               <a:pPr/>
-              <a:t>9</a:t>
+              <a:t>8</a:t>
             </a:fld>
             <a:endParaRPr lang="zh-TW" altLang="en-US"/>
           </a:p>
@@ -18576,6 +19245,657 @@
     <p:extLst>
       <p:ext uri="{BB962C8B-B14F-4D97-AF65-F5344CB8AC3E}">
         <p14:creationId xmlns:p14="http://schemas.microsoft.com/office/powerpoint/2010/main" val="2040803120"/>
+      </p:ext>
+    </p:extLst>
+  </p:cSld>
+  <p:clrMapOvr>
+    <a:masterClrMapping/>
+  </p:clrMapOvr>
+</p:sld>
+</file>
+
+<file path=ppt/slides/slide9.xml><?xml version="1.0" encoding="utf-8"?>
+<p:sld xmlns:a="http://schemas.openxmlformats.org/drawingml/2006/main" xmlns:r="http://schemas.openxmlformats.org/officeDocument/2006/relationships" xmlns:p="http://schemas.openxmlformats.org/presentationml/2006/main">
+  <p:cSld>
+    <p:spTree>
+      <p:nvGrpSpPr>
+        <p:cNvPr id="1" name=""/>
+        <p:cNvGrpSpPr/>
+        <p:nvPr/>
+      </p:nvGrpSpPr>
+      <p:grpSpPr>
+        <a:xfrm>
+          <a:off x="0" y="0"/>
+          <a:ext cx="0" cy="0"/>
+          <a:chOff x="0" y="0"/>
+          <a:chExt cx="0" cy="0"/>
+        </a:xfrm>
+      </p:grpSpPr>
+      <p:sp>
+        <p:nvSpPr>
+          <p:cNvPr id="3" name="投影片編號版面配置區 2">
+            <a:extLst>
+              <a:ext uri="{FF2B5EF4-FFF2-40B4-BE49-F238E27FC236}">
+                <a16:creationId xmlns:a16="http://schemas.microsoft.com/office/drawing/2014/main" id="{56ADE44C-27BA-4A02-B384-BEDB5D660E7B}"/>
+              </a:ext>
+            </a:extLst>
+          </p:cNvPr>
+          <p:cNvSpPr>
+            <a:spLocks noGrp="1"/>
+          </p:cNvSpPr>
+          <p:nvPr>
+            <p:ph type="sldNum" sz="quarter" idx="12"/>
+          </p:nvPr>
+        </p:nvSpPr>
+        <p:spPr/>
+        <p:txBody>
+          <a:bodyPr/>
+          <a:lstStyle/>
+          <a:p>
+            <a:fld id="{6D77D3CB-5987-4045-A9DE-313BCFC794EF}" type="slidenum">
+              <a:rPr lang="zh-TW" altLang="en-US" smtClean="0"/>
+              <a:pPr/>
+              <a:t>9</a:t>
+            </a:fld>
+            <a:endParaRPr lang="zh-TW" altLang="en-US"/>
+          </a:p>
+        </p:txBody>
+      </p:sp>
+      <p:sp>
+        <p:nvSpPr>
+          <p:cNvPr id="4" name="標題 3">
+            <a:extLst>
+              <a:ext uri="{FF2B5EF4-FFF2-40B4-BE49-F238E27FC236}">
+                <a16:creationId xmlns:a16="http://schemas.microsoft.com/office/drawing/2014/main" id="{50B9B7C5-C789-4F81-BC45-F610D10A6957}"/>
+              </a:ext>
+            </a:extLst>
+          </p:cNvPr>
+          <p:cNvSpPr>
+            <a:spLocks noGrp="1"/>
+          </p:cNvSpPr>
+          <p:nvPr>
+            <p:ph type="title"/>
+          </p:nvPr>
+        </p:nvSpPr>
+        <p:spPr/>
+        <p:txBody>
+          <a:bodyPr/>
+          <a:lstStyle/>
+          <a:p>
+            <a:r>
+              <a:rPr lang="zh-TW" altLang="en-US" dirty="0"/>
+              <a:t>機率風險</a:t>
+            </a:r>
+            <a:r>
+              <a:rPr lang="en-US" altLang="zh-TW" dirty="0"/>
+              <a:t>—</a:t>
+            </a:r>
+            <a:r>
+              <a:rPr lang="zh-TW" altLang="en-US" dirty="0"/>
+              <a:t>高斯分布模型</a:t>
+            </a:r>
+          </a:p>
+        </p:txBody>
+      </p:sp>
+      <p:sp>
+        <p:nvSpPr>
+          <p:cNvPr id="8" name="內容版面配置區 7">
+            <a:extLst>
+              <a:ext uri="{FF2B5EF4-FFF2-40B4-BE49-F238E27FC236}">
+                <a16:creationId xmlns:a16="http://schemas.microsoft.com/office/drawing/2014/main" id="{0AD03AD6-2232-4EA1-BE65-37CE859531C1}"/>
+              </a:ext>
+            </a:extLst>
+          </p:cNvPr>
+          <p:cNvSpPr>
+            <a:spLocks noGrp="1"/>
+          </p:cNvSpPr>
+          <p:nvPr>
+            <p:ph idx="1"/>
+          </p:nvPr>
+        </p:nvSpPr>
+        <p:spPr>
+          <a:xfrm>
+            <a:off x="628650" y="1638190"/>
+            <a:ext cx="7886700" cy="1241830"/>
+          </a:xfrm>
+        </p:spPr>
+        <p:txBody>
+          <a:bodyPr/>
+          <a:lstStyle/>
+          <a:p>
+            <a:pPr marL="0" indent="0">
+              <a:buNone/>
+            </a:pPr>
+            <a:r>
+              <a:rPr lang="zh-TW" altLang="en-US" b="1" dirty="0">
+                <a:solidFill>
+                  <a:srgbClr val="0070C0"/>
+                </a:solidFill>
+              </a:rPr>
+              <a:t>優勢</a:t>
+            </a:r>
+            <a:r>
+              <a:rPr lang="en-US" altLang="zh-TW" b="1" dirty="0">
+                <a:solidFill>
+                  <a:srgbClr val="0070C0"/>
+                </a:solidFill>
+              </a:rPr>
+              <a:t>:</a:t>
+            </a:r>
+          </a:p>
+          <a:p>
+            <a:pPr marL="0" indent="0">
+              <a:buNone/>
+            </a:pPr>
+            <a:r>
+              <a:rPr lang="zh-TW" altLang="en-US" dirty="0"/>
+              <a:t>座標轉換容易。可以透過轉換矩陣來轉換座標系，且任兩車輛模型皆可構成整合分佈模型。</a:t>
+            </a:r>
+          </a:p>
+        </p:txBody>
+      </p:sp>
+      <p:grpSp>
+        <p:nvGrpSpPr>
+          <p:cNvPr id="19" name="群組 18">
+            <a:extLst>
+              <a:ext uri="{FF2B5EF4-FFF2-40B4-BE49-F238E27FC236}">
+                <a16:creationId xmlns:a16="http://schemas.microsoft.com/office/drawing/2014/main" id="{3EEE7542-EAB6-4586-B3CF-8937E96B78DC}"/>
+              </a:ext>
+            </a:extLst>
+          </p:cNvPr>
+          <p:cNvGrpSpPr/>
+          <p:nvPr/>
+        </p:nvGrpSpPr>
+        <p:grpSpPr>
+          <a:xfrm>
+            <a:off x="6333067" y="0"/>
+            <a:ext cx="2810933" cy="668866"/>
+            <a:chOff x="7780867" y="211667"/>
+            <a:chExt cx="2810933" cy="668866"/>
+          </a:xfrm>
+        </p:grpSpPr>
+        <p:sp>
+          <p:nvSpPr>
+            <p:cNvPr id="20" name="矩形 19">
+              <a:extLst>
+                <a:ext uri="{FF2B5EF4-FFF2-40B4-BE49-F238E27FC236}">
+                  <a16:creationId xmlns:a16="http://schemas.microsoft.com/office/drawing/2014/main" id="{4984F377-D513-48FB-883F-EB81AC723777}"/>
+                </a:ext>
+              </a:extLst>
+            </p:cNvPr>
+            <p:cNvSpPr/>
+            <p:nvPr/>
+          </p:nvSpPr>
+          <p:spPr>
+            <a:xfrm>
+              <a:off x="7780867" y="211667"/>
+              <a:ext cx="2810933" cy="668866"/>
+            </a:xfrm>
+            <a:prstGeom prst="rect">
+              <a:avLst/>
+            </a:prstGeom>
+            <a:solidFill>
+              <a:srgbClr val="FFFFFF">
+                <a:alpha val="40000"/>
+              </a:srgbClr>
+            </a:solidFill>
+            <a:ln>
+              <a:noFill/>
+            </a:ln>
+          </p:spPr>
+          <p:style>
+            <a:lnRef idx="2">
+              <a:schemeClr val="accent1">
+                <a:shade val="50000"/>
+              </a:schemeClr>
+            </a:lnRef>
+            <a:fillRef idx="1">
+              <a:schemeClr val="accent1"/>
+            </a:fillRef>
+            <a:effectRef idx="0">
+              <a:schemeClr val="accent1"/>
+            </a:effectRef>
+            <a:fontRef idx="minor">
+              <a:schemeClr val="lt1"/>
+            </a:fontRef>
+          </p:style>
+          <p:txBody>
+            <a:bodyPr rtlCol="0" anchor="ctr"/>
+            <a:lstStyle/>
+            <a:p>
+              <a:pPr algn="ctr"/>
+              <a:endParaRPr lang="zh-TW" altLang="en-US"/>
+            </a:p>
+          </p:txBody>
+        </p:sp>
+        <p:grpSp>
+          <p:nvGrpSpPr>
+            <p:cNvPr id="21" name="群組 20">
+              <a:extLst>
+                <a:ext uri="{FF2B5EF4-FFF2-40B4-BE49-F238E27FC236}">
+                  <a16:creationId xmlns:a16="http://schemas.microsoft.com/office/drawing/2014/main" id="{B68B8EEA-E441-48C5-A927-89111E1C9536}"/>
+                </a:ext>
+              </a:extLst>
+            </p:cNvPr>
+            <p:cNvGrpSpPr>
+              <a:grpSpLocks noChangeAspect="1"/>
+            </p:cNvGrpSpPr>
+            <p:nvPr/>
+          </p:nvGrpSpPr>
+          <p:grpSpPr>
+            <a:xfrm>
+              <a:off x="7845641" y="307446"/>
+              <a:ext cx="2334347" cy="468000"/>
+              <a:chOff x="0" y="0"/>
+              <a:chExt cx="4211517" cy="851040"/>
+            </a:xfrm>
+          </p:grpSpPr>
+          <p:pic>
+            <p:nvPicPr>
+              <p:cNvPr id="22" name="圖片 21">
+                <a:extLst>
+                  <a:ext uri="{FF2B5EF4-FFF2-40B4-BE49-F238E27FC236}">
+                    <a16:creationId xmlns:a16="http://schemas.microsoft.com/office/drawing/2014/main" id="{89F5C2BE-8CF9-42A2-9BC3-9D91DCCA48DB}"/>
+                  </a:ext>
+                </a:extLst>
+              </p:cNvPr>
+              <p:cNvPicPr>
+                <a:picLocks noChangeAspect="1"/>
+              </p:cNvPicPr>
+              <p:nvPr/>
+            </p:nvPicPr>
+            <p:blipFill>
+              <a:blip r:embed="rId3">
+                <a:lum/>
+                <a:alphaModFix/>
+              </a:blip>
+              <a:srcRect/>
+              <a:stretch>
+                <a:fillRect/>
+              </a:stretch>
+            </p:blipFill>
+            <p:spPr>
+              <a:xfrm>
+                <a:off x="0" y="0"/>
+                <a:ext cx="1414440" cy="851040"/>
+              </a:xfrm>
+              <a:prstGeom prst="rect">
+                <a:avLst/>
+              </a:prstGeom>
+            </p:spPr>
+          </p:pic>
+          <p:sp>
+            <p:nvSpPr>
+              <p:cNvPr id="23" name="文字方塊 19">
+                <a:extLst>
+                  <a:ext uri="{FF2B5EF4-FFF2-40B4-BE49-F238E27FC236}">
+                    <a16:creationId xmlns:a16="http://schemas.microsoft.com/office/drawing/2014/main" id="{BBF5D391-EBB8-4CF2-A5F0-E99C872FE9BE}"/>
+                  </a:ext>
+                </a:extLst>
+              </p:cNvPr>
+              <p:cNvSpPr txBox="1"/>
+              <p:nvPr/>
+            </p:nvSpPr>
+            <p:spPr>
+              <a:xfrm>
+                <a:off x="2133502" y="40139"/>
+                <a:ext cx="2078015" cy="492590"/>
+              </a:xfrm>
+              <a:prstGeom prst="rect">
+                <a:avLst/>
+              </a:prstGeom>
+            </p:spPr>
+            <p:txBody>
+              <a:bodyPr vert="horz" wrap="none" lIns="90000" tIns="45000" rIns="90000" bIns="45000" anchorCtr="0" compatLnSpc="0">
+                <a:spAutoFit/>
+              </a:bodyPr>
+              <a:lstStyle/>
+              <a:p>
+                <a:pPr algn="ctr" hangingPunct="0">
+                  <a:lnSpc>
+                    <a:spcPts val="1585"/>
+                  </a:lnSpc>
+                </a:pPr>
+                <a:r>
+                  <a:rPr lang="en-US" sz="1300" b="1" kern="150" dirty="0">
+                    <a:effectLst/>
+                    <a:latin typeface="Noto Sans CJK TC Regular"/>
+                    <a:ea typeface="新細明體" panose="02020500000000000000" pitchFamily="18" charset="-120"/>
+                    <a:cs typeface="Times New Roman" panose="02020603050405020304" pitchFamily="18" charset="0"/>
+                  </a:rPr>
+                  <a:t>National Taiwan University</a:t>
+                </a:r>
+                <a:endParaRPr lang="zh-TW" sz="1200" kern="150" dirty="0">
+                  <a:effectLst/>
+                  <a:latin typeface="Calibri" panose="020F0502020204030204" pitchFamily="34" charset="0"/>
+                  <a:ea typeface="新細明體" panose="02020500000000000000" pitchFamily="18" charset="-120"/>
+                  <a:cs typeface="Times New Roman" panose="02020603050405020304" pitchFamily="18" charset="0"/>
+                </a:endParaRPr>
+              </a:p>
+              <a:p>
+                <a:pPr algn="ctr" hangingPunct="0">
+                  <a:lnSpc>
+                    <a:spcPts val="1585"/>
+                  </a:lnSpc>
+                </a:pPr>
+                <a:r>
+                  <a:rPr lang="en-US" sz="1150" kern="150" dirty="0">
+                    <a:effectLst/>
+                    <a:latin typeface="Noto Sans CJK TC Regular"/>
+                    <a:ea typeface="新細明體" panose="02020500000000000000" pitchFamily="18" charset="-120"/>
+                    <a:cs typeface="Times New Roman" panose="02020603050405020304" pitchFamily="18" charset="0"/>
+                  </a:rPr>
+                  <a:t>System Optimization Laboratory</a:t>
+                </a:r>
+                <a:endParaRPr lang="zh-TW" sz="1200" kern="150" dirty="0">
+                  <a:effectLst/>
+                  <a:latin typeface="Calibri" panose="020F0502020204030204" pitchFamily="34" charset="0"/>
+                  <a:ea typeface="新細明體" panose="02020500000000000000" pitchFamily="18" charset="-120"/>
+                  <a:cs typeface="Times New Roman" panose="02020603050405020304" pitchFamily="18" charset="0"/>
+                </a:endParaRPr>
+              </a:p>
+            </p:txBody>
+          </p:sp>
+        </p:grpSp>
+      </p:grpSp>
+      <mc:AlternateContent xmlns:mc="http://schemas.openxmlformats.org/markup-compatibility/2006" xmlns:a14="http://schemas.microsoft.com/office/drawing/2010/main">
+        <mc:Choice Requires="a14">
+          <p:sp>
+            <p:nvSpPr>
+              <p:cNvPr id="14" name="內容版面配置區 7">
+                <a:extLst>
+                  <a:ext uri="{FF2B5EF4-FFF2-40B4-BE49-F238E27FC236}">
+                    <a16:creationId xmlns:a16="http://schemas.microsoft.com/office/drawing/2014/main" id="{01FB0D1F-A023-4BB4-8E19-79580336F062}"/>
+                  </a:ext>
+                </a:extLst>
+              </p:cNvPr>
+              <p:cNvSpPr txBox="1">
+                <a:spLocks/>
+              </p:cNvSpPr>
+              <p:nvPr/>
+            </p:nvSpPr>
+            <p:spPr>
+              <a:xfrm>
+                <a:off x="628650" y="3617534"/>
+                <a:ext cx="7886700" cy="2223190"/>
+              </a:xfrm>
+              <a:prstGeom prst="rect">
+                <a:avLst/>
+              </a:prstGeom>
+            </p:spPr>
+            <p:txBody>
+              <a:bodyPr vert="horz" lIns="91440" tIns="45720" rIns="91440" bIns="45720" rtlCol="0">
+                <a:normAutofit/>
+              </a:bodyPr>
+              <a:lstStyle>
+                <a:lvl1pPr marL="228600" indent="-228600" algn="l" defTabSz="914400" rtl="0" eaLnBrk="1" latinLnBrk="0" hangingPunct="1">
+                  <a:lnSpc>
+                    <a:spcPct val="90000"/>
+                  </a:lnSpc>
+                  <a:spcBef>
+                    <a:spcPts val="1000"/>
+                  </a:spcBef>
+                  <a:buFont typeface="Arial" panose="020B0604020202020204" pitchFamily="34" charset="0"/>
+                  <a:buChar char="•"/>
+                  <a:defRPr sz="2000" kern="1200">
+                    <a:solidFill>
+                      <a:schemeClr val="tx1"/>
+                    </a:solidFill>
+                    <a:latin typeface="+mj-lt"/>
+                    <a:ea typeface="+mj-ea"/>
+                    <a:cs typeface="+mn-cs"/>
+                  </a:defRPr>
+                </a:lvl1pPr>
+                <a:lvl2pPr marL="685800" indent="-228600" algn="l" defTabSz="914400" rtl="0" eaLnBrk="1" latinLnBrk="0" hangingPunct="1">
+                  <a:lnSpc>
+                    <a:spcPct val="90000"/>
+                  </a:lnSpc>
+                  <a:spcBef>
+                    <a:spcPts val="500"/>
+                  </a:spcBef>
+                  <a:buFont typeface="Arial" panose="020B0604020202020204" pitchFamily="34" charset="0"/>
+                  <a:buChar char="•"/>
+                  <a:defRPr sz="1800" kern="1200">
+                    <a:solidFill>
+                      <a:schemeClr val="tx1"/>
+                    </a:solidFill>
+                    <a:latin typeface="+mj-lt"/>
+                    <a:ea typeface="+mj-ea"/>
+                    <a:cs typeface="+mn-cs"/>
+                  </a:defRPr>
+                </a:lvl2pPr>
+                <a:lvl3pPr marL="1143000" indent="-228600" algn="l" defTabSz="914400" rtl="0" eaLnBrk="1" latinLnBrk="0" hangingPunct="1">
+                  <a:lnSpc>
+                    <a:spcPct val="90000"/>
+                  </a:lnSpc>
+                  <a:spcBef>
+                    <a:spcPts val="500"/>
+                  </a:spcBef>
+                  <a:buFont typeface="Arial" panose="020B0604020202020204" pitchFamily="34" charset="0"/>
+                  <a:buChar char="•"/>
+                  <a:defRPr sz="1600" kern="1200">
+                    <a:solidFill>
+                      <a:schemeClr val="tx1"/>
+                    </a:solidFill>
+                    <a:latin typeface="+mj-lt"/>
+                    <a:ea typeface="+mj-ea"/>
+                    <a:cs typeface="+mn-cs"/>
+                  </a:defRPr>
+                </a:lvl3pPr>
+                <a:lvl4pPr marL="1600200" indent="-228600" algn="l" defTabSz="914400" rtl="0" eaLnBrk="1" latinLnBrk="0" hangingPunct="1">
+                  <a:lnSpc>
+                    <a:spcPct val="90000"/>
+                  </a:lnSpc>
+                  <a:spcBef>
+                    <a:spcPts val="500"/>
+                  </a:spcBef>
+                  <a:buFont typeface="Arial" panose="020B0604020202020204" pitchFamily="34" charset="0"/>
+                  <a:buChar char="•"/>
+                  <a:defRPr sz="1400" kern="1200">
+                    <a:solidFill>
+                      <a:schemeClr val="tx1"/>
+                    </a:solidFill>
+                    <a:latin typeface="+mj-lt"/>
+                    <a:ea typeface="+mj-ea"/>
+                    <a:cs typeface="+mn-cs"/>
+                  </a:defRPr>
+                </a:lvl4pPr>
+                <a:lvl5pPr marL="2057400" indent="-228600" algn="l" defTabSz="914400" rtl="0" eaLnBrk="1" latinLnBrk="0" hangingPunct="1">
+                  <a:lnSpc>
+                    <a:spcPct val="90000"/>
+                  </a:lnSpc>
+                  <a:spcBef>
+                    <a:spcPts val="500"/>
+                  </a:spcBef>
+                  <a:buFont typeface="Arial" panose="020B0604020202020204" pitchFamily="34" charset="0"/>
+                  <a:buChar char="•"/>
+                  <a:defRPr sz="1400" kern="1200">
+                    <a:solidFill>
+                      <a:schemeClr val="tx1"/>
+                    </a:solidFill>
+                    <a:latin typeface="+mj-lt"/>
+                    <a:ea typeface="+mj-ea"/>
+                    <a:cs typeface="+mn-cs"/>
+                  </a:defRPr>
+                </a:lvl5pPr>
+                <a:lvl6pPr marL="2514600" indent="-228600" algn="l" defTabSz="914400" rtl="0" eaLnBrk="1" latinLnBrk="0" hangingPunct="1">
+                  <a:lnSpc>
+                    <a:spcPct val="90000"/>
+                  </a:lnSpc>
+                  <a:spcBef>
+                    <a:spcPts val="500"/>
+                  </a:spcBef>
+                  <a:buFont typeface="Arial" panose="020B0604020202020204" pitchFamily="34" charset="0"/>
+                  <a:buChar char="•"/>
+                  <a:defRPr sz="1800" kern="1200">
+                    <a:solidFill>
+                      <a:schemeClr val="tx1"/>
+                    </a:solidFill>
+                    <a:latin typeface="+mn-lt"/>
+                    <a:ea typeface="+mn-ea"/>
+                    <a:cs typeface="+mn-cs"/>
+                  </a:defRPr>
+                </a:lvl6pPr>
+                <a:lvl7pPr marL="2971800" indent="-228600" algn="l" defTabSz="914400" rtl="0" eaLnBrk="1" latinLnBrk="0" hangingPunct="1">
+                  <a:lnSpc>
+                    <a:spcPct val="90000"/>
+                  </a:lnSpc>
+                  <a:spcBef>
+                    <a:spcPts val="500"/>
+                  </a:spcBef>
+                  <a:buFont typeface="Arial" panose="020B0604020202020204" pitchFamily="34" charset="0"/>
+                  <a:buChar char="•"/>
+                  <a:defRPr sz="1800" kern="1200">
+                    <a:solidFill>
+                      <a:schemeClr val="tx1"/>
+                    </a:solidFill>
+                    <a:latin typeface="+mn-lt"/>
+                    <a:ea typeface="+mn-ea"/>
+                    <a:cs typeface="+mn-cs"/>
+                  </a:defRPr>
+                </a:lvl7pPr>
+                <a:lvl8pPr marL="3429000" indent="-228600" algn="l" defTabSz="914400" rtl="0" eaLnBrk="1" latinLnBrk="0" hangingPunct="1">
+                  <a:lnSpc>
+                    <a:spcPct val="90000"/>
+                  </a:lnSpc>
+                  <a:spcBef>
+                    <a:spcPts val="500"/>
+                  </a:spcBef>
+                  <a:buFont typeface="Arial" panose="020B0604020202020204" pitchFamily="34" charset="0"/>
+                  <a:buChar char="•"/>
+                  <a:defRPr sz="1800" kern="1200">
+                    <a:solidFill>
+                      <a:schemeClr val="tx1"/>
+                    </a:solidFill>
+                    <a:latin typeface="+mn-lt"/>
+                    <a:ea typeface="+mn-ea"/>
+                    <a:cs typeface="+mn-cs"/>
+                  </a:defRPr>
+                </a:lvl8pPr>
+                <a:lvl9pPr marL="3886200" indent="-228600" algn="l" defTabSz="914400" rtl="0" eaLnBrk="1" latinLnBrk="0" hangingPunct="1">
+                  <a:lnSpc>
+                    <a:spcPct val="90000"/>
+                  </a:lnSpc>
+                  <a:spcBef>
+                    <a:spcPts val="500"/>
+                  </a:spcBef>
+                  <a:buFont typeface="Arial" panose="020B0604020202020204" pitchFamily="34" charset="0"/>
+                  <a:buChar char="•"/>
+                  <a:defRPr sz="1800" kern="1200">
+                    <a:solidFill>
+                      <a:schemeClr val="tx1"/>
+                    </a:solidFill>
+                    <a:latin typeface="+mn-lt"/>
+                    <a:ea typeface="+mn-ea"/>
+                    <a:cs typeface="+mn-cs"/>
+                  </a:defRPr>
+                </a:lvl9pPr>
+              </a:lstStyle>
+              <a:p>
+                <a:pPr marL="0" indent="0">
+                  <a:buFont typeface="Arial" panose="020B0604020202020204" pitchFamily="34" charset="0"/>
+                  <a:buNone/>
+                </a:pPr>
+                <a:r>
+                  <a:rPr lang="zh-TW" altLang="en-US" b="1" dirty="0">
+                    <a:solidFill>
+                      <a:srgbClr val="0070C0"/>
+                    </a:solidFill>
+                  </a:rPr>
+                  <a:t>問題</a:t>
+                </a:r>
+                <a:r>
+                  <a:rPr lang="en-US" altLang="zh-TW" b="1" dirty="0">
+                    <a:solidFill>
+                      <a:srgbClr val="0070C0"/>
+                    </a:solidFill>
+                  </a:rPr>
+                  <a:t>:</a:t>
+                </a:r>
+              </a:p>
+              <a:p>
+                <a:r>
+                  <a:rPr lang="zh-TW" altLang="en-US" dirty="0"/>
+                  <a:t>在遭遇不同大小的障礙物體時，自架系統可能沒辦法準確知道該物體的中心位置，造成變異數矩陣</a:t>
+                </a:r>
+                <a14:m>
+                  <m:oMath xmlns:m="http://schemas.openxmlformats.org/officeDocument/2006/math">
+                    <m:r>
+                      <a:rPr lang="en-US" altLang="zh-TW" b="1" i="1" dirty="0" smtClean="0">
+                        <a:latin typeface="Cambria Math" panose="02040503050406030204" pitchFamily="18" charset="0"/>
+                      </a:rPr>
+                      <m:t>𝑪</m:t>
+                    </m:r>
+                  </m:oMath>
+                </a14:m>
+                <a:r>
+                  <a:rPr lang="zh-TW" altLang="en-US" dirty="0"/>
+                  <a:t>的設定問題。</a:t>
+                </a:r>
+                <a:endParaRPr lang="en-US" altLang="zh-TW" dirty="0"/>
+              </a:p>
+              <a:p>
+                <a:r>
+                  <a:rPr lang="zh-TW" altLang="en-US" b="1" dirty="0"/>
+                  <a:t>忽略運動學參數。</a:t>
+                </a:r>
+                <a:r>
+                  <a:rPr lang="zh-TW" altLang="en-US" dirty="0"/>
+                  <a:t>此方法僅單透過物體的位置來計算高斯風險分布，沒有考慮移動物體的行為，忽略不同的運動下帶來的風險。</a:t>
+                </a:r>
+              </a:p>
+            </p:txBody>
+          </p:sp>
+        </mc:Choice>
+        <mc:Fallback xmlns="">
+          <p:sp>
+            <p:nvSpPr>
+              <p:cNvPr id="14" name="內容版面配置區 7">
+                <a:extLst>
+                  <a:ext uri="{FF2B5EF4-FFF2-40B4-BE49-F238E27FC236}">
+                    <a16:creationId xmlns:a16="http://schemas.microsoft.com/office/drawing/2014/main" id="{01FB0D1F-A023-4BB4-8E19-79580336F062}"/>
+                  </a:ext>
+                </a:extLst>
+              </p:cNvPr>
+              <p:cNvSpPr txBox="1">
+                <a:spLocks noRot="1" noChangeAspect="1" noMove="1" noResize="1" noEditPoints="1" noAdjustHandles="1" noChangeArrowheads="1" noChangeShapeType="1" noTextEdit="1"/>
+              </p:cNvSpPr>
+              <p:nvPr/>
+            </p:nvSpPr>
+            <p:spPr>
+              <a:xfrm>
+                <a:off x="628650" y="3617534"/>
+                <a:ext cx="7886700" cy="2223190"/>
+              </a:xfrm>
+              <a:prstGeom prst="rect">
+                <a:avLst/>
+              </a:prstGeom>
+              <a:blipFill>
+                <a:blip r:embed="rId4"/>
+                <a:stretch>
+                  <a:fillRect l="-773" t="-2740" r="-2705"/>
+                </a:stretch>
+              </a:blipFill>
+            </p:spPr>
+            <p:txBody>
+              <a:bodyPr/>
+              <a:lstStyle/>
+              <a:p>
+                <a:r>
+                  <a:rPr lang="zh-TW" altLang="en-US">
+                    <a:noFill/>
+                  </a:rPr>
+                  <a:t> </a:t>
+                </a:r>
+              </a:p>
+            </p:txBody>
+          </p:sp>
+        </mc:Fallback>
+      </mc:AlternateContent>
+    </p:spTree>
+    <p:extLst>
+      <p:ext uri="{BB962C8B-B14F-4D97-AF65-F5344CB8AC3E}">
+        <p14:creationId xmlns:p14="http://schemas.microsoft.com/office/powerpoint/2010/main" val="3509072494"/>
       </p:ext>
     </p:extLst>
   </p:cSld>

--- a/path_planing/研討會/碰撞風險評估討論.pptx
+++ b/path_planing/研討會/碰撞風險評估討論.pptx
@@ -976,8 +976,8 @@
         </p:nvSpPr>
         <p:spPr/>
       </p:sp>
-      <mc:AlternateContent xmlns:mc="http://schemas.openxmlformats.org/markup-compatibility/2006">
-        <mc:Choice xmlns:a14="http://schemas.microsoft.com/office/drawing/2010/main" Requires="a14">
+      <mc:AlternateContent xmlns:mc="http://schemas.openxmlformats.org/markup-compatibility/2006" xmlns:a14="http://schemas.microsoft.com/office/drawing/2010/main">
+        <mc:Choice Requires="a14">
           <p:sp>
             <p:nvSpPr>
               <p:cNvPr id="3" name="備忘稿版面配置區 2"/>
@@ -1105,7 +1105,7 @@
             </p:txBody>
           </p:sp>
         </mc:Choice>
-        <mc:Fallback>
+        <mc:Fallback xmlns="">
           <p:sp>
             <p:nvSpPr>
               <p:cNvPr id="3" name="備忘稿版面配置區 2"/>
@@ -1551,8 +1551,8 @@
         </p:nvSpPr>
         <p:spPr/>
       </p:sp>
-      <mc:AlternateContent xmlns:mc="http://schemas.openxmlformats.org/markup-compatibility/2006">
-        <mc:Choice xmlns:a14="http://schemas.microsoft.com/office/drawing/2010/main" Requires="a14">
+      <mc:AlternateContent xmlns:mc="http://schemas.openxmlformats.org/markup-compatibility/2006" xmlns:a14="http://schemas.microsoft.com/office/drawing/2010/main">
+        <mc:Choice Requires="a14">
           <p:sp>
             <p:nvSpPr>
               <p:cNvPr id="3" name="備忘稿版面配置區 2"/>
@@ -1869,7 +1869,7 @@
             </p:txBody>
           </p:sp>
         </mc:Choice>
-        <mc:Fallback>
+        <mc:Fallback xmlns="">
           <p:sp>
             <p:nvSpPr>
               <p:cNvPr id="3" name="備忘稿版面配置區 2"/>
@@ -2121,8 +2121,8 @@
         </p:nvSpPr>
         <p:spPr/>
       </p:sp>
-      <mc:AlternateContent xmlns:mc="http://schemas.openxmlformats.org/markup-compatibility/2006">
-        <mc:Choice xmlns:a14="http://schemas.microsoft.com/office/drawing/2010/main" Requires="a14">
+      <mc:AlternateContent xmlns:mc="http://schemas.openxmlformats.org/markup-compatibility/2006" xmlns:a14="http://schemas.microsoft.com/office/drawing/2010/main">
+        <mc:Choice Requires="a14">
           <p:sp>
             <p:nvSpPr>
               <p:cNvPr id="3" name="備忘稿版面配置區 2"/>
@@ -2275,7 +2275,7 @@
             </p:txBody>
           </p:sp>
         </mc:Choice>
-        <mc:Fallback>
+        <mc:Fallback xmlns="">
           <p:sp>
             <p:nvSpPr>
               <p:cNvPr id="3" name="備忘稿版面配置區 2"/>
@@ -7084,8 +7084,8 @@
           </a:prstGeom>
         </p:spPr>
       </p:pic>
-      <mc:AlternateContent xmlns:mc="http://schemas.openxmlformats.org/markup-compatibility/2006">
-        <mc:Choice xmlns:a14="http://schemas.microsoft.com/office/drawing/2010/main" Requires="a14">
+      <mc:AlternateContent xmlns:mc="http://schemas.openxmlformats.org/markup-compatibility/2006" xmlns:a14="http://schemas.microsoft.com/office/drawing/2010/main">
+        <mc:Choice Requires="a14">
           <p:sp>
             <p:nvSpPr>
               <p:cNvPr id="11" name="文字方塊 10">
@@ -7308,7 +7308,7 @@
             </p:txBody>
           </p:sp>
         </mc:Choice>
-        <mc:Fallback>
+        <mc:Fallback xmlns="">
           <p:sp>
             <p:nvSpPr>
               <p:cNvPr id="11" name="文字方塊 10">
@@ -8471,8 +8471,8 @@
           </a:prstGeom>
         </p:spPr>
       </p:pic>
-      <mc:AlternateContent xmlns:mc="http://schemas.openxmlformats.org/markup-compatibility/2006">
-        <mc:Choice xmlns:a14="http://schemas.microsoft.com/office/drawing/2010/main" Requires="a14">
+      <mc:AlternateContent xmlns:mc="http://schemas.openxmlformats.org/markup-compatibility/2006" xmlns:a14="http://schemas.microsoft.com/office/drawing/2010/main">
+        <mc:Choice Requires="a14">
           <p:sp>
             <p:nvSpPr>
               <p:cNvPr id="24" name="內容版面配置區 7">
@@ -8768,7 +8768,7 @@
             </p:txBody>
           </p:sp>
         </mc:Choice>
-        <mc:Fallback>
+        <mc:Fallback xmlns="">
           <p:sp>
             <p:nvSpPr>
               <p:cNvPr id="24" name="內容版面配置區 7">
@@ -9564,8 +9564,8 @@
           </a:p>
         </p:txBody>
       </p:sp>
-      <mc:AlternateContent xmlns:mc="http://schemas.openxmlformats.org/markup-compatibility/2006">
-        <mc:Choice xmlns:a14="http://schemas.microsoft.com/office/drawing/2010/main" Requires="a14">
+      <mc:AlternateContent xmlns:mc="http://schemas.openxmlformats.org/markup-compatibility/2006" xmlns:a14="http://schemas.microsoft.com/office/drawing/2010/main">
+        <mc:Choice Requires="a14">
           <p:sp>
             <p:nvSpPr>
               <p:cNvPr id="8" name="內容版面配置區 7">
@@ -9781,7 +9781,7 @@
             </p:txBody>
           </p:sp>
         </mc:Choice>
-        <mc:Fallback>
+        <mc:Fallback xmlns="">
           <p:sp>
             <p:nvSpPr>
               <p:cNvPr id="8" name="內容版面配置區 7">
@@ -11307,8 +11307,8 @@
           </a:p>
         </p:txBody>
       </p:sp>
-      <mc:AlternateContent xmlns:mc="http://schemas.openxmlformats.org/markup-compatibility/2006">
-        <mc:Choice xmlns:a14="http://schemas.microsoft.com/office/drawing/2010/main" Requires="a14">
+      <mc:AlternateContent xmlns:mc="http://schemas.openxmlformats.org/markup-compatibility/2006" xmlns:a14="http://schemas.microsoft.com/office/drawing/2010/main">
+        <mc:Choice Requires="a14">
           <p:sp>
             <p:nvSpPr>
               <p:cNvPr id="8" name="內容版面配置區 7">
@@ -11634,7 +11634,7 @@
             </p:txBody>
           </p:sp>
         </mc:Choice>
-        <mc:Fallback>
+        <mc:Fallback xmlns="">
           <p:sp>
             <p:nvSpPr>
               <p:cNvPr id="8" name="內容版面配置區 7">
@@ -12115,8 +12115,8 @@
           </a:extLst>
         </p:spPr>
       </p:pic>
-      <mc:AlternateContent xmlns:mc="http://schemas.openxmlformats.org/markup-compatibility/2006" xmlns:a14="http://schemas.microsoft.com/office/drawing/2010/main">
-        <mc:Choice Requires="a14">
+      <mc:AlternateContent xmlns:mc="http://schemas.openxmlformats.org/markup-compatibility/2006">
+        <mc:Choice xmlns:a14="http://schemas.microsoft.com/office/drawing/2010/main" Requires="a14">
           <p:sp>
             <p:nvSpPr>
               <p:cNvPr id="5" name="文字方塊 4">
@@ -12287,10 +12287,10 @@
                         </m:sSubPr>
                         <m:e>
                           <m:r>
-                            <a:rPr lang="en-US" altLang="zh-TW" sz="2000" b="0" i="1" smtClean="0">
+                            <a:rPr lang="en-US" altLang="zh-TW" sz="2000" b="1" i="0" smtClean="0">
                               <a:latin typeface="Cambria Math" panose="02040503050406030204" pitchFamily="18" charset="0"/>
                             </a:rPr>
-                            <m:t>𝑣</m:t>
+                            <m:t>𝐯</m:t>
                           </m:r>
                         </m:e>
                         <m:sub>
@@ -12310,7 +12310,7 @@
             </p:txBody>
           </p:sp>
         </mc:Choice>
-        <mc:Fallback xmlns="">
+        <mc:Fallback>
           <p:sp>
             <p:nvSpPr>
               <p:cNvPr id="5" name="文字方塊 4">
